--- a/第六章 图/6.4 图的应用/相关表格和图.pptx
+++ b/第六章 图/6.4 图的应用/相关表格和图.pptx
@@ -9,11 +9,15 @@
     <p:sldId id="257" r:id="rId4"/>
     <p:sldId id="258" r:id="rId5"/>
     <p:sldId id="259" r:id="rId6"/>
+    <p:sldId id="261" r:id="rId7"/>
+    <p:sldId id="262" r:id="rId8"/>
+    <p:sldId id="263" r:id="rId9"/>
+    <p:sldId id="265" r:id="rId10"/>
   </p:sldIdLst>
   <p:sldSz cx="12192000" cy="6858000"/>
   <p:notesSz cx="6858000" cy="9144000"/>
   <p:custDataLst>
-    <p:tags r:id="rId10"/>
+    <p:tags r:id="rId14"/>
   </p:custDataLst>
   <p:defaultTextStyle>
     <a:defPPr>
@@ -113,12 +117,12 @@
   <p:extLst>
     <p:ext uri="{EFAFB233-063F-42B5-8137-9DF3F51BA10A}">
       <p15:sldGuideLst xmlns:p15="http://schemas.microsoft.com/office/powerpoint/2012/main">
-        <p15:guide id="1" orient="horz" pos="2160" userDrawn="1">
+        <p15:guide id="1" orient="horz" pos="2159" userDrawn="1">
           <p15:clr>
             <a:srgbClr val="A4A3A4"/>
           </p15:clr>
         </p15:guide>
-        <p15:guide id="2" pos="3839" userDrawn="1">
+        <p15:guide id="2" pos="3840" userDrawn="1">
           <p15:clr>
             <a:srgbClr val="A4A3A4"/>
           </p15:clr>
@@ -6725,7 +6729,7 @@
         </p:nvGraphicFramePr>
         <p:xfrm>
           <a:off x="348615" y="2197735"/>
-          <a:ext cx="10018395" cy="1645920"/>
+          <a:ext cx="10489240" cy="1645920"/>
         </p:xfrm>
         <a:graphic>
           <a:graphicData uri="http://schemas.openxmlformats.org/drawingml/2006/table">
@@ -10853,6 +10857,8162 @@
     </p:spTree>
     <p:custDataLst>
       <p:tags r:id="rId2"/>
+    </p:custDataLst>
+  </p:cSld>
+  <p:clrMapOvr>
+    <a:masterClrMapping/>
+  </p:clrMapOvr>
+</p:sld>
+</file>
+
+<file path=ppt/slides/slide5.xml><?xml version="1.0" encoding="utf-8"?>
+<p:sld xmlns:a="http://schemas.openxmlformats.org/drawingml/2006/main" xmlns:r="http://schemas.openxmlformats.org/officeDocument/2006/relationships" xmlns:p="http://schemas.openxmlformats.org/presentationml/2006/main">
+  <p:cSld>
+    <p:spTree>
+      <p:nvGrpSpPr>
+        <p:cNvPr id="1" name=""/>
+        <p:cNvGrpSpPr/>
+        <p:nvPr/>
+      </p:nvGrpSpPr>
+      <p:grpSpPr/>
+      <p:graphicFrame>
+        <p:nvGraphicFramePr>
+          <p:cNvPr id="4" name="表格 3"/>
+          <p:cNvGraphicFramePr/>
+          <p:nvPr>
+            <p:custDataLst>
+              <p:tags r:id="rId1"/>
+            </p:custDataLst>
+          </p:nvPr>
+        </p:nvGraphicFramePr>
+        <p:xfrm>
+          <a:off x="467995" y="560070"/>
+          <a:ext cx="11076940" cy="1388745"/>
+        </p:xfrm>
+        <a:graphic>
+          <a:graphicData uri="http://schemas.openxmlformats.org/drawingml/2006/table">
+            <a:tbl>
+              <a:tblPr firstRow="1" bandRow="1"/>
+              <a:tblGrid>
+                <a:gridCol w="1582420"/>
+                <a:gridCol w="1582420"/>
+                <a:gridCol w="1582420"/>
+                <a:gridCol w="1582420"/>
+                <a:gridCol w="1582420"/>
+                <a:gridCol w="1582420"/>
+                <a:gridCol w="1582420"/>
+              </a:tblGrid>
+              <a:tr h="370205">
+                <a:tc>
+                  <a:txBody>
+                    <a:bodyPr/>
+                    <a:p>
+                      <a:pPr algn="ctr">
+                        <a:buNone/>
+                      </a:pPr>
+                      <a:r>
+                        <a:rPr lang="zh-CN" altLang="en-US">
+                          <a:solidFill>
+                            <a:srgbClr val="FFFFFF"/>
+                          </a:solidFill>
+                        </a:rPr>
+                        <a:t>事件</a:t>
+                      </a:r>
+                      <a:endParaRPr lang="zh-CN" altLang="en-US">
+                        <a:solidFill>
+                          <a:srgbClr val="FFFFFF"/>
+                        </a:solidFill>
+                      </a:endParaRPr>
+                    </a:p>
+                  </a:txBody>
+                  <a:tcPr>
+                    <a:lnL>
+                      <a:noFill/>
+                    </a:lnL>
+                    <a:lnR>
+                      <a:noFill/>
+                    </a:lnR>
+                    <a:lnT>
+                      <a:noFill/>
+                    </a:lnT>
+                    <a:lnB>
+                      <a:noFill/>
+                    </a:lnB>
+                    <a:solidFill>
+                      <a:srgbClr val="595959"/>
+                    </a:solidFill>
+                  </a:tcPr>
+                </a:tc>
+                <a:tc>
+                  <a:txBody>
+                    <a:bodyPr/>
+                    <a:p>
+                      <a:pPr algn="ctr">
+                        <a:buNone/>
+                      </a:pPr>
+                      <a:r>
+                        <a:rPr lang="en-US" altLang="zh-CN">
+                          <a:solidFill>
+                            <a:srgbClr val="FFFFFF"/>
+                          </a:solidFill>
+                        </a:rPr>
+                        <a:t>1</a:t>
+                      </a:r>
+                      <a:endParaRPr lang="en-US" altLang="zh-CN">
+                        <a:solidFill>
+                          <a:srgbClr val="FFFFFF"/>
+                        </a:solidFill>
+                      </a:endParaRPr>
+                    </a:p>
+                  </a:txBody>
+                  <a:tcPr>
+                    <a:lnL>
+                      <a:noFill/>
+                    </a:lnL>
+                    <a:lnR>
+                      <a:noFill/>
+                    </a:lnR>
+                    <a:lnT>
+                      <a:noFill/>
+                    </a:lnT>
+                    <a:lnB>
+                      <a:noFill/>
+                    </a:lnB>
+                    <a:solidFill>
+                      <a:srgbClr val="E74C3C"/>
+                    </a:solidFill>
+                  </a:tcPr>
+                </a:tc>
+                <a:tc>
+                  <a:txBody>
+                    <a:bodyPr/>
+                    <a:p>
+                      <a:pPr algn="ctr">
+                        <a:buNone/>
+                      </a:pPr>
+                      <a:r>
+                        <a:rPr lang="en-US" altLang="zh-CN">
+                          <a:solidFill>
+                            <a:srgbClr val="FFFFFF"/>
+                          </a:solidFill>
+                        </a:rPr>
+                        <a:t>2</a:t>
+                      </a:r>
+                      <a:endParaRPr lang="en-US" altLang="zh-CN">
+                        <a:solidFill>
+                          <a:srgbClr val="FFFFFF"/>
+                        </a:solidFill>
+                      </a:endParaRPr>
+                    </a:p>
+                  </a:txBody>
+                  <a:tcPr>
+                    <a:lnL>
+                      <a:noFill/>
+                    </a:lnL>
+                    <a:lnR>
+                      <a:noFill/>
+                    </a:lnR>
+                    <a:lnT>
+                      <a:noFill/>
+                    </a:lnT>
+                    <a:lnB>
+                      <a:noFill/>
+                    </a:lnB>
+                    <a:solidFill>
+                      <a:srgbClr val="F89406"/>
+                    </a:solidFill>
+                  </a:tcPr>
+                </a:tc>
+                <a:tc>
+                  <a:txBody>
+                    <a:bodyPr/>
+                    <a:p>
+                      <a:pPr algn="ctr">
+                        <a:buNone/>
+                      </a:pPr>
+                      <a:r>
+                        <a:rPr lang="en-US" altLang="zh-CN">
+                          <a:solidFill>
+                            <a:srgbClr val="FFFFFF"/>
+                          </a:solidFill>
+                        </a:rPr>
+                        <a:t>3</a:t>
+                      </a:r>
+                      <a:endParaRPr lang="en-US" altLang="zh-CN">
+                        <a:solidFill>
+                          <a:srgbClr val="FFFFFF"/>
+                        </a:solidFill>
+                      </a:endParaRPr>
+                    </a:p>
+                  </a:txBody>
+                  <a:tcPr>
+                    <a:lnL>
+                      <a:noFill/>
+                    </a:lnL>
+                    <a:lnR>
+                      <a:noFill/>
+                    </a:lnR>
+                    <a:lnT>
+                      <a:noFill/>
+                    </a:lnT>
+                    <a:lnB>
+                      <a:noFill/>
+                    </a:lnB>
+                    <a:solidFill>
+                      <a:srgbClr val="F7B619"/>
+                    </a:solidFill>
+                  </a:tcPr>
+                </a:tc>
+                <a:tc>
+                  <a:txBody>
+                    <a:bodyPr/>
+                    <a:p>
+                      <a:pPr algn="ctr">
+                        <a:buNone/>
+                      </a:pPr>
+                      <a:r>
+                        <a:rPr lang="en-US" altLang="zh-CN">
+                          <a:solidFill>
+                            <a:srgbClr val="FFFFFF"/>
+                          </a:solidFill>
+                        </a:rPr>
+                        <a:t>4</a:t>
+                      </a:r>
+                      <a:endParaRPr lang="en-US" altLang="zh-CN">
+                        <a:solidFill>
+                          <a:srgbClr val="FFFFFF"/>
+                        </a:solidFill>
+                      </a:endParaRPr>
+                    </a:p>
+                  </a:txBody>
+                  <a:tcPr>
+                    <a:lnL>
+                      <a:noFill/>
+                    </a:lnL>
+                    <a:lnR>
+                      <a:noFill/>
+                    </a:lnR>
+                    <a:lnT>
+                      <a:noFill/>
+                    </a:lnT>
+                    <a:lnB>
+                      <a:noFill/>
+                    </a:lnB>
+                    <a:solidFill>
+                      <a:srgbClr val="C0CA33"/>
+                    </a:solidFill>
+                  </a:tcPr>
+                </a:tc>
+                <a:tc>
+                  <a:txBody>
+                    <a:bodyPr/>
+                    <a:p>
+                      <a:pPr algn="ctr">
+                        <a:buNone/>
+                      </a:pPr>
+                      <a:r>
+                        <a:rPr lang="en-US" altLang="zh-CN">
+                          <a:solidFill>
+                            <a:srgbClr val="FFFFFF"/>
+                          </a:solidFill>
+                        </a:rPr>
+                        <a:t>5</a:t>
+                      </a:r>
+                      <a:endParaRPr lang="en-US" altLang="zh-CN">
+                        <a:solidFill>
+                          <a:srgbClr val="FFFFFF"/>
+                        </a:solidFill>
+                      </a:endParaRPr>
+                    </a:p>
+                  </a:txBody>
+                  <a:tcPr>
+                    <a:lnL>
+                      <a:noFill/>
+                    </a:lnL>
+                    <a:lnR>
+                      <a:noFill/>
+                    </a:lnR>
+                    <a:lnT>
+                      <a:noFill/>
+                    </a:lnT>
+                    <a:lnB>
+                      <a:noFill/>
+                    </a:lnB>
+                    <a:solidFill>
+                      <a:srgbClr val="7CB342"/>
+                    </a:solidFill>
+                  </a:tcPr>
+                </a:tc>
+                <a:tc>
+                  <a:txBody>
+                    <a:bodyPr/>
+                    <a:p>
+                      <a:pPr algn="ctr">
+                        <a:buNone/>
+                      </a:pPr>
+                      <a:r>
+                        <a:rPr lang="en-US" altLang="zh-CN">
+                          <a:solidFill>
+                            <a:srgbClr val="FFFFFF"/>
+                          </a:solidFill>
+                        </a:rPr>
+                        <a:t>6</a:t>
+                      </a:r>
+                      <a:endParaRPr lang="en-US" altLang="zh-CN">
+                        <a:solidFill>
+                          <a:srgbClr val="FFFFFF"/>
+                        </a:solidFill>
+                      </a:endParaRPr>
+                    </a:p>
+                  </a:txBody>
+                  <a:tcPr>
+                    <a:lnL>
+                      <a:noFill/>
+                    </a:lnL>
+                    <a:lnR>
+                      <a:noFill/>
+                    </a:lnR>
+                    <a:lnT>
+                      <a:noFill/>
+                    </a:lnT>
+                    <a:lnB>
+                      <a:noFill/>
+                    </a:lnB>
+                    <a:solidFill>
+                      <a:srgbClr val="009688"/>
+                    </a:solidFill>
+                  </a:tcPr>
+                </a:tc>
+              </a:tr>
+              <a:tr h="370840">
+                <a:tc>
+                  <a:txBody>
+                    <a:bodyPr/>
+                    <a:p>
+                      <a:pPr algn="ctr">
+                        <a:buNone/>
+                      </a:pPr>
+                      <a:r>
+                        <a:rPr lang="zh-CN" altLang="en-US">
+                          <a:solidFill>
+                            <a:srgbClr val="404040"/>
+                          </a:solidFill>
+                        </a:rPr>
+                        <a:t>最早发生时间</a:t>
+                      </a:r>
+                      <a:endParaRPr lang="zh-CN" altLang="en-US">
+                        <a:solidFill>
+                          <a:srgbClr val="404040"/>
+                        </a:solidFill>
+                      </a:endParaRPr>
+                    </a:p>
+                  </a:txBody>
+                  <a:tcPr anchor="ctr" anchorCtr="0">
+                    <a:lnL>
+                      <a:noFill/>
+                    </a:lnL>
+                    <a:lnR w="12700">
+                      <a:solidFill>
+                        <a:srgbClr val="D9D9D9"/>
+                      </a:solidFill>
+                      <a:prstDash val="solid"/>
+                    </a:lnR>
+                    <a:lnT>
+                      <a:noFill/>
+                    </a:lnT>
+                    <a:lnB>
+                      <a:noFill/>
+                    </a:lnB>
+                    <a:solidFill>
+                      <a:srgbClr val="FFFFFF"/>
+                    </a:solidFill>
+                  </a:tcPr>
+                </a:tc>
+                <a:tc>
+                  <a:txBody>
+                    <a:bodyPr/>
+                    <a:p>
+                      <a:pPr algn="ctr">
+                        <a:buNone/>
+                      </a:pPr>
+                      <a:r>
+                        <a:rPr lang="en-US" altLang="zh-CN" b="1">
+                          <a:solidFill>
+                            <a:srgbClr val="404040"/>
+                          </a:solidFill>
+                        </a:rPr>
+                        <a:t>0</a:t>
+                      </a:r>
+                      <a:endParaRPr lang="en-US" altLang="zh-CN" b="1">
+                        <a:solidFill>
+                          <a:srgbClr val="404040"/>
+                        </a:solidFill>
+                      </a:endParaRPr>
+                    </a:p>
+                  </a:txBody>
+                  <a:tcPr anchor="ctr" anchorCtr="0">
+                    <a:lnL w="12700">
+                      <a:solidFill>
+                        <a:srgbClr val="D9D9D9"/>
+                      </a:solidFill>
+                      <a:prstDash val="solid"/>
+                    </a:lnL>
+                    <a:lnR w="6350">
+                      <a:solidFill>
+                        <a:srgbClr val="D9D9D9"/>
+                      </a:solidFill>
+                      <a:prstDash val="solid"/>
+                    </a:lnR>
+                    <a:lnT>
+                      <a:noFill/>
+                    </a:lnT>
+                    <a:lnB>
+                      <a:noFill/>
+                    </a:lnB>
+                    <a:solidFill>
+                      <a:srgbClr val="FFFFFF"/>
+                    </a:solidFill>
+                  </a:tcPr>
+                </a:tc>
+                <a:tc>
+                  <a:txBody>
+                    <a:bodyPr/>
+                    <a:p>
+                      <a:pPr algn="ctr">
+                        <a:buNone/>
+                      </a:pPr>
+                      <a:r>
+                        <a:rPr lang="en-US" altLang="zh-CN" b="1">
+                          <a:solidFill>
+                            <a:srgbClr val="404040"/>
+                          </a:solidFill>
+                        </a:rPr>
+                        <a:t>12</a:t>
+                      </a:r>
+                      <a:endParaRPr lang="en-US" altLang="zh-CN" b="1">
+                        <a:solidFill>
+                          <a:srgbClr val="404040"/>
+                        </a:solidFill>
+                      </a:endParaRPr>
+                    </a:p>
+                  </a:txBody>
+                  <a:tcPr anchor="ctr" anchorCtr="0">
+                    <a:lnL w="6350">
+                      <a:solidFill>
+                        <a:srgbClr val="D9D9D9"/>
+                      </a:solidFill>
+                      <a:prstDash val="solid"/>
+                    </a:lnL>
+                    <a:lnR w="6350">
+                      <a:solidFill>
+                        <a:srgbClr val="D9D9D9"/>
+                      </a:solidFill>
+                      <a:prstDash val="solid"/>
+                    </a:lnR>
+                    <a:lnT>
+                      <a:noFill/>
+                    </a:lnT>
+                    <a:lnB>
+                      <a:noFill/>
+                    </a:lnB>
+                    <a:solidFill>
+                      <a:srgbClr val="FFFFFF"/>
+                    </a:solidFill>
+                  </a:tcPr>
+                </a:tc>
+                <a:tc>
+                  <a:txBody>
+                    <a:bodyPr/>
+                    <a:p>
+                      <a:pPr algn="ctr">
+                        <a:buNone/>
+                      </a:pPr>
+                      <a:r>
+                        <a:rPr lang="en-US" altLang="zh-CN" b="1">
+                          <a:solidFill>
+                            <a:srgbClr val="404040"/>
+                          </a:solidFill>
+                        </a:rPr>
+                        <a:t>8</a:t>
+                      </a:r>
+                      <a:endParaRPr lang="en-US" altLang="zh-CN" b="1">
+                        <a:solidFill>
+                          <a:srgbClr val="404040"/>
+                        </a:solidFill>
+                      </a:endParaRPr>
+                    </a:p>
+                  </a:txBody>
+                  <a:tcPr anchor="ctr" anchorCtr="0">
+                    <a:lnL w="6350">
+                      <a:solidFill>
+                        <a:srgbClr val="D9D9D9"/>
+                      </a:solidFill>
+                      <a:prstDash val="solid"/>
+                    </a:lnL>
+                    <a:lnR w="6350">
+                      <a:solidFill>
+                        <a:srgbClr val="D9D9D9"/>
+                      </a:solidFill>
+                      <a:prstDash val="solid"/>
+                    </a:lnR>
+                    <a:lnT>
+                      <a:noFill/>
+                    </a:lnT>
+                    <a:lnB>
+                      <a:noFill/>
+                    </a:lnB>
+                    <a:solidFill>
+                      <a:srgbClr val="FFFFFF"/>
+                    </a:solidFill>
+                  </a:tcPr>
+                </a:tc>
+                <a:tc>
+                  <a:txBody>
+                    <a:bodyPr/>
+                    <a:p>
+                      <a:pPr algn="ctr">
+                        <a:buNone/>
+                      </a:pPr>
+                      <a:r>
+                        <a:rPr lang="en-US" altLang="zh-CN" b="1">
+                          <a:solidFill>
+                            <a:srgbClr val="404040"/>
+                          </a:solidFill>
+                        </a:rPr>
+                        <a:t>19</a:t>
+                      </a:r>
+                      <a:endParaRPr lang="en-US" altLang="zh-CN" b="1">
+                        <a:solidFill>
+                          <a:srgbClr val="404040"/>
+                        </a:solidFill>
+                      </a:endParaRPr>
+                    </a:p>
+                  </a:txBody>
+                  <a:tcPr anchor="ctr" anchorCtr="0">
+                    <a:lnL w="6350">
+                      <a:solidFill>
+                        <a:srgbClr val="D9D9D9"/>
+                      </a:solidFill>
+                      <a:prstDash val="solid"/>
+                    </a:lnL>
+                    <a:lnR w="6350">
+                      <a:solidFill>
+                        <a:srgbClr val="D9D9D9"/>
+                      </a:solidFill>
+                      <a:prstDash val="solid"/>
+                    </a:lnR>
+                    <a:lnT>
+                      <a:noFill/>
+                    </a:lnT>
+                    <a:lnB>
+                      <a:noFill/>
+                    </a:lnB>
+                    <a:solidFill>
+                      <a:srgbClr val="FFFFFF"/>
+                    </a:solidFill>
+                  </a:tcPr>
+                </a:tc>
+                <a:tc>
+                  <a:txBody>
+                    <a:bodyPr/>
+                    <a:p>
+                      <a:pPr algn="ctr">
+                        <a:buNone/>
+                      </a:pPr>
+                      <a:r>
+                        <a:rPr lang="en-US" altLang="zh-CN" b="1">
+                          <a:solidFill>
+                            <a:srgbClr val="404040"/>
+                          </a:solidFill>
+                        </a:rPr>
+                        <a:t>18</a:t>
+                      </a:r>
+                      <a:endParaRPr lang="en-US" altLang="zh-CN" b="1">
+                        <a:solidFill>
+                          <a:srgbClr val="404040"/>
+                        </a:solidFill>
+                      </a:endParaRPr>
+                    </a:p>
+                  </a:txBody>
+                  <a:tcPr anchor="ctr" anchorCtr="0">
+                    <a:lnL w="6350">
+                      <a:solidFill>
+                        <a:srgbClr val="D9D9D9"/>
+                      </a:solidFill>
+                      <a:prstDash val="solid"/>
+                    </a:lnL>
+                    <a:lnR w="6350">
+                      <a:solidFill>
+                        <a:srgbClr val="D9D9D9"/>
+                      </a:solidFill>
+                      <a:prstDash val="solid"/>
+                    </a:lnR>
+                    <a:lnT>
+                      <a:noFill/>
+                    </a:lnT>
+                    <a:lnB>
+                      <a:noFill/>
+                    </a:lnB>
+                    <a:solidFill>
+                      <a:srgbClr val="FFFFFF"/>
+                    </a:solidFill>
+                  </a:tcPr>
+                </a:tc>
+                <a:tc>
+                  <a:txBody>
+                    <a:bodyPr/>
+                    <a:p>
+                      <a:pPr algn="ctr">
+                        <a:buNone/>
+                      </a:pPr>
+                      <a:r>
+                        <a:rPr lang="en-US" altLang="zh-CN" b="1">
+                          <a:solidFill>
+                            <a:srgbClr val="404040"/>
+                          </a:solidFill>
+                        </a:rPr>
+                        <a:t>27</a:t>
+                      </a:r>
+                      <a:endParaRPr lang="en-US" altLang="zh-CN" b="1">
+                        <a:solidFill>
+                          <a:srgbClr val="404040"/>
+                        </a:solidFill>
+                      </a:endParaRPr>
+                    </a:p>
+                  </a:txBody>
+                  <a:tcPr anchor="ctr" anchorCtr="0">
+                    <a:lnL w="6350">
+                      <a:solidFill>
+                        <a:srgbClr val="D9D9D9"/>
+                      </a:solidFill>
+                      <a:prstDash val="solid"/>
+                    </a:lnL>
+                    <a:lnR>
+                      <a:noFill/>
+                    </a:lnR>
+                    <a:lnT>
+                      <a:noFill/>
+                    </a:lnT>
+                    <a:lnB>
+                      <a:noFill/>
+                    </a:lnB>
+                    <a:solidFill>
+                      <a:srgbClr val="FFFFFF"/>
+                    </a:solidFill>
+                  </a:tcPr>
+                </a:tc>
+              </a:tr>
+              <a:tr h="370205">
+                <a:tc>
+                  <a:txBody>
+                    <a:bodyPr/>
+                    <a:p>
+                      <a:pPr algn="ctr">
+                        <a:buNone/>
+                      </a:pPr>
+                      <a:r>
+                        <a:rPr lang="zh-CN" altLang="en-US">
+                          <a:solidFill>
+                            <a:srgbClr val="404040"/>
+                          </a:solidFill>
+                        </a:rPr>
+                        <a:t>最迟发生时间</a:t>
+                      </a:r>
+                      <a:endParaRPr lang="zh-CN" altLang="en-US">
+                        <a:solidFill>
+                          <a:srgbClr val="404040"/>
+                        </a:solidFill>
+                      </a:endParaRPr>
+                    </a:p>
+                  </a:txBody>
+                  <a:tcPr anchor="ctr" anchorCtr="0">
+                    <a:lnL>
+                      <a:noFill/>
+                    </a:lnL>
+                    <a:lnR w="12700">
+                      <a:solidFill>
+                        <a:srgbClr val="D9D9D9"/>
+                      </a:solidFill>
+                      <a:prstDash val="solid"/>
+                    </a:lnR>
+                    <a:lnT>
+                      <a:noFill/>
+                    </a:lnT>
+                    <a:lnB w="19050">
+                      <a:solidFill>
+                        <a:srgbClr val="595959"/>
+                      </a:solidFill>
+                      <a:prstDash val="solid"/>
+                    </a:lnB>
+                    <a:solidFill>
+                      <a:srgbClr val="F2F2F2"/>
+                    </a:solidFill>
+                  </a:tcPr>
+                </a:tc>
+                <a:tc>
+                  <a:txBody>
+                    <a:bodyPr/>
+                    <a:p>
+                      <a:pPr algn="ctr">
+                        <a:buNone/>
+                      </a:pPr>
+                      <a:r>
+                        <a:rPr lang="en-US" altLang="zh-CN" b="1">
+                          <a:solidFill>
+                            <a:srgbClr val="404040"/>
+                          </a:solidFill>
+                        </a:rPr>
+                        <a:t>0</a:t>
+                      </a:r>
+                      <a:endParaRPr lang="en-US" altLang="zh-CN" b="1">
+                        <a:solidFill>
+                          <a:srgbClr val="404040"/>
+                        </a:solidFill>
+                      </a:endParaRPr>
+                    </a:p>
+                  </a:txBody>
+                  <a:tcPr anchor="ctr" anchorCtr="0">
+                    <a:lnL w="12700">
+                      <a:solidFill>
+                        <a:srgbClr val="D9D9D9"/>
+                      </a:solidFill>
+                      <a:prstDash val="solid"/>
+                    </a:lnL>
+                    <a:lnR w="6350">
+                      <a:solidFill>
+                        <a:srgbClr val="D9D9D9"/>
+                      </a:solidFill>
+                      <a:prstDash val="solid"/>
+                    </a:lnR>
+                    <a:lnT>
+                      <a:noFill/>
+                    </a:lnT>
+                    <a:lnB w="19050">
+                      <a:solidFill>
+                        <a:srgbClr val="595959"/>
+                      </a:solidFill>
+                      <a:prstDash val="solid"/>
+                    </a:lnB>
+                    <a:solidFill>
+                      <a:srgbClr val="F2F2F2"/>
+                    </a:solidFill>
+                  </a:tcPr>
+                </a:tc>
+                <a:tc>
+                  <a:txBody>
+                    <a:bodyPr/>
+                    <a:p>
+                      <a:pPr algn="ctr">
+                        <a:buNone/>
+                      </a:pPr>
+                      <a:r>
+                        <a:rPr lang="en-US" altLang="zh-CN" b="1">
+                          <a:solidFill>
+                            <a:srgbClr val="404040"/>
+                          </a:solidFill>
+                        </a:rPr>
+                        <a:t>12</a:t>
+                      </a:r>
+                      <a:endParaRPr lang="en-US" altLang="zh-CN" b="1">
+                        <a:solidFill>
+                          <a:srgbClr val="404040"/>
+                        </a:solidFill>
+                      </a:endParaRPr>
+                    </a:p>
+                  </a:txBody>
+                  <a:tcPr anchor="ctr" anchorCtr="0">
+                    <a:lnL w="6350">
+                      <a:solidFill>
+                        <a:srgbClr val="D9D9D9"/>
+                      </a:solidFill>
+                      <a:prstDash val="solid"/>
+                    </a:lnL>
+                    <a:lnR w="6350">
+                      <a:solidFill>
+                        <a:srgbClr val="D9D9D9"/>
+                      </a:solidFill>
+                      <a:prstDash val="solid"/>
+                    </a:lnR>
+                    <a:lnT>
+                      <a:noFill/>
+                    </a:lnT>
+                    <a:lnB w="19050">
+                      <a:solidFill>
+                        <a:srgbClr val="595959"/>
+                      </a:solidFill>
+                      <a:prstDash val="solid"/>
+                    </a:lnB>
+                    <a:solidFill>
+                      <a:srgbClr val="F2F2F2"/>
+                    </a:solidFill>
+                  </a:tcPr>
+                </a:tc>
+                <a:tc>
+                  <a:txBody>
+                    <a:bodyPr/>
+                    <a:p>
+                      <a:pPr algn="ctr">
+                        <a:buNone/>
+                      </a:pPr>
+                      <a:r>
+                        <a:rPr lang="en-US" altLang="zh-CN" b="1">
+                          <a:solidFill>
+                            <a:srgbClr val="404040"/>
+                          </a:solidFill>
+                        </a:rPr>
+                        <a:t>8</a:t>
+                      </a:r>
+                      <a:endParaRPr lang="en-US" altLang="zh-CN" b="1">
+                        <a:solidFill>
+                          <a:srgbClr val="404040"/>
+                        </a:solidFill>
+                      </a:endParaRPr>
+                    </a:p>
+                  </a:txBody>
+                  <a:tcPr anchor="ctr" anchorCtr="0">
+                    <a:lnL w="6350">
+                      <a:solidFill>
+                        <a:srgbClr val="D9D9D9"/>
+                      </a:solidFill>
+                      <a:prstDash val="solid"/>
+                    </a:lnL>
+                    <a:lnR w="6350">
+                      <a:solidFill>
+                        <a:srgbClr val="D9D9D9"/>
+                      </a:solidFill>
+                      <a:prstDash val="solid"/>
+                    </a:lnR>
+                    <a:lnT>
+                      <a:noFill/>
+                    </a:lnT>
+                    <a:lnB w="19050">
+                      <a:solidFill>
+                        <a:srgbClr val="595959"/>
+                      </a:solidFill>
+                      <a:prstDash val="solid"/>
+                    </a:lnB>
+                    <a:solidFill>
+                      <a:srgbClr val="F2F2F2"/>
+                    </a:solidFill>
+                  </a:tcPr>
+                </a:tc>
+                <a:tc>
+                  <a:txBody>
+                    <a:bodyPr/>
+                    <a:p>
+                      <a:pPr algn="ctr">
+                        <a:buNone/>
+                      </a:pPr>
+                      <a:r>
+                        <a:rPr lang="en-US" altLang="zh-CN" b="1">
+                          <a:solidFill>
+                            <a:srgbClr val="404040"/>
+                          </a:solidFill>
+                        </a:rPr>
+                        <a:t>21</a:t>
+                      </a:r>
+                      <a:endParaRPr lang="en-US" altLang="zh-CN" b="1">
+                        <a:solidFill>
+                          <a:srgbClr val="404040"/>
+                        </a:solidFill>
+                      </a:endParaRPr>
+                    </a:p>
+                  </a:txBody>
+                  <a:tcPr anchor="ctr" anchorCtr="0">
+                    <a:lnL w="6350">
+                      <a:solidFill>
+                        <a:srgbClr val="D9D9D9"/>
+                      </a:solidFill>
+                      <a:prstDash val="solid"/>
+                    </a:lnL>
+                    <a:lnR w="6350">
+                      <a:solidFill>
+                        <a:srgbClr val="D9D9D9"/>
+                      </a:solidFill>
+                      <a:prstDash val="solid"/>
+                    </a:lnR>
+                    <a:lnT>
+                      <a:noFill/>
+                    </a:lnT>
+                    <a:lnB w="19050">
+                      <a:solidFill>
+                        <a:srgbClr val="595959"/>
+                      </a:solidFill>
+                      <a:prstDash val="solid"/>
+                    </a:lnB>
+                    <a:solidFill>
+                      <a:srgbClr val="F2F2F2"/>
+                    </a:solidFill>
+                  </a:tcPr>
+                </a:tc>
+                <a:tc>
+                  <a:txBody>
+                    <a:bodyPr/>
+                    <a:p>
+                      <a:pPr algn="ctr">
+                        <a:buNone/>
+                      </a:pPr>
+                      <a:r>
+                        <a:rPr lang="en-US" altLang="zh-CN" b="1">
+                          <a:solidFill>
+                            <a:srgbClr val="404040"/>
+                          </a:solidFill>
+                        </a:rPr>
+                        <a:t>18</a:t>
+                      </a:r>
+                      <a:endParaRPr lang="en-US" altLang="zh-CN" b="1">
+                        <a:solidFill>
+                          <a:srgbClr val="404040"/>
+                        </a:solidFill>
+                      </a:endParaRPr>
+                    </a:p>
+                  </a:txBody>
+                  <a:tcPr anchor="ctr" anchorCtr="0">
+                    <a:lnL w="6350">
+                      <a:solidFill>
+                        <a:srgbClr val="D9D9D9"/>
+                      </a:solidFill>
+                      <a:prstDash val="solid"/>
+                    </a:lnL>
+                    <a:lnR w="6350">
+                      <a:solidFill>
+                        <a:srgbClr val="D9D9D9"/>
+                      </a:solidFill>
+                      <a:prstDash val="solid"/>
+                    </a:lnR>
+                    <a:lnT>
+                      <a:noFill/>
+                    </a:lnT>
+                    <a:lnB w="19050">
+                      <a:solidFill>
+                        <a:srgbClr val="595959"/>
+                      </a:solidFill>
+                      <a:prstDash val="solid"/>
+                    </a:lnB>
+                    <a:solidFill>
+                      <a:srgbClr val="F2F2F2"/>
+                    </a:solidFill>
+                  </a:tcPr>
+                </a:tc>
+                <a:tc>
+                  <a:txBody>
+                    <a:bodyPr/>
+                    <a:p>
+                      <a:pPr algn="ctr">
+                        <a:buNone/>
+                      </a:pPr>
+                      <a:r>
+                        <a:rPr lang="en-US" altLang="zh-CN" b="1">
+                          <a:solidFill>
+                            <a:srgbClr val="404040"/>
+                          </a:solidFill>
+                        </a:rPr>
+                        <a:t>27</a:t>
+                      </a:r>
+                      <a:endParaRPr lang="en-US" altLang="zh-CN" b="1">
+                        <a:solidFill>
+                          <a:srgbClr val="404040"/>
+                        </a:solidFill>
+                      </a:endParaRPr>
+                    </a:p>
+                  </a:txBody>
+                  <a:tcPr anchor="ctr" anchorCtr="0">
+                    <a:lnL w="6350">
+                      <a:solidFill>
+                        <a:srgbClr val="D9D9D9"/>
+                      </a:solidFill>
+                      <a:prstDash val="solid"/>
+                    </a:lnL>
+                    <a:lnR>
+                      <a:noFill/>
+                    </a:lnR>
+                    <a:lnT>
+                      <a:noFill/>
+                    </a:lnT>
+                    <a:lnB w="19050">
+                      <a:solidFill>
+                        <a:srgbClr val="595959"/>
+                      </a:solidFill>
+                      <a:prstDash val="solid"/>
+                    </a:lnB>
+                    <a:solidFill>
+                      <a:srgbClr val="F2F2F2"/>
+                    </a:solidFill>
+                  </a:tcPr>
+                </a:tc>
+              </a:tr>
+            </a:tbl>
+          </a:graphicData>
+        </a:graphic>
+      </p:graphicFrame>
+      <p:graphicFrame>
+        <p:nvGraphicFramePr>
+          <p:cNvPr id="5" name="表格 4"/>
+          <p:cNvGraphicFramePr/>
+          <p:nvPr>
+            <p:custDataLst>
+              <p:tags r:id="rId2"/>
+            </p:custDataLst>
+          </p:nvPr>
+        </p:nvGraphicFramePr>
+        <p:xfrm>
+          <a:off x="348615" y="2197735"/>
+          <a:ext cx="10489240" cy="1645920"/>
+        </p:xfrm>
+        <a:graphic>
+          <a:graphicData uri="http://schemas.openxmlformats.org/drawingml/2006/table">
+            <a:tbl>
+              <a:tblPr firstRow="1" lastRow="1"/>
+              <a:tblGrid>
+                <a:gridCol w="1584000"/>
+                <a:gridCol w="1113155"/>
+                <a:gridCol w="1113155"/>
+                <a:gridCol w="1113155"/>
+                <a:gridCol w="1113155"/>
+                <a:gridCol w="1113155"/>
+                <a:gridCol w="1113155"/>
+                <a:gridCol w="1113155"/>
+                <a:gridCol w="1113155"/>
+              </a:tblGrid>
+              <a:tr h="370840">
+                <a:tc>
+                  <a:txBody>
+                    <a:bodyPr/>
+                    <a:p>
+                      <a:pPr algn="ctr">
+                        <a:buNone/>
+                      </a:pPr>
+                      <a:r>
+                        <a:rPr lang="zh-CN" altLang="en-US">
+                          <a:solidFill>
+                            <a:srgbClr val="FFFFFF"/>
+                          </a:solidFill>
+                        </a:rPr>
+                        <a:t>活动</a:t>
+                      </a:r>
+                      <a:endParaRPr lang="zh-CN" altLang="en-US">
+                        <a:solidFill>
+                          <a:srgbClr val="FFFFFF"/>
+                        </a:solidFill>
+                      </a:endParaRPr>
+                    </a:p>
+                  </a:txBody>
+                  <a:tcPr anchor="ctr" anchorCtr="0">
+                    <a:lnL>
+                      <a:noFill/>
+                    </a:lnL>
+                    <a:lnR>
+                      <a:noFill/>
+                    </a:lnR>
+                    <a:lnT>
+                      <a:noFill/>
+                    </a:lnT>
+                    <a:lnB>
+                      <a:noFill/>
+                    </a:lnB>
+                    <a:solidFill>
+                      <a:srgbClr val="595959"/>
+                    </a:solidFill>
+                  </a:tcPr>
+                </a:tc>
+                <a:tc>
+                  <a:txBody>
+                    <a:bodyPr/>
+                    <a:p>
+                      <a:pPr algn="ctr">
+                        <a:buNone/>
+                      </a:pPr>
+                      <a:r>
+                        <a:rPr lang="en-US" altLang="zh-CN">
+                          <a:solidFill>
+                            <a:srgbClr val="FFFFFF"/>
+                          </a:solidFill>
+                        </a:rPr>
+                        <a:t>a</a:t>
+                      </a:r>
+                      <a:endParaRPr lang="en-US" altLang="zh-CN">
+                        <a:solidFill>
+                          <a:srgbClr val="FFFFFF"/>
+                        </a:solidFill>
+                      </a:endParaRPr>
+                    </a:p>
+                  </a:txBody>
+                  <a:tcPr anchor="ctr" anchorCtr="0">
+                    <a:lnL>
+                      <a:noFill/>
+                    </a:lnL>
+                    <a:lnR>
+                      <a:noFill/>
+                    </a:lnR>
+                    <a:lnT>
+                      <a:noFill/>
+                    </a:lnT>
+                    <a:lnB>
+                      <a:noFill/>
+                    </a:lnB>
+                    <a:solidFill>
+                      <a:srgbClr val="03A9F5"/>
+                    </a:solidFill>
+                  </a:tcPr>
+                </a:tc>
+                <a:tc>
+                  <a:txBody>
+                    <a:bodyPr/>
+                    <a:p>
+                      <a:pPr algn="ctr">
+                        <a:buNone/>
+                      </a:pPr>
+                      <a:r>
+                        <a:rPr lang="en-US" altLang="zh-CN">
+                          <a:solidFill>
+                            <a:srgbClr val="FFFFFF"/>
+                          </a:solidFill>
+                        </a:rPr>
+                        <a:t>b</a:t>
+                      </a:r>
+                      <a:endParaRPr lang="en-US" altLang="zh-CN">
+                        <a:solidFill>
+                          <a:srgbClr val="FFFFFF"/>
+                        </a:solidFill>
+                      </a:endParaRPr>
+                    </a:p>
+                  </a:txBody>
+                  <a:tcPr anchor="ctr" anchorCtr="0">
+                    <a:lnL>
+                      <a:noFill/>
+                    </a:lnL>
+                    <a:lnR>
+                      <a:noFill/>
+                    </a:lnR>
+                    <a:lnT>
+                      <a:noFill/>
+                    </a:lnT>
+                    <a:lnB>
+                      <a:noFill/>
+                    </a:lnB>
+                    <a:solidFill>
+                      <a:srgbClr val="00BCD5"/>
+                    </a:solidFill>
+                  </a:tcPr>
+                </a:tc>
+                <a:tc>
+                  <a:txBody>
+                    <a:bodyPr/>
+                    <a:p>
+                      <a:pPr algn="ctr">
+                        <a:buNone/>
+                      </a:pPr>
+                      <a:r>
+                        <a:rPr lang="en-US" altLang="zh-CN">
+                          <a:solidFill>
+                            <a:srgbClr val="FFFFFF"/>
+                          </a:solidFill>
+                        </a:rPr>
+                        <a:t>c</a:t>
+                      </a:r>
+                      <a:endParaRPr lang="en-US" altLang="zh-CN">
+                        <a:solidFill>
+                          <a:srgbClr val="FFFFFF"/>
+                        </a:solidFill>
+                      </a:endParaRPr>
+                    </a:p>
+                  </a:txBody>
+                  <a:tcPr anchor="ctr" anchorCtr="0">
+                    <a:lnL>
+                      <a:noFill/>
+                    </a:lnL>
+                    <a:lnR>
+                      <a:noFill/>
+                    </a:lnR>
+                    <a:lnT>
+                      <a:noFill/>
+                    </a:lnT>
+                    <a:lnB>
+                      <a:noFill/>
+                    </a:lnB>
+                    <a:solidFill>
+                      <a:srgbClr val="009788"/>
+                    </a:solidFill>
+                  </a:tcPr>
+                </a:tc>
+                <a:tc>
+                  <a:txBody>
+                    <a:bodyPr/>
+                    <a:p>
+                      <a:pPr algn="ctr">
+                        <a:buNone/>
+                      </a:pPr>
+                      <a:r>
+                        <a:rPr lang="en-US" altLang="zh-CN">
+                          <a:solidFill>
+                            <a:srgbClr val="FFFFFF"/>
+                          </a:solidFill>
+                        </a:rPr>
+                        <a:t>d</a:t>
+                      </a:r>
+                      <a:endParaRPr lang="en-US" altLang="zh-CN">
+                        <a:solidFill>
+                          <a:srgbClr val="FFFFFF"/>
+                        </a:solidFill>
+                      </a:endParaRPr>
+                    </a:p>
+                  </a:txBody>
+                  <a:tcPr anchor="ctr" anchorCtr="0">
+                    <a:lnL>
+                      <a:noFill/>
+                    </a:lnL>
+                    <a:lnR>
+                      <a:noFill/>
+                    </a:lnR>
+                    <a:lnT>
+                      <a:noFill/>
+                    </a:lnT>
+                    <a:lnB>
+                      <a:noFill/>
+                    </a:lnB>
+                    <a:solidFill>
+                      <a:srgbClr val="4CB050"/>
+                    </a:solidFill>
+                  </a:tcPr>
+                </a:tc>
+                <a:tc>
+                  <a:txBody>
+                    <a:bodyPr/>
+                    <a:p>
+                      <a:pPr algn="ctr">
+                        <a:buNone/>
+                      </a:pPr>
+                      <a:r>
+                        <a:rPr lang="en-US" altLang="zh-CN">
+                          <a:solidFill>
+                            <a:srgbClr val="FFFFFF"/>
+                          </a:solidFill>
+                        </a:rPr>
+                        <a:t>e</a:t>
+                      </a:r>
+                      <a:endParaRPr lang="en-US" altLang="zh-CN">
+                        <a:solidFill>
+                          <a:srgbClr val="FFFFFF"/>
+                        </a:solidFill>
+                      </a:endParaRPr>
+                    </a:p>
+                  </a:txBody>
+                  <a:tcPr anchor="ctr" anchorCtr="0">
+                    <a:lnL>
+                      <a:noFill/>
+                    </a:lnL>
+                    <a:lnR>
+                      <a:noFill/>
+                    </a:lnR>
+                    <a:lnT>
+                      <a:noFill/>
+                    </a:lnT>
+                    <a:lnB>
+                      <a:noFill/>
+                    </a:lnB>
+                    <a:solidFill>
+                      <a:srgbClr val="8CC34B"/>
+                    </a:solidFill>
+                  </a:tcPr>
+                </a:tc>
+                <a:tc>
+                  <a:txBody>
+                    <a:bodyPr/>
+                    <a:p>
+                      <a:pPr algn="ctr">
+                        <a:buNone/>
+                      </a:pPr>
+                      <a:r>
+                        <a:rPr lang="en-US" altLang="zh-CN">
+                          <a:solidFill>
+                            <a:srgbClr val="FFFFFF"/>
+                          </a:solidFill>
+                        </a:rPr>
+                        <a:t>f</a:t>
+                      </a:r>
+                      <a:endParaRPr lang="en-US" altLang="zh-CN">
+                        <a:solidFill>
+                          <a:srgbClr val="FFFFFF"/>
+                        </a:solidFill>
+                      </a:endParaRPr>
+                    </a:p>
+                  </a:txBody>
+                  <a:tcPr anchor="ctr" anchorCtr="0">
+                    <a:lnL>
+                      <a:noFill/>
+                    </a:lnL>
+                    <a:lnR>
+                      <a:noFill/>
+                    </a:lnR>
+                    <a:lnT>
+                      <a:noFill/>
+                    </a:lnT>
+                    <a:lnB>
+                      <a:noFill/>
+                    </a:lnB>
+                    <a:solidFill>
+                      <a:srgbClr val="CDDC39"/>
+                    </a:solidFill>
+                  </a:tcPr>
+                </a:tc>
+                <a:tc>
+                  <a:txBody>
+                    <a:bodyPr/>
+                    <a:p>
+                      <a:pPr algn="ctr">
+                        <a:buNone/>
+                      </a:pPr>
+                      <a:r>
+                        <a:rPr lang="en-US" altLang="zh-CN">
+                          <a:solidFill>
+                            <a:srgbClr val="FFFFFF"/>
+                          </a:solidFill>
+                        </a:rPr>
+                        <a:t>g</a:t>
+                      </a:r>
+                      <a:endParaRPr lang="en-US" altLang="zh-CN">
+                        <a:solidFill>
+                          <a:srgbClr val="FFFFFF"/>
+                        </a:solidFill>
+                      </a:endParaRPr>
+                    </a:p>
+                  </a:txBody>
+                  <a:tcPr anchor="ctr" anchorCtr="0">
+                    <a:lnL>
+                      <a:noFill/>
+                    </a:lnL>
+                    <a:lnR>
+                      <a:noFill/>
+                    </a:lnR>
+                    <a:lnT>
+                      <a:noFill/>
+                    </a:lnT>
+                    <a:lnB>
+                      <a:noFill/>
+                    </a:lnB>
+                    <a:solidFill>
+                      <a:srgbClr val="03A9F5"/>
+                    </a:solidFill>
+                  </a:tcPr>
+                </a:tc>
+                <a:tc>
+                  <a:txBody>
+                    <a:bodyPr/>
+                    <a:p>
+                      <a:pPr algn="ctr">
+                        <a:buNone/>
+                      </a:pPr>
+                      <a:r>
+                        <a:rPr lang="en-US" altLang="zh-CN">
+                          <a:solidFill>
+                            <a:srgbClr val="FFFFFF"/>
+                          </a:solidFill>
+                        </a:rPr>
+                        <a:t>h</a:t>
+                      </a:r>
+                      <a:endParaRPr lang="en-US" altLang="zh-CN">
+                        <a:solidFill>
+                          <a:srgbClr val="FFFFFF"/>
+                        </a:solidFill>
+                      </a:endParaRPr>
+                    </a:p>
+                  </a:txBody>
+                  <a:tcPr anchor="ctr" anchorCtr="0">
+                    <a:lnL>
+                      <a:noFill/>
+                    </a:lnL>
+                    <a:lnR>
+                      <a:noFill/>
+                    </a:lnR>
+                    <a:lnT>
+                      <a:noFill/>
+                    </a:lnT>
+                    <a:lnB>
+                      <a:noFill/>
+                    </a:lnB>
+                    <a:solidFill>
+                      <a:srgbClr val="00BCD5"/>
+                    </a:solidFill>
+                  </a:tcPr>
+                </a:tc>
+              </a:tr>
+              <a:tr h="370840">
+                <a:tc>
+                  <a:txBody>
+                    <a:bodyPr/>
+                    <a:p>
+                      <a:pPr algn="ctr">
+                        <a:buNone/>
+                      </a:pPr>
+                      <a:r>
+                        <a:rPr lang="zh-CN" altLang="en-US">
+                          <a:solidFill>
+                            <a:srgbClr val="404040"/>
+                          </a:solidFill>
+                        </a:rPr>
+                        <a:t>最早开始时间</a:t>
+                      </a:r>
+                      <a:endParaRPr lang="zh-CN" altLang="en-US">
+                        <a:solidFill>
+                          <a:srgbClr val="404040"/>
+                        </a:solidFill>
+                      </a:endParaRPr>
+                    </a:p>
+                  </a:txBody>
+                  <a:tcPr anchor="ctr" anchorCtr="0">
+                    <a:lnL>
+                      <a:noFill/>
+                    </a:lnL>
+                    <a:lnR w="12700">
+                      <a:solidFill>
+                        <a:srgbClr val="D9D9D9"/>
+                      </a:solidFill>
+                      <a:prstDash val="solid"/>
+                    </a:lnR>
+                    <a:lnT>
+                      <a:noFill/>
+                    </a:lnT>
+                    <a:lnB>
+                      <a:noFill/>
+                    </a:lnB>
+                    <a:solidFill>
+                      <a:srgbClr val="FFFFFF"/>
+                    </a:solidFill>
+                  </a:tcPr>
+                </a:tc>
+                <a:tc>
+                  <a:txBody>
+                    <a:bodyPr/>
+                    <a:p>
+                      <a:pPr algn="ctr">
+                        <a:buClrTx/>
+                        <a:buSzTx/>
+                        <a:buFontTx/>
+                        <a:buNone/>
+                      </a:pPr>
+                      <a:r>
+                        <a:rPr lang="en-US" altLang="zh-CN">
+                          <a:solidFill>
+                            <a:srgbClr val="404040"/>
+                          </a:solidFill>
+                        </a:rPr>
+                        <a:t>0</a:t>
+                      </a:r>
+                      <a:endParaRPr lang="en-US" altLang="zh-CN">
+                        <a:solidFill>
+                          <a:srgbClr val="404040"/>
+                        </a:solidFill>
+                      </a:endParaRPr>
+                    </a:p>
+                  </a:txBody>
+                  <a:tcPr anchor="ctr" anchorCtr="0">
+                    <a:lnL w="12700">
+                      <a:solidFill>
+                        <a:srgbClr val="D9D9D9"/>
+                      </a:solidFill>
+                      <a:prstDash val="solid"/>
+                    </a:lnL>
+                    <a:lnR w="6350">
+                      <a:solidFill>
+                        <a:srgbClr val="D9D9D9"/>
+                      </a:solidFill>
+                      <a:prstDash val="solid"/>
+                    </a:lnR>
+                    <a:lnT>
+                      <a:noFill/>
+                    </a:lnT>
+                    <a:lnB>
+                      <a:noFill/>
+                    </a:lnB>
+                    <a:solidFill>
+                      <a:srgbClr val="FFFFFF"/>
+                    </a:solidFill>
+                  </a:tcPr>
+                </a:tc>
+                <a:tc>
+                  <a:txBody>
+                    <a:bodyPr/>
+                    <a:p>
+                      <a:pPr algn="ctr">
+                        <a:buClrTx/>
+                        <a:buSzTx/>
+                        <a:buFontTx/>
+                        <a:buNone/>
+                      </a:pPr>
+                      <a:r>
+                        <a:rPr lang="en-US" altLang="zh-CN" b="1">
+                          <a:solidFill>
+                            <a:srgbClr val="FF0000"/>
+                          </a:solidFill>
+                        </a:rPr>
+                        <a:t>8</a:t>
+                      </a:r>
+                      <a:endParaRPr lang="en-US" altLang="zh-CN" b="1">
+                        <a:solidFill>
+                          <a:srgbClr val="FF0000"/>
+                        </a:solidFill>
+                      </a:endParaRPr>
+                    </a:p>
+                  </a:txBody>
+                  <a:tcPr anchor="ctr" anchorCtr="0">
+                    <a:lnL w="6350">
+                      <a:solidFill>
+                        <a:srgbClr val="D9D9D9"/>
+                      </a:solidFill>
+                      <a:prstDash val="solid"/>
+                    </a:lnL>
+                    <a:lnR w="6350">
+                      <a:solidFill>
+                        <a:srgbClr val="D9D9D9"/>
+                      </a:solidFill>
+                      <a:prstDash val="solid"/>
+                    </a:lnR>
+                    <a:lnT>
+                      <a:noFill/>
+                    </a:lnT>
+                    <a:lnB>
+                      <a:noFill/>
+                    </a:lnB>
+                    <a:solidFill>
+                      <a:schemeClr val="accent4">
+                        <a:lumMod val="40000"/>
+                        <a:lumOff val="60000"/>
+                      </a:schemeClr>
+                    </a:solidFill>
+                  </a:tcPr>
+                </a:tc>
+                <a:tc>
+                  <a:txBody>
+                    <a:bodyPr/>
+                    <a:p>
+                      <a:pPr algn="ctr">
+                        <a:buClrTx/>
+                        <a:buSzTx/>
+                        <a:buFontTx/>
+                        <a:buNone/>
+                      </a:pPr>
+                      <a:r>
+                        <a:rPr lang="en-US" altLang="zh-CN" b="1">
+                          <a:solidFill>
+                            <a:srgbClr val="FF0000"/>
+                          </a:solidFill>
+                        </a:rPr>
+                        <a:t>0</a:t>
+                      </a:r>
+                      <a:endParaRPr lang="en-US" altLang="zh-CN" b="1">
+                        <a:solidFill>
+                          <a:srgbClr val="FF0000"/>
+                        </a:solidFill>
+                      </a:endParaRPr>
+                    </a:p>
+                  </a:txBody>
+                  <a:tcPr anchor="ctr" anchorCtr="0">
+                    <a:lnL w="6350">
+                      <a:solidFill>
+                        <a:srgbClr val="D9D9D9"/>
+                      </a:solidFill>
+                      <a:prstDash val="solid"/>
+                    </a:lnL>
+                    <a:lnR w="6350">
+                      <a:solidFill>
+                        <a:srgbClr val="D9D9D9"/>
+                      </a:solidFill>
+                      <a:prstDash val="solid"/>
+                    </a:lnR>
+                    <a:lnT>
+                      <a:noFill/>
+                    </a:lnT>
+                    <a:lnB>
+                      <a:noFill/>
+                    </a:lnB>
+                    <a:solidFill>
+                      <a:schemeClr val="accent4">
+                        <a:lumMod val="40000"/>
+                        <a:lumOff val="60000"/>
+                      </a:schemeClr>
+                    </a:solidFill>
+                  </a:tcPr>
+                </a:tc>
+                <a:tc>
+                  <a:txBody>
+                    <a:bodyPr/>
+                    <a:p>
+                      <a:pPr algn="ctr">
+                        <a:buClrTx/>
+                        <a:buSzTx/>
+                        <a:buFontTx/>
+                        <a:buNone/>
+                      </a:pPr>
+                      <a:r>
+                        <a:rPr lang="en-US" altLang="zh-CN">
+                          <a:solidFill>
+                            <a:srgbClr val="404040"/>
+                          </a:solidFill>
+                        </a:rPr>
+                        <a:t>12</a:t>
+                      </a:r>
+                      <a:endParaRPr lang="en-US" altLang="zh-CN">
+                        <a:solidFill>
+                          <a:srgbClr val="404040"/>
+                        </a:solidFill>
+                      </a:endParaRPr>
+                    </a:p>
+                  </a:txBody>
+                  <a:tcPr anchor="ctr" anchorCtr="0">
+                    <a:lnL w="6350">
+                      <a:solidFill>
+                        <a:srgbClr val="D9D9D9"/>
+                      </a:solidFill>
+                      <a:prstDash val="solid"/>
+                    </a:lnL>
+                    <a:lnR w="6350">
+                      <a:solidFill>
+                        <a:srgbClr val="D9D9D9"/>
+                      </a:solidFill>
+                      <a:prstDash val="solid"/>
+                    </a:lnR>
+                    <a:lnT>
+                      <a:noFill/>
+                    </a:lnT>
+                    <a:lnB>
+                      <a:noFill/>
+                    </a:lnB>
+                    <a:solidFill>
+                      <a:srgbClr val="FFFFFF"/>
+                    </a:solidFill>
+                  </a:tcPr>
+                </a:tc>
+                <a:tc>
+                  <a:txBody>
+                    <a:bodyPr/>
+                    <a:p>
+                      <a:pPr algn="ctr">
+                        <a:buClrTx/>
+                        <a:buSzTx/>
+                        <a:buFontTx/>
+                        <a:buNone/>
+                      </a:pPr>
+                      <a:r>
+                        <a:rPr lang="en-US" altLang="zh-CN" b="1">
+                          <a:solidFill>
+                            <a:srgbClr val="FF0000"/>
+                          </a:solidFill>
+                        </a:rPr>
+                        <a:t>12</a:t>
+                      </a:r>
+                      <a:endParaRPr lang="en-US" altLang="zh-CN" b="1">
+                        <a:solidFill>
+                          <a:srgbClr val="FF0000"/>
+                        </a:solidFill>
+                      </a:endParaRPr>
+                    </a:p>
+                  </a:txBody>
+                  <a:tcPr anchor="ctr" anchorCtr="0">
+                    <a:lnL w="6350">
+                      <a:solidFill>
+                        <a:srgbClr val="D9D9D9"/>
+                      </a:solidFill>
+                      <a:prstDash val="solid"/>
+                    </a:lnL>
+                    <a:lnR w="6350">
+                      <a:solidFill>
+                        <a:srgbClr val="D9D9D9"/>
+                      </a:solidFill>
+                      <a:prstDash val="solid"/>
+                    </a:lnR>
+                    <a:lnT>
+                      <a:noFill/>
+                    </a:lnT>
+                    <a:lnB>
+                      <a:noFill/>
+                    </a:lnB>
+                    <a:solidFill>
+                      <a:schemeClr val="accent4">
+                        <a:lumMod val="40000"/>
+                        <a:lumOff val="60000"/>
+                      </a:schemeClr>
+                    </a:solidFill>
+                  </a:tcPr>
+                </a:tc>
+                <a:tc>
+                  <a:txBody>
+                    <a:bodyPr/>
+                    <a:p>
+                      <a:pPr algn="ctr">
+                        <a:buClrTx/>
+                        <a:buSzTx/>
+                        <a:buFontTx/>
+                        <a:buNone/>
+                      </a:pPr>
+                      <a:r>
+                        <a:rPr lang="en-US" altLang="zh-CN" b="1">
+                          <a:solidFill>
+                            <a:srgbClr val="FF0000"/>
+                          </a:solidFill>
+                        </a:rPr>
+                        <a:t>8</a:t>
+                      </a:r>
+                      <a:endParaRPr lang="en-US" altLang="zh-CN" b="1">
+                        <a:solidFill>
+                          <a:srgbClr val="FF0000"/>
+                        </a:solidFill>
+                      </a:endParaRPr>
+                    </a:p>
+                  </a:txBody>
+                  <a:tcPr anchor="ctr" anchorCtr="0">
+                    <a:lnL w="6350">
+                      <a:solidFill>
+                        <a:srgbClr val="D9D9D9"/>
+                      </a:solidFill>
+                      <a:prstDash val="solid"/>
+                    </a:lnL>
+                    <a:lnR w="6350">
+                      <a:solidFill>
+                        <a:srgbClr val="D9D9D9"/>
+                      </a:solidFill>
+                      <a:prstDash val="solid"/>
+                    </a:lnR>
+                    <a:lnT>
+                      <a:noFill/>
+                    </a:lnT>
+                    <a:lnB>
+                      <a:noFill/>
+                    </a:lnB>
+                    <a:solidFill>
+                      <a:schemeClr val="accent4">
+                        <a:lumMod val="40000"/>
+                        <a:lumOff val="60000"/>
+                      </a:schemeClr>
+                    </a:solidFill>
+                  </a:tcPr>
+                </a:tc>
+                <a:tc>
+                  <a:txBody>
+                    <a:bodyPr/>
+                    <a:p>
+                      <a:pPr algn="ctr">
+                        <a:buClrTx/>
+                        <a:buSzTx/>
+                        <a:buFontTx/>
+                        <a:buNone/>
+                      </a:pPr>
+                      <a:r>
+                        <a:rPr lang="en-US" altLang="zh-CN">
+                          <a:solidFill>
+                            <a:srgbClr val="404040"/>
+                          </a:solidFill>
+                        </a:rPr>
+                        <a:t>19</a:t>
+                      </a:r>
+                      <a:endParaRPr lang="en-US" altLang="zh-CN">
+                        <a:solidFill>
+                          <a:srgbClr val="404040"/>
+                        </a:solidFill>
+                      </a:endParaRPr>
+                    </a:p>
+                  </a:txBody>
+                  <a:tcPr anchor="ctr" anchorCtr="0">
+                    <a:lnL w="6350">
+                      <a:solidFill>
+                        <a:srgbClr val="D9D9D9"/>
+                      </a:solidFill>
+                      <a:prstDash val="solid"/>
+                    </a:lnL>
+                    <a:lnR w="6350">
+                      <a:solidFill>
+                        <a:srgbClr val="D9D9D9"/>
+                      </a:solidFill>
+                      <a:prstDash val="solid"/>
+                    </a:lnR>
+                    <a:lnT>
+                      <a:noFill/>
+                    </a:lnT>
+                    <a:lnB>
+                      <a:noFill/>
+                    </a:lnB>
+                    <a:solidFill>
+                      <a:srgbClr val="FFFFFF"/>
+                    </a:solidFill>
+                  </a:tcPr>
+                </a:tc>
+                <a:tc>
+                  <a:txBody>
+                    <a:bodyPr/>
+                    <a:p>
+                      <a:pPr algn="ctr">
+                        <a:buClrTx/>
+                        <a:buSzTx/>
+                        <a:buFontTx/>
+                        <a:buNone/>
+                      </a:pPr>
+                      <a:r>
+                        <a:rPr lang="en-US" altLang="zh-CN" b="1">
+                          <a:solidFill>
+                            <a:srgbClr val="FF0000"/>
+                          </a:solidFill>
+                        </a:rPr>
+                        <a:t>18</a:t>
+                      </a:r>
+                      <a:endParaRPr lang="en-US" altLang="zh-CN" b="1">
+                        <a:solidFill>
+                          <a:srgbClr val="FF0000"/>
+                        </a:solidFill>
+                      </a:endParaRPr>
+                    </a:p>
+                  </a:txBody>
+                  <a:tcPr anchor="ctr" anchorCtr="0">
+                    <a:lnL w="6350">
+                      <a:solidFill>
+                        <a:srgbClr val="D9D9D9"/>
+                      </a:solidFill>
+                      <a:prstDash val="solid"/>
+                    </a:lnL>
+                    <a:lnR>
+                      <a:noFill/>
+                    </a:lnR>
+                    <a:lnT>
+                      <a:noFill/>
+                    </a:lnT>
+                    <a:lnB>
+                      <a:noFill/>
+                    </a:lnB>
+                    <a:solidFill>
+                      <a:schemeClr val="accent4">
+                        <a:lumMod val="40000"/>
+                        <a:lumOff val="60000"/>
+                      </a:schemeClr>
+                    </a:solidFill>
+                  </a:tcPr>
+                </a:tc>
+              </a:tr>
+              <a:tr h="370840">
+                <a:tc>
+                  <a:txBody>
+                    <a:bodyPr/>
+                    <a:p>
+                      <a:pPr algn="ctr">
+                        <a:buNone/>
+                      </a:pPr>
+                      <a:r>
+                        <a:rPr lang="zh-CN" altLang="en-US">
+                          <a:solidFill>
+                            <a:srgbClr val="404040"/>
+                          </a:solidFill>
+                        </a:rPr>
+                        <a:t>最迟开始时间</a:t>
+                      </a:r>
+                      <a:endParaRPr lang="zh-CN" altLang="en-US">
+                        <a:solidFill>
+                          <a:srgbClr val="404040"/>
+                        </a:solidFill>
+                      </a:endParaRPr>
+                    </a:p>
+                  </a:txBody>
+                  <a:tcPr anchor="ctr" anchorCtr="0">
+                    <a:lnL>
+                      <a:noFill/>
+                    </a:lnL>
+                    <a:lnR w="12700">
+                      <a:solidFill>
+                        <a:srgbClr val="D9D9D9"/>
+                      </a:solidFill>
+                      <a:prstDash val="solid"/>
+                    </a:lnR>
+                    <a:lnT>
+                      <a:noFill/>
+                    </a:lnT>
+                    <a:lnB w="19050">
+                      <a:solidFill>
+                        <a:srgbClr val="595959"/>
+                      </a:solidFill>
+                      <a:prstDash val="solid"/>
+                    </a:lnB>
+                    <a:solidFill>
+                      <a:srgbClr val="F2F2F2"/>
+                    </a:solidFill>
+                  </a:tcPr>
+                </a:tc>
+                <a:tc>
+                  <a:txBody>
+                    <a:bodyPr/>
+                    <a:p>
+                      <a:pPr algn="ctr">
+                        <a:buClrTx/>
+                        <a:buSzTx/>
+                        <a:buFontTx/>
+                        <a:buNone/>
+                      </a:pPr>
+                      <a:r>
+                        <a:rPr lang="en-US" altLang="zh-CN">
+                          <a:solidFill>
+                            <a:srgbClr val="404040"/>
+                          </a:solidFill>
+                        </a:rPr>
+                        <a:t>9</a:t>
+                      </a:r>
+                      <a:endParaRPr lang="en-US" altLang="zh-CN">
+                        <a:solidFill>
+                          <a:srgbClr val="404040"/>
+                        </a:solidFill>
+                      </a:endParaRPr>
+                    </a:p>
+                  </a:txBody>
+                  <a:tcPr anchor="ctr" anchorCtr="0">
+                    <a:lnL w="12700">
+                      <a:solidFill>
+                        <a:srgbClr val="D9D9D9"/>
+                      </a:solidFill>
+                      <a:prstDash val="solid"/>
+                    </a:lnL>
+                    <a:lnR w="6350">
+                      <a:solidFill>
+                        <a:srgbClr val="D9D9D9"/>
+                      </a:solidFill>
+                      <a:prstDash val="solid"/>
+                    </a:lnR>
+                    <a:lnT>
+                      <a:noFill/>
+                    </a:lnT>
+                    <a:lnB w="19050">
+                      <a:solidFill>
+                        <a:srgbClr val="595959"/>
+                      </a:solidFill>
+                      <a:prstDash val="solid"/>
+                    </a:lnB>
+                    <a:solidFill>
+                      <a:srgbClr val="F2F2F2"/>
+                    </a:solidFill>
+                  </a:tcPr>
+                </a:tc>
+                <a:tc>
+                  <a:txBody>
+                    <a:bodyPr/>
+                    <a:p>
+                      <a:pPr algn="ctr">
+                        <a:buClrTx/>
+                        <a:buSzTx/>
+                        <a:buFontTx/>
+                        <a:buNone/>
+                      </a:pPr>
+                      <a:r>
+                        <a:rPr lang="en-US" altLang="zh-CN" b="1">
+                          <a:solidFill>
+                            <a:srgbClr val="FF0000"/>
+                          </a:solidFill>
+                        </a:rPr>
+                        <a:t>8</a:t>
+                      </a:r>
+                      <a:endParaRPr lang="en-US" altLang="zh-CN" b="1">
+                        <a:solidFill>
+                          <a:srgbClr val="FF0000"/>
+                        </a:solidFill>
+                      </a:endParaRPr>
+                    </a:p>
+                  </a:txBody>
+                  <a:tcPr anchor="ctr" anchorCtr="0">
+                    <a:lnL w="6350">
+                      <a:solidFill>
+                        <a:srgbClr val="D9D9D9"/>
+                      </a:solidFill>
+                      <a:prstDash val="solid"/>
+                    </a:lnL>
+                    <a:lnR w="6350">
+                      <a:solidFill>
+                        <a:srgbClr val="D9D9D9"/>
+                      </a:solidFill>
+                      <a:prstDash val="solid"/>
+                    </a:lnR>
+                    <a:lnT>
+                      <a:noFill/>
+                    </a:lnT>
+                    <a:lnB w="19050">
+                      <a:solidFill>
+                        <a:srgbClr val="595959"/>
+                      </a:solidFill>
+                      <a:prstDash val="solid"/>
+                    </a:lnB>
+                    <a:solidFill>
+                      <a:schemeClr val="accent4">
+                        <a:lumMod val="40000"/>
+                        <a:lumOff val="60000"/>
+                      </a:schemeClr>
+                    </a:solidFill>
+                  </a:tcPr>
+                </a:tc>
+                <a:tc>
+                  <a:txBody>
+                    <a:bodyPr/>
+                    <a:p>
+                      <a:pPr algn="ctr">
+                        <a:buClrTx/>
+                        <a:buSzTx/>
+                        <a:buFontTx/>
+                        <a:buNone/>
+                      </a:pPr>
+                      <a:r>
+                        <a:rPr lang="en-US" altLang="zh-CN" b="1">
+                          <a:solidFill>
+                            <a:srgbClr val="FF0000"/>
+                          </a:solidFill>
+                        </a:rPr>
+                        <a:t>0</a:t>
+                      </a:r>
+                      <a:endParaRPr lang="en-US" altLang="zh-CN" b="1">
+                        <a:solidFill>
+                          <a:srgbClr val="FF0000"/>
+                        </a:solidFill>
+                      </a:endParaRPr>
+                    </a:p>
+                  </a:txBody>
+                  <a:tcPr anchor="ctr" anchorCtr="0">
+                    <a:lnL w="6350">
+                      <a:solidFill>
+                        <a:srgbClr val="D9D9D9"/>
+                      </a:solidFill>
+                      <a:prstDash val="solid"/>
+                    </a:lnL>
+                    <a:lnR w="6350">
+                      <a:solidFill>
+                        <a:srgbClr val="D9D9D9"/>
+                      </a:solidFill>
+                      <a:prstDash val="solid"/>
+                    </a:lnR>
+                    <a:lnT>
+                      <a:noFill/>
+                    </a:lnT>
+                    <a:lnB w="19050">
+                      <a:solidFill>
+                        <a:srgbClr val="595959"/>
+                      </a:solidFill>
+                      <a:prstDash val="solid"/>
+                    </a:lnB>
+                    <a:solidFill>
+                      <a:schemeClr val="accent4">
+                        <a:lumMod val="40000"/>
+                        <a:lumOff val="60000"/>
+                      </a:schemeClr>
+                    </a:solidFill>
+                  </a:tcPr>
+                </a:tc>
+                <a:tc>
+                  <a:txBody>
+                    <a:bodyPr/>
+                    <a:p>
+                      <a:pPr algn="ctr">
+                        <a:buClrTx/>
+                        <a:buSzTx/>
+                        <a:buFontTx/>
+                        <a:buNone/>
+                      </a:pPr>
+                      <a:r>
+                        <a:rPr lang="en-US" altLang="zh-CN">
+                          <a:solidFill>
+                            <a:srgbClr val="404040"/>
+                          </a:solidFill>
+                        </a:rPr>
+                        <a:t>14</a:t>
+                      </a:r>
+                      <a:endParaRPr lang="en-US" altLang="zh-CN">
+                        <a:solidFill>
+                          <a:srgbClr val="404040"/>
+                        </a:solidFill>
+                      </a:endParaRPr>
+                    </a:p>
+                  </a:txBody>
+                  <a:tcPr anchor="ctr" anchorCtr="0">
+                    <a:lnL w="6350">
+                      <a:solidFill>
+                        <a:srgbClr val="D9D9D9"/>
+                      </a:solidFill>
+                      <a:prstDash val="solid"/>
+                    </a:lnL>
+                    <a:lnR w="6350">
+                      <a:solidFill>
+                        <a:srgbClr val="D9D9D9"/>
+                      </a:solidFill>
+                      <a:prstDash val="solid"/>
+                    </a:lnR>
+                    <a:lnT>
+                      <a:noFill/>
+                    </a:lnT>
+                    <a:lnB w="19050">
+                      <a:solidFill>
+                        <a:srgbClr val="595959"/>
+                      </a:solidFill>
+                      <a:prstDash val="solid"/>
+                    </a:lnB>
+                    <a:solidFill>
+                      <a:srgbClr val="F2F2F2"/>
+                    </a:solidFill>
+                  </a:tcPr>
+                </a:tc>
+                <a:tc>
+                  <a:txBody>
+                    <a:bodyPr/>
+                    <a:p>
+                      <a:pPr algn="ctr">
+                        <a:buClrTx/>
+                        <a:buSzTx/>
+                        <a:buFontTx/>
+                        <a:buNone/>
+                      </a:pPr>
+                      <a:r>
+                        <a:rPr lang="en-US" altLang="zh-CN" b="1">
+                          <a:solidFill>
+                            <a:srgbClr val="FF0000"/>
+                          </a:solidFill>
+                        </a:rPr>
+                        <a:t>12</a:t>
+                      </a:r>
+                      <a:endParaRPr lang="en-US" altLang="zh-CN" b="1">
+                        <a:solidFill>
+                          <a:srgbClr val="FF0000"/>
+                        </a:solidFill>
+                      </a:endParaRPr>
+                    </a:p>
+                  </a:txBody>
+                  <a:tcPr anchor="ctr" anchorCtr="0">
+                    <a:lnL w="6350">
+                      <a:solidFill>
+                        <a:srgbClr val="D9D9D9"/>
+                      </a:solidFill>
+                      <a:prstDash val="solid"/>
+                    </a:lnL>
+                    <a:lnR w="6350">
+                      <a:solidFill>
+                        <a:srgbClr val="D9D9D9"/>
+                      </a:solidFill>
+                      <a:prstDash val="solid"/>
+                    </a:lnR>
+                    <a:lnT>
+                      <a:noFill/>
+                    </a:lnT>
+                    <a:lnB w="19050">
+                      <a:solidFill>
+                        <a:srgbClr val="595959"/>
+                      </a:solidFill>
+                      <a:prstDash val="solid"/>
+                    </a:lnB>
+                    <a:solidFill>
+                      <a:schemeClr val="accent4">
+                        <a:lumMod val="40000"/>
+                        <a:lumOff val="60000"/>
+                      </a:schemeClr>
+                    </a:solidFill>
+                  </a:tcPr>
+                </a:tc>
+                <a:tc>
+                  <a:txBody>
+                    <a:bodyPr/>
+                    <a:p>
+                      <a:pPr algn="ctr">
+                        <a:buClrTx/>
+                        <a:buSzTx/>
+                        <a:buFontTx/>
+                        <a:buNone/>
+                      </a:pPr>
+                      <a:r>
+                        <a:rPr lang="en-US" altLang="zh-CN" b="1">
+                          <a:solidFill>
+                            <a:srgbClr val="FF0000"/>
+                          </a:solidFill>
+                        </a:rPr>
+                        <a:t>8</a:t>
+                      </a:r>
+                      <a:endParaRPr lang="en-US" altLang="zh-CN" b="1">
+                        <a:solidFill>
+                          <a:srgbClr val="FF0000"/>
+                        </a:solidFill>
+                      </a:endParaRPr>
+                    </a:p>
+                  </a:txBody>
+                  <a:tcPr anchor="ctr" anchorCtr="0">
+                    <a:lnL w="6350">
+                      <a:solidFill>
+                        <a:srgbClr val="D9D9D9"/>
+                      </a:solidFill>
+                      <a:prstDash val="solid"/>
+                    </a:lnL>
+                    <a:lnR w="6350">
+                      <a:solidFill>
+                        <a:srgbClr val="D9D9D9"/>
+                      </a:solidFill>
+                      <a:prstDash val="solid"/>
+                    </a:lnR>
+                    <a:lnT>
+                      <a:noFill/>
+                    </a:lnT>
+                    <a:lnB w="19050">
+                      <a:solidFill>
+                        <a:srgbClr val="595959"/>
+                      </a:solidFill>
+                      <a:prstDash val="solid"/>
+                    </a:lnB>
+                    <a:solidFill>
+                      <a:schemeClr val="accent4">
+                        <a:lumMod val="40000"/>
+                        <a:lumOff val="60000"/>
+                      </a:schemeClr>
+                    </a:solidFill>
+                  </a:tcPr>
+                </a:tc>
+                <a:tc>
+                  <a:txBody>
+                    <a:bodyPr/>
+                    <a:p>
+                      <a:pPr algn="ctr">
+                        <a:buClrTx/>
+                        <a:buSzTx/>
+                        <a:buFontTx/>
+                        <a:buNone/>
+                      </a:pPr>
+                      <a:r>
+                        <a:rPr lang="en-US" altLang="zh-CN">
+                          <a:solidFill>
+                            <a:srgbClr val="404040"/>
+                          </a:solidFill>
+                        </a:rPr>
+                        <a:t>21</a:t>
+                      </a:r>
+                      <a:endParaRPr lang="en-US" altLang="zh-CN">
+                        <a:solidFill>
+                          <a:srgbClr val="404040"/>
+                        </a:solidFill>
+                      </a:endParaRPr>
+                    </a:p>
+                  </a:txBody>
+                  <a:tcPr anchor="ctr" anchorCtr="0">
+                    <a:lnL w="6350">
+                      <a:solidFill>
+                        <a:srgbClr val="D9D9D9"/>
+                      </a:solidFill>
+                      <a:prstDash val="solid"/>
+                    </a:lnL>
+                    <a:lnR w="6350">
+                      <a:solidFill>
+                        <a:srgbClr val="D9D9D9"/>
+                      </a:solidFill>
+                      <a:prstDash val="solid"/>
+                    </a:lnR>
+                    <a:lnT>
+                      <a:noFill/>
+                    </a:lnT>
+                    <a:lnB w="19050">
+                      <a:solidFill>
+                        <a:srgbClr val="595959"/>
+                      </a:solidFill>
+                      <a:prstDash val="solid"/>
+                    </a:lnB>
+                    <a:solidFill>
+                      <a:srgbClr val="F2F2F2"/>
+                    </a:solidFill>
+                  </a:tcPr>
+                </a:tc>
+                <a:tc>
+                  <a:txBody>
+                    <a:bodyPr/>
+                    <a:p>
+                      <a:pPr algn="ctr">
+                        <a:buClrTx/>
+                        <a:buSzTx/>
+                        <a:buFontTx/>
+                        <a:buNone/>
+                      </a:pPr>
+                      <a:r>
+                        <a:rPr lang="en-US" altLang="zh-CN" b="1">
+                          <a:solidFill>
+                            <a:srgbClr val="FF0000"/>
+                          </a:solidFill>
+                        </a:rPr>
+                        <a:t>18</a:t>
+                      </a:r>
+                      <a:endParaRPr lang="en-US" altLang="zh-CN" b="1">
+                        <a:solidFill>
+                          <a:srgbClr val="FF0000"/>
+                        </a:solidFill>
+                      </a:endParaRPr>
+                    </a:p>
+                  </a:txBody>
+                  <a:tcPr anchor="ctr" anchorCtr="0">
+                    <a:lnL w="6350">
+                      <a:solidFill>
+                        <a:srgbClr val="D9D9D9"/>
+                      </a:solidFill>
+                      <a:prstDash val="solid"/>
+                    </a:lnL>
+                    <a:lnR>
+                      <a:noFill/>
+                    </a:lnR>
+                    <a:lnT>
+                      <a:noFill/>
+                    </a:lnT>
+                    <a:lnB w="19050">
+                      <a:solidFill>
+                        <a:srgbClr val="595959"/>
+                      </a:solidFill>
+                      <a:prstDash val="solid"/>
+                    </a:lnB>
+                    <a:solidFill>
+                      <a:schemeClr val="accent4">
+                        <a:lumMod val="40000"/>
+                        <a:lumOff val="60000"/>
+                      </a:schemeClr>
+                    </a:solidFill>
+                  </a:tcPr>
+                </a:tc>
+              </a:tr>
+            </a:tbl>
+          </a:graphicData>
+        </a:graphic>
+      </p:graphicFrame>
+    </p:spTree>
+    <p:custDataLst>
+      <p:tags r:id="rId3"/>
+    </p:custDataLst>
+  </p:cSld>
+  <p:clrMapOvr>
+    <a:masterClrMapping/>
+  </p:clrMapOvr>
+</p:sld>
+</file>
+
+<file path=ppt/slides/slide6.xml><?xml version="1.0" encoding="utf-8"?>
+<p:sld xmlns:a="http://schemas.openxmlformats.org/drawingml/2006/main" xmlns:r="http://schemas.openxmlformats.org/officeDocument/2006/relationships" xmlns:p="http://schemas.openxmlformats.org/presentationml/2006/main">
+  <p:cSld>
+    <p:spTree>
+      <p:nvGrpSpPr>
+        <p:cNvPr id="1" name=""/>
+        <p:cNvGrpSpPr/>
+        <p:nvPr/>
+      </p:nvGrpSpPr>
+      <p:grpSpPr/>
+      <p:grpSp>
+        <p:nvGrpSpPr>
+          <p:cNvPr id="21" name="组合 20"/>
+          <p:cNvGrpSpPr/>
+          <p:nvPr/>
+        </p:nvGrpSpPr>
+        <p:grpSpPr>
+          <a:xfrm>
+            <a:off x="2425065" y="1841500"/>
+            <a:ext cx="7340600" cy="3173730"/>
+            <a:chOff x="3819" y="2900"/>
+            <a:chExt cx="11560" cy="4998"/>
+          </a:xfrm>
+        </p:grpSpPr>
+        <p:pic>
+          <p:nvPicPr>
+            <p:cNvPr id="4" name="图片 3"/>
+            <p:cNvPicPr>
+              <a:picLocks noChangeAspect="1"/>
+            </p:cNvPicPr>
+            <p:nvPr>
+              <p:custDataLst>
+                <p:tags r:id="rId1"/>
+              </p:custDataLst>
+            </p:nvPr>
+          </p:nvPicPr>
+          <p:blipFill>
+            <a:blip r:embed="rId2"/>
+            <a:stretch>
+              <a:fillRect/>
+            </a:stretch>
+          </p:blipFill>
+          <p:spPr>
+            <a:xfrm>
+              <a:off x="3819" y="2900"/>
+              <a:ext cx="11561" cy="4999"/>
+            </a:xfrm>
+            <a:prstGeom prst="rect">
+              <a:avLst/>
+            </a:prstGeom>
+          </p:spPr>
+        </p:pic>
+        <p:cxnSp>
+          <p:nvCxnSpPr>
+            <p:cNvPr id="5" name="直接连接符 4"/>
+            <p:cNvCxnSpPr/>
+            <p:nvPr/>
+          </p:nvCxnSpPr>
+          <p:spPr>
+            <a:xfrm>
+              <a:off x="6222" y="3299"/>
+              <a:ext cx="652" cy="326"/>
+            </a:xfrm>
+            <a:prstGeom prst="line">
+              <a:avLst/>
+            </a:prstGeom>
+            <a:ln w="44450" cmpd="sng">
+              <a:solidFill>
+                <a:srgbClr val="FF0000"/>
+              </a:solidFill>
+              <a:prstDash val="solid"/>
+            </a:ln>
+          </p:spPr>
+          <p:style>
+            <a:lnRef idx="1">
+              <a:schemeClr val="accent1"/>
+            </a:lnRef>
+            <a:fillRef idx="0">
+              <a:schemeClr val="accent1"/>
+            </a:fillRef>
+            <a:effectRef idx="0">
+              <a:schemeClr val="accent1"/>
+            </a:effectRef>
+            <a:fontRef idx="minor">
+              <a:schemeClr val="tx1"/>
+            </a:fontRef>
+          </p:style>
+        </p:cxnSp>
+        <p:cxnSp>
+          <p:nvCxnSpPr>
+            <p:cNvPr id="6" name="直接连接符 5"/>
+            <p:cNvCxnSpPr/>
+            <p:nvPr>
+              <p:custDataLst>
+                <p:tags r:id="rId3"/>
+              </p:custDataLst>
+            </p:nvPr>
+          </p:nvCxnSpPr>
+          <p:spPr>
+            <a:xfrm>
+              <a:off x="10158" y="3299"/>
+              <a:ext cx="652" cy="326"/>
+            </a:xfrm>
+            <a:prstGeom prst="line">
+              <a:avLst/>
+            </a:prstGeom>
+            <a:ln w="44450" cmpd="sng">
+              <a:solidFill>
+                <a:srgbClr val="FF0000"/>
+              </a:solidFill>
+              <a:prstDash val="solid"/>
+            </a:ln>
+          </p:spPr>
+          <p:style>
+            <a:lnRef idx="1">
+              <a:schemeClr val="accent1"/>
+            </a:lnRef>
+            <a:fillRef idx="0">
+              <a:schemeClr val="accent1"/>
+            </a:fillRef>
+            <a:effectRef idx="0">
+              <a:schemeClr val="accent1"/>
+            </a:effectRef>
+            <a:fontRef idx="minor">
+              <a:schemeClr val="tx1"/>
+            </a:fontRef>
+          </p:style>
+        </p:cxnSp>
+        <p:cxnSp>
+          <p:nvCxnSpPr>
+            <p:cNvPr id="7" name="直接连接符 6"/>
+            <p:cNvCxnSpPr/>
+            <p:nvPr>
+              <p:custDataLst>
+                <p:tags r:id="rId4"/>
+              </p:custDataLst>
+            </p:nvPr>
+          </p:nvCxnSpPr>
+          <p:spPr>
+            <a:xfrm>
+              <a:off x="14342" y="3299"/>
+              <a:ext cx="652" cy="326"/>
+            </a:xfrm>
+            <a:prstGeom prst="line">
+              <a:avLst/>
+            </a:prstGeom>
+            <a:ln w="44450" cmpd="sng">
+              <a:solidFill>
+                <a:srgbClr val="FF0000"/>
+              </a:solidFill>
+              <a:prstDash val="solid"/>
+            </a:ln>
+          </p:spPr>
+          <p:style>
+            <a:lnRef idx="1">
+              <a:schemeClr val="accent1"/>
+            </a:lnRef>
+            <a:fillRef idx="0">
+              <a:schemeClr val="accent1"/>
+            </a:fillRef>
+            <a:effectRef idx="0">
+              <a:schemeClr val="accent1"/>
+            </a:effectRef>
+            <a:fontRef idx="minor">
+              <a:schemeClr val="tx1"/>
+            </a:fontRef>
+          </p:style>
+        </p:cxnSp>
+        <p:cxnSp>
+          <p:nvCxnSpPr>
+            <p:cNvPr id="8" name="直接连接符 7"/>
+            <p:cNvCxnSpPr/>
+            <p:nvPr>
+              <p:custDataLst>
+                <p:tags r:id="rId5"/>
+              </p:custDataLst>
+            </p:nvPr>
+          </p:nvCxnSpPr>
+          <p:spPr>
+            <a:xfrm>
+              <a:off x="6222" y="5849"/>
+              <a:ext cx="707" cy="290"/>
+            </a:xfrm>
+            <a:prstGeom prst="line">
+              <a:avLst/>
+            </a:prstGeom>
+            <a:ln w="44450" cmpd="sng">
+              <a:solidFill>
+                <a:srgbClr val="FF0000"/>
+              </a:solidFill>
+              <a:prstDash val="solid"/>
+            </a:ln>
+          </p:spPr>
+          <p:style>
+            <a:lnRef idx="1">
+              <a:schemeClr val="accent1"/>
+            </a:lnRef>
+            <a:fillRef idx="0">
+              <a:schemeClr val="accent1"/>
+            </a:fillRef>
+            <a:effectRef idx="0">
+              <a:schemeClr val="accent1"/>
+            </a:effectRef>
+            <a:fontRef idx="minor">
+              <a:schemeClr val="tx1"/>
+            </a:fontRef>
+          </p:style>
+        </p:cxnSp>
+        <p:cxnSp>
+          <p:nvCxnSpPr>
+            <p:cNvPr id="9" name="直接连接符 8"/>
+            <p:cNvCxnSpPr/>
+            <p:nvPr>
+              <p:custDataLst>
+                <p:tags r:id="rId6"/>
+              </p:custDataLst>
+            </p:nvPr>
+          </p:nvCxnSpPr>
+          <p:spPr>
+            <a:xfrm>
+              <a:off x="10158" y="5849"/>
+              <a:ext cx="670" cy="317"/>
+            </a:xfrm>
+            <a:prstGeom prst="line">
+              <a:avLst/>
+            </a:prstGeom>
+            <a:ln w="44450" cmpd="sng">
+              <a:solidFill>
+                <a:srgbClr val="FF0000"/>
+              </a:solidFill>
+              <a:prstDash val="solid"/>
+            </a:ln>
+          </p:spPr>
+          <p:style>
+            <a:lnRef idx="1">
+              <a:schemeClr val="accent1"/>
+            </a:lnRef>
+            <a:fillRef idx="0">
+              <a:schemeClr val="accent1"/>
+            </a:fillRef>
+            <a:effectRef idx="0">
+              <a:schemeClr val="accent1"/>
+            </a:effectRef>
+            <a:fontRef idx="minor">
+              <a:schemeClr val="tx1"/>
+            </a:fontRef>
+          </p:style>
+        </p:cxnSp>
+        <p:cxnSp>
+          <p:nvCxnSpPr>
+            <p:cNvPr id="10" name="直接连接符 9"/>
+            <p:cNvCxnSpPr/>
+            <p:nvPr>
+              <p:custDataLst>
+                <p:tags r:id="rId7"/>
+              </p:custDataLst>
+            </p:nvPr>
+          </p:nvCxnSpPr>
+          <p:spPr>
+            <a:xfrm>
+              <a:off x="9982" y="3455"/>
+              <a:ext cx="17" cy="659"/>
+            </a:xfrm>
+            <a:prstGeom prst="line">
+              <a:avLst/>
+            </a:prstGeom>
+            <a:ln w="44450" cmpd="sng">
+              <a:solidFill>
+                <a:srgbClr val="FF0000"/>
+              </a:solidFill>
+              <a:prstDash val="solid"/>
+            </a:ln>
+          </p:spPr>
+          <p:style>
+            <a:lnRef idx="1">
+              <a:schemeClr val="accent1"/>
+            </a:lnRef>
+            <a:fillRef idx="0">
+              <a:schemeClr val="accent1"/>
+            </a:fillRef>
+            <a:effectRef idx="0">
+              <a:schemeClr val="accent1"/>
+            </a:effectRef>
+            <a:fontRef idx="minor">
+              <a:schemeClr val="tx1"/>
+            </a:fontRef>
+          </p:style>
+        </p:cxnSp>
+        <p:cxnSp>
+          <p:nvCxnSpPr>
+            <p:cNvPr id="11" name="直接连接符 10"/>
+            <p:cNvCxnSpPr/>
+            <p:nvPr>
+              <p:custDataLst>
+                <p:tags r:id="rId8"/>
+              </p:custDataLst>
+            </p:nvPr>
+          </p:nvCxnSpPr>
+          <p:spPr>
+            <a:xfrm>
+              <a:off x="14190" y="3455"/>
+              <a:ext cx="17" cy="659"/>
+            </a:xfrm>
+            <a:prstGeom prst="line">
+              <a:avLst/>
+            </a:prstGeom>
+            <a:ln w="44450" cmpd="sng">
+              <a:solidFill>
+                <a:srgbClr val="FF0000"/>
+              </a:solidFill>
+              <a:prstDash val="solid"/>
+            </a:ln>
+          </p:spPr>
+          <p:style>
+            <a:lnRef idx="1">
+              <a:schemeClr val="accent1"/>
+            </a:lnRef>
+            <a:fillRef idx="0">
+              <a:schemeClr val="accent1"/>
+            </a:fillRef>
+            <a:effectRef idx="0">
+              <a:schemeClr val="accent1"/>
+            </a:effectRef>
+            <a:fontRef idx="minor">
+              <a:schemeClr val="tx1"/>
+            </a:fontRef>
+          </p:style>
+        </p:cxnSp>
+        <p:cxnSp>
+          <p:nvCxnSpPr>
+            <p:cNvPr id="12" name="直接连接符 11"/>
+            <p:cNvCxnSpPr/>
+            <p:nvPr>
+              <p:custDataLst>
+                <p:tags r:id="rId9"/>
+              </p:custDataLst>
+            </p:nvPr>
+          </p:nvCxnSpPr>
+          <p:spPr>
+            <a:xfrm>
+              <a:off x="6093" y="5951"/>
+              <a:ext cx="17" cy="659"/>
+            </a:xfrm>
+            <a:prstGeom prst="line">
+              <a:avLst/>
+            </a:prstGeom>
+            <a:ln w="44450" cmpd="sng">
+              <a:solidFill>
+                <a:srgbClr val="FF0000"/>
+              </a:solidFill>
+              <a:prstDash val="solid"/>
+            </a:ln>
+          </p:spPr>
+          <p:style>
+            <a:lnRef idx="1">
+              <a:schemeClr val="accent1"/>
+            </a:lnRef>
+            <a:fillRef idx="0">
+              <a:schemeClr val="accent1"/>
+            </a:fillRef>
+            <a:effectRef idx="0">
+              <a:schemeClr val="accent1"/>
+            </a:effectRef>
+            <a:fontRef idx="minor">
+              <a:schemeClr val="tx1"/>
+            </a:fontRef>
+          </p:style>
+        </p:cxnSp>
+        <p:cxnSp>
+          <p:nvCxnSpPr>
+            <p:cNvPr id="13" name="直接连接符 12"/>
+            <p:cNvCxnSpPr/>
+            <p:nvPr>
+              <p:custDataLst>
+                <p:tags r:id="rId10"/>
+              </p:custDataLst>
+            </p:nvPr>
+          </p:nvCxnSpPr>
+          <p:spPr>
+            <a:xfrm>
+              <a:off x="9982" y="5951"/>
+              <a:ext cx="17" cy="659"/>
+            </a:xfrm>
+            <a:prstGeom prst="line">
+              <a:avLst/>
+            </a:prstGeom>
+            <a:ln w="44450" cmpd="sng">
+              <a:solidFill>
+                <a:srgbClr val="FF0000"/>
+              </a:solidFill>
+              <a:prstDash val="solid"/>
+            </a:ln>
+          </p:spPr>
+          <p:style>
+            <a:lnRef idx="1">
+              <a:schemeClr val="accent1"/>
+            </a:lnRef>
+            <a:fillRef idx="0">
+              <a:schemeClr val="accent1"/>
+            </a:fillRef>
+            <a:effectRef idx="0">
+              <a:schemeClr val="accent1"/>
+            </a:effectRef>
+            <a:fontRef idx="minor">
+              <a:schemeClr val="tx1"/>
+            </a:fontRef>
+          </p:style>
+        </p:cxnSp>
+        <p:cxnSp>
+          <p:nvCxnSpPr>
+            <p:cNvPr id="14" name="直接连接符 13"/>
+            <p:cNvCxnSpPr/>
+            <p:nvPr>
+              <p:custDataLst>
+                <p:tags r:id="rId11"/>
+              </p:custDataLst>
+            </p:nvPr>
+          </p:nvCxnSpPr>
+          <p:spPr>
+            <a:xfrm>
+              <a:off x="12526" y="3354"/>
+              <a:ext cx="662" cy="271"/>
+            </a:xfrm>
+            <a:prstGeom prst="line">
+              <a:avLst/>
+            </a:prstGeom>
+            <a:ln w="44450" cmpd="sng">
+              <a:solidFill>
+                <a:srgbClr val="FF0000"/>
+              </a:solidFill>
+              <a:prstDash val="solid"/>
+            </a:ln>
+          </p:spPr>
+          <p:style>
+            <a:lnRef idx="1">
+              <a:schemeClr val="accent1"/>
+            </a:lnRef>
+            <a:fillRef idx="0">
+              <a:schemeClr val="accent1"/>
+            </a:fillRef>
+            <a:effectRef idx="0">
+              <a:schemeClr val="accent1"/>
+            </a:effectRef>
+            <a:fontRef idx="minor">
+              <a:schemeClr val="tx1"/>
+            </a:fontRef>
+          </p:style>
+        </p:cxnSp>
+        <p:cxnSp>
+          <p:nvCxnSpPr>
+            <p:cNvPr id="15" name="直接连接符 14"/>
+            <p:cNvCxnSpPr/>
+            <p:nvPr>
+              <p:custDataLst>
+                <p:tags r:id="rId12"/>
+              </p:custDataLst>
+            </p:nvPr>
+          </p:nvCxnSpPr>
+          <p:spPr>
+            <a:xfrm>
+              <a:off x="4453" y="5895"/>
+              <a:ext cx="662" cy="271"/>
+            </a:xfrm>
+            <a:prstGeom prst="line">
+              <a:avLst/>
+            </a:prstGeom>
+            <a:ln w="44450" cmpd="sng">
+              <a:solidFill>
+                <a:srgbClr val="FF0000"/>
+              </a:solidFill>
+              <a:prstDash val="solid"/>
+            </a:ln>
+          </p:spPr>
+          <p:style>
+            <a:lnRef idx="1">
+              <a:schemeClr val="accent1"/>
+            </a:lnRef>
+            <a:fillRef idx="0">
+              <a:schemeClr val="accent1"/>
+            </a:fillRef>
+            <a:effectRef idx="0">
+              <a:schemeClr val="accent1"/>
+            </a:effectRef>
+            <a:fontRef idx="minor">
+              <a:schemeClr val="tx1"/>
+            </a:fontRef>
+          </p:style>
+        </p:cxnSp>
+        <p:cxnSp>
+          <p:nvCxnSpPr>
+            <p:cNvPr id="16" name="直接连接符 15"/>
+            <p:cNvCxnSpPr/>
+            <p:nvPr>
+              <p:custDataLst>
+                <p:tags r:id="rId13"/>
+              </p:custDataLst>
+            </p:nvPr>
+          </p:nvCxnSpPr>
+          <p:spPr>
+            <a:xfrm>
+              <a:off x="8351" y="5895"/>
+              <a:ext cx="662" cy="271"/>
+            </a:xfrm>
+            <a:prstGeom prst="line">
+              <a:avLst/>
+            </a:prstGeom>
+            <a:ln w="44450" cmpd="sng">
+              <a:solidFill>
+                <a:srgbClr val="FF0000"/>
+              </a:solidFill>
+              <a:prstDash val="solid"/>
+            </a:ln>
+          </p:spPr>
+          <p:style>
+            <a:lnRef idx="1">
+              <a:schemeClr val="accent1"/>
+            </a:lnRef>
+            <a:fillRef idx="0">
+              <a:schemeClr val="accent1"/>
+            </a:fillRef>
+            <a:effectRef idx="0">
+              <a:schemeClr val="accent1"/>
+            </a:effectRef>
+            <a:fontRef idx="minor">
+              <a:schemeClr val="tx1"/>
+            </a:fontRef>
+          </p:style>
+        </p:cxnSp>
+        <p:cxnSp>
+          <p:nvCxnSpPr>
+            <p:cNvPr id="17" name="直接连接符 16"/>
+            <p:cNvCxnSpPr/>
+            <p:nvPr>
+              <p:custDataLst>
+                <p:tags r:id="rId14"/>
+              </p:custDataLst>
+            </p:nvPr>
+          </p:nvCxnSpPr>
+          <p:spPr>
+            <a:xfrm flipV="1">
+              <a:off x="4497" y="6451"/>
+              <a:ext cx="625" cy="272"/>
+            </a:xfrm>
+            <a:prstGeom prst="line">
+              <a:avLst/>
+            </a:prstGeom>
+            <a:ln w="44450" cmpd="sng">
+              <a:solidFill>
+                <a:srgbClr val="FF0000"/>
+              </a:solidFill>
+              <a:prstDash val="solid"/>
+            </a:ln>
+          </p:spPr>
+          <p:style>
+            <a:lnRef idx="1">
+              <a:schemeClr val="accent1"/>
+            </a:lnRef>
+            <a:fillRef idx="0">
+              <a:schemeClr val="accent1"/>
+            </a:fillRef>
+            <a:effectRef idx="0">
+              <a:schemeClr val="accent1"/>
+            </a:effectRef>
+            <a:fontRef idx="minor">
+              <a:schemeClr val="tx1"/>
+            </a:fontRef>
+          </p:style>
+        </p:cxnSp>
+        <p:cxnSp>
+          <p:nvCxnSpPr>
+            <p:cNvPr id="19" name="直接连接符 18"/>
+            <p:cNvCxnSpPr/>
+            <p:nvPr>
+              <p:custDataLst>
+                <p:tags r:id="rId15"/>
+              </p:custDataLst>
+            </p:nvPr>
+          </p:nvCxnSpPr>
+          <p:spPr>
+            <a:xfrm flipV="1">
+              <a:off x="8388" y="6451"/>
+              <a:ext cx="625" cy="272"/>
+            </a:xfrm>
+            <a:prstGeom prst="line">
+              <a:avLst/>
+            </a:prstGeom>
+            <a:ln w="44450" cmpd="sng">
+              <a:solidFill>
+                <a:srgbClr val="FF0000"/>
+              </a:solidFill>
+              <a:prstDash val="solid"/>
+            </a:ln>
+          </p:spPr>
+          <p:style>
+            <a:lnRef idx="1">
+              <a:schemeClr val="accent1"/>
+            </a:lnRef>
+            <a:fillRef idx="0">
+              <a:schemeClr val="accent1"/>
+            </a:fillRef>
+            <a:effectRef idx="0">
+              <a:schemeClr val="accent1"/>
+            </a:effectRef>
+            <a:fontRef idx="minor">
+              <a:schemeClr val="tx1"/>
+            </a:fontRef>
+          </p:style>
+        </p:cxnSp>
+        <p:cxnSp>
+          <p:nvCxnSpPr>
+            <p:cNvPr id="20" name="直接连接符 19"/>
+            <p:cNvCxnSpPr/>
+            <p:nvPr>
+              <p:custDataLst>
+                <p:tags r:id="rId16"/>
+              </p:custDataLst>
+            </p:nvPr>
+          </p:nvCxnSpPr>
+          <p:spPr>
+            <a:xfrm flipV="1">
+              <a:off x="9320" y="5826"/>
+              <a:ext cx="516" cy="354"/>
+            </a:xfrm>
+            <a:prstGeom prst="line">
+              <a:avLst/>
+            </a:prstGeom>
+            <a:ln w="44450" cmpd="sng">
+              <a:solidFill>
+                <a:srgbClr val="FF0000"/>
+              </a:solidFill>
+              <a:prstDash val="solid"/>
+            </a:ln>
+          </p:spPr>
+          <p:style>
+            <a:lnRef idx="1">
+              <a:schemeClr val="accent1"/>
+            </a:lnRef>
+            <a:fillRef idx="0">
+              <a:schemeClr val="accent1"/>
+            </a:fillRef>
+            <a:effectRef idx="0">
+              <a:schemeClr val="accent1"/>
+            </a:effectRef>
+            <a:fontRef idx="minor">
+              <a:schemeClr val="tx1"/>
+            </a:fontRef>
+          </p:style>
+        </p:cxnSp>
+      </p:grpSp>
+    </p:spTree>
+    <p:custDataLst>
+      <p:tags r:id="rId17"/>
+    </p:custDataLst>
+  </p:cSld>
+  <p:clrMapOvr>
+    <a:masterClrMapping/>
+  </p:clrMapOvr>
+</p:sld>
+</file>
+
+<file path=ppt/slides/slide7.xml><?xml version="1.0" encoding="utf-8"?>
+<p:sld xmlns:a="http://schemas.openxmlformats.org/drawingml/2006/main" xmlns:r="http://schemas.openxmlformats.org/officeDocument/2006/relationships" xmlns:p="http://schemas.openxmlformats.org/presentationml/2006/main">
+  <p:cSld>
+    <p:spTree>
+      <p:nvGrpSpPr>
+        <p:cNvPr id="1" name=""/>
+        <p:cNvGrpSpPr/>
+        <p:nvPr/>
+      </p:nvGrpSpPr>
+      <p:grpSpPr/>
+      <p:graphicFrame>
+        <p:nvGraphicFramePr>
+          <p:cNvPr id="4" name="表格 3"/>
+          <p:cNvGraphicFramePr/>
+          <p:nvPr>
+            <p:custDataLst>
+              <p:tags r:id="rId1"/>
+            </p:custDataLst>
+          </p:nvPr>
+        </p:nvGraphicFramePr>
+        <p:xfrm>
+          <a:off x="1126490" y="348615"/>
+          <a:ext cx="8529955" cy="3154680"/>
+        </p:xfrm>
+        <a:graphic>
+          <a:graphicData uri="http://schemas.openxmlformats.org/drawingml/2006/table">
+            <a:tbl>
+              <a:tblPr firstRow="1" bandRow="1"/>
+              <a:tblGrid>
+                <a:gridCol w="1218565"/>
+                <a:gridCol w="1218565"/>
+                <a:gridCol w="1218565"/>
+                <a:gridCol w="1218565"/>
+                <a:gridCol w="1218565"/>
+                <a:gridCol w="1218565"/>
+              </a:tblGrid>
+              <a:tr h="381000">
+                <a:tc>
+                  <a:txBody>
+                    <a:bodyPr/>
+                    <a:p>
+                      <a:pPr algn="ctr">
+                        <a:buNone/>
+                      </a:pPr>
+                      <a:r>
+                        <a:rPr lang="zh-CN" altLang="en-US">
+                          <a:solidFill>
+                            <a:srgbClr val="FFFFFF"/>
+                          </a:solidFill>
+                        </a:rPr>
+                        <a:t>状态</a:t>
+                      </a:r>
+                      <a:endParaRPr lang="zh-CN" altLang="en-US">
+                        <a:solidFill>
+                          <a:srgbClr val="FFFFFF"/>
+                        </a:solidFill>
+                      </a:endParaRPr>
+                    </a:p>
+                  </a:txBody>
+                  <a:tcPr anchor="ctr" anchorCtr="0">
+                    <a:lnL>
+                      <a:noFill/>
+                    </a:lnL>
+                    <a:lnR>
+                      <a:noFill/>
+                    </a:lnR>
+                    <a:lnT>
+                      <a:noFill/>
+                    </a:lnT>
+                    <a:lnB>
+                      <a:noFill/>
+                    </a:lnB>
+                    <a:solidFill>
+                      <a:srgbClr val="595959"/>
+                    </a:solidFill>
+                  </a:tcPr>
+                </a:tc>
+                <a:tc>
+                  <a:txBody>
+                    <a:bodyPr/>
+                    <a:p>
+                      <a:pPr algn="ctr">
+                        <a:buNone/>
+                      </a:pPr>
+                      <a:r>
+                        <a:rPr lang="en-US" altLang="zh-CN">
+                          <a:solidFill>
+                            <a:srgbClr val="FFFFFF"/>
+                          </a:solidFill>
+                        </a:rPr>
+                        <a:t>1</a:t>
+                      </a:r>
+                      <a:endParaRPr lang="en-US" altLang="zh-CN">
+                        <a:solidFill>
+                          <a:srgbClr val="FFFFFF"/>
+                        </a:solidFill>
+                      </a:endParaRPr>
+                    </a:p>
+                  </a:txBody>
+                  <a:tcPr anchor="ctr" anchorCtr="0">
+                    <a:lnL>
+                      <a:noFill/>
+                    </a:lnL>
+                    <a:lnR>
+                      <a:noFill/>
+                    </a:lnR>
+                    <a:lnT>
+                      <a:noFill/>
+                    </a:lnT>
+                    <a:lnB>
+                      <a:noFill/>
+                    </a:lnB>
+                    <a:solidFill>
+                      <a:srgbClr val="E74C3C"/>
+                    </a:solidFill>
+                  </a:tcPr>
+                </a:tc>
+                <a:tc>
+                  <a:txBody>
+                    <a:bodyPr/>
+                    <a:p>
+                      <a:pPr algn="ctr">
+                        <a:buNone/>
+                      </a:pPr>
+                      <a:r>
+                        <a:rPr lang="en-US" altLang="zh-CN">
+                          <a:solidFill>
+                            <a:srgbClr val="FFFFFF"/>
+                          </a:solidFill>
+                        </a:rPr>
+                        <a:t>2</a:t>
+                      </a:r>
+                      <a:endParaRPr lang="en-US" altLang="zh-CN">
+                        <a:solidFill>
+                          <a:srgbClr val="FFFFFF"/>
+                        </a:solidFill>
+                      </a:endParaRPr>
+                    </a:p>
+                  </a:txBody>
+                  <a:tcPr anchor="ctr" anchorCtr="0">
+                    <a:lnL>
+                      <a:noFill/>
+                    </a:lnL>
+                    <a:lnR>
+                      <a:noFill/>
+                    </a:lnR>
+                    <a:lnT>
+                      <a:noFill/>
+                    </a:lnT>
+                    <a:lnB>
+                      <a:noFill/>
+                    </a:lnB>
+                    <a:solidFill>
+                      <a:srgbClr val="F89406"/>
+                    </a:solidFill>
+                  </a:tcPr>
+                </a:tc>
+                <a:tc>
+                  <a:txBody>
+                    <a:bodyPr/>
+                    <a:p>
+                      <a:pPr algn="ctr">
+                        <a:buNone/>
+                      </a:pPr>
+                      <a:r>
+                        <a:rPr lang="en-US" altLang="zh-CN">
+                          <a:solidFill>
+                            <a:srgbClr val="FFFFFF"/>
+                          </a:solidFill>
+                        </a:rPr>
+                        <a:t>3</a:t>
+                      </a:r>
+                      <a:endParaRPr lang="en-US" altLang="zh-CN">
+                        <a:solidFill>
+                          <a:srgbClr val="FFFFFF"/>
+                        </a:solidFill>
+                      </a:endParaRPr>
+                    </a:p>
+                  </a:txBody>
+                  <a:tcPr anchor="ctr" anchorCtr="0">
+                    <a:lnL>
+                      <a:noFill/>
+                    </a:lnL>
+                    <a:lnR>
+                      <a:noFill/>
+                    </a:lnR>
+                    <a:lnT>
+                      <a:noFill/>
+                    </a:lnT>
+                    <a:lnB>
+                      <a:noFill/>
+                    </a:lnB>
+                    <a:solidFill>
+                      <a:srgbClr val="F7B619"/>
+                    </a:solidFill>
+                  </a:tcPr>
+                </a:tc>
+                <a:tc>
+                  <a:txBody>
+                    <a:bodyPr/>
+                    <a:p>
+                      <a:pPr algn="ctr">
+                        <a:buNone/>
+                      </a:pPr>
+                      <a:r>
+                        <a:rPr lang="en-US" altLang="zh-CN">
+                          <a:solidFill>
+                            <a:srgbClr val="FFFFFF"/>
+                          </a:solidFill>
+                        </a:rPr>
+                        <a:t>4</a:t>
+                      </a:r>
+                      <a:endParaRPr lang="en-US" altLang="zh-CN">
+                        <a:solidFill>
+                          <a:srgbClr val="FFFFFF"/>
+                        </a:solidFill>
+                      </a:endParaRPr>
+                    </a:p>
+                  </a:txBody>
+                  <a:tcPr anchor="ctr" anchorCtr="0">
+                    <a:lnL>
+                      <a:noFill/>
+                    </a:lnL>
+                    <a:lnR>
+                      <a:noFill/>
+                    </a:lnR>
+                    <a:lnT>
+                      <a:noFill/>
+                    </a:lnT>
+                    <a:lnB>
+                      <a:noFill/>
+                    </a:lnB>
+                    <a:solidFill>
+                      <a:srgbClr val="C0CA33"/>
+                    </a:solidFill>
+                  </a:tcPr>
+                </a:tc>
+                <a:tc>
+                  <a:txBody>
+                    <a:bodyPr/>
+                    <a:p>
+                      <a:pPr algn="ctr">
+                        <a:buNone/>
+                      </a:pPr>
+                      <a:r>
+                        <a:rPr lang="en-US" altLang="zh-CN">
+                          <a:solidFill>
+                            <a:srgbClr val="FFFFFF"/>
+                          </a:solidFill>
+                        </a:rPr>
+                        <a:t>5</a:t>
+                      </a:r>
+                      <a:endParaRPr lang="en-US" altLang="zh-CN">
+                        <a:solidFill>
+                          <a:srgbClr val="FFFFFF"/>
+                        </a:solidFill>
+                      </a:endParaRPr>
+                    </a:p>
+                  </a:txBody>
+                  <a:tcPr anchor="ctr" anchorCtr="0">
+                    <a:lnL>
+                      <a:noFill/>
+                    </a:lnL>
+                    <a:lnR>
+                      <a:noFill/>
+                    </a:lnR>
+                    <a:lnT>
+                      <a:noFill/>
+                    </a:lnT>
+                    <a:lnB>
+                      <a:noFill/>
+                    </a:lnB>
+                    <a:solidFill>
+                      <a:srgbClr val="7CB342"/>
+                    </a:solidFill>
+                  </a:tcPr>
+                </a:tc>
+              </a:tr>
+              <a:tr h="396240">
+                <a:tc>
+                  <a:txBody>
+                    <a:bodyPr/>
+                    <a:p>
+                      <a:pPr algn="ctr">
+                        <a:buNone/>
+                      </a:pPr>
+                      <a:r>
+                        <a:rPr lang="zh-CN" altLang="en-US" sz="2000">
+                          <a:solidFill>
+                            <a:srgbClr val="404040"/>
+                          </a:solidFill>
+                        </a:rPr>
+                        <a:t>初始</a:t>
+                      </a:r>
+                      <a:endParaRPr lang="zh-CN" altLang="en-US" sz="2000">
+                        <a:solidFill>
+                          <a:srgbClr val="404040"/>
+                        </a:solidFill>
+                      </a:endParaRPr>
+                    </a:p>
+                  </a:txBody>
+                  <a:tcPr anchor="ctr" anchorCtr="0">
+                    <a:lnL>
+                      <a:noFill/>
+                    </a:lnL>
+                    <a:lnR w="12700">
+                      <a:solidFill>
+                        <a:srgbClr val="D9D9D9"/>
+                      </a:solidFill>
+                      <a:prstDash val="solid"/>
+                    </a:lnR>
+                    <a:lnT>
+                      <a:noFill/>
+                    </a:lnT>
+                    <a:lnB>
+                      <a:noFill/>
+                    </a:lnB>
+                    <a:solidFill>
+                      <a:srgbClr val="FFFFFF"/>
+                    </a:solidFill>
+                  </a:tcPr>
+                </a:tc>
+                <a:tc>
+                  <a:txBody>
+                    <a:bodyPr/>
+                    <a:p>
+                      <a:pPr algn="ctr">
+                        <a:buClrTx/>
+                        <a:buSzTx/>
+                        <a:buFontTx/>
+                        <a:buNone/>
+                      </a:pPr>
+                      <a:r>
+                        <a:rPr lang="en-US" altLang="zh-CN" sz="2000" b="1">
+                          <a:solidFill>
+                            <a:srgbClr val="FF0000"/>
+                          </a:solidFill>
+                        </a:rPr>
+                        <a:t>0</a:t>
+                      </a:r>
+                      <a:endParaRPr lang="en-US" altLang="zh-CN" sz="2000" b="1">
+                        <a:solidFill>
+                          <a:srgbClr val="FF0000"/>
+                        </a:solidFill>
+                      </a:endParaRPr>
+                    </a:p>
+                  </a:txBody>
+                  <a:tcPr anchor="ctr" anchorCtr="0">
+                    <a:lnL w="12700">
+                      <a:solidFill>
+                        <a:srgbClr val="D9D9D9"/>
+                      </a:solidFill>
+                      <a:prstDash val="solid"/>
+                    </a:lnL>
+                    <a:lnR w="6350">
+                      <a:solidFill>
+                        <a:srgbClr val="D9D9D9"/>
+                      </a:solidFill>
+                      <a:prstDash val="solid"/>
+                    </a:lnR>
+                    <a:lnT>
+                      <a:noFill/>
+                    </a:lnT>
+                    <a:lnB>
+                      <a:noFill/>
+                    </a:lnB>
+                    <a:solidFill>
+                      <a:schemeClr val="accent2">
+                        <a:lumMod val="60000"/>
+                        <a:lumOff val="40000"/>
+                      </a:schemeClr>
+                    </a:solidFill>
+                  </a:tcPr>
+                </a:tc>
+                <a:tc>
+                  <a:txBody>
+                    <a:bodyPr/>
+                    <a:p>
+                      <a:pPr algn="ctr">
+                        <a:buClrTx/>
+                        <a:buSzTx/>
+                        <a:buFontTx/>
+                        <a:buNone/>
+                      </a:pPr>
+                      <a:r>
+                        <a:rPr lang="zh-CN" altLang="en-US" sz="2000">
+                          <a:solidFill>
+                            <a:srgbClr val="404040"/>
+                          </a:solidFill>
+                          <a:sym typeface="+mn-ea"/>
+                        </a:rPr>
+                        <a:t>∞</a:t>
+                      </a:r>
+                      <a:endParaRPr lang="zh-CN" altLang="en-US" sz="2000">
+                        <a:solidFill>
+                          <a:srgbClr val="404040"/>
+                        </a:solidFill>
+                        <a:sym typeface="+mn-ea"/>
+                      </a:endParaRPr>
+                    </a:p>
+                  </a:txBody>
+                  <a:tcPr anchor="ctr" anchorCtr="0">
+                    <a:lnL w="6350">
+                      <a:solidFill>
+                        <a:srgbClr val="D9D9D9"/>
+                      </a:solidFill>
+                      <a:prstDash val="solid"/>
+                    </a:lnL>
+                    <a:lnR w="6350">
+                      <a:solidFill>
+                        <a:srgbClr val="D9D9D9"/>
+                      </a:solidFill>
+                      <a:prstDash val="solid"/>
+                    </a:lnR>
+                    <a:lnT>
+                      <a:noFill/>
+                    </a:lnT>
+                    <a:lnB>
+                      <a:noFill/>
+                    </a:lnB>
+                    <a:solidFill>
+                      <a:srgbClr val="FFFFFF"/>
+                    </a:solidFill>
+                  </a:tcPr>
+                </a:tc>
+                <a:tc>
+                  <a:txBody>
+                    <a:bodyPr/>
+                    <a:p>
+                      <a:pPr algn="ctr">
+                        <a:buClrTx/>
+                        <a:buSzTx/>
+                        <a:buFontTx/>
+                        <a:buNone/>
+                      </a:pPr>
+                      <a:r>
+                        <a:rPr lang="zh-CN" altLang="en-US" sz="2000">
+                          <a:solidFill>
+                            <a:srgbClr val="404040"/>
+                          </a:solidFill>
+                          <a:sym typeface="+mn-ea"/>
+                        </a:rPr>
+                        <a:t>∞</a:t>
+                      </a:r>
+                      <a:endParaRPr lang="zh-CN" altLang="en-US" sz="2000">
+                        <a:solidFill>
+                          <a:srgbClr val="404040"/>
+                        </a:solidFill>
+                        <a:sym typeface="+mn-ea"/>
+                      </a:endParaRPr>
+                    </a:p>
+                  </a:txBody>
+                  <a:tcPr anchor="ctr" anchorCtr="0">
+                    <a:lnL w="6350">
+                      <a:solidFill>
+                        <a:srgbClr val="D9D9D9"/>
+                      </a:solidFill>
+                      <a:prstDash val="solid"/>
+                    </a:lnL>
+                    <a:lnR w="6350">
+                      <a:solidFill>
+                        <a:srgbClr val="D9D9D9"/>
+                      </a:solidFill>
+                      <a:prstDash val="solid"/>
+                    </a:lnR>
+                    <a:lnT>
+                      <a:noFill/>
+                    </a:lnT>
+                    <a:lnB>
+                      <a:noFill/>
+                    </a:lnB>
+                    <a:solidFill>
+                      <a:srgbClr val="FFFFFF"/>
+                    </a:solidFill>
+                  </a:tcPr>
+                </a:tc>
+                <a:tc>
+                  <a:txBody>
+                    <a:bodyPr/>
+                    <a:p>
+                      <a:pPr algn="ctr">
+                        <a:buClrTx/>
+                        <a:buSzTx/>
+                        <a:buFontTx/>
+                        <a:buNone/>
+                      </a:pPr>
+                      <a:r>
+                        <a:rPr lang="zh-CN" altLang="en-US" sz="2000">
+                          <a:solidFill>
+                            <a:srgbClr val="404040"/>
+                          </a:solidFill>
+                          <a:sym typeface="+mn-ea"/>
+                        </a:rPr>
+                        <a:t>∞</a:t>
+                      </a:r>
+                      <a:endParaRPr lang="zh-CN" altLang="en-US" sz="2000">
+                        <a:solidFill>
+                          <a:srgbClr val="404040"/>
+                        </a:solidFill>
+                        <a:sym typeface="+mn-ea"/>
+                      </a:endParaRPr>
+                    </a:p>
+                  </a:txBody>
+                  <a:tcPr anchor="ctr" anchorCtr="0">
+                    <a:lnL w="6350">
+                      <a:solidFill>
+                        <a:srgbClr val="D9D9D9"/>
+                      </a:solidFill>
+                      <a:prstDash val="solid"/>
+                    </a:lnL>
+                    <a:lnR w="6350">
+                      <a:solidFill>
+                        <a:srgbClr val="D9D9D9"/>
+                      </a:solidFill>
+                      <a:prstDash val="solid"/>
+                    </a:lnR>
+                    <a:lnT>
+                      <a:noFill/>
+                    </a:lnT>
+                    <a:lnB>
+                      <a:noFill/>
+                    </a:lnB>
+                    <a:solidFill>
+                      <a:srgbClr val="FFFFFF"/>
+                    </a:solidFill>
+                  </a:tcPr>
+                </a:tc>
+                <a:tc>
+                  <a:txBody>
+                    <a:bodyPr/>
+                    <a:p>
+                      <a:pPr algn="ctr">
+                        <a:buClrTx/>
+                        <a:buSzTx/>
+                        <a:buFontTx/>
+                        <a:buNone/>
+                      </a:pPr>
+                      <a:r>
+                        <a:rPr lang="zh-CN" altLang="en-US" sz="2000">
+                          <a:solidFill>
+                            <a:srgbClr val="404040"/>
+                          </a:solidFill>
+                          <a:sym typeface="+mn-ea"/>
+                        </a:rPr>
+                        <a:t>∞</a:t>
+                      </a:r>
+                      <a:endParaRPr lang="zh-CN" altLang="en-US" sz="2000">
+                        <a:solidFill>
+                          <a:srgbClr val="404040"/>
+                        </a:solidFill>
+                        <a:sym typeface="+mn-ea"/>
+                      </a:endParaRPr>
+                    </a:p>
+                  </a:txBody>
+                  <a:tcPr anchor="ctr" anchorCtr="0">
+                    <a:lnL w="6350">
+                      <a:solidFill>
+                        <a:srgbClr val="D9D9D9"/>
+                      </a:solidFill>
+                      <a:prstDash val="solid"/>
+                    </a:lnL>
+                    <a:lnR>
+                      <a:noFill/>
+                    </a:lnR>
+                    <a:lnT>
+                      <a:noFill/>
+                    </a:lnT>
+                    <a:lnB>
+                      <a:noFill/>
+                    </a:lnB>
+                    <a:solidFill>
+                      <a:srgbClr val="FFFFFF"/>
+                    </a:solidFill>
+                  </a:tcPr>
+                </a:tc>
+              </a:tr>
+              <a:tr h="396240">
+                <a:tc>
+                  <a:txBody>
+                    <a:bodyPr/>
+                    <a:p>
+                      <a:pPr algn="ctr">
+                        <a:buNone/>
+                      </a:pPr>
+                      <a:r>
+                        <a:rPr lang="en-US" altLang="zh-CN" sz="2000">
+                          <a:solidFill>
+                            <a:srgbClr val="404040"/>
+                          </a:solidFill>
+                        </a:rPr>
+                        <a:t>1</a:t>
+                      </a:r>
+                      <a:endParaRPr lang="en-US" altLang="zh-CN" sz="2000">
+                        <a:solidFill>
+                          <a:srgbClr val="404040"/>
+                        </a:solidFill>
+                      </a:endParaRPr>
+                    </a:p>
+                  </a:txBody>
+                  <a:tcPr anchor="ctr" anchorCtr="0">
+                    <a:lnL>
+                      <a:noFill/>
+                    </a:lnL>
+                    <a:lnR w="12700">
+                      <a:solidFill>
+                        <a:srgbClr val="D9D9D9"/>
+                      </a:solidFill>
+                      <a:prstDash val="solid"/>
+                    </a:lnR>
+                    <a:lnT>
+                      <a:noFill/>
+                    </a:lnT>
+                    <a:lnB>
+                      <a:noFill/>
+                    </a:lnB>
+                    <a:solidFill>
+                      <a:srgbClr val="F2F2F2"/>
+                    </a:solidFill>
+                  </a:tcPr>
+                </a:tc>
+                <a:tc>
+                  <a:txBody>
+                    <a:bodyPr/>
+                    <a:p>
+                      <a:pPr algn="ctr">
+                        <a:buClrTx/>
+                        <a:buSzTx/>
+                        <a:buFontTx/>
+                        <a:buNone/>
+                      </a:pPr>
+                      <a:r>
+                        <a:rPr lang="en-US" altLang="zh-CN" sz="2000">
+                          <a:solidFill>
+                            <a:srgbClr val="404040"/>
+                          </a:solidFill>
+                        </a:rPr>
+                        <a:t>0</a:t>
+                      </a:r>
+                      <a:endParaRPr lang="en-US" altLang="zh-CN" sz="2000">
+                        <a:solidFill>
+                          <a:srgbClr val="404040"/>
+                        </a:solidFill>
+                      </a:endParaRPr>
+                    </a:p>
+                  </a:txBody>
+                  <a:tcPr anchor="ctr" anchorCtr="0">
+                    <a:lnL w="12700">
+                      <a:solidFill>
+                        <a:srgbClr val="D9D9D9"/>
+                      </a:solidFill>
+                      <a:prstDash val="solid"/>
+                    </a:lnL>
+                    <a:lnR w="6350">
+                      <a:solidFill>
+                        <a:srgbClr val="D9D9D9"/>
+                      </a:solidFill>
+                      <a:prstDash val="solid"/>
+                    </a:lnR>
+                    <a:lnT>
+                      <a:noFill/>
+                    </a:lnT>
+                    <a:lnB>
+                      <a:noFill/>
+                    </a:lnB>
+                    <a:solidFill>
+                      <a:srgbClr val="F2F2F2"/>
+                    </a:solidFill>
+                  </a:tcPr>
+                </a:tc>
+                <a:tc>
+                  <a:txBody>
+                    <a:bodyPr/>
+                    <a:p>
+                      <a:pPr algn="ctr">
+                        <a:buClrTx/>
+                        <a:buSzTx/>
+                        <a:buFontTx/>
+                        <a:buNone/>
+                      </a:pPr>
+                      <a:r>
+                        <a:rPr lang="en-US" altLang="zh-CN" sz="2000">
+                          <a:solidFill>
+                            <a:srgbClr val="404040"/>
+                          </a:solidFill>
+                        </a:rPr>
+                        <a:t>26</a:t>
+                      </a:r>
+                      <a:endParaRPr lang="en-US" altLang="zh-CN" sz="2000">
+                        <a:solidFill>
+                          <a:srgbClr val="404040"/>
+                        </a:solidFill>
+                      </a:endParaRPr>
+                    </a:p>
+                  </a:txBody>
+                  <a:tcPr anchor="ctr" anchorCtr="0">
+                    <a:lnL w="6350">
+                      <a:solidFill>
+                        <a:srgbClr val="D9D9D9"/>
+                      </a:solidFill>
+                      <a:prstDash val="solid"/>
+                    </a:lnL>
+                    <a:lnR w="6350">
+                      <a:solidFill>
+                        <a:srgbClr val="D9D9D9"/>
+                      </a:solidFill>
+                      <a:prstDash val="solid"/>
+                    </a:lnR>
+                    <a:lnT>
+                      <a:noFill/>
+                    </a:lnT>
+                    <a:lnB>
+                      <a:noFill/>
+                    </a:lnB>
+                    <a:solidFill>
+                      <a:srgbClr val="F2F2F2"/>
+                    </a:solidFill>
+                  </a:tcPr>
+                </a:tc>
+                <a:tc>
+                  <a:txBody>
+                    <a:bodyPr/>
+                    <a:p>
+                      <a:pPr algn="ctr">
+                        <a:buClrTx/>
+                        <a:buSzTx/>
+                        <a:buFontTx/>
+                        <a:buNone/>
+                      </a:pPr>
+                      <a:r>
+                        <a:rPr lang="en-US" altLang="zh-CN" sz="2000" b="1">
+                          <a:solidFill>
+                            <a:srgbClr val="FF0000"/>
+                          </a:solidFill>
+                          <a:sym typeface="+mn-ea"/>
+                        </a:rPr>
+                        <a:t>3</a:t>
+                      </a:r>
+                      <a:endParaRPr lang="en-US" altLang="zh-CN" sz="2000" b="1">
+                        <a:solidFill>
+                          <a:srgbClr val="FF0000"/>
+                        </a:solidFill>
+                        <a:sym typeface="+mn-ea"/>
+                      </a:endParaRPr>
+                    </a:p>
+                  </a:txBody>
+                  <a:tcPr anchor="ctr" anchorCtr="0">
+                    <a:lnL w="6350">
+                      <a:solidFill>
+                        <a:srgbClr val="D9D9D9"/>
+                      </a:solidFill>
+                      <a:prstDash val="solid"/>
+                    </a:lnL>
+                    <a:lnR w="6350">
+                      <a:solidFill>
+                        <a:srgbClr val="D9D9D9"/>
+                      </a:solidFill>
+                      <a:prstDash val="solid"/>
+                    </a:lnR>
+                    <a:lnT>
+                      <a:noFill/>
+                    </a:lnT>
+                    <a:lnB>
+                      <a:noFill/>
+                    </a:lnB>
+                    <a:solidFill>
+                      <a:schemeClr val="accent2">
+                        <a:lumMod val="60000"/>
+                        <a:lumOff val="40000"/>
+                      </a:schemeClr>
+                    </a:solidFill>
+                  </a:tcPr>
+                </a:tc>
+                <a:tc>
+                  <a:txBody>
+                    <a:bodyPr/>
+                    <a:p>
+                      <a:pPr algn="ctr">
+                        <a:buClrTx/>
+                        <a:buSzTx/>
+                        <a:buFontTx/>
+                        <a:buNone/>
+                      </a:pPr>
+                      <a:r>
+                        <a:rPr lang="zh-CN" altLang="en-US" sz="2000">
+                          <a:solidFill>
+                            <a:srgbClr val="404040"/>
+                          </a:solidFill>
+                          <a:sym typeface="+mn-ea"/>
+                        </a:rPr>
+                        <a:t>∞</a:t>
+                      </a:r>
+                      <a:endParaRPr lang="en-US" altLang="zh-CN" sz="2000">
+                        <a:solidFill>
+                          <a:srgbClr val="404040"/>
+                        </a:solidFill>
+                        <a:sym typeface="+mn-ea"/>
+                      </a:endParaRPr>
+                    </a:p>
+                  </a:txBody>
+                  <a:tcPr anchor="ctr" anchorCtr="0">
+                    <a:lnL w="6350">
+                      <a:solidFill>
+                        <a:srgbClr val="D9D9D9"/>
+                      </a:solidFill>
+                      <a:prstDash val="solid"/>
+                    </a:lnL>
+                    <a:lnR w="6350">
+                      <a:solidFill>
+                        <a:srgbClr val="D9D9D9"/>
+                      </a:solidFill>
+                      <a:prstDash val="solid"/>
+                    </a:lnR>
+                    <a:lnT>
+                      <a:noFill/>
+                    </a:lnT>
+                    <a:lnB>
+                      <a:noFill/>
+                    </a:lnB>
+                    <a:solidFill>
+                      <a:srgbClr val="F2F2F2"/>
+                    </a:solidFill>
+                  </a:tcPr>
+                </a:tc>
+                <a:tc>
+                  <a:txBody>
+                    <a:bodyPr/>
+                    <a:p>
+                      <a:pPr algn="ctr">
+                        <a:buClrTx/>
+                        <a:buSzTx/>
+                        <a:buFontTx/>
+                        <a:buNone/>
+                      </a:pPr>
+                      <a:r>
+                        <a:rPr lang="en-US" altLang="zh-CN" sz="2000">
+                          <a:solidFill>
+                            <a:srgbClr val="404040"/>
+                          </a:solidFill>
+                        </a:rPr>
+                        <a:t>6</a:t>
+                      </a:r>
+                      <a:endParaRPr lang="en-US" altLang="zh-CN" sz="2000">
+                        <a:solidFill>
+                          <a:srgbClr val="404040"/>
+                        </a:solidFill>
+                      </a:endParaRPr>
+                    </a:p>
+                  </a:txBody>
+                  <a:tcPr anchor="ctr" anchorCtr="0">
+                    <a:lnL w="6350">
+                      <a:solidFill>
+                        <a:srgbClr val="D9D9D9"/>
+                      </a:solidFill>
+                      <a:prstDash val="solid"/>
+                    </a:lnL>
+                    <a:lnR>
+                      <a:noFill/>
+                    </a:lnR>
+                    <a:lnT>
+                      <a:noFill/>
+                    </a:lnT>
+                    <a:lnB>
+                      <a:noFill/>
+                    </a:lnB>
+                    <a:solidFill>
+                      <a:srgbClr val="F2F2F2"/>
+                    </a:solidFill>
+                  </a:tcPr>
+                </a:tc>
+              </a:tr>
+              <a:tr h="396240">
+                <a:tc>
+                  <a:txBody>
+                    <a:bodyPr/>
+                    <a:p>
+                      <a:pPr algn="ctr">
+                        <a:buNone/>
+                      </a:pPr>
+                      <a:r>
+                        <a:rPr lang="en-US" altLang="zh-CN" sz="2000">
+                          <a:solidFill>
+                            <a:srgbClr val="404040"/>
+                          </a:solidFill>
+                        </a:rPr>
+                        <a:t>3</a:t>
+                      </a:r>
+                      <a:endParaRPr lang="en-US" altLang="zh-CN" sz="2000">
+                        <a:solidFill>
+                          <a:srgbClr val="404040"/>
+                        </a:solidFill>
+                      </a:endParaRPr>
+                    </a:p>
+                  </a:txBody>
+                  <a:tcPr anchor="ctr" anchorCtr="0">
+                    <a:lnL>
+                      <a:noFill/>
+                    </a:lnL>
+                    <a:lnR w="12700">
+                      <a:solidFill>
+                        <a:srgbClr val="D9D9D9"/>
+                      </a:solidFill>
+                      <a:prstDash val="solid"/>
+                    </a:lnR>
+                    <a:lnT>
+                      <a:noFill/>
+                    </a:lnT>
+                    <a:lnB>
+                      <a:noFill/>
+                    </a:lnB>
+                    <a:solidFill>
+                      <a:srgbClr val="FFFFFF"/>
+                    </a:solidFill>
+                  </a:tcPr>
+                </a:tc>
+                <a:tc>
+                  <a:txBody>
+                    <a:bodyPr/>
+                    <a:p>
+                      <a:pPr algn="ctr">
+                        <a:buClrTx/>
+                        <a:buSzTx/>
+                        <a:buFontTx/>
+                        <a:buNone/>
+                      </a:pPr>
+                      <a:r>
+                        <a:rPr lang="en-US" altLang="zh-CN" sz="2000">
+                          <a:solidFill>
+                            <a:srgbClr val="404040"/>
+                          </a:solidFill>
+                        </a:rPr>
+                        <a:t>0</a:t>
+                      </a:r>
+                      <a:endParaRPr lang="en-US" altLang="zh-CN" sz="2000">
+                        <a:solidFill>
+                          <a:srgbClr val="404040"/>
+                        </a:solidFill>
+                      </a:endParaRPr>
+                    </a:p>
+                  </a:txBody>
+                  <a:tcPr anchor="ctr" anchorCtr="0">
+                    <a:lnL w="12700">
+                      <a:solidFill>
+                        <a:srgbClr val="D9D9D9"/>
+                      </a:solidFill>
+                      <a:prstDash val="solid"/>
+                    </a:lnL>
+                    <a:lnR w="6350">
+                      <a:solidFill>
+                        <a:srgbClr val="D9D9D9"/>
+                      </a:solidFill>
+                      <a:prstDash val="solid"/>
+                    </a:lnR>
+                    <a:lnT>
+                      <a:noFill/>
+                    </a:lnT>
+                    <a:lnB>
+                      <a:noFill/>
+                    </a:lnB>
+                    <a:solidFill>
+                      <a:srgbClr val="FFFFFF"/>
+                    </a:solidFill>
+                  </a:tcPr>
+                </a:tc>
+                <a:tc>
+                  <a:txBody>
+                    <a:bodyPr/>
+                    <a:p>
+                      <a:pPr algn="ctr">
+                        <a:buClrTx/>
+                        <a:buSzTx/>
+                        <a:buFontTx/>
+                        <a:buNone/>
+                      </a:pPr>
+                      <a:r>
+                        <a:rPr lang="en-US" altLang="zh-CN" sz="2000">
+                          <a:solidFill>
+                            <a:srgbClr val="404040"/>
+                          </a:solidFill>
+                        </a:rPr>
+                        <a:t>25</a:t>
+                      </a:r>
+                      <a:endParaRPr lang="en-US" altLang="zh-CN" sz="2000">
+                        <a:solidFill>
+                          <a:srgbClr val="404040"/>
+                        </a:solidFill>
+                      </a:endParaRPr>
+                    </a:p>
+                  </a:txBody>
+                  <a:tcPr anchor="ctr" anchorCtr="0">
+                    <a:lnL w="6350">
+                      <a:solidFill>
+                        <a:srgbClr val="D9D9D9"/>
+                      </a:solidFill>
+                      <a:prstDash val="solid"/>
+                    </a:lnL>
+                    <a:lnR w="6350">
+                      <a:solidFill>
+                        <a:srgbClr val="D9D9D9"/>
+                      </a:solidFill>
+                      <a:prstDash val="solid"/>
+                    </a:lnR>
+                    <a:lnT>
+                      <a:noFill/>
+                    </a:lnT>
+                    <a:lnB>
+                      <a:noFill/>
+                    </a:lnB>
+                    <a:solidFill>
+                      <a:srgbClr val="FFFFFF"/>
+                    </a:solidFill>
+                  </a:tcPr>
+                </a:tc>
+                <a:tc>
+                  <a:txBody>
+                    <a:bodyPr/>
+                    <a:p>
+                      <a:pPr algn="ctr">
+                        <a:buClrTx/>
+                        <a:buSzTx/>
+                        <a:buFontTx/>
+                        <a:buNone/>
+                      </a:pPr>
+                      <a:r>
+                        <a:rPr lang="en-US" altLang="zh-CN" sz="2000">
+                          <a:solidFill>
+                            <a:srgbClr val="404040"/>
+                          </a:solidFill>
+                          <a:sym typeface="+mn-ea"/>
+                        </a:rPr>
+                        <a:t>3</a:t>
+                      </a:r>
+                      <a:endParaRPr lang="en-US" altLang="zh-CN" sz="2000">
+                        <a:solidFill>
+                          <a:srgbClr val="404040"/>
+                        </a:solidFill>
+                        <a:sym typeface="+mn-ea"/>
+                      </a:endParaRPr>
+                    </a:p>
+                  </a:txBody>
+                  <a:tcPr anchor="ctr" anchorCtr="0">
+                    <a:lnL w="6350">
+                      <a:solidFill>
+                        <a:srgbClr val="D9D9D9"/>
+                      </a:solidFill>
+                      <a:prstDash val="solid"/>
+                    </a:lnL>
+                    <a:lnR w="6350">
+                      <a:solidFill>
+                        <a:srgbClr val="D9D9D9"/>
+                      </a:solidFill>
+                      <a:prstDash val="solid"/>
+                    </a:lnR>
+                    <a:lnT>
+                      <a:noFill/>
+                    </a:lnT>
+                    <a:lnB>
+                      <a:noFill/>
+                    </a:lnB>
+                    <a:solidFill>
+                      <a:srgbClr val="FFFFFF"/>
+                    </a:solidFill>
+                  </a:tcPr>
+                </a:tc>
+                <a:tc>
+                  <a:txBody>
+                    <a:bodyPr/>
+                    <a:p>
+                      <a:pPr algn="ctr">
+                        <a:buClrTx/>
+                        <a:buSzTx/>
+                        <a:buFontTx/>
+                        <a:buNone/>
+                      </a:pPr>
+                      <a:r>
+                        <a:rPr lang="zh-CN" altLang="en-US" sz="2000">
+                          <a:solidFill>
+                            <a:srgbClr val="404040"/>
+                          </a:solidFill>
+                          <a:sym typeface="+mn-ea"/>
+                        </a:rPr>
+                        <a:t>∞</a:t>
+                      </a:r>
+                      <a:endParaRPr lang="en-US" altLang="zh-CN" sz="2000">
+                        <a:solidFill>
+                          <a:srgbClr val="404040"/>
+                        </a:solidFill>
+                      </a:endParaRPr>
+                    </a:p>
+                  </a:txBody>
+                  <a:tcPr anchor="ctr" anchorCtr="0">
+                    <a:lnL w="6350">
+                      <a:solidFill>
+                        <a:srgbClr val="D9D9D9"/>
+                      </a:solidFill>
+                      <a:prstDash val="solid"/>
+                    </a:lnL>
+                    <a:lnR w="6350">
+                      <a:solidFill>
+                        <a:srgbClr val="D9D9D9"/>
+                      </a:solidFill>
+                      <a:prstDash val="solid"/>
+                    </a:lnR>
+                    <a:lnT>
+                      <a:noFill/>
+                    </a:lnT>
+                    <a:lnB>
+                      <a:noFill/>
+                    </a:lnB>
+                    <a:solidFill>
+                      <a:srgbClr val="FFFFFF"/>
+                    </a:solidFill>
+                  </a:tcPr>
+                </a:tc>
+                <a:tc>
+                  <a:txBody>
+                    <a:bodyPr/>
+                    <a:p>
+                      <a:pPr algn="ctr">
+                        <a:buClrTx/>
+                        <a:buSzTx/>
+                        <a:buFontTx/>
+                        <a:buNone/>
+                      </a:pPr>
+                      <a:r>
+                        <a:rPr lang="en-US" altLang="zh-CN" sz="2000" b="1">
+                          <a:solidFill>
+                            <a:srgbClr val="FF0000"/>
+                          </a:solidFill>
+                        </a:rPr>
+                        <a:t>6</a:t>
+                      </a:r>
+                      <a:endParaRPr lang="en-US" altLang="zh-CN" sz="2000" b="1">
+                        <a:solidFill>
+                          <a:srgbClr val="FF0000"/>
+                        </a:solidFill>
+                      </a:endParaRPr>
+                    </a:p>
+                  </a:txBody>
+                  <a:tcPr anchor="ctr" anchorCtr="0">
+                    <a:lnL w="6350">
+                      <a:solidFill>
+                        <a:srgbClr val="D9D9D9"/>
+                      </a:solidFill>
+                      <a:prstDash val="solid"/>
+                    </a:lnL>
+                    <a:lnR>
+                      <a:noFill/>
+                    </a:lnR>
+                    <a:lnT>
+                      <a:noFill/>
+                    </a:lnT>
+                    <a:lnB>
+                      <a:noFill/>
+                    </a:lnB>
+                    <a:solidFill>
+                      <a:schemeClr val="accent2">
+                        <a:lumMod val="60000"/>
+                        <a:lumOff val="40000"/>
+                      </a:schemeClr>
+                    </a:solidFill>
+                  </a:tcPr>
+                </a:tc>
+              </a:tr>
+              <a:tr h="396240">
+                <a:tc>
+                  <a:txBody>
+                    <a:bodyPr/>
+                    <a:p>
+                      <a:pPr algn="ctr">
+                        <a:buNone/>
+                      </a:pPr>
+                      <a:r>
+                        <a:rPr lang="en-US" altLang="zh-CN" sz="2000">
+                          <a:solidFill>
+                            <a:srgbClr val="404040"/>
+                          </a:solidFill>
+                        </a:rPr>
+                        <a:t>5</a:t>
+                      </a:r>
+                      <a:endParaRPr lang="en-US" altLang="zh-CN" sz="2000">
+                        <a:solidFill>
+                          <a:srgbClr val="404040"/>
+                        </a:solidFill>
+                      </a:endParaRPr>
+                    </a:p>
+                  </a:txBody>
+                  <a:tcPr anchor="ctr" anchorCtr="0">
+                    <a:lnL>
+                      <a:noFill/>
+                    </a:lnL>
+                    <a:lnR w="12700">
+                      <a:solidFill>
+                        <a:srgbClr val="D9D9D9"/>
+                      </a:solidFill>
+                      <a:prstDash val="solid"/>
+                    </a:lnR>
+                    <a:lnT>
+                      <a:noFill/>
+                    </a:lnT>
+                    <a:lnB>
+                      <a:noFill/>
+                    </a:lnB>
+                    <a:solidFill>
+                      <a:srgbClr val="F2F2F2"/>
+                    </a:solidFill>
+                  </a:tcPr>
+                </a:tc>
+                <a:tc>
+                  <a:txBody>
+                    <a:bodyPr/>
+                    <a:p>
+                      <a:pPr algn="ctr">
+                        <a:buClrTx/>
+                        <a:buSzTx/>
+                        <a:buFontTx/>
+                        <a:buNone/>
+                      </a:pPr>
+                      <a:r>
+                        <a:rPr lang="en-US" altLang="zh-CN" sz="2000">
+                          <a:solidFill>
+                            <a:srgbClr val="404040"/>
+                          </a:solidFill>
+                        </a:rPr>
+                        <a:t>0</a:t>
+                      </a:r>
+                      <a:endParaRPr lang="en-US" altLang="zh-CN" sz="2000">
+                        <a:solidFill>
+                          <a:srgbClr val="404040"/>
+                        </a:solidFill>
+                      </a:endParaRPr>
+                    </a:p>
+                  </a:txBody>
+                  <a:tcPr anchor="ctr" anchorCtr="0">
+                    <a:lnL w="12700">
+                      <a:solidFill>
+                        <a:srgbClr val="D9D9D9"/>
+                      </a:solidFill>
+                      <a:prstDash val="solid"/>
+                    </a:lnL>
+                    <a:lnR w="6350">
+                      <a:solidFill>
+                        <a:srgbClr val="D9D9D9"/>
+                      </a:solidFill>
+                      <a:prstDash val="solid"/>
+                    </a:lnR>
+                    <a:lnT>
+                      <a:noFill/>
+                    </a:lnT>
+                    <a:lnB>
+                      <a:noFill/>
+                    </a:lnB>
+                    <a:solidFill>
+                      <a:srgbClr val="F2F2F2"/>
+                    </a:solidFill>
+                  </a:tcPr>
+                </a:tc>
+                <a:tc>
+                  <a:txBody>
+                    <a:bodyPr/>
+                    <a:p>
+                      <a:pPr algn="ctr">
+                        <a:buClrTx/>
+                        <a:buSzTx/>
+                        <a:buFontTx/>
+                        <a:buNone/>
+                      </a:pPr>
+                      <a:r>
+                        <a:rPr lang="en-US" altLang="zh-CN" sz="2000">
+                          <a:solidFill>
+                            <a:srgbClr val="404040"/>
+                          </a:solidFill>
+                        </a:rPr>
+                        <a:t>21</a:t>
+                      </a:r>
+                      <a:endParaRPr lang="en-US" altLang="zh-CN" sz="2000">
+                        <a:solidFill>
+                          <a:srgbClr val="404040"/>
+                        </a:solidFill>
+                      </a:endParaRPr>
+                    </a:p>
+                  </a:txBody>
+                  <a:tcPr anchor="ctr" anchorCtr="0">
+                    <a:lnL w="6350">
+                      <a:solidFill>
+                        <a:srgbClr val="D9D9D9"/>
+                      </a:solidFill>
+                      <a:prstDash val="solid"/>
+                    </a:lnL>
+                    <a:lnR w="6350">
+                      <a:solidFill>
+                        <a:srgbClr val="D9D9D9"/>
+                      </a:solidFill>
+                      <a:prstDash val="solid"/>
+                    </a:lnR>
+                    <a:lnT>
+                      <a:noFill/>
+                    </a:lnT>
+                    <a:lnB>
+                      <a:noFill/>
+                    </a:lnB>
+                    <a:solidFill>
+                      <a:srgbClr val="F2F2F2"/>
+                    </a:solidFill>
+                  </a:tcPr>
+                </a:tc>
+                <a:tc>
+                  <a:txBody>
+                    <a:bodyPr/>
+                    <a:p>
+                      <a:pPr algn="ctr">
+                        <a:buClrTx/>
+                        <a:buSzTx/>
+                        <a:buFontTx/>
+                        <a:buNone/>
+                      </a:pPr>
+                      <a:r>
+                        <a:rPr lang="en-US" altLang="zh-CN" sz="2000">
+                          <a:solidFill>
+                            <a:srgbClr val="404040"/>
+                          </a:solidFill>
+                        </a:rPr>
+                        <a:t>3</a:t>
+                      </a:r>
+                      <a:endParaRPr lang="en-US" altLang="zh-CN" sz="2000">
+                        <a:solidFill>
+                          <a:srgbClr val="404040"/>
+                        </a:solidFill>
+                      </a:endParaRPr>
+                    </a:p>
+                  </a:txBody>
+                  <a:tcPr anchor="ctr" anchorCtr="0">
+                    <a:lnL w="6350">
+                      <a:solidFill>
+                        <a:srgbClr val="D9D9D9"/>
+                      </a:solidFill>
+                      <a:prstDash val="solid"/>
+                    </a:lnL>
+                    <a:lnR w="6350">
+                      <a:solidFill>
+                        <a:srgbClr val="D9D9D9"/>
+                      </a:solidFill>
+                      <a:prstDash val="solid"/>
+                    </a:lnR>
+                    <a:lnT>
+                      <a:noFill/>
+                    </a:lnT>
+                    <a:lnB>
+                      <a:noFill/>
+                    </a:lnB>
+                    <a:solidFill>
+                      <a:srgbClr val="F2F2F2"/>
+                    </a:solidFill>
+                  </a:tcPr>
+                </a:tc>
+                <a:tc>
+                  <a:txBody>
+                    <a:bodyPr/>
+                    <a:p>
+                      <a:pPr algn="ctr">
+                        <a:buClrTx/>
+                        <a:buSzTx/>
+                        <a:buFontTx/>
+                        <a:buNone/>
+                      </a:pPr>
+                      <a:r>
+                        <a:rPr lang="en-US" altLang="zh-CN" sz="2000" b="1">
+                          <a:solidFill>
+                            <a:srgbClr val="FF0000"/>
+                          </a:solidFill>
+                        </a:rPr>
+                        <a:t>14</a:t>
+                      </a:r>
+                      <a:endParaRPr lang="en-US" altLang="zh-CN" sz="2000" b="1">
+                        <a:solidFill>
+                          <a:srgbClr val="FF0000"/>
+                        </a:solidFill>
+                      </a:endParaRPr>
+                    </a:p>
+                  </a:txBody>
+                  <a:tcPr anchor="ctr" anchorCtr="0">
+                    <a:lnL w="6350">
+                      <a:solidFill>
+                        <a:srgbClr val="D9D9D9"/>
+                      </a:solidFill>
+                      <a:prstDash val="solid"/>
+                    </a:lnL>
+                    <a:lnR w="6350">
+                      <a:solidFill>
+                        <a:srgbClr val="D9D9D9"/>
+                      </a:solidFill>
+                      <a:prstDash val="solid"/>
+                    </a:lnR>
+                    <a:lnT>
+                      <a:noFill/>
+                    </a:lnT>
+                    <a:lnB>
+                      <a:noFill/>
+                    </a:lnB>
+                    <a:solidFill>
+                      <a:schemeClr val="accent2">
+                        <a:lumMod val="60000"/>
+                        <a:lumOff val="40000"/>
+                      </a:schemeClr>
+                    </a:solidFill>
+                  </a:tcPr>
+                </a:tc>
+                <a:tc>
+                  <a:txBody>
+                    <a:bodyPr/>
+                    <a:p>
+                      <a:pPr algn="ctr">
+                        <a:buClrTx/>
+                        <a:buSzTx/>
+                        <a:buFontTx/>
+                        <a:buNone/>
+                      </a:pPr>
+                      <a:r>
+                        <a:rPr lang="en-US" altLang="zh-CN" sz="2000">
+                          <a:solidFill>
+                            <a:srgbClr val="404040"/>
+                          </a:solidFill>
+                        </a:rPr>
+                        <a:t>6</a:t>
+                      </a:r>
+                      <a:endParaRPr lang="en-US" altLang="zh-CN" sz="2000">
+                        <a:solidFill>
+                          <a:srgbClr val="404040"/>
+                        </a:solidFill>
+                      </a:endParaRPr>
+                    </a:p>
+                  </a:txBody>
+                  <a:tcPr anchor="ctr" anchorCtr="0">
+                    <a:lnL w="6350">
+                      <a:solidFill>
+                        <a:srgbClr val="D9D9D9"/>
+                      </a:solidFill>
+                      <a:prstDash val="solid"/>
+                    </a:lnL>
+                    <a:lnR>
+                      <a:noFill/>
+                    </a:lnR>
+                    <a:lnT>
+                      <a:noFill/>
+                    </a:lnT>
+                    <a:lnB>
+                      <a:noFill/>
+                    </a:lnB>
+                    <a:solidFill>
+                      <a:srgbClr val="F2F2F2"/>
+                    </a:solidFill>
+                  </a:tcPr>
+                </a:tc>
+              </a:tr>
+              <a:tr h="396240">
+                <a:tc>
+                  <a:txBody>
+                    <a:bodyPr/>
+                    <a:p>
+                      <a:pPr algn="ctr">
+                        <a:buNone/>
+                      </a:pPr>
+                      <a:r>
+                        <a:rPr lang="en-US" altLang="zh-CN" sz="2000">
+                          <a:solidFill>
+                            <a:srgbClr val="404040"/>
+                          </a:solidFill>
+                        </a:rPr>
+                        <a:t>4</a:t>
+                      </a:r>
+                      <a:endParaRPr lang="en-US" altLang="zh-CN" sz="2000">
+                        <a:solidFill>
+                          <a:srgbClr val="404040"/>
+                        </a:solidFill>
+                      </a:endParaRPr>
+                    </a:p>
+                  </a:txBody>
+                  <a:tcPr anchor="ctr" anchorCtr="0">
+                    <a:lnL>
+                      <a:noFill/>
+                    </a:lnL>
+                    <a:lnR w="12700">
+                      <a:solidFill>
+                        <a:srgbClr val="D9D9D9"/>
+                      </a:solidFill>
+                      <a:prstDash val="solid"/>
+                    </a:lnR>
+                    <a:lnT>
+                      <a:noFill/>
+                    </a:lnT>
+                    <a:lnB>
+                      <a:noFill/>
+                    </a:lnB>
+                    <a:solidFill>
+                      <a:srgbClr val="FFFFFF"/>
+                    </a:solidFill>
+                  </a:tcPr>
+                </a:tc>
+                <a:tc>
+                  <a:txBody>
+                    <a:bodyPr/>
+                    <a:p>
+                      <a:pPr algn="ctr">
+                        <a:buClrTx/>
+                        <a:buSzTx/>
+                        <a:buFontTx/>
+                        <a:buNone/>
+                      </a:pPr>
+                      <a:r>
+                        <a:rPr lang="en-US" altLang="zh-CN" sz="2000">
+                          <a:solidFill>
+                            <a:srgbClr val="404040"/>
+                          </a:solidFill>
+                        </a:rPr>
+                        <a:t>0</a:t>
+                      </a:r>
+                      <a:endParaRPr lang="en-US" altLang="zh-CN" sz="2000">
+                        <a:solidFill>
+                          <a:srgbClr val="404040"/>
+                        </a:solidFill>
+                      </a:endParaRPr>
+                    </a:p>
+                  </a:txBody>
+                  <a:tcPr anchor="ctr" anchorCtr="0">
+                    <a:lnL w="12700">
+                      <a:solidFill>
+                        <a:srgbClr val="D9D9D9"/>
+                      </a:solidFill>
+                      <a:prstDash val="solid"/>
+                    </a:lnL>
+                    <a:lnR w="6350">
+                      <a:solidFill>
+                        <a:srgbClr val="D9D9D9"/>
+                      </a:solidFill>
+                      <a:prstDash val="solid"/>
+                    </a:lnR>
+                    <a:lnT>
+                      <a:noFill/>
+                    </a:lnT>
+                    <a:lnB>
+                      <a:noFill/>
+                    </a:lnB>
+                    <a:solidFill>
+                      <a:srgbClr val="FFFFFF"/>
+                    </a:solidFill>
+                  </a:tcPr>
+                </a:tc>
+                <a:tc>
+                  <a:txBody>
+                    <a:bodyPr/>
+                    <a:p>
+                      <a:pPr algn="ctr">
+                        <a:buClrTx/>
+                        <a:buSzTx/>
+                        <a:buFontTx/>
+                        <a:buNone/>
+                      </a:pPr>
+                      <a:r>
+                        <a:rPr lang="en-US" altLang="zh-CN" sz="2000" b="1">
+                          <a:solidFill>
+                            <a:srgbClr val="FF0000"/>
+                          </a:solidFill>
+                        </a:rPr>
+                        <a:t>15</a:t>
+                      </a:r>
+                      <a:endParaRPr lang="en-US" altLang="zh-CN" sz="2000" b="1">
+                        <a:solidFill>
+                          <a:srgbClr val="FF0000"/>
+                        </a:solidFill>
+                      </a:endParaRPr>
+                    </a:p>
+                  </a:txBody>
+                  <a:tcPr anchor="ctr" anchorCtr="0">
+                    <a:lnL w="6350">
+                      <a:solidFill>
+                        <a:srgbClr val="D9D9D9"/>
+                      </a:solidFill>
+                      <a:prstDash val="solid"/>
+                    </a:lnL>
+                    <a:lnR w="6350">
+                      <a:solidFill>
+                        <a:srgbClr val="D9D9D9"/>
+                      </a:solidFill>
+                      <a:prstDash val="solid"/>
+                    </a:lnR>
+                    <a:lnT>
+                      <a:noFill/>
+                    </a:lnT>
+                    <a:lnB>
+                      <a:noFill/>
+                    </a:lnB>
+                    <a:solidFill>
+                      <a:schemeClr val="accent2">
+                        <a:lumMod val="60000"/>
+                        <a:lumOff val="40000"/>
+                      </a:schemeClr>
+                    </a:solidFill>
+                  </a:tcPr>
+                </a:tc>
+                <a:tc>
+                  <a:txBody>
+                    <a:bodyPr/>
+                    <a:p>
+                      <a:pPr algn="ctr">
+                        <a:buClrTx/>
+                        <a:buSzTx/>
+                        <a:buFontTx/>
+                        <a:buNone/>
+                      </a:pPr>
+                      <a:r>
+                        <a:rPr lang="en-US" altLang="zh-CN" sz="2000">
+                          <a:solidFill>
+                            <a:srgbClr val="404040"/>
+                          </a:solidFill>
+                        </a:rPr>
+                        <a:t>3</a:t>
+                      </a:r>
+                      <a:endParaRPr lang="en-US" altLang="zh-CN" sz="2000">
+                        <a:solidFill>
+                          <a:srgbClr val="404040"/>
+                        </a:solidFill>
+                      </a:endParaRPr>
+                    </a:p>
+                  </a:txBody>
+                  <a:tcPr anchor="ctr" anchorCtr="0">
+                    <a:lnL w="6350">
+                      <a:solidFill>
+                        <a:srgbClr val="D9D9D9"/>
+                      </a:solidFill>
+                      <a:prstDash val="solid"/>
+                    </a:lnL>
+                    <a:lnR w="6350">
+                      <a:solidFill>
+                        <a:srgbClr val="D9D9D9"/>
+                      </a:solidFill>
+                      <a:prstDash val="solid"/>
+                    </a:lnR>
+                    <a:lnT>
+                      <a:noFill/>
+                    </a:lnT>
+                    <a:lnB>
+                      <a:noFill/>
+                    </a:lnB>
+                    <a:solidFill>
+                      <a:srgbClr val="FFFFFF"/>
+                    </a:solidFill>
+                  </a:tcPr>
+                </a:tc>
+                <a:tc>
+                  <a:txBody>
+                    <a:bodyPr/>
+                    <a:p>
+                      <a:pPr algn="ctr">
+                        <a:buClrTx/>
+                        <a:buSzTx/>
+                        <a:buFontTx/>
+                        <a:buNone/>
+                      </a:pPr>
+                      <a:r>
+                        <a:rPr lang="en-US" altLang="zh-CN" sz="2000">
+                          <a:solidFill>
+                            <a:srgbClr val="404040"/>
+                          </a:solidFill>
+                        </a:rPr>
+                        <a:t>14</a:t>
+                      </a:r>
+                      <a:endParaRPr lang="en-US" altLang="zh-CN" sz="2000">
+                        <a:solidFill>
+                          <a:srgbClr val="404040"/>
+                        </a:solidFill>
+                      </a:endParaRPr>
+                    </a:p>
+                  </a:txBody>
+                  <a:tcPr anchor="ctr" anchorCtr="0">
+                    <a:lnL w="6350">
+                      <a:solidFill>
+                        <a:srgbClr val="D9D9D9"/>
+                      </a:solidFill>
+                      <a:prstDash val="solid"/>
+                    </a:lnL>
+                    <a:lnR w="6350">
+                      <a:solidFill>
+                        <a:srgbClr val="D9D9D9"/>
+                      </a:solidFill>
+                      <a:prstDash val="solid"/>
+                    </a:lnR>
+                    <a:lnT>
+                      <a:noFill/>
+                    </a:lnT>
+                    <a:lnB>
+                      <a:noFill/>
+                    </a:lnB>
+                    <a:solidFill>
+                      <a:srgbClr val="FFFFFF"/>
+                    </a:solidFill>
+                  </a:tcPr>
+                </a:tc>
+                <a:tc>
+                  <a:txBody>
+                    <a:bodyPr/>
+                    <a:p>
+                      <a:pPr algn="ctr">
+                        <a:buClrTx/>
+                        <a:buSzTx/>
+                        <a:buFontTx/>
+                        <a:buNone/>
+                      </a:pPr>
+                      <a:r>
+                        <a:rPr lang="en-US" altLang="zh-CN" sz="2000">
+                          <a:solidFill>
+                            <a:srgbClr val="404040"/>
+                          </a:solidFill>
+                        </a:rPr>
+                        <a:t>6</a:t>
+                      </a:r>
+                      <a:endParaRPr lang="en-US" altLang="zh-CN" sz="2000">
+                        <a:solidFill>
+                          <a:srgbClr val="404040"/>
+                        </a:solidFill>
+                      </a:endParaRPr>
+                    </a:p>
+                  </a:txBody>
+                  <a:tcPr anchor="ctr" anchorCtr="0">
+                    <a:lnL w="6350">
+                      <a:solidFill>
+                        <a:srgbClr val="D9D9D9"/>
+                      </a:solidFill>
+                      <a:prstDash val="solid"/>
+                    </a:lnL>
+                    <a:lnR>
+                      <a:noFill/>
+                    </a:lnR>
+                    <a:lnT>
+                      <a:noFill/>
+                    </a:lnT>
+                    <a:lnB>
+                      <a:noFill/>
+                    </a:lnB>
+                    <a:solidFill>
+                      <a:srgbClr val="FFFFFF"/>
+                    </a:solidFill>
+                  </a:tcPr>
+                </a:tc>
+              </a:tr>
+              <a:tr h="396240">
+                <a:tc>
+                  <a:txBody>
+                    <a:bodyPr/>
+                    <a:p>
+                      <a:pPr algn="ctr">
+                        <a:buNone/>
+                      </a:pPr>
+                      <a:r>
+                        <a:rPr lang="en-US" altLang="zh-CN" sz="2000">
+                          <a:solidFill>
+                            <a:srgbClr val="404040"/>
+                          </a:solidFill>
+                        </a:rPr>
+                        <a:t>2</a:t>
+                      </a:r>
+                      <a:endParaRPr lang="en-US" altLang="zh-CN" sz="2000">
+                        <a:solidFill>
+                          <a:srgbClr val="404040"/>
+                        </a:solidFill>
+                      </a:endParaRPr>
+                    </a:p>
+                  </a:txBody>
+                  <a:tcPr anchor="ctr" anchorCtr="0">
+                    <a:lnL>
+                      <a:noFill/>
+                    </a:lnL>
+                    <a:lnR w="12700">
+                      <a:solidFill>
+                        <a:srgbClr val="D9D9D9"/>
+                      </a:solidFill>
+                      <a:prstDash val="solid"/>
+                    </a:lnR>
+                    <a:lnT>
+                      <a:noFill/>
+                    </a:lnT>
+                    <a:lnB w="19050">
+                      <a:solidFill>
+                        <a:srgbClr val="595959"/>
+                      </a:solidFill>
+                      <a:prstDash val="solid"/>
+                    </a:lnB>
+                    <a:solidFill>
+                      <a:srgbClr val="F2F2F2"/>
+                    </a:solidFill>
+                  </a:tcPr>
+                </a:tc>
+                <a:tc>
+                  <a:txBody>
+                    <a:bodyPr/>
+                    <a:p>
+                      <a:pPr algn="ctr">
+                        <a:buClrTx/>
+                        <a:buSzTx/>
+                        <a:buFontTx/>
+                        <a:buNone/>
+                      </a:pPr>
+                      <a:r>
+                        <a:rPr lang="en-US" altLang="zh-CN" sz="2000">
+                          <a:solidFill>
+                            <a:srgbClr val="404040"/>
+                          </a:solidFill>
+                        </a:rPr>
+                        <a:t>0</a:t>
+                      </a:r>
+                      <a:endParaRPr lang="en-US" altLang="zh-CN" sz="2000">
+                        <a:solidFill>
+                          <a:srgbClr val="404040"/>
+                        </a:solidFill>
+                      </a:endParaRPr>
+                    </a:p>
+                  </a:txBody>
+                  <a:tcPr anchor="ctr" anchorCtr="0">
+                    <a:lnL w="12700">
+                      <a:solidFill>
+                        <a:srgbClr val="D9D9D9"/>
+                      </a:solidFill>
+                      <a:prstDash val="solid"/>
+                    </a:lnL>
+                    <a:lnR w="6350">
+                      <a:solidFill>
+                        <a:srgbClr val="D9D9D9"/>
+                      </a:solidFill>
+                      <a:prstDash val="solid"/>
+                    </a:lnR>
+                    <a:lnT>
+                      <a:noFill/>
+                    </a:lnT>
+                    <a:lnB w="19050">
+                      <a:solidFill>
+                        <a:srgbClr val="595959"/>
+                      </a:solidFill>
+                      <a:prstDash val="solid"/>
+                    </a:lnB>
+                    <a:solidFill>
+                      <a:srgbClr val="F2F2F2"/>
+                    </a:solidFill>
+                  </a:tcPr>
+                </a:tc>
+                <a:tc>
+                  <a:txBody>
+                    <a:bodyPr/>
+                    <a:p>
+                      <a:pPr algn="ctr">
+                        <a:buClrTx/>
+                        <a:buSzTx/>
+                        <a:buFontTx/>
+                        <a:buNone/>
+                      </a:pPr>
+                      <a:r>
+                        <a:rPr lang="en-US" altLang="zh-CN" sz="2000">
+                          <a:solidFill>
+                            <a:srgbClr val="404040"/>
+                          </a:solidFill>
+                        </a:rPr>
+                        <a:t>15</a:t>
+                      </a:r>
+                      <a:endParaRPr lang="en-US" altLang="zh-CN" sz="2000">
+                        <a:solidFill>
+                          <a:srgbClr val="404040"/>
+                        </a:solidFill>
+                      </a:endParaRPr>
+                    </a:p>
+                  </a:txBody>
+                  <a:tcPr anchor="ctr" anchorCtr="0">
+                    <a:lnL w="6350">
+                      <a:solidFill>
+                        <a:srgbClr val="D9D9D9"/>
+                      </a:solidFill>
+                      <a:prstDash val="solid"/>
+                    </a:lnL>
+                    <a:lnR w="6350">
+                      <a:solidFill>
+                        <a:srgbClr val="D9D9D9"/>
+                      </a:solidFill>
+                      <a:prstDash val="solid"/>
+                    </a:lnR>
+                    <a:lnT>
+                      <a:noFill/>
+                    </a:lnT>
+                    <a:lnB w="19050">
+                      <a:solidFill>
+                        <a:srgbClr val="595959"/>
+                      </a:solidFill>
+                      <a:prstDash val="solid"/>
+                    </a:lnB>
+                    <a:solidFill>
+                      <a:srgbClr val="F2F2F2"/>
+                    </a:solidFill>
+                  </a:tcPr>
+                </a:tc>
+                <a:tc>
+                  <a:txBody>
+                    <a:bodyPr/>
+                    <a:p>
+                      <a:pPr algn="ctr">
+                        <a:buClrTx/>
+                        <a:buSzTx/>
+                        <a:buFontTx/>
+                        <a:buNone/>
+                      </a:pPr>
+                      <a:r>
+                        <a:rPr lang="en-US" altLang="zh-CN" sz="2000">
+                          <a:solidFill>
+                            <a:srgbClr val="404040"/>
+                          </a:solidFill>
+                        </a:rPr>
+                        <a:t>3</a:t>
+                      </a:r>
+                      <a:endParaRPr lang="en-US" altLang="zh-CN" sz="2000">
+                        <a:solidFill>
+                          <a:srgbClr val="404040"/>
+                        </a:solidFill>
+                      </a:endParaRPr>
+                    </a:p>
+                  </a:txBody>
+                  <a:tcPr anchor="ctr" anchorCtr="0">
+                    <a:lnL w="6350">
+                      <a:solidFill>
+                        <a:srgbClr val="D9D9D9"/>
+                      </a:solidFill>
+                      <a:prstDash val="solid"/>
+                    </a:lnL>
+                    <a:lnR w="6350">
+                      <a:solidFill>
+                        <a:srgbClr val="D9D9D9"/>
+                      </a:solidFill>
+                      <a:prstDash val="solid"/>
+                    </a:lnR>
+                    <a:lnT>
+                      <a:noFill/>
+                    </a:lnT>
+                    <a:lnB w="19050">
+                      <a:solidFill>
+                        <a:srgbClr val="595959"/>
+                      </a:solidFill>
+                      <a:prstDash val="solid"/>
+                    </a:lnB>
+                    <a:solidFill>
+                      <a:srgbClr val="F2F2F2"/>
+                    </a:solidFill>
+                  </a:tcPr>
+                </a:tc>
+                <a:tc>
+                  <a:txBody>
+                    <a:bodyPr/>
+                    <a:p>
+                      <a:pPr algn="ctr">
+                        <a:buClrTx/>
+                        <a:buSzTx/>
+                        <a:buFontTx/>
+                        <a:buNone/>
+                      </a:pPr>
+                      <a:r>
+                        <a:rPr lang="en-US" altLang="zh-CN" sz="2000">
+                          <a:solidFill>
+                            <a:srgbClr val="404040"/>
+                          </a:solidFill>
+                        </a:rPr>
+                        <a:t>14</a:t>
+                      </a:r>
+                      <a:endParaRPr lang="en-US" altLang="zh-CN" sz="2000">
+                        <a:solidFill>
+                          <a:srgbClr val="404040"/>
+                        </a:solidFill>
+                      </a:endParaRPr>
+                    </a:p>
+                  </a:txBody>
+                  <a:tcPr anchor="ctr" anchorCtr="0">
+                    <a:lnL w="6350">
+                      <a:solidFill>
+                        <a:srgbClr val="D9D9D9"/>
+                      </a:solidFill>
+                      <a:prstDash val="solid"/>
+                    </a:lnL>
+                    <a:lnR w="6350">
+                      <a:solidFill>
+                        <a:srgbClr val="D9D9D9"/>
+                      </a:solidFill>
+                      <a:prstDash val="solid"/>
+                    </a:lnR>
+                    <a:lnT>
+                      <a:noFill/>
+                    </a:lnT>
+                    <a:lnB w="19050">
+                      <a:solidFill>
+                        <a:srgbClr val="595959"/>
+                      </a:solidFill>
+                      <a:prstDash val="solid"/>
+                    </a:lnB>
+                    <a:solidFill>
+                      <a:srgbClr val="F2F2F2"/>
+                    </a:solidFill>
+                  </a:tcPr>
+                </a:tc>
+                <a:tc>
+                  <a:txBody>
+                    <a:bodyPr/>
+                    <a:p>
+                      <a:pPr algn="ctr">
+                        <a:buClrTx/>
+                        <a:buSzTx/>
+                        <a:buFontTx/>
+                        <a:buNone/>
+                      </a:pPr>
+                      <a:r>
+                        <a:rPr lang="en-US" altLang="zh-CN" sz="2000">
+                          <a:solidFill>
+                            <a:srgbClr val="404040"/>
+                          </a:solidFill>
+                        </a:rPr>
+                        <a:t>6</a:t>
+                      </a:r>
+                      <a:endParaRPr lang="en-US" altLang="zh-CN" sz="2000">
+                        <a:solidFill>
+                          <a:srgbClr val="404040"/>
+                        </a:solidFill>
+                      </a:endParaRPr>
+                    </a:p>
+                  </a:txBody>
+                  <a:tcPr anchor="ctr" anchorCtr="0">
+                    <a:lnL w="6350">
+                      <a:solidFill>
+                        <a:srgbClr val="D9D9D9"/>
+                      </a:solidFill>
+                      <a:prstDash val="solid"/>
+                    </a:lnL>
+                    <a:lnR>
+                      <a:noFill/>
+                    </a:lnR>
+                    <a:lnT>
+                      <a:noFill/>
+                    </a:lnT>
+                    <a:lnB w="19050">
+                      <a:solidFill>
+                        <a:srgbClr val="595959"/>
+                      </a:solidFill>
+                      <a:prstDash val="solid"/>
+                    </a:lnB>
+                    <a:solidFill>
+                      <a:srgbClr val="F2F2F2"/>
+                    </a:solidFill>
+                  </a:tcPr>
+                </a:tc>
+              </a:tr>
+            </a:tbl>
+          </a:graphicData>
+        </a:graphic>
+      </p:graphicFrame>
+    </p:spTree>
+    <p:custDataLst>
+      <p:tags r:id="rId2"/>
+    </p:custDataLst>
+  </p:cSld>
+  <p:clrMapOvr>
+    <a:masterClrMapping/>
+  </p:clrMapOvr>
+</p:sld>
+</file>
+
+<file path=ppt/slides/slide8.xml><?xml version="1.0" encoding="utf-8"?>
+<p:sld xmlns:a="http://schemas.openxmlformats.org/drawingml/2006/main" xmlns:r="http://schemas.openxmlformats.org/officeDocument/2006/relationships" xmlns:p="http://schemas.openxmlformats.org/presentationml/2006/main">
+  <p:cSld>
+    <p:spTree>
+      <p:nvGrpSpPr>
+        <p:cNvPr id="1" name=""/>
+        <p:cNvGrpSpPr/>
+        <p:nvPr/>
+      </p:nvGrpSpPr>
+      <p:grpSpPr/>
+      <p:graphicFrame>
+        <p:nvGraphicFramePr>
+          <p:cNvPr id="4" name="表格 3"/>
+          <p:cNvGraphicFramePr/>
+          <p:nvPr>
+            <p:custDataLst>
+              <p:tags r:id="rId1"/>
+            </p:custDataLst>
+          </p:nvPr>
+        </p:nvGraphicFramePr>
+        <p:xfrm>
+          <a:off x="467995" y="560070"/>
+          <a:ext cx="11076940" cy="1388745"/>
+        </p:xfrm>
+        <a:graphic>
+          <a:graphicData uri="http://schemas.openxmlformats.org/drawingml/2006/table">
+            <a:tbl>
+              <a:tblPr firstRow="1" bandRow="1"/>
+              <a:tblGrid>
+                <a:gridCol w="1582420"/>
+                <a:gridCol w="1582420"/>
+                <a:gridCol w="1582420"/>
+                <a:gridCol w="1582420"/>
+                <a:gridCol w="1582420"/>
+                <a:gridCol w="1582420"/>
+                <a:gridCol w="1582420"/>
+              </a:tblGrid>
+              <a:tr h="370205">
+                <a:tc>
+                  <a:txBody>
+                    <a:bodyPr/>
+                    <a:p>
+                      <a:pPr algn="ctr">
+                        <a:buNone/>
+                      </a:pPr>
+                      <a:r>
+                        <a:rPr lang="zh-CN" altLang="en-US">
+                          <a:solidFill>
+                            <a:srgbClr val="FFFFFF"/>
+                          </a:solidFill>
+                        </a:rPr>
+                        <a:t>事件</a:t>
+                      </a:r>
+                      <a:endParaRPr lang="zh-CN" altLang="en-US">
+                        <a:solidFill>
+                          <a:srgbClr val="FFFFFF"/>
+                        </a:solidFill>
+                      </a:endParaRPr>
+                    </a:p>
+                  </a:txBody>
+                  <a:tcPr>
+                    <a:lnL>
+                      <a:noFill/>
+                    </a:lnL>
+                    <a:lnR>
+                      <a:noFill/>
+                    </a:lnR>
+                    <a:lnT>
+                      <a:noFill/>
+                    </a:lnT>
+                    <a:lnB>
+                      <a:noFill/>
+                    </a:lnB>
+                    <a:solidFill>
+                      <a:srgbClr val="595959"/>
+                    </a:solidFill>
+                  </a:tcPr>
+                </a:tc>
+                <a:tc>
+                  <a:txBody>
+                    <a:bodyPr/>
+                    <a:p>
+                      <a:pPr algn="ctr">
+                        <a:buNone/>
+                      </a:pPr>
+                      <a:r>
+                        <a:rPr lang="en-US" altLang="zh-CN">
+                          <a:solidFill>
+                            <a:srgbClr val="FFFFFF"/>
+                          </a:solidFill>
+                        </a:rPr>
+                        <a:t>1</a:t>
+                      </a:r>
+                      <a:endParaRPr lang="en-US" altLang="zh-CN">
+                        <a:solidFill>
+                          <a:srgbClr val="FFFFFF"/>
+                        </a:solidFill>
+                      </a:endParaRPr>
+                    </a:p>
+                  </a:txBody>
+                  <a:tcPr>
+                    <a:lnL>
+                      <a:noFill/>
+                    </a:lnL>
+                    <a:lnR>
+                      <a:noFill/>
+                    </a:lnR>
+                    <a:lnT>
+                      <a:noFill/>
+                    </a:lnT>
+                    <a:lnB>
+                      <a:noFill/>
+                    </a:lnB>
+                    <a:solidFill>
+                      <a:srgbClr val="E74C3C"/>
+                    </a:solidFill>
+                  </a:tcPr>
+                </a:tc>
+                <a:tc>
+                  <a:txBody>
+                    <a:bodyPr/>
+                    <a:p>
+                      <a:pPr algn="ctr">
+                        <a:buNone/>
+                      </a:pPr>
+                      <a:r>
+                        <a:rPr lang="en-US" altLang="zh-CN">
+                          <a:solidFill>
+                            <a:srgbClr val="FFFFFF"/>
+                          </a:solidFill>
+                        </a:rPr>
+                        <a:t>2</a:t>
+                      </a:r>
+                      <a:endParaRPr lang="en-US" altLang="zh-CN">
+                        <a:solidFill>
+                          <a:srgbClr val="FFFFFF"/>
+                        </a:solidFill>
+                      </a:endParaRPr>
+                    </a:p>
+                  </a:txBody>
+                  <a:tcPr>
+                    <a:lnL>
+                      <a:noFill/>
+                    </a:lnL>
+                    <a:lnR>
+                      <a:noFill/>
+                    </a:lnR>
+                    <a:lnT>
+                      <a:noFill/>
+                    </a:lnT>
+                    <a:lnB>
+                      <a:noFill/>
+                    </a:lnB>
+                    <a:solidFill>
+                      <a:srgbClr val="F89406"/>
+                    </a:solidFill>
+                  </a:tcPr>
+                </a:tc>
+                <a:tc>
+                  <a:txBody>
+                    <a:bodyPr/>
+                    <a:p>
+                      <a:pPr algn="ctr">
+                        <a:buNone/>
+                      </a:pPr>
+                      <a:r>
+                        <a:rPr lang="en-US" altLang="zh-CN">
+                          <a:solidFill>
+                            <a:srgbClr val="FFFFFF"/>
+                          </a:solidFill>
+                        </a:rPr>
+                        <a:t>3</a:t>
+                      </a:r>
+                      <a:endParaRPr lang="en-US" altLang="zh-CN">
+                        <a:solidFill>
+                          <a:srgbClr val="FFFFFF"/>
+                        </a:solidFill>
+                      </a:endParaRPr>
+                    </a:p>
+                  </a:txBody>
+                  <a:tcPr>
+                    <a:lnL>
+                      <a:noFill/>
+                    </a:lnL>
+                    <a:lnR>
+                      <a:noFill/>
+                    </a:lnR>
+                    <a:lnT>
+                      <a:noFill/>
+                    </a:lnT>
+                    <a:lnB>
+                      <a:noFill/>
+                    </a:lnB>
+                    <a:solidFill>
+                      <a:srgbClr val="F7B619"/>
+                    </a:solidFill>
+                  </a:tcPr>
+                </a:tc>
+                <a:tc>
+                  <a:txBody>
+                    <a:bodyPr/>
+                    <a:p>
+                      <a:pPr algn="ctr">
+                        <a:buNone/>
+                      </a:pPr>
+                      <a:r>
+                        <a:rPr lang="en-US" altLang="zh-CN">
+                          <a:solidFill>
+                            <a:srgbClr val="FFFFFF"/>
+                          </a:solidFill>
+                        </a:rPr>
+                        <a:t>4</a:t>
+                      </a:r>
+                      <a:endParaRPr lang="en-US" altLang="zh-CN">
+                        <a:solidFill>
+                          <a:srgbClr val="FFFFFF"/>
+                        </a:solidFill>
+                      </a:endParaRPr>
+                    </a:p>
+                  </a:txBody>
+                  <a:tcPr>
+                    <a:lnL>
+                      <a:noFill/>
+                    </a:lnL>
+                    <a:lnR>
+                      <a:noFill/>
+                    </a:lnR>
+                    <a:lnT>
+                      <a:noFill/>
+                    </a:lnT>
+                    <a:lnB>
+                      <a:noFill/>
+                    </a:lnB>
+                    <a:solidFill>
+                      <a:srgbClr val="C0CA33"/>
+                    </a:solidFill>
+                  </a:tcPr>
+                </a:tc>
+                <a:tc>
+                  <a:txBody>
+                    <a:bodyPr/>
+                    <a:p>
+                      <a:pPr algn="ctr">
+                        <a:buNone/>
+                      </a:pPr>
+                      <a:r>
+                        <a:rPr lang="en-US" altLang="zh-CN">
+                          <a:solidFill>
+                            <a:srgbClr val="FFFFFF"/>
+                          </a:solidFill>
+                        </a:rPr>
+                        <a:t>5</a:t>
+                      </a:r>
+                      <a:endParaRPr lang="en-US" altLang="zh-CN">
+                        <a:solidFill>
+                          <a:srgbClr val="FFFFFF"/>
+                        </a:solidFill>
+                      </a:endParaRPr>
+                    </a:p>
+                  </a:txBody>
+                  <a:tcPr>
+                    <a:lnL>
+                      <a:noFill/>
+                    </a:lnL>
+                    <a:lnR>
+                      <a:noFill/>
+                    </a:lnR>
+                    <a:lnT>
+                      <a:noFill/>
+                    </a:lnT>
+                    <a:lnB>
+                      <a:noFill/>
+                    </a:lnB>
+                    <a:solidFill>
+                      <a:srgbClr val="7CB342"/>
+                    </a:solidFill>
+                  </a:tcPr>
+                </a:tc>
+                <a:tc>
+                  <a:txBody>
+                    <a:bodyPr/>
+                    <a:p>
+                      <a:pPr algn="ctr">
+                        <a:buNone/>
+                      </a:pPr>
+                      <a:r>
+                        <a:rPr lang="en-US" altLang="zh-CN">
+                          <a:solidFill>
+                            <a:srgbClr val="FFFFFF"/>
+                          </a:solidFill>
+                        </a:rPr>
+                        <a:t>6</a:t>
+                      </a:r>
+                      <a:endParaRPr lang="en-US" altLang="zh-CN">
+                        <a:solidFill>
+                          <a:srgbClr val="FFFFFF"/>
+                        </a:solidFill>
+                      </a:endParaRPr>
+                    </a:p>
+                  </a:txBody>
+                  <a:tcPr>
+                    <a:lnL>
+                      <a:noFill/>
+                    </a:lnL>
+                    <a:lnR>
+                      <a:noFill/>
+                    </a:lnR>
+                    <a:lnT>
+                      <a:noFill/>
+                    </a:lnT>
+                    <a:lnB>
+                      <a:noFill/>
+                    </a:lnB>
+                    <a:solidFill>
+                      <a:srgbClr val="009688"/>
+                    </a:solidFill>
+                  </a:tcPr>
+                </a:tc>
+              </a:tr>
+              <a:tr h="370840">
+                <a:tc>
+                  <a:txBody>
+                    <a:bodyPr/>
+                    <a:p>
+                      <a:pPr algn="ctr">
+                        <a:buNone/>
+                      </a:pPr>
+                      <a:r>
+                        <a:rPr lang="zh-CN" altLang="en-US">
+                          <a:solidFill>
+                            <a:srgbClr val="404040"/>
+                          </a:solidFill>
+                        </a:rPr>
+                        <a:t>最早发生时间</a:t>
+                      </a:r>
+                      <a:endParaRPr lang="zh-CN" altLang="en-US">
+                        <a:solidFill>
+                          <a:srgbClr val="404040"/>
+                        </a:solidFill>
+                      </a:endParaRPr>
+                    </a:p>
+                  </a:txBody>
+                  <a:tcPr anchor="ctr" anchorCtr="0">
+                    <a:lnL>
+                      <a:noFill/>
+                    </a:lnL>
+                    <a:lnR w="12700">
+                      <a:solidFill>
+                        <a:srgbClr val="D9D9D9"/>
+                      </a:solidFill>
+                      <a:prstDash val="solid"/>
+                    </a:lnR>
+                    <a:lnT>
+                      <a:noFill/>
+                    </a:lnT>
+                    <a:lnB>
+                      <a:noFill/>
+                    </a:lnB>
+                    <a:solidFill>
+                      <a:srgbClr val="FFFFFF"/>
+                    </a:solidFill>
+                  </a:tcPr>
+                </a:tc>
+                <a:tc>
+                  <a:txBody>
+                    <a:bodyPr/>
+                    <a:p>
+                      <a:pPr algn="ctr">
+                        <a:buNone/>
+                      </a:pPr>
+                      <a:r>
+                        <a:rPr lang="en-US" altLang="zh-CN" b="1">
+                          <a:solidFill>
+                            <a:srgbClr val="404040"/>
+                          </a:solidFill>
+                        </a:rPr>
+                        <a:t>0</a:t>
+                      </a:r>
+                      <a:endParaRPr lang="en-US" altLang="zh-CN" b="1">
+                        <a:solidFill>
+                          <a:srgbClr val="404040"/>
+                        </a:solidFill>
+                      </a:endParaRPr>
+                    </a:p>
+                  </a:txBody>
+                  <a:tcPr anchor="ctr" anchorCtr="0">
+                    <a:lnL w="12700">
+                      <a:solidFill>
+                        <a:srgbClr val="D9D9D9"/>
+                      </a:solidFill>
+                      <a:prstDash val="solid"/>
+                    </a:lnL>
+                    <a:lnR w="6350">
+                      <a:solidFill>
+                        <a:srgbClr val="D9D9D9"/>
+                      </a:solidFill>
+                      <a:prstDash val="solid"/>
+                    </a:lnR>
+                    <a:lnT>
+                      <a:noFill/>
+                    </a:lnT>
+                    <a:lnB>
+                      <a:noFill/>
+                    </a:lnB>
+                    <a:solidFill>
+                      <a:srgbClr val="FFFFFF"/>
+                    </a:solidFill>
+                  </a:tcPr>
+                </a:tc>
+                <a:tc>
+                  <a:txBody>
+                    <a:bodyPr/>
+                    <a:p>
+                      <a:pPr algn="ctr">
+                        <a:buNone/>
+                      </a:pPr>
+                      <a:r>
+                        <a:rPr lang="en-US" altLang="zh-CN" b="1">
+                          <a:solidFill>
+                            <a:srgbClr val="404040"/>
+                          </a:solidFill>
+                        </a:rPr>
+                        <a:t>2</a:t>
+                      </a:r>
+                      <a:endParaRPr lang="en-US" altLang="zh-CN" b="1">
+                        <a:solidFill>
+                          <a:srgbClr val="404040"/>
+                        </a:solidFill>
+                      </a:endParaRPr>
+                    </a:p>
+                  </a:txBody>
+                  <a:tcPr anchor="ctr" anchorCtr="0">
+                    <a:lnL w="6350">
+                      <a:solidFill>
+                        <a:srgbClr val="D9D9D9"/>
+                      </a:solidFill>
+                      <a:prstDash val="solid"/>
+                    </a:lnL>
+                    <a:lnR w="6350">
+                      <a:solidFill>
+                        <a:srgbClr val="D9D9D9"/>
+                      </a:solidFill>
+                      <a:prstDash val="solid"/>
+                    </a:lnR>
+                    <a:lnT>
+                      <a:noFill/>
+                    </a:lnT>
+                    <a:lnB>
+                      <a:noFill/>
+                    </a:lnB>
+                    <a:solidFill>
+                      <a:srgbClr val="FFFFFF"/>
+                    </a:solidFill>
+                  </a:tcPr>
+                </a:tc>
+                <a:tc>
+                  <a:txBody>
+                    <a:bodyPr/>
+                    <a:p>
+                      <a:pPr algn="ctr">
+                        <a:buNone/>
+                      </a:pPr>
+                      <a:r>
+                        <a:rPr lang="en-US" altLang="zh-CN" b="1">
+                          <a:solidFill>
+                            <a:srgbClr val="404040"/>
+                          </a:solidFill>
+                        </a:rPr>
+                        <a:t>5</a:t>
+                      </a:r>
+                      <a:endParaRPr lang="en-US" altLang="zh-CN" b="1">
+                        <a:solidFill>
+                          <a:srgbClr val="404040"/>
+                        </a:solidFill>
+                      </a:endParaRPr>
+                    </a:p>
+                  </a:txBody>
+                  <a:tcPr anchor="ctr" anchorCtr="0">
+                    <a:lnL w="6350">
+                      <a:solidFill>
+                        <a:srgbClr val="D9D9D9"/>
+                      </a:solidFill>
+                      <a:prstDash val="solid"/>
+                    </a:lnL>
+                    <a:lnR w="6350">
+                      <a:solidFill>
+                        <a:srgbClr val="D9D9D9"/>
+                      </a:solidFill>
+                      <a:prstDash val="solid"/>
+                    </a:lnR>
+                    <a:lnT>
+                      <a:noFill/>
+                    </a:lnT>
+                    <a:lnB>
+                      <a:noFill/>
+                    </a:lnB>
+                    <a:solidFill>
+                      <a:srgbClr val="FFFFFF"/>
+                    </a:solidFill>
+                  </a:tcPr>
+                </a:tc>
+                <a:tc>
+                  <a:txBody>
+                    <a:bodyPr/>
+                    <a:p>
+                      <a:pPr algn="ctr">
+                        <a:buNone/>
+                      </a:pPr>
+                      <a:r>
+                        <a:rPr lang="en-US" altLang="zh-CN" b="1">
+                          <a:solidFill>
+                            <a:srgbClr val="404040"/>
+                          </a:solidFill>
+                        </a:rPr>
+                        <a:t>8</a:t>
+                      </a:r>
+                      <a:endParaRPr lang="en-US" altLang="zh-CN" b="1">
+                        <a:solidFill>
+                          <a:srgbClr val="404040"/>
+                        </a:solidFill>
+                      </a:endParaRPr>
+                    </a:p>
+                  </a:txBody>
+                  <a:tcPr anchor="ctr" anchorCtr="0">
+                    <a:lnL w="6350">
+                      <a:solidFill>
+                        <a:srgbClr val="D9D9D9"/>
+                      </a:solidFill>
+                      <a:prstDash val="solid"/>
+                    </a:lnL>
+                    <a:lnR w="6350">
+                      <a:solidFill>
+                        <a:srgbClr val="D9D9D9"/>
+                      </a:solidFill>
+                      <a:prstDash val="solid"/>
+                    </a:lnR>
+                    <a:lnT>
+                      <a:noFill/>
+                    </a:lnT>
+                    <a:lnB>
+                      <a:noFill/>
+                    </a:lnB>
+                    <a:solidFill>
+                      <a:srgbClr val="FFFFFF"/>
+                    </a:solidFill>
+                  </a:tcPr>
+                </a:tc>
+                <a:tc>
+                  <a:txBody>
+                    <a:bodyPr/>
+                    <a:p>
+                      <a:pPr algn="ctr">
+                        <a:buNone/>
+                      </a:pPr>
+                      <a:r>
+                        <a:rPr lang="en-US" altLang="zh-CN" b="1">
+                          <a:solidFill>
+                            <a:srgbClr val="404040"/>
+                          </a:solidFill>
+                        </a:rPr>
+                        <a:t>9</a:t>
+                      </a:r>
+                      <a:endParaRPr lang="en-US" altLang="zh-CN" b="1">
+                        <a:solidFill>
+                          <a:srgbClr val="404040"/>
+                        </a:solidFill>
+                      </a:endParaRPr>
+                    </a:p>
+                  </a:txBody>
+                  <a:tcPr anchor="ctr" anchorCtr="0">
+                    <a:lnL w="6350">
+                      <a:solidFill>
+                        <a:srgbClr val="D9D9D9"/>
+                      </a:solidFill>
+                      <a:prstDash val="solid"/>
+                    </a:lnL>
+                    <a:lnR w="6350">
+                      <a:solidFill>
+                        <a:srgbClr val="D9D9D9"/>
+                      </a:solidFill>
+                      <a:prstDash val="solid"/>
+                    </a:lnR>
+                    <a:lnT>
+                      <a:noFill/>
+                    </a:lnT>
+                    <a:lnB>
+                      <a:noFill/>
+                    </a:lnB>
+                    <a:solidFill>
+                      <a:srgbClr val="FFFFFF"/>
+                    </a:solidFill>
+                  </a:tcPr>
+                </a:tc>
+                <a:tc>
+                  <a:txBody>
+                    <a:bodyPr/>
+                    <a:p>
+                      <a:pPr algn="ctr">
+                        <a:buNone/>
+                      </a:pPr>
+                      <a:r>
+                        <a:rPr lang="en-US" altLang="zh-CN" b="1">
+                          <a:solidFill>
+                            <a:srgbClr val="404040"/>
+                          </a:solidFill>
+                        </a:rPr>
+                        <a:t>12</a:t>
+                      </a:r>
+                      <a:endParaRPr lang="en-US" altLang="zh-CN" b="1">
+                        <a:solidFill>
+                          <a:srgbClr val="404040"/>
+                        </a:solidFill>
+                      </a:endParaRPr>
+                    </a:p>
+                  </a:txBody>
+                  <a:tcPr anchor="ctr" anchorCtr="0">
+                    <a:lnL w="6350">
+                      <a:solidFill>
+                        <a:srgbClr val="D9D9D9"/>
+                      </a:solidFill>
+                      <a:prstDash val="solid"/>
+                    </a:lnL>
+                    <a:lnR>
+                      <a:noFill/>
+                    </a:lnR>
+                    <a:lnT>
+                      <a:noFill/>
+                    </a:lnT>
+                    <a:lnB>
+                      <a:noFill/>
+                    </a:lnB>
+                    <a:solidFill>
+                      <a:srgbClr val="FFFFFF"/>
+                    </a:solidFill>
+                  </a:tcPr>
+                </a:tc>
+              </a:tr>
+              <a:tr h="370205">
+                <a:tc>
+                  <a:txBody>
+                    <a:bodyPr/>
+                    <a:p>
+                      <a:pPr algn="ctr">
+                        <a:buNone/>
+                      </a:pPr>
+                      <a:r>
+                        <a:rPr lang="zh-CN" altLang="en-US">
+                          <a:solidFill>
+                            <a:srgbClr val="404040"/>
+                          </a:solidFill>
+                        </a:rPr>
+                        <a:t>最迟发生时间</a:t>
+                      </a:r>
+                      <a:endParaRPr lang="zh-CN" altLang="en-US">
+                        <a:solidFill>
+                          <a:srgbClr val="404040"/>
+                        </a:solidFill>
+                      </a:endParaRPr>
+                    </a:p>
+                  </a:txBody>
+                  <a:tcPr anchor="ctr" anchorCtr="0">
+                    <a:lnL>
+                      <a:noFill/>
+                    </a:lnL>
+                    <a:lnR w="12700">
+                      <a:solidFill>
+                        <a:srgbClr val="D9D9D9"/>
+                      </a:solidFill>
+                      <a:prstDash val="solid"/>
+                    </a:lnR>
+                    <a:lnT>
+                      <a:noFill/>
+                    </a:lnT>
+                    <a:lnB w="19050">
+                      <a:solidFill>
+                        <a:srgbClr val="595959"/>
+                      </a:solidFill>
+                      <a:prstDash val="solid"/>
+                    </a:lnB>
+                    <a:solidFill>
+                      <a:srgbClr val="F2F2F2"/>
+                    </a:solidFill>
+                  </a:tcPr>
+                </a:tc>
+                <a:tc>
+                  <a:txBody>
+                    <a:bodyPr/>
+                    <a:p>
+                      <a:pPr algn="ctr">
+                        <a:buNone/>
+                      </a:pPr>
+                      <a:r>
+                        <a:rPr lang="en-US" altLang="zh-CN" b="1">
+                          <a:solidFill>
+                            <a:srgbClr val="404040"/>
+                          </a:solidFill>
+                        </a:rPr>
+                        <a:t>0</a:t>
+                      </a:r>
+                      <a:endParaRPr lang="en-US" altLang="zh-CN" b="1">
+                        <a:solidFill>
+                          <a:srgbClr val="404040"/>
+                        </a:solidFill>
+                      </a:endParaRPr>
+                    </a:p>
+                  </a:txBody>
+                  <a:tcPr anchor="ctr" anchorCtr="0">
+                    <a:lnL w="12700">
+                      <a:solidFill>
+                        <a:srgbClr val="D9D9D9"/>
+                      </a:solidFill>
+                      <a:prstDash val="solid"/>
+                    </a:lnL>
+                    <a:lnR w="6350">
+                      <a:solidFill>
+                        <a:srgbClr val="D9D9D9"/>
+                      </a:solidFill>
+                      <a:prstDash val="solid"/>
+                    </a:lnR>
+                    <a:lnT>
+                      <a:noFill/>
+                    </a:lnT>
+                    <a:lnB w="19050">
+                      <a:solidFill>
+                        <a:srgbClr val="595959"/>
+                      </a:solidFill>
+                      <a:prstDash val="solid"/>
+                    </a:lnB>
+                    <a:solidFill>
+                      <a:srgbClr val="F2F2F2"/>
+                    </a:solidFill>
+                  </a:tcPr>
+                </a:tc>
+                <a:tc>
+                  <a:txBody>
+                    <a:bodyPr/>
+                    <a:p>
+                      <a:pPr algn="ctr">
+                        <a:buNone/>
+                      </a:pPr>
+                      <a:r>
+                        <a:rPr lang="en-US" altLang="zh-CN" b="1">
+                          <a:solidFill>
+                            <a:srgbClr val="404040"/>
+                          </a:solidFill>
+                        </a:rPr>
+                        <a:t>4</a:t>
+                      </a:r>
+                      <a:endParaRPr lang="en-US" altLang="zh-CN" b="1">
+                        <a:solidFill>
+                          <a:srgbClr val="404040"/>
+                        </a:solidFill>
+                      </a:endParaRPr>
+                    </a:p>
+                  </a:txBody>
+                  <a:tcPr anchor="ctr" anchorCtr="0">
+                    <a:lnL w="6350">
+                      <a:solidFill>
+                        <a:srgbClr val="D9D9D9"/>
+                      </a:solidFill>
+                      <a:prstDash val="solid"/>
+                    </a:lnL>
+                    <a:lnR w="6350">
+                      <a:solidFill>
+                        <a:srgbClr val="D9D9D9"/>
+                      </a:solidFill>
+                      <a:prstDash val="solid"/>
+                    </a:lnR>
+                    <a:lnT>
+                      <a:noFill/>
+                    </a:lnT>
+                    <a:lnB w="19050">
+                      <a:solidFill>
+                        <a:srgbClr val="595959"/>
+                      </a:solidFill>
+                      <a:prstDash val="solid"/>
+                    </a:lnB>
+                    <a:solidFill>
+                      <a:srgbClr val="F2F2F2"/>
+                    </a:solidFill>
+                  </a:tcPr>
+                </a:tc>
+                <a:tc>
+                  <a:txBody>
+                    <a:bodyPr/>
+                    <a:p>
+                      <a:pPr algn="ctr">
+                        <a:buNone/>
+                      </a:pPr>
+                      <a:r>
+                        <a:rPr lang="en-US" altLang="zh-CN" b="1">
+                          <a:solidFill>
+                            <a:srgbClr val="404040"/>
+                          </a:solidFill>
+                        </a:rPr>
+                        <a:t>5</a:t>
+                      </a:r>
+                      <a:endParaRPr lang="en-US" altLang="zh-CN" b="1">
+                        <a:solidFill>
+                          <a:srgbClr val="404040"/>
+                        </a:solidFill>
+                      </a:endParaRPr>
+                    </a:p>
+                  </a:txBody>
+                  <a:tcPr anchor="ctr" anchorCtr="0">
+                    <a:lnL w="6350">
+                      <a:solidFill>
+                        <a:srgbClr val="D9D9D9"/>
+                      </a:solidFill>
+                      <a:prstDash val="solid"/>
+                    </a:lnL>
+                    <a:lnR w="6350">
+                      <a:solidFill>
+                        <a:srgbClr val="D9D9D9"/>
+                      </a:solidFill>
+                      <a:prstDash val="solid"/>
+                    </a:lnR>
+                    <a:lnT>
+                      <a:noFill/>
+                    </a:lnT>
+                    <a:lnB w="19050">
+                      <a:solidFill>
+                        <a:srgbClr val="595959"/>
+                      </a:solidFill>
+                      <a:prstDash val="solid"/>
+                    </a:lnB>
+                    <a:solidFill>
+                      <a:srgbClr val="F2F2F2"/>
+                    </a:solidFill>
+                  </a:tcPr>
+                </a:tc>
+                <a:tc>
+                  <a:txBody>
+                    <a:bodyPr/>
+                    <a:p>
+                      <a:pPr algn="ctr">
+                        <a:buNone/>
+                      </a:pPr>
+                      <a:r>
+                        <a:rPr lang="en-US" altLang="zh-CN" b="1">
+                          <a:solidFill>
+                            <a:srgbClr val="404040"/>
+                          </a:solidFill>
+                        </a:rPr>
+                        <a:t>8</a:t>
+                      </a:r>
+                      <a:endParaRPr lang="en-US" altLang="zh-CN" b="1">
+                        <a:solidFill>
+                          <a:srgbClr val="404040"/>
+                        </a:solidFill>
+                      </a:endParaRPr>
+                    </a:p>
+                  </a:txBody>
+                  <a:tcPr anchor="ctr" anchorCtr="0">
+                    <a:lnL w="6350">
+                      <a:solidFill>
+                        <a:srgbClr val="D9D9D9"/>
+                      </a:solidFill>
+                      <a:prstDash val="solid"/>
+                    </a:lnL>
+                    <a:lnR w="6350">
+                      <a:solidFill>
+                        <a:srgbClr val="D9D9D9"/>
+                      </a:solidFill>
+                      <a:prstDash val="solid"/>
+                    </a:lnR>
+                    <a:lnT>
+                      <a:noFill/>
+                    </a:lnT>
+                    <a:lnB w="19050">
+                      <a:solidFill>
+                        <a:srgbClr val="595959"/>
+                      </a:solidFill>
+                      <a:prstDash val="solid"/>
+                    </a:lnB>
+                    <a:solidFill>
+                      <a:srgbClr val="F2F2F2"/>
+                    </a:solidFill>
+                  </a:tcPr>
+                </a:tc>
+                <a:tc>
+                  <a:txBody>
+                    <a:bodyPr/>
+                    <a:p>
+                      <a:pPr algn="ctr">
+                        <a:buNone/>
+                      </a:pPr>
+                      <a:r>
+                        <a:rPr lang="en-US" altLang="zh-CN" b="1">
+                          <a:solidFill>
+                            <a:srgbClr val="404040"/>
+                          </a:solidFill>
+                        </a:rPr>
+                        <a:t>11</a:t>
+                      </a:r>
+                      <a:endParaRPr lang="en-US" altLang="zh-CN" b="1">
+                        <a:solidFill>
+                          <a:srgbClr val="404040"/>
+                        </a:solidFill>
+                      </a:endParaRPr>
+                    </a:p>
+                  </a:txBody>
+                  <a:tcPr anchor="ctr" anchorCtr="0">
+                    <a:lnL w="6350">
+                      <a:solidFill>
+                        <a:srgbClr val="D9D9D9"/>
+                      </a:solidFill>
+                      <a:prstDash val="solid"/>
+                    </a:lnL>
+                    <a:lnR w="6350">
+                      <a:solidFill>
+                        <a:srgbClr val="D9D9D9"/>
+                      </a:solidFill>
+                      <a:prstDash val="solid"/>
+                    </a:lnR>
+                    <a:lnT>
+                      <a:noFill/>
+                    </a:lnT>
+                    <a:lnB w="19050">
+                      <a:solidFill>
+                        <a:srgbClr val="595959"/>
+                      </a:solidFill>
+                      <a:prstDash val="solid"/>
+                    </a:lnB>
+                    <a:solidFill>
+                      <a:srgbClr val="F2F2F2"/>
+                    </a:solidFill>
+                  </a:tcPr>
+                </a:tc>
+                <a:tc>
+                  <a:txBody>
+                    <a:bodyPr/>
+                    <a:p>
+                      <a:pPr algn="ctr">
+                        <a:buNone/>
+                      </a:pPr>
+                      <a:r>
+                        <a:rPr lang="en-US" altLang="zh-CN" b="1">
+                          <a:solidFill>
+                            <a:srgbClr val="404040"/>
+                          </a:solidFill>
+                        </a:rPr>
+                        <a:t>12</a:t>
+                      </a:r>
+                      <a:endParaRPr lang="en-US" altLang="zh-CN" b="1">
+                        <a:solidFill>
+                          <a:srgbClr val="404040"/>
+                        </a:solidFill>
+                      </a:endParaRPr>
+                    </a:p>
+                  </a:txBody>
+                  <a:tcPr anchor="ctr" anchorCtr="0">
+                    <a:lnL w="6350">
+                      <a:solidFill>
+                        <a:srgbClr val="D9D9D9"/>
+                      </a:solidFill>
+                      <a:prstDash val="solid"/>
+                    </a:lnL>
+                    <a:lnR>
+                      <a:noFill/>
+                    </a:lnR>
+                    <a:lnT>
+                      <a:noFill/>
+                    </a:lnT>
+                    <a:lnB w="19050">
+                      <a:solidFill>
+                        <a:srgbClr val="595959"/>
+                      </a:solidFill>
+                      <a:prstDash val="solid"/>
+                    </a:lnB>
+                    <a:solidFill>
+                      <a:srgbClr val="F2F2F2"/>
+                    </a:solidFill>
+                  </a:tcPr>
+                </a:tc>
+              </a:tr>
+            </a:tbl>
+          </a:graphicData>
+        </a:graphic>
+      </p:graphicFrame>
+      <p:graphicFrame>
+        <p:nvGraphicFramePr>
+          <p:cNvPr id="5" name="表格 4"/>
+          <p:cNvGraphicFramePr/>
+          <p:nvPr>
+            <p:custDataLst>
+              <p:tags r:id="rId2"/>
+            </p:custDataLst>
+          </p:nvPr>
+        </p:nvGraphicFramePr>
+        <p:xfrm>
+          <a:off x="348615" y="2197735"/>
+          <a:ext cx="10766425" cy="1483360"/>
+        </p:xfrm>
+        <a:graphic>
+          <a:graphicData uri="http://schemas.openxmlformats.org/drawingml/2006/table">
+            <a:tbl>
+              <a:tblPr firstRow="1" lastRow="1"/>
+              <a:tblGrid>
+                <a:gridCol w="1584000"/>
+                <a:gridCol w="918258"/>
+                <a:gridCol w="918258"/>
+                <a:gridCol w="918257"/>
+                <a:gridCol w="918258"/>
+                <a:gridCol w="918258"/>
+                <a:gridCol w="918256"/>
+                <a:gridCol w="918258"/>
+                <a:gridCol w="918258"/>
+                <a:gridCol w="918257"/>
+                <a:gridCol w="918258"/>
+              </a:tblGrid>
+              <a:tr h="370800">
+                <a:tc>
+                  <a:txBody>
+                    <a:bodyPr/>
+                    <a:p>
+                      <a:pPr algn="ctr">
+                        <a:buNone/>
+                      </a:pPr>
+                      <a:r>
+                        <a:rPr lang="zh-CN" altLang="en-US">
+                          <a:solidFill>
+                            <a:srgbClr val="FFFFFF"/>
+                          </a:solidFill>
+                        </a:rPr>
+                        <a:t>活动</a:t>
+                      </a:r>
+                      <a:endParaRPr lang="zh-CN" altLang="en-US">
+                        <a:solidFill>
+                          <a:srgbClr val="FFFFFF"/>
+                        </a:solidFill>
+                      </a:endParaRPr>
+                    </a:p>
+                  </a:txBody>
+                  <a:tcPr anchor="ctr" anchorCtr="0">
+                    <a:lnL>
+                      <a:noFill/>
+                    </a:lnL>
+                    <a:lnR>
+                      <a:noFill/>
+                    </a:lnR>
+                    <a:lnT>
+                      <a:noFill/>
+                    </a:lnT>
+                    <a:lnB>
+                      <a:noFill/>
+                    </a:lnB>
+                    <a:solidFill>
+                      <a:srgbClr val="595959"/>
+                    </a:solidFill>
+                  </a:tcPr>
+                </a:tc>
+                <a:tc>
+                  <a:txBody>
+                    <a:bodyPr/>
+                    <a:p>
+                      <a:pPr algn="ctr">
+                        <a:buNone/>
+                      </a:pPr>
+                      <a:r>
+                        <a:rPr lang="en-US" altLang="zh-CN">
+                          <a:solidFill>
+                            <a:srgbClr val="FFFFFF"/>
+                          </a:solidFill>
+                        </a:rPr>
+                        <a:t>a</a:t>
+                      </a:r>
+                      <a:endParaRPr lang="en-US" altLang="zh-CN">
+                        <a:solidFill>
+                          <a:srgbClr val="FFFFFF"/>
+                        </a:solidFill>
+                      </a:endParaRPr>
+                    </a:p>
+                  </a:txBody>
+                  <a:tcPr anchor="ctr" anchorCtr="0">
+                    <a:lnL>
+                      <a:noFill/>
+                    </a:lnL>
+                    <a:lnR>
+                      <a:noFill/>
+                    </a:lnR>
+                    <a:lnT>
+                      <a:noFill/>
+                    </a:lnT>
+                    <a:lnB>
+                      <a:noFill/>
+                    </a:lnB>
+                    <a:solidFill>
+                      <a:srgbClr val="03A9F5"/>
+                    </a:solidFill>
+                  </a:tcPr>
+                </a:tc>
+                <a:tc>
+                  <a:txBody>
+                    <a:bodyPr/>
+                    <a:p>
+                      <a:pPr algn="ctr">
+                        <a:buNone/>
+                      </a:pPr>
+                      <a:r>
+                        <a:rPr lang="en-US" altLang="zh-CN">
+                          <a:solidFill>
+                            <a:srgbClr val="FFFFFF"/>
+                          </a:solidFill>
+                        </a:rPr>
+                        <a:t>b</a:t>
+                      </a:r>
+                      <a:endParaRPr lang="en-US" altLang="zh-CN">
+                        <a:solidFill>
+                          <a:srgbClr val="FFFFFF"/>
+                        </a:solidFill>
+                      </a:endParaRPr>
+                    </a:p>
+                  </a:txBody>
+                  <a:tcPr anchor="ctr" anchorCtr="0">
+                    <a:lnL>
+                      <a:noFill/>
+                    </a:lnL>
+                    <a:lnR>
+                      <a:noFill/>
+                    </a:lnR>
+                    <a:lnT>
+                      <a:noFill/>
+                    </a:lnT>
+                    <a:lnB>
+                      <a:noFill/>
+                    </a:lnB>
+                    <a:solidFill>
+                      <a:srgbClr val="00BCD5"/>
+                    </a:solidFill>
+                  </a:tcPr>
+                </a:tc>
+                <a:tc>
+                  <a:txBody>
+                    <a:bodyPr/>
+                    <a:p>
+                      <a:pPr algn="ctr">
+                        <a:buNone/>
+                      </a:pPr>
+                      <a:r>
+                        <a:rPr lang="en-US" altLang="zh-CN">
+                          <a:solidFill>
+                            <a:srgbClr val="FFFFFF"/>
+                          </a:solidFill>
+                        </a:rPr>
+                        <a:t>c</a:t>
+                      </a:r>
+                      <a:endParaRPr lang="en-US" altLang="zh-CN">
+                        <a:solidFill>
+                          <a:srgbClr val="FFFFFF"/>
+                        </a:solidFill>
+                      </a:endParaRPr>
+                    </a:p>
+                  </a:txBody>
+                  <a:tcPr anchor="ctr" anchorCtr="0">
+                    <a:lnL>
+                      <a:noFill/>
+                    </a:lnL>
+                    <a:lnR>
+                      <a:noFill/>
+                    </a:lnR>
+                    <a:lnT>
+                      <a:noFill/>
+                    </a:lnT>
+                    <a:lnB>
+                      <a:noFill/>
+                    </a:lnB>
+                    <a:solidFill>
+                      <a:srgbClr val="009788"/>
+                    </a:solidFill>
+                  </a:tcPr>
+                </a:tc>
+                <a:tc>
+                  <a:txBody>
+                    <a:bodyPr/>
+                    <a:p>
+                      <a:pPr algn="ctr">
+                        <a:buNone/>
+                      </a:pPr>
+                      <a:r>
+                        <a:rPr lang="en-US" altLang="zh-CN">
+                          <a:solidFill>
+                            <a:srgbClr val="FFFFFF"/>
+                          </a:solidFill>
+                        </a:rPr>
+                        <a:t>d</a:t>
+                      </a:r>
+                      <a:endParaRPr lang="en-US" altLang="zh-CN">
+                        <a:solidFill>
+                          <a:srgbClr val="FFFFFF"/>
+                        </a:solidFill>
+                      </a:endParaRPr>
+                    </a:p>
+                  </a:txBody>
+                  <a:tcPr anchor="ctr" anchorCtr="0">
+                    <a:lnL>
+                      <a:noFill/>
+                    </a:lnL>
+                    <a:lnR>
+                      <a:noFill/>
+                    </a:lnR>
+                    <a:lnT>
+                      <a:noFill/>
+                    </a:lnT>
+                    <a:lnB>
+                      <a:noFill/>
+                    </a:lnB>
+                    <a:solidFill>
+                      <a:srgbClr val="4CB050"/>
+                    </a:solidFill>
+                  </a:tcPr>
+                </a:tc>
+                <a:tc>
+                  <a:txBody>
+                    <a:bodyPr/>
+                    <a:p>
+                      <a:pPr algn="ctr">
+                        <a:buNone/>
+                      </a:pPr>
+                      <a:r>
+                        <a:rPr lang="en-US" altLang="zh-CN">
+                          <a:solidFill>
+                            <a:srgbClr val="FFFFFF"/>
+                          </a:solidFill>
+                        </a:rPr>
+                        <a:t>e</a:t>
+                      </a:r>
+                      <a:endParaRPr lang="en-US" altLang="zh-CN">
+                        <a:solidFill>
+                          <a:srgbClr val="FFFFFF"/>
+                        </a:solidFill>
+                      </a:endParaRPr>
+                    </a:p>
+                  </a:txBody>
+                  <a:tcPr anchor="ctr" anchorCtr="0">
+                    <a:lnL>
+                      <a:noFill/>
+                    </a:lnL>
+                    <a:lnR>
+                      <a:noFill/>
+                    </a:lnR>
+                    <a:lnT>
+                      <a:noFill/>
+                    </a:lnT>
+                    <a:lnB>
+                      <a:noFill/>
+                    </a:lnB>
+                    <a:solidFill>
+                      <a:srgbClr val="8CC34B"/>
+                    </a:solidFill>
+                  </a:tcPr>
+                </a:tc>
+                <a:tc>
+                  <a:txBody>
+                    <a:bodyPr/>
+                    <a:p>
+                      <a:pPr algn="ctr">
+                        <a:buNone/>
+                      </a:pPr>
+                      <a:r>
+                        <a:rPr lang="en-US" altLang="zh-CN">
+                          <a:solidFill>
+                            <a:srgbClr val="FFFFFF"/>
+                          </a:solidFill>
+                        </a:rPr>
+                        <a:t>f</a:t>
+                      </a:r>
+                      <a:endParaRPr lang="en-US" altLang="zh-CN">
+                        <a:solidFill>
+                          <a:srgbClr val="FFFFFF"/>
+                        </a:solidFill>
+                      </a:endParaRPr>
+                    </a:p>
+                  </a:txBody>
+                  <a:tcPr anchor="ctr" anchorCtr="0">
+                    <a:lnL>
+                      <a:noFill/>
+                    </a:lnL>
+                    <a:lnR>
+                      <a:noFill/>
+                    </a:lnR>
+                    <a:lnT>
+                      <a:noFill/>
+                    </a:lnT>
+                    <a:lnB>
+                      <a:noFill/>
+                    </a:lnB>
+                    <a:solidFill>
+                      <a:srgbClr val="CDDC39"/>
+                    </a:solidFill>
+                  </a:tcPr>
+                </a:tc>
+                <a:tc>
+                  <a:txBody>
+                    <a:bodyPr/>
+                    <a:p>
+                      <a:pPr algn="ctr">
+                        <a:buNone/>
+                      </a:pPr>
+                      <a:r>
+                        <a:rPr lang="en-US" altLang="zh-CN">
+                          <a:solidFill>
+                            <a:srgbClr val="FFFFFF"/>
+                          </a:solidFill>
+                        </a:rPr>
+                        <a:t>g</a:t>
+                      </a:r>
+                      <a:endParaRPr lang="en-US" altLang="zh-CN">
+                        <a:solidFill>
+                          <a:srgbClr val="FFFFFF"/>
+                        </a:solidFill>
+                      </a:endParaRPr>
+                    </a:p>
+                  </a:txBody>
+                  <a:tcPr anchor="ctr" anchorCtr="0">
+                    <a:lnL>
+                      <a:noFill/>
+                    </a:lnL>
+                    <a:lnR>
+                      <a:noFill/>
+                    </a:lnR>
+                    <a:lnT>
+                      <a:noFill/>
+                    </a:lnT>
+                    <a:lnB>
+                      <a:noFill/>
+                    </a:lnB>
+                    <a:solidFill>
+                      <a:srgbClr val="03A9F5"/>
+                    </a:solidFill>
+                  </a:tcPr>
+                </a:tc>
+                <a:tc>
+                  <a:txBody>
+                    <a:bodyPr/>
+                    <a:p>
+                      <a:pPr algn="ctr">
+                        <a:buNone/>
+                      </a:pPr>
+                      <a:r>
+                        <a:rPr lang="en-US" altLang="zh-CN">
+                          <a:solidFill>
+                            <a:srgbClr val="FFFFFF"/>
+                          </a:solidFill>
+                        </a:rPr>
+                        <a:t>h</a:t>
+                      </a:r>
+                      <a:endParaRPr lang="en-US" altLang="zh-CN">
+                        <a:solidFill>
+                          <a:srgbClr val="FFFFFF"/>
+                        </a:solidFill>
+                      </a:endParaRPr>
+                    </a:p>
+                  </a:txBody>
+                  <a:tcPr anchor="ctr" anchorCtr="0">
+                    <a:lnL>
+                      <a:noFill/>
+                    </a:lnL>
+                    <a:lnR>
+                      <a:noFill/>
+                    </a:lnR>
+                    <a:lnT>
+                      <a:noFill/>
+                    </a:lnT>
+                    <a:lnB>
+                      <a:noFill/>
+                    </a:lnB>
+                    <a:solidFill>
+                      <a:srgbClr val="00BCD5"/>
+                    </a:solidFill>
+                  </a:tcPr>
+                </a:tc>
+                <a:tc>
+                  <a:txBody>
+                    <a:bodyPr/>
+                    <a:p>
+                      <a:pPr algn="ctr">
+                        <a:buNone/>
+                      </a:pPr>
+                      <a:r>
+                        <a:rPr lang="en-US" altLang="zh-CN">
+                          <a:solidFill>
+                            <a:srgbClr val="FFFFFF"/>
+                          </a:solidFill>
+                        </a:rPr>
+                        <a:t>i</a:t>
+                      </a:r>
+                      <a:endParaRPr lang="en-US" altLang="zh-CN">
+                        <a:solidFill>
+                          <a:srgbClr val="FFFFFF"/>
+                        </a:solidFill>
+                      </a:endParaRPr>
+                    </a:p>
+                  </a:txBody>
+                  <a:tcPr anchor="ctr" anchorCtr="0">
+                    <a:lnL>
+                      <a:noFill/>
+                    </a:lnL>
+                    <a:lnR>
+                      <a:noFill/>
+                    </a:lnR>
+                    <a:lnT>
+                      <a:noFill/>
+                    </a:lnT>
+                    <a:lnB>
+                      <a:noFill/>
+                    </a:lnB>
+                    <a:solidFill>
+                      <a:srgbClr val="009788"/>
+                    </a:solidFill>
+                  </a:tcPr>
+                </a:tc>
+                <a:tc>
+                  <a:txBody>
+                    <a:bodyPr/>
+                    <a:p>
+                      <a:pPr algn="ctr">
+                        <a:buNone/>
+                      </a:pPr>
+                      <a:r>
+                        <a:rPr lang="en-US" altLang="zh-CN">
+                          <a:solidFill>
+                            <a:srgbClr val="FFFFFF"/>
+                          </a:solidFill>
+                        </a:rPr>
+                        <a:t>j</a:t>
+                      </a:r>
+                      <a:endParaRPr lang="en-US" altLang="zh-CN">
+                        <a:solidFill>
+                          <a:srgbClr val="FFFFFF"/>
+                        </a:solidFill>
+                      </a:endParaRPr>
+                    </a:p>
+                  </a:txBody>
+                  <a:tcPr anchor="ctr" anchorCtr="0">
+                    <a:lnL>
+                      <a:noFill/>
+                    </a:lnL>
+                    <a:lnR>
+                      <a:noFill/>
+                    </a:lnR>
+                    <a:lnT>
+                      <a:noFill/>
+                    </a:lnT>
+                    <a:lnB>
+                      <a:noFill/>
+                    </a:lnB>
+                    <a:solidFill>
+                      <a:srgbClr val="4CB050"/>
+                    </a:solidFill>
+                  </a:tcPr>
+                </a:tc>
+              </a:tr>
+              <a:tr h="370800">
+                <a:tc>
+                  <a:txBody>
+                    <a:bodyPr/>
+                    <a:p>
+                      <a:pPr algn="ctr">
+                        <a:buNone/>
+                      </a:pPr>
+                      <a:r>
+                        <a:rPr lang="zh-CN" altLang="en-US">
+                          <a:solidFill>
+                            <a:srgbClr val="404040"/>
+                          </a:solidFill>
+                        </a:rPr>
+                        <a:t>最早开始时间</a:t>
+                      </a:r>
+                      <a:endParaRPr lang="zh-CN" altLang="en-US">
+                        <a:solidFill>
+                          <a:srgbClr val="404040"/>
+                        </a:solidFill>
+                      </a:endParaRPr>
+                    </a:p>
+                  </a:txBody>
+                  <a:tcPr anchor="ctr" anchorCtr="0">
+                    <a:lnL>
+                      <a:noFill/>
+                    </a:lnL>
+                    <a:lnR w="12700">
+                      <a:solidFill>
+                        <a:srgbClr val="D9D9D9"/>
+                      </a:solidFill>
+                      <a:prstDash val="solid"/>
+                    </a:lnR>
+                    <a:lnT>
+                      <a:noFill/>
+                    </a:lnT>
+                    <a:lnB>
+                      <a:noFill/>
+                    </a:lnB>
+                    <a:solidFill>
+                      <a:srgbClr val="FFFFFF"/>
+                    </a:solidFill>
+                  </a:tcPr>
+                </a:tc>
+                <a:tc>
+                  <a:txBody>
+                    <a:bodyPr/>
+                    <a:p>
+                      <a:pPr algn="ctr">
+                        <a:buClrTx/>
+                        <a:buSzTx/>
+                        <a:buFontTx/>
+                        <a:buNone/>
+                      </a:pPr>
+                      <a:r>
+                        <a:rPr lang="en-US" altLang="zh-CN">
+                          <a:solidFill>
+                            <a:srgbClr val="404040"/>
+                          </a:solidFill>
+                        </a:rPr>
+                        <a:t>0</a:t>
+                      </a:r>
+                      <a:endParaRPr lang="en-US" altLang="zh-CN">
+                        <a:solidFill>
+                          <a:srgbClr val="404040"/>
+                        </a:solidFill>
+                      </a:endParaRPr>
+                    </a:p>
+                  </a:txBody>
+                  <a:tcPr anchor="ctr" anchorCtr="0">
+                    <a:lnL w="12700">
+                      <a:solidFill>
+                        <a:srgbClr val="D9D9D9"/>
+                      </a:solidFill>
+                      <a:prstDash val="solid"/>
+                    </a:lnL>
+                    <a:lnR w="6350">
+                      <a:solidFill>
+                        <a:srgbClr val="D9D9D9"/>
+                      </a:solidFill>
+                      <a:prstDash val="solid"/>
+                    </a:lnR>
+                    <a:lnT>
+                      <a:noFill/>
+                    </a:lnT>
+                    <a:lnB>
+                      <a:noFill/>
+                    </a:lnB>
+                    <a:solidFill>
+                      <a:srgbClr val="FFFFFF"/>
+                    </a:solidFill>
+                  </a:tcPr>
+                </a:tc>
+                <a:tc>
+                  <a:txBody>
+                    <a:bodyPr/>
+                    <a:p>
+                      <a:pPr algn="ctr">
+                        <a:buClrTx/>
+                        <a:buSzTx/>
+                        <a:buFontTx/>
+                        <a:buNone/>
+                      </a:pPr>
+                      <a:r>
+                        <a:rPr lang="en-US" altLang="zh-CN" b="1">
+                          <a:solidFill>
+                            <a:srgbClr val="FF0000"/>
+                          </a:solidFill>
+                        </a:rPr>
+                        <a:t>0</a:t>
+                      </a:r>
+                      <a:endParaRPr lang="en-US" altLang="zh-CN" b="1">
+                        <a:solidFill>
+                          <a:srgbClr val="FF0000"/>
+                        </a:solidFill>
+                      </a:endParaRPr>
+                    </a:p>
+                  </a:txBody>
+                  <a:tcPr anchor="ctr" anchorCtr="0">
+                    <a:lnL w="6350">
+                      <a:solidFill>
+                        <a:srgbClr val="D9D9D9"/>
+                      </a:solidFill>
+                      <a:prstDash val="solid"/>
+                    </a:lnL>
+                    <a:lnR w="6350">
+                      <a:solidFill>
+                        <a:srgbClr val="D9D9D9"/>
+                      </a:solidFill>
+                      <a:prstDash val="solid"/>
+                    </a:lnR>
+                    <a:lnT>
+                      <a:noFill/>
+                    </a:lnT>
+                    <a:lnB>
+                      <a:noFill/>
+                    </a:lnB>
+                    <a:solidFill>
+                      <a:schemeClr val="accent2">
+                        <a:lumMod val="60000"/>
+                        <a:lumOff val="40000"/>
+                      </a:schemeClr>
+                    </a:solidFill>
+                  </a:tcPr>
+                </a:tc>
+                <a:tc>
+                  <a:txBody>
+                    <a:bodyPr/>
+                    <a:p>
+                      <a:pPr algn="ctr">
+                        <a:buClrTx/>
+                        <a:buSzTx/>
+                        <a:buFontTx/>
+                        <a:buNone/>
+                      </a:pPr>
+                      <a:r>
+                        <a:rPr lang="en-US" altLang="zh-CN">
+                          <a:solidFill>
+                            <a:srgbClr val="404040"/>
+                          </a:solidFill>
+                        </a:rPr>
+                        <a:t>2</a:t>
+                      </a:r>
+                      <a:endParaRPr lang="en-US" altLang="zh-CN">
+                        <a:solidFill>
+                          <a:srgbClr val="404040"/>
+                        </a:solidFill>
+                      </a:endParaRPr>
+                    </a:p>
+                  </a:txBody>
+                  <a:tcPr anchor="ctr" anchorCtr="0">
+                    <a:lnL w="6350">
+                      <a:solidFill>
+                        <a:srgbClr val="D9D9D9"/>
+                      </a:solidFill>
+                      <a:prstDash val="solid"/>
+                    </a:lnL>
+                    <a:lnR w="6350">
+                      <a:solidFill>
+                        <a:srgbClr val="D9D9D9"/>
+                      </a:solidFill>
+                      <a:prstDash val="solid"/>
+                    </a:lnR>
+                    <a:lnT>
+                      <a:noFill/>
+                    </a:lnT>
+                    <a:lnB>
+                      <a:noFill/>
+                    </a:lnB>
+                    <a:solidFill>
+                      <a:srgbClr val="FFFFFF"/>
+                    </a:solidFill>
+                  </a:tcPr>
+                </a:tc>
+                <a:tc>
+                  <a:txBody>
+                    <a:bodyPr/>
+                    <a:p>
+                      <a:pPr algn="ctr">
+                        <a:buClrTx/>
+                        <a:buSzTx/>
+                        <a:buFontTx/>
+                        <a:buNone/>
+                      </a:pPr>
+                      <a:r>
+                        <a:rPr lang="en-US" altLang="zh-CN">
+                          <a:solidFill>
+                            <a:srgbClr val="404040"/>
+                          </a:solidFill>
+                        </a:rPr>
+                        <a:t>2</a:t>
+                      </a:r>
+                      <a:endParaRPr lang="en-US" altLang="zh-CN">
+                        <a:solidFill>
+                          <a:srgbClr val="404040"/>
+                        </a:solidFill>
+                      </a:endParaRPr>
+                    </a:p>
+                  </a:txBody>
+                  <a:tcPr anchor="ctr" anchorCtr="0">
+                    <a:lnL w="6350">
+                      <a:solidFill>
+                        <a:srgbClr val="D9D9D9"/>
+                      </a:solidFill>
+                      <a:prstDash val="solid"/>
+                    </a:lnL>
+                    <a:lnR w="6350">
+                      <a:solidFill>
+                        <a:srgbClr val="D9D9D9"/>
+                      </a:solidFill>
+                      <a:prstDash val="solid"/>
+                    </a:lnR>
+                    <a:lnT>
+                      <a:noFill/>
+                    </a:lnT>
+                    <a:lnB>
+                      <a:noFill/>
+                    </a:lnB>
+                    <a:solidFill>
+                      <a:srgbClr val="FFFFFF"/>
+                    </a:solidFill>
+                  </a:tcPr>
+                </a:tc>
+                <a:tc>
+                  <a:txBody>
+                    <a:bodyPr/>
+                    <a:p>
+                      <a:pPr algn="ctr">
+                        <a:buClrTx/>
+                        <a:buSzTx/>
+                        <a:buFontTx/>
+                        <a:buNone/>
+                      </a:pPr>
+                      <a:r>
+                        <a:rPr lang="en-US" altLang="zh-CN" b="1">
+                          <a:solidFill>
+                            <a:srgbClr val="FF0000"/>
+                          </a:solidFill>
+                        </a:rPr>
+                        <a:t>5</a:t>
+                      </a:r>
+                      <a:endParaRPr lang="en-US" altLang="zh-CN" b="1">
+                        <a:solidFill>
+                          <a:srgbClr val="FF0000"/>
+                        </a:solidFill>
+                      </a:endParaRPr>
+                    </a:p>
+                  </a:txBody>
+                  <a:tcPr anchor="ctr" anchorCtr="0">
+                    <a:lnL w="6350">
+                      <a:solidFill>
+                        <a:srgbClr val="D9D9D9"/>
+                      </a:solidFill>
+                      <a:prstDash val="solid"/>
+                    </a:lnL>
+                    <a:lnR w="6350">
+                      <a:solidFill>
+                        <a:srgbClr val="D9D9D9"/>
+                      </a:solidFill>
+                      <a:prstDash val="solid"/>
+                    </a:lnR>
+                    <a:lnT>
+                      <a:noFill/>
+                    </a:lnT>
+                    <a:lnB>
+                      <a:noFill/>
+                    </a:lnB>
+                    <a:solidFill>
+                      <a:schemeClr val="accent2">
+                        <a:lumMod val="60000"/>
+                        <a:lumOff val="40000"/>
+                      </a:schemeClr>
+                    </a:solidFill>
+                  </a:tcPr>
+                </a:tc>
+                <a:tc>
+                  <a:txBody>
+                    <a:bodyPr/>
+                    <a:p>
+                      <a:pPr algn="ctr">
+                        <a:buClrTx/>
+                        <a:buSzTx/>
+                        <a:buFontTx/>
+                        <a:buNone/>
+                      </a:pPr>
+                      <a:r>
+                        <a:rPr lang="en-US" altLang="zh-CN">
+                          <a:solidFill>
+                            <a:srgbClr val="404040"/>
+                          </a:solidFill>
+                        </a:rPr>
+                        <a:t>5</a:t>
+                      </a:r>
+                      <a:endParaRPr lang="en-US" altLang="zh-CN">
+                        <a:solidFill>
+                          <a:srgbClr val="404040"/>
+                        </a:solidFill>
+                      </a:endParaRPr>
+                    </a:p>
+                  </a:txBody>
+                  <a:tcPr anchor="ctr" anchorCtr="0">
+                    <a:lnL w="6350">
+                      <a:solidFill>
+                        <a:srgbClr val="D9D9D9"/>
+                      </a:solidFill>
+                      <a:prstDash val="solid"/>
+                    </a:lnL>
+                    <a:lnR w="6350">
+                      <a:solidFill>
+                        <a:srgbClr val="D9D9D9"/>
+                      </a:solidFill>
+                      <a:prstDash val="solid"/>
+                    </a:lnR>
+                    <a:lnT>
+                      <a:noFill/>
+                    </a:lnT>
+                    <a:lnB>
+                      <a:noFill/>
+                    </a:lnB>
+                    <a:solidFill>
+                      <a:srgbClr val="FFFFFF"/>
+                    </a:solidFill>
+                  </a:tcPr>
+                </a:tc>
+                <a:tc>
+                  <a:txBody>
+                    <a:bodyPr/>
+                    <a:p>
+                      <a:pPr algn="ctr">
+                        <a:buClrTx/>
+                        <a:buSzTx/>
+                        <a:buFontTx/>
+                        <a:buNone/>
+                      </a:pPr>
+                      <a:r>
+                        <a:rPr lang="en-US" altLang="zh-CN">
+                          <a:solidFill>
+                            <a:srgbClr val="404040"/>
+                          </a:solidFill>
+                        </a:rPr>
+                        <a:t>5</a:t>
+                      </a:r>
+                      <a:endParaRPr lang="en-US" altLang="zh-CN">
+                        <a:solidFill>
+                          <a:srgbClr val="404040"/>
+                        </a:solidFill>
+                      </a:endParaRPr>
+                    </a:p>
+                  </a:txBody>
+                  <a:tcPr anchor="ctr" anchorCtr="0">
+                    <a:lnL w="6350">
+                      <a:solidFill>
+                        <a:srgbClr val="D9D9D9"/>
+                      </a:solidFill>
+                      <a:prstDash val="solid"/>
+                    </a:lnL>
+                    <a:lnR w="6350">
+                      <a:solidFill>
+                        <a:srgbClr val="D9D9D9"/>
+                      </a:solidFill>
+                      <a:prstDash val="solid"/>
+                    </a:lnR>
+                    <a:lnT>
+                      <a:noFill/>
+                    </a:lnT>
+                    <a:lnB>
+                      <a:noFill/>
+                    </a:lnB>
+                    <a:solidFill>
+                      <a:srgbClr val="FFFFFF"/>
+                    </a:solidFill>
+                  </a:tcPr>
+                </a:tc>
+                <a:tc>
+                  <a:txBody>
+                    <a:bodyPr/>
+                    <a:p>
+                      <a:pPr algn="ctr">
+                        <a:buClrTx/>
+                        <a:buSzTx/>
+                        <a:buFontTx/>
+                        <a:buNone/>
+                      </a:pPr>
+                      <a:r>
+                        <a:rPr lang="en-US" altLang="zh-CN">
+                          <a:solidFill>
+                            <a:srgbClr val="404040"/>
+                          </a:solidFill>
+                        </a:rPr>
+                        <a:t>8</a:t>
+                      </a:r>
+                      <a:endParaRPr lang="en-US" altLang="zh-CN">
+                        <a:solidFill>
+                          <a:srgbClr val="404040"/>
+                        </a:solidFill>
+                      </a:endParaRPr>
+                    </a:p>
+                  </a:txBody>
+                  <a:tcPr anchor="ctr" anchorCtr="0">
+                    <a:lnL w="6350">
+                      <a:solidFill>
+                        <a:srgbClr val="D9D9D9"/>
+                      </a:solidFill>
+                      <a:prstDash val="solid"/>
+                    </a:lnL>
+                    <a:lnR w="6350">
+                      <a:solidFill>
+                        <a:srgbClr val="D9D9D9"/>
+                      </a:solidFill>
+                      <a:prstDash val="solid"/>
+                    </a:lnR>
+                    <a:lnT>
+                      <a:noFill/>
+                    </a:lnT>
+                    <a:lnB>
+                      <a:noFill/>
+                    </a:lnB>
+                    <a:solidFill>
+                      <a:srgbClr val="FFFFFF"/>
+                    </a:solidFill>
+                  </a:tcPr>
+                </a:tc>
+                <a:tc>
+                  <a:txBody>
+                    <a:bodyPr/>
+                    <a:p>
+                      <a:pPr algn="ctr">
+                        <a:buClrTx/>
+                        <a:buSzTx/>
+                        <a:buFontTx/>
+                        <a:buNone/>
+                      </a:pPr>
+                      <a:r>
+                        <a:rPr lang="en-US" altLang="zh-CN" b="1">
+                          <a:solidFill>
+                            <a:srgbClr val="FF0000"/>
+                          </a:solidFill>
+                        </a:rPr>
+                        <a:t>8</a:t>
+                      </a:r>
+                      <a:endParaRPr lang="en-US" altLang="zh-CN" b="1">
+                        <a:solidFill>
+                          <a:srgbClr val="FF0000"/>
+                        </a:solidFill>
+                      </a:endParaRPr>
+                    </a:p>
+                  </a:txBody>
+                  <a:tcPr anchor="ctr" anchorCtr="0">
+                    <a:lnL w="6350">
+                      <a:solidFill>
+                        <a:srgbClr val="D9D9D9"/>
+                      </a:solidFill>
+                      <a:prstDash val="solid"/>
+                    </a:lnL>
+                    <a:lnR w="6350">
+                      <a:solidFill>
+                        <a:srgbClr val="D9D9D9"/>
+                      </a:solidFill>
+                      <a:prstDash val="solid"/>
+                    </a:lnR>
+                    <a:lnT>
+                      <a:noFill/>
+                    </a:lnT>
+                    <a:lnB>
+                      <a:noFill/>
+                    </a:lnB>
+                    <a:solidFill>
+                      <a:schemeClr val="accent2">
+                        <a:lumMod val="60000"/>
+                        <a:lumOff val="40000"/>
+                      </a:schemeClr>
+                    </a:solidFill>
+                  </a:tcPr>
+                </a:tc>
+                <a:tc>
+                  <a:txBody>
+                    <a:bodyPr/>
+                    <a:p>
+                      <a:pPr algn="ctr">
+                        <a:buClrTx/>
+                        <a:buSzTx/>
+                        <a:buFontTx/>
+                        <a:buNone/>
+                      </a:pPr>
+                      <a:r>
+                        <a:rPr lang="en-US" altLang="zh-CN">
+                          <a:solidFill>
+                            <a:srgbClr val="404040"/>
+                          </a:solidFill>
+                        </a:rPr>
+                        <a:t>9</a:t>
+                      </a:r>
+                      <a:endParaRPr lang="en-US" altLang="zh-CN">
+                        <a:solidFill>
+                          <a:srgbClr val="404040"/>
+                        </a:solidFill>
+                      </a:endParaRPr>
+                    </a:p>
+                  </a:txBody>
+                  <a:tcPr anchor="ctr" anchorCtr="0">
+                    <a:lnL w="6350">
+                      <a:solidFill>
+                        <a:srgbClr val="D9D9D9"/>
+                      </a:solidFill>
+                      <a:prstDash val="solid"/>
+                    </a:lnL>
+                    <a:lnR>
+                      <a:noFill/>
+                    </a:lnR>
+                    <a:lnT>
+                      <a:noFill/>
+                    </a:lnT>
+                    <a:lnB>
+                      <a:noFill/>
+                    </a:lnB>
+                    <a:solidFill>
+                      <a:srgbClr val="FFFFFF"/>
+                    </a:solidFill>
+                  </a:tcPr>
+                </a:tc>
+              </a:tr>
+              <a:tr h="370800">
+                <a:tc>
+                  <a:txBody>
+                    <a:bodyPr/>
+                    <a:p>
+                      <a:pPr algn="ctr">
+                        <a:buNone/>
+                      </a:pPr>
+                      <a:r>
+                        <a:rPr lang="zh-CN" altLang="en-US">
+                          <a:solidFill>
+                            <a:srgbClr val="404040"/>
+                          </a:solidFill>
+                        </a:rPr>
+                        <a:t>最迟开始时间</a:t>
+                      </a:r>
+                      <a:endParaRPr lang="zh-CN" altLang="en-US">
+                        <a:solidFill>
+                          <a:srgbClr val="404040"/>
+                        </a:solidFill>
+                      </a:endParaRPr>
+                    </a:p>
+                  </a:txBody>
+                  <a:tcPr anchor="ctr" anchorCtr="0">
+                    <a:lnL>
+                      <a:noFill/>
+                    </a:lnL>
+                    <a:lnR w="12700">
+                      <a:solidFill>
+                        <a:srgbClr val="D9D9D9"/>
+                      </a:solidFill>
+                      <a:prstDash val="solid"/>
+                    </a:lnR>
+                    <a:lnT>
+                      <a:noFill/>
+                    </a:lnT>
+                    <a:lnB>
+                      <a:noFill/>
+                    </a:lnB>
+                    <a:solidFill>
+                      <a:srgbClr val="F2F2F2"/>
+                    </a:solidFill>
+                  </a:tcPr>
+                </a:tc>
+                <a:tc>
+                  <a:txBody>
+                    <a:bodyPr/>
+                    <a:p>
+                      <a:pPr algn="ctr">
+                        <a:buClrTx/>
+                        <a:buSzTx/>
+                        <a:buFontTx/>
+                        <a:buNone/>
+                      </a:pPr>
+                      <a:r>
+                        <a:rPr lang="en-US" altLang="zh-CN">
+                          <a:solidFill>
+                            <a:srgbClr val="404040"/>
+                          </a:solidFill>
+                        </a:rPr>
+                        <a:t>2</a:t>
+                      </a:r>
+                      <a:endParaRPr lang="en-US" altLang="zh-CN">
+                        <a:solidFill>
+                          <a:srgbClr val="404040"/>
+                        </a:solidFill>
+                      </a:endParaRPr>
+                    </a:p>
+                  </a:txBody>
+                  <a:tcPr anchor="ctr" anchorCtr="0">
+                    <a:lnL w="12700">
+                      <a:solidFill>
+                        <a:srgbClr val="D9D9D9"/>
+                      </a:solidFill>
+                      <a:prstDash val="solid"/>
+                    </a:lnL>
+                    <a:lnR w="6350">
+                      <a:solidFill>
+                        <a:srgbClr val="D9D9D9"/>
+                      </a:solidFill>
+                      <a:prstDash val="solid"/>
+                    </a:lnR>
+                    <a:lnT>
+                      <a:noFill/>
+                    </a:lnT>
+                    <a:lnB>
+                      <a:noFill/>
+                    </a:lnB>
+                    <a:solidFill>
+                      <a:srgbClr val="F2F2F2"/>
+                    </a:solidFill>
+                  </a:tcPr>
+                </a:tc>
+                <a:tc>
+                  <a:txBody>
+                    <a:bodyPr/>
+                    <a:p>
+                      <a:pPr algn="ctr">
+                        <a:buClrTx/>
+                        <a:buSzTx/>
+                        <a:buFontTx/>
+                        <a:buNone/>
+                      </a:pPr>
+                      <a:r>
+                        <a:rPr lang="en-US" altLang="zh-CN" b="1">
+                          <a:solidFill>
+                            <a:srgbClr val="FF0000"/>
+                          </a:solidFill>
+                        </a:rPr>
+                        <a:t>0</a:t>
+                      </a:r>
+                      <a:endParaRPr lang="en-US" altLang="zh-CN" b="1">
+                        <a:solidFill>
+                          <a:srgbClr val="FF0000"/>
+                        </a:solidFill>
+                      </a:endParaRPr>
+                    </a:p>
+                  </a:txBody>
+                  <a:tcPr anchor="ctr" anchorCtr="0">
+                    <a:lnL w="6350">
+                      <a:solidFill>
+                        <a:srgbClr val="D9D9D9"/>
+                      </a:solidFill>
+                      <a:prstDash val="solid"/>
+                    </a:lnL>
+                    <a:lnR w="6350">
+                      <a:solidFill>
+                        <a:srgbClr val="D9D9D9"/>
+                      </a:solidFill>
+                      <a:prstDash val="solid"/>
+                    </a:lnR>
+                    <a:lnT>
+                      <a:noFill/>
+                    </a:lnT>
+                    <a:lnB>
+                      <a:noFill/>
+                    </a:lnB>
+                    <a:solidFill>
+                      <a:schemeClr val="accent2">
+                        <a:lumMod val="60000"/>
+                        <a:lumOff val="40000"/>
+                      </a:schemeClr>
+                    </a:solidFill>
+                  </a:tcPr>
+                </a:tc>
+                <a:tc>
+                  <a:txBody>
+                    <a:bodyPr/>
+                    <a:p>
+                      <a:pPr algn="ctr">
+                        <a:buClrTx/>
+                        <a:buSzTx/>
+                        <a:buFontTx/>
+                        <a:buNone/>
+                      </a:pPr>
+                      <a:r>
+                        <a:rPr lang="en-US" altLang="zh-CN">
+                          <a:solidFill>
+                            <a:srgbClr val="404040"/>
+                          </a:solidFill>
+                        </a:rPr>
+                        <a:t>4</a:t>
+                      </a:r>
+                      <a:endParaRPr lang="en-US" altLang="zh-CN">
+                        <a:solidFill>
+                          <a:srgbClr val="404040"/>
+                        </a:solidFill>
+                      </a:endParaRPr>
+                    </a:p>
+                  </a:txBody>
+                  <a:tcPr anchor="ctr" anchorCtr="0">
+                    <a:lnL w="6350">
+                      <a:solidFill>
+                        <a:srgbClr val="D9D9D9"/>
+                      </a:solidFill>
+                      <a:prstDash val="solid"/>
+                    </a:lnL>
+                    <a:lnR w="6350">
+                      <a:solidFill>
+                        <a:srgbClr val="D9D9D9"/>
+                      </a:solidFill>
+                      <a:prstDash val="solid"/>
+                    </a:lnR>
+                    <a:lnT>
+                      <a:noFill/>
+                    </a:lnT>
+                    <a:lnB>
+                      <a:noFill/>
+                    </a:lnB>
+                    <a:solidFill>
+                      <a:srgbClr val="F2F2F2"/>
+                    </a:solidFill>
+                  </a:tcPr>
+                </a:tc>
+                <a:tc>
+                  <a:txBody>
+                    <a:bodyPr/>
+                    <a:p>
+                      <a:pPr algn="ctr">
+                        <a:buClrTx/>
+                        <a:buSzTx/>
+                        <a:buFontTx/>
+                        <a:buNone/>
+                      </a:pPr>
+                      <a:r>
+                        <a:rPr lang="en-US" altLang="zh-CN">
+                          <a:solidFill>
+                            <a:srgbClr val="404040"/>
+                          </a:solidFill>
+                        </a:rPr>
+                        <a:t>5</a:t>
+                      </a:r>
+                      <a:endParaRPr lang="en-US" altLang="zh-CN">
+                        <a:solidFill>
+                          <a:srgbClr val="404040"/>
+                        </a:solidFill>
+                      </a:endParaRPr>
+                    </a:p>
+                  </a:txBody>
+                  <a:tcPr anchor="ctr" anchorCtr="0">
+                    <a:lnL w="6350">
+                      <a:solidFill>
+                        <a:srgbClr val="D9D9D9"/>
+                      </a:solidFill>
+                      <a:prstDash val="solid"/>
+                    </a:lnL>
+                    <a:lnR w="6350">
+                      <a:solidFill>
+                        <a:srgbClr val="D9D9D9"/>
+                      </a:solidFill>
+                      <a:prstDash val="solid"/>
+                    </a:lnR>
+                    <a:lnT>
+                      <a:noFill/>
+                    </a:lnT>
+                    <a:lnB>
+                      <a:noFill/>
+                    </a:lnB>
+                    <a:solidFill>
+                      <a:srgbClr val="F2F2F2"/>
+                    </a:solidFill>
+                  </a:tcPr>
+                </a:tc>
+                <a:tc>
+                  <a:txBody>
+                    <a:bodyPr/>
+                    <a:p>
+                      <a:pPr algn="ctr">
+                        <a:buClrTx/>
+                        <a:buSzTx/>
+                        <a:buFontTx/>
+                        <a:buNone/>
+                      </a:pPr>
+                      <a:r>
+                        <a:rPr lang="en-US" altLang="zh-CN" b="1">
+                          <a:solidFill>
+                            <a:srgbClr val="FF0000"/>
+                          </a:solidFill>
+                        </a:rPr>
+                        <a:t>5</a:t>
+                      </a:r>
+                      <a:endParaRPr lang="en-US" altLang="zh-CN" b="1">
+                        <a:solidFill>
+                          <a:srgbClr val="FF0000"/>
+                        </a:solidFill>
+                      </a:endParaRPr>
+                    </a:p>
+                  </a:txBody>
+                  <a:tcPr anchor="ctr" anchorCtr="0">
+                    <a:lnL w="6350">
+                      <a:solidFill>
+                        <a:srgbClr val="D9D9D9"/>
+                      </a:solidFill>
+                      <a:prstDash val="solid"/>
+                    </a:lnL>
+                    <a:lnR w="6350">
+                      <a:solidFill>
+                        <a:srgbClr val="D9D9D9"/>
+                      </a:solidFill>
+                      <a:prstDash val="solid"/>
+                    </a:lnR>
+                    <a:lnT>
+                      <a:noFill/>
+                    </a:lnT>
+                    <a:lnB>
+                      <a:noFill/>
+                    </a:lnB>
+                    <a:solidFill>
+                      <a:schemeClr val="accent2">
+                        <a:lumMod val="60000"/>
+                        <a:lumOff val="40000"/>
+                      </a:schemeClr>
+                    </a:solidFill>
+                  </a:tcPr>
+                </a:tc>
+                <a:tc>
+                  <a:txBody>
+                    <a:bodyPr/>
+                    <a:p>
+                      <a:pPr algn="ctr">
+                        <a:buClrTx/>
+                        <a:buSzTx/>
+                        <a:buFontTx/>
+                        <a:buNone/>
+                      </a:pPr>
+                      <a:r>
+                        <a:rPr lang="en-US" altLang="zh-CN">
+                          <a:solidFill>
+                            <a:srgbClr val="404040"/>
+                          </a:solidFill>
+                        </a:rPr>
+                        <a:t>7</a:t>
+                      </a:r>
+                      <a:endParaRPr lang="en-US" altLang="zh-CN">
+                        <a:solidFill>
+                          <a:srgbClr val="404040"/>
+                        </a:solidFill>
+                      </a:endParaRPr>
+                    </a:p>
+                  </a:txBody>
+                  <a:tcPr anchor="ctr" anchorCtr="0">
+                    <a:lnL w="6350">
+                      <a:solidFill>
+                        <a:srgbClr val="D9D9D9"/>
+                      </a:solidFill>
+                      <a:prstDash val="solid"/>
+                    </a:lnL>
+                    <a:lnR w="6350">
+                      <a:solidFill>
+                        <a:srgbClr val="D9D9D9"/>
+                      </a:solidFill>
+                      <a:prstDash val="solid"/>
+                    </a:lnR>
+                    <a:lnT>
+                      <a:noFill/>
+                    </a:lnT>
+                    <a:lnB>
+                      <a:noFill/>
+                    </a:lnB>
+                    <a:solidFill>
+                      <a:srgbClr val="F2F2F2"/>
+                    </a:solidFill>
+                  </a:tcPr>
+                </a:tc>
+                <a:tc>
+                  <a:txBody>
+                    <a:bodyPr/>
+                    <a:p>
+                      <a:pPr algn="ctr">
+                        <a:buClrTx/>
+                        <a:buSzTx/>
+                        <a:buFontTx/>
+                        <a:buNone/>
+                      </a:pPr>
+                      <a:r>
+                        <a:rPr lang="en-US" altLang="zh-CN">
+                          <a:solidFill>
+                            <a:srgbClr val="404040"/>
+                          </a:solidFill>
+                        </a:rPr>
+                        <a:t>11</a:t>
+                      </a:r>
+                      <a:endParaRPr lang="en-US" altLang="zh-CN">
+                        <a:solidFill>
+                          <a:srgbClr val="404040"/>
+                        </a:solidFill>
+                      </a:endParaRPr>
+                    </a:p>
+                  </a:txBody>
+                  <a:tcPr anchor="ctr" anchorCtr="0">
+                    <a:lnL w="6350">
+                      <a:solidFill>
+                        <a:srgbClr val="D9D9D9"/>
+                      </a:solidFill>
+                      <a:prstDash val="solid"/>
+                    </a:lnL>
+                    <a:lnR w="6350">
+                      <a:solidFill>
+                        <a:srgbClr val="D9D9D9"/>
+                      </a:solidFill>
+                      <a:prstDash val="solid"/>
+                    </a:lnR>
+                    <a:lnT>
+                      <a:noFill/>
+                    </a:lnT>
+                    <a:lnB>
+                      <a:noFill/>
+                    </a:lnB>
+                    <a:solidFill>
+                      <a:srgbClr val="F2F2F2"/>
+                    </a:solidFill>
+                  </a:tcPr>
+                </a:tc>
+                <a:tc>
+                  <a:txBody>
+                    <a:bodyPr/>
+                    <a:p>
+                      <a:pPr algn="ctr">
+                        <a:buClrTx/>
+                        <a:buSzTx/>
+                        <a:buFontTx/>
+                        <a:buNone/>
+                      </a:pPr>
+                      <a:r>
+                        <a:rPr lang="en-US" altLang="zh-CN">
+                          <a:solidFill>
+                            <a:srgbClr val="404040"/>
+                          </a:solidFill>
+                        </a:rPr>
+                        <a:t>10</a:t>
+                      </a:r>
+                      <a:endParaRPr lang="en-US" altLang="zh-CN">
+                        <a:solidFill>
+                          <a:srgbClr val="404040"/>
+                        </a:solidFill>
+                      </a:endParaRPr>
+                    </a:p>
+                  </a:txBody>
+                  <a:tcPr anchor="ctr" anchorCtr="0">
+                    <a:lnL w="6350">
+                      <a:solidFill>
+                        <a:srgbClr val="D9D9D9"/>
+                      </a:solidFill>
+                      <a:prstDash val="solid"/>
+                    </a:lnL>
+                    <a:lnR w="6350">
+                      <a:solidFill>
+                        <a:srgbClr val="D9D9D9"/>
+                      </a:solidFill>
+                      <a:prstDash val="solid"/>
+                    </a:lnR>
+                    <a:lnT>
+                      <a:noFill/>
+                    </a:lnT>
+                    <a:lnB>
+                      <a:noFill/>
+                    </a:lnB>
+                    <a:solidFill>
+                      <a:srgbClr val="F2F2F2"/>
+                    </a:solidFill>
+                  </a:tcPr>
+                </a:tc>
+                <a:tc>
+                  <a:txBody>
+                    <a:bodyPr/>
+                    <a:p>
+                      <a:pPr algn="ctr">
+                        <a:buClrTx/>
+                        <a:buSzTx/>
+                        <a:buFontTx/>
+                        <a:buNone/>
+                      </a:pPr>
+                      <a:r>
+                        <a:rPr lang="en-US" altLang="zh-CN" b="1">
+                          <a:solidFill>
+                            <a:srgbClr val="FF0000"/>
+                          </a:solidFill>
+                        </a:rPr>
+                        <a:t>8</a:t>
+                      </a:r>
+                      <a:endParaRPr lang="en-US" altLang="zh-CN" b="1">
+                        <a:solidFill>
+                          <a:srgbClr val="FF0000"/>
+                        </a:solidFill>
+                      </a:endParaRPr>
+                    </a:p>
+                  </a:txBody>
+                  <a:tcPr anchor="ctr" anchorCtr="0">
+                    <a:lnL w="6350">
+                      <a:solidFill>
+                        <a:srgbClr val="D9D9D9"/>
+                      </a:solidFill>
+                      <a:prstDash val="solid"/>
+                    </a:lnL>
+                    <a:lnR w="6350">
+                      <a:solidFill>
+                        <a:srgbClr val="D9D9D9"/>
+                      </a:solidFill>
+                      <a:prstDash val="solid"/>
+                    </a:lnR>
+                    <a:lnT>
+                      <a:noFill/>
+                    </a:lnT>
+                    <a:lnB>
+                      <a:noFill/>
+                    </a:lnB>
+                    <a:solidFill>
+                      <a:schemeClr val="accent2">
+                        <a:lumMod val="60000"/>
+                        <a:lumOff val="40000"/>
+                      </a:schemeClr>
+                    </a:solidFill>
+                  </a:tcPr>
+                </a:tc>
+                <a:tc>
+                  <a:txBody>
+                    <a:bodyPr/>
+                    <a:p>
+                      <a:pPr algn="ctr">
+                        <a:buClrTx/>
+                        <a:buSzTx/>
+                        <a:buFontTx/>
+                        <a:buNone/>
+                      </a:pPr>
+                      <a:r>
+                        <a:rPr lang="en-US" altLang="zh-CN">
+                          <a:solidFill>
+                            <a:srgbClr val="404040"/>
+                          </a:solidFill>
+                        </a:rPr>
+                        <a:t>11</a:t>
+                      </a:r>
+                      <a:endParaRPr lang="en-US" altLang="zh-CN">
+                        <a:solidFill>
+                          <a:srgbClr val="404040"/>
+                        </a:solidFill>
+                      </a:endParaRPr>
+                    </a:p>
+                  </a:txBody>
+                  <a:tcPr anchor="ctr" anchorCtr="0">
+                    <a:lnL w="6350">
+                      <a:solidFill>
+                        <a:srgbClr val="D9D9D9"/>
+                      </a:solidFill>
+                      <a:prstDash val="solid"/>
+                    </a:lnL>
+                    <a:lnR>
+                      <a:noFill/>
+                    </a:lnR>
+                    <a:lnT>
+                      <a:noFill/>
+                    </a:lnT>
+                    <a:lnB>
+                      <a:noFill/>
+                    </a:lnB>
+                    <a:solidFill>
+                      <a:srgbClr val="F2F2F2"/>
+                    </a:solidFill>
+                  </a:tcPr>
+                </a:tc>
+              </a:tr>
+              <a:tr h="370800">
+                <a:tc>
+                  <a:txBody>
+                    <a:bodyPr/>
+                    <a:p>
+                      <a:pPr algn="ctr">
+                        <a:buNone/>
+                      </a:pPr>
+                      <a:r>
+                        <a:rPr lang="zh-CN" altLang="en-US">
+                          <a:solidFill>
+                            <a:srgbClr val="404040"/>
+                          </a:solidFill>
+                        </a:rPr>
+                        <a:t>时间余量</a:t>
+                      </a:r>
+                      <a:endParaRPr lang="zh-CN" altLang="en-US">
+                        <a:solidFill>
+                          <a:srgbClr val="404040"/>
+                        </a:solidFill>
+                      </a:endParaRPr>
+                    </a:p>
+                  </a:txBody>
+                  <a:tcPr anchor="ctr" anchorCtr="0">
+                    <a:lnL>
+                      <a:noFill/>
+                    </a:lnL>
+                    <a:lnR w="12700">
+                      <a:solidFill>
+                        <a:srgbClr val="D9D9D9"/>
+                      </a:solidFill>
+                      <a:prstDash val="solid"/>
+                    </a:lnR>
+                    <a:lnT>
+                      <a:noFill/>
+                    </a:lnT>
+                    <a:lnB w="19050">
+                      <a:solidFill>
+                        <a:srgbClr val="595959"/>
+                      </a:solidFill>
+                      <a:prstDash val="solid"/>
+                    </a:lnB>
+                    <a:solidFill>
+                      <a:srgbClr val="FFFFFF"/>
+                    </a:solidFill>
+                  </a:tcPr>
+                </a:tc>
+                <a:tc>
+                  <a:txBody>
+                    <a:bodyPr/>
+                    <a:p>
+                      <a:pPr algn="ctr">
+                        <a:buClrTx/>
+                        <a:buSzTx/>
+                        <a:buFontTx/>
+                        <a:buNone/>
+                      </a:pPr>
+                      <a:r>
+                        <a:rPr lang="en-US" altLang="zh-CN">
+                          <a:solidFill>
+                            <a:srgbClr val="404040"/>
+                          </a:solidFill>
+                        </a:rPr>
+                        <a:t>2</a:t>
+                      </a:r>
+                      <a:endParaRPr lang="en-US" altLang="zh-CN">
+                        <a:solidFill>
+                          <a:srgbClr val="404040"/>
+                        </a:solidFill>
+                      </a:endParaRPr>
+                    </a:p>
+                  </a:txBody>
+                  <a:tcPr anchor="ctr" anchorCtr="0">
+                    <a:lnL w="12700">
+                      <a:solidFill>
+                        <a:srgbClr val="D9D9D9"/>
+                      </a:solidFill>
+                      <a:prstDash val="solid"/>
+                    </a:lnL>
+                    <a:lnR w="6350">
+                      <a:solidFill>
+                        <a:srgbClr val="D9D9D9"/>
+                      </a:solidFill>
+                      <a:prstDash val="solid"/>
+                    </a:lnR>
+                    <a:lnT>
+                      <a:noFill/>
+                    </a:lnT>
+                    <a:lnB w="19050">
+                      <a:solidFill>
+                        <a:srgbClr val="595959"/>
+                      </a:solidFill>
+                      <a:prstDash val="solid"/>
+                    </a:lnB>
+                    <a:solidFill>
+                      <a:srgbClr val="FFFFFF"/>
+                    </a:solidFill>
+                  </a:tcPr>
+                </a:tc>
+                <a:tc>
+                  <a:txBody>
+                    <a:bodyPr/>
+                    <a:p>
+                      <a:pPr algn="ctr">
+                        <a:buClrTx/>
+                        <a:buSzTx/>
+                        <a:buFontTx/>
+                        <a:buNone/>
+                      </a:pPr>
+                      <a:r>
+                        <a:rPr lang="en-US" altLang="zh-CN">
+                          <a:solidFill>
+                            <a:srgbClr val="404040"/>
+                          </a:solidFill>
+                        </a:rPr>
+                        <a:t>0</a:t>
+                      </a:r>
+                      <a:endParaRPr lang="en-US" altLang="zh-CN">
+                        <a:solidFill>
+                          <a:srgbClr val="404040"/>
+                        </a:solidFill>
+                      </a:endParaRPr>
+                    </a:p>
+                  </a:txBody>
+                  <a:tcPr anchor="ctr" anchorCtr="0">
+                    <a:lnL w="6350">
+                      <a:solidFill>
+                        <a:srgbClr val="D9D9D9"/>
+                      </a:solidFill>
+                      <a:prstDash val="solid"/>
+                    </a:lnL>
+                    <a:lnR w="6350">
+                      <a:solidFill>
+                        <a:srgbClr val="D9D9D9"/>
+                      </a:solidFill>
+                      <a:prstDash val="solid"/>
+                    </a:lnR>
+                    <a:lnT>
+                      <a:noFill/>
+                    </a:lnT>
+                    <a:lnB w="19050">
+                      <a:solidFill>
+                        <a:srgbClr val="595959"/>
+                      </a:solidFill>
+                      <a:prstDash val="solid"/>
+                    </a:lnB>
+                    <a:solidFill>
+                      <a:srgbClr val="FFFFFF"/>
+                    </a:solidFill>
+                  </a:tcPr>
+                </a:tc>
+                <a:tc>
+                  <a:txBody>
+                    <a:bodyPr/>
+                    <a:p>
+                      <a:pPr algn="ctr">
+                        <a:buClrTx/>
+                        <a:buSzTx/>
+                        <a:buFontTx/>
+                        <a:buNone/>
+                      </a:pPr>
+                      <a:r>
+                        <a:rPr lang="en-US" altLang="zh-CN">
+                          <a:solidFill>
+                            <a:srgbClr val="404040"/>
+                          </a:solidFill>
+                        </a:rPr>
+                        <a:t>2</a:t>
+                      </a:r>
+                      <a:endParaRPr lang="en-US" altLang="zh-CN">
+                        <a:solidFill>
+                          <a:srgbClr val="404040"/>
+                        </a:solidFill>
+                      </a:endParaRPr>
+                    </a:p>
+                  </a:txBody>
+                  <a:tcPr anchor="ctr" anchorCtr="0">
+                    <a:lnL w="6350">
+                      <a:solidFill>
+                        <a:srgbClr val="D9D9D9"/>
+                      </a:solidFill>
+                      <a:prstDash val="solid"/>
+                    </a:lnL>
+                    <a:lnR w="6350">
+                      <a:solidFill>
+                        <a:srgbClr val="D9D9D9"/>
+                      </a:solidFill>
+                      <a:prstDash val="solid"/>
+                    </a:lnR>
+                    <a:lnT>
+                      <a:noFill/>
+                    </a:lnT>
+                    <a:lnB w="19050">
+                      <a:solidFill>
+                        <a:srgbClr val="595959"/>
+                      </a:solidFill>
+                      <a:prstDash val="solid"/>
+                    </a:lnB>
+                    <a:solidFill>
+                      <a:srgbClr val="FFFFFF"/>
+                    </a:solidFill>
+                  </a:tcPr>
+                </a:tc>
+                <a:tc>
+                  <a:txBody>
+                    <a:bodyPr/>
+                    <a:p>
+                      <a:pPr algn="ctr">
+                        <a:buClrTx/>
+                        <a:buSzTx/>
+                        <a:buFontTx/>
+                        <a:buNone/>
+                      </a:pPr>
+                      <a:r>
+                        <a:rPr lang="en-US" altLang="zh-CN">
+                          <a:solidFill>
+                            <a:srgbClr val="404040"/>
+                          </a:solidFill>
+                        </a:rPr>
+                        <a:t>3</a:t>
+                      </a:r>
+                      <a:endParaRPr lang="en-US" altLang="zh-CN">
+                        <a:solidFill>
+                          <a:srgbClr val="404040"/>
+                        </a:solidFill>
+                      </a:endParaRPr>
+                    </a:p>
+                  </a:txBody>
+                  <a:tcPr anchor="ctr" anchorCtr="0">
+                    <a:lnL w="6350">
+                      <a:solidFill>
+                        <a:srgbClr val="D9D9D9"/>
+                      </a:solidFill>
+                      <a:prstDash val="solid"/>
+                    </a:lnL>
+                    <a:lnR w="6350">
+                      <a:solidFill>
+                        <a:srgbClr val="D9D9D9"/>
+                      </a:solidFill>
+                      <a:prstDash val="solid"/>
+                    </a:lnR>
+                    <a:lnT>
+                      <a:noFill/>
+                    </a:lnT>
+                    <a:lnB w="19050">
+                      <a:solidFill>
+                        <a:srgbClr val="595959"/>
+                      </a:solidFill>
+                      <a:prstDash val="solid"/>
+                    </a:lnB>
+                    <a:solidFill>
+                      <a:srgbClr val="FFFFFF"/>
+                    </a:solidFill>
+                  </a:tcPr>
+                </a:tc>
+                <a:tc>
+                  <a:txBody>
+                    <a:bodyPr/>
+                    <a:p>
+                      <a:pPr algn="ctr">
+                        <a:buClrTx/>
+                        <a:buSzTx/>
+                        <a:buFontTx/>
+                        <a:buNone/>
+                      </a:pPr>
+                      <a:r>
+                        <a:rPr lang="en-US" altLang="zh-CN">
+                          <a:solidFill>
+                            <a:srgbClr val="404040"/>
+                          </a:solidFill>
+                        </a:rPr>
+                        <a:t>0</a:t>
+                      </a:r>
+                      <a:endParaRPr lang="en-US" altLang="zh-CN">
+                        <a:solidFill>
+                          <a:srgbClr val="404040"/>
+                        </a:solidFill>
+                      </a:endParaRPr>
+                    </a:p>
+                  </a:txBody>
+                  <a:tcPr anchor="ctr" anchorCtr="0">
+                    <a:lnL w="6350">
+                      <a:solidFill>
+                        <a:srgbClr val="D9D9D9"/>
+                      </a:solidFill>
+                      <a:prstDash val="solid"/>
+                    </a:lnL>
+                    <a:lnR w="6350">
+                      <a:solidFill>
+                        <a:srgbClr val="D9D9D9"/>
+                      </a:solidFill>
+                      <a:prstDash val="solid"/>
+                    </a:lnR>
+                    <a:lnT>
+                      <a:noFill/>
+                    </a:lnT>
+                    <a:lnB w="19050">
+                      <a:solidFill>
+                        <a:srgbClr val="595959"/>
+                      </a:solidFill>
+                      <a:prstDash val="solid"/>
+                    </a:lnB>
+                    <a:solidFill>
+                      <a:srgbClr val="FFFFFF"/>
+                    </a:solidFill>
+                  </a:tcPr>
+                </a:tc>
+                <a:tc>
+                  <a:txBody>
+                    <a:bodyPr/>
+                    <a:p>
+                      <a:pPr algn="ctr">
+                        <a:buClrTx/>
+                        <a:buSzTx/>
+                        <a:buFontTx/>
+                        <a:buNone/>
+                      </a:pPr>
+                      <a:r>
+                        <a:rPr lang="en-US" altLang="zh-CN">
+                          <a:solidFill>
+                            <a:srgbClr val="404040"/>
+                          </a:solidFill>
+                        </a:rPr>
+                        <a:t>2</a:t>
+                      </a:r>
+                      <a:endParaRPr lang="en-US" altLang="zh-CN">
+                        <a:solidFill>
+                          <a:srgbClr val="404040"/>
+                        </a:solidFill>
+                      </a:endParaRPr>
+                    </a:p>
+                  </a:txBody>
+                  <a:tcPr anchor="ctr" anchorCtr="0">
+                    <a:lnL w="6350">
+                      <a:solidFill>
+                        <a:srgbClr val="D9D9D9"/>
+                      </a:solidFill>
+                      <a:prstDash val="solid"/>
+                    </a:lnL>
+                    <a:lnR w="6350">
+                      <a:solidFill>
+                        <a:srgbClr val="D9D9D9"/>
+                      </a:solidFill>
+                      <a:prstDash val="solid"/>
+                    </a:lnR>
+                    <a:lnT>
+                      <a:noFill/>
+                    </a:lnT>
+                    <a:lnB w="19050">
+                      <a:solidFill>
+                        <a:srgbClr val="595959"/>
+                      </a:solidFill>
+                      <a:prstDash val="solid"/>
+                    </a:lnB>
+                    <a:solidFill>
+                      <a:srgbClr val="FFFFFF"/>
+                    </a:solidFill>
+                  </a:tcPr>
+                </a:tc>
+                <a:tc>
+                  <a:txBody>
+                    <a:bodyPr/>
+                    <a:p>
+                      <a:pPr algn="ctr">
+                        <a:buClrTx/>
+                        <a:buSzTx/>
+                        <a:buFontTx/>
+                        <a:buNone/>
+                      </a:pPr>
+                      <a:r>
+                        <a:rPr lang="en-US" altLang="zh-CN" b="1">
+                          <a:solidFill>
+                            <a:schemeClr val="accent4">
+                              <a:lumMod val="50000"/>
+                            </a:schemeClr>
+                          </a:solidFill>
+                        </a:rPr>
+                        <a:t>6</a:t>
+                      </a:r>
+                      <a:endParaRPr lang="en-US" altLang="zh-CN" b="1">
+                        <a:solidFill>
+                          <a:schemeClr val="accent4">
+                            <a:lumMod val="50000"/>
+                          </a:schemeClr>
+                        </a:solidFill>
+                      </a:endParaRPr>
+                    </a:p>
+                  </a:txBody>
+                  <a:tcPr anchor="ctr" anchorCtr="0">
+                    <a:lnL w="6350">
+                      <a:solidFill>
+                        <a:srgbClr val="D9D9D9"/>
+                      </a:solidFill>
+                      <a:prstDash val="solid"/>
+                    </a:lnL>
+                    <a:lnR w="6350">
+                      <a:solidFill>
+                        <a:srgbClr val="D9D9D9"/>
+                      </a:solidFill>
+                      <a:prstDash val="solid"/>
+                    </a:lnR>
+                    <a:lnT>
+                      <a:noFill/>
+                    </a:lnT>
+                    <a:lnB w="19050">
+                      <a:solidFill>
+                        <a:srgbClr val="595959"/>
+                      </a:solidFill>
+                      <a:prstDash val="solid"/>
+                    </a:lnB>
+                    <a:solidFill>
+                      <a:schemeClr val="accent4">
+                        <a:lumMod val="60000"/>
+                        <a:lumOff val="40000"/>
+                      </a:schemeClr>
+                    </a:solidFill>
+                  </a:tcPr>
+                </a:tc>
+                <a:tc>
+                  <a:txBody>
+                    <a:bodyPr/>
+                    <a:p>
+                      <a:pPr algn="ctr">
+                        <a:buClrTx/>
+                        <a:buSzTx/>
+                        <a:buFontTx/>
+                        <a:buNone/>
+                      </a:pPr>
+                      <a:r>
+                        <a:rPr lang="en-US" altLang="zh-CN">
+                          <a:solidFill>
+                            <a:srgbClr val="404040"/>
+                          </a:solidFill>
+                        </a:rPr>
+                        <a:t>2</a:t>
+                      </a:r>
+                      <a:endParaRPr lang="en-US" altLang="zh-CN">
+                        <a:solidFill>
+                          <a:srgbClr val="404040"/>
+                        </a:solidFill>
+                      </a:endParaRPr>
+                    </a:p>
+                  </a:txBody>
+                  <a:tcPr anchor="ctr" anchorCtr="0">
+                    <a:lnL w="6350">
+                      <a:solidFill>
+                        <a:srgbClr val="D9D9D9"/>
+                      </a:solidFill>
+                      <a:prstDash val="solid"/>
+                    </a:lnL>
+                    <a:lnR w="6350">
+                      <a:solidFill>
+                        <a:srgbClr val="D9D9D9"/>
+                      </a:solidFill>
+                      <a:prstDash val="solid"/>
+                    </a:lnR>
+                    <a:lnT>
+                      <a:noFill/>
+                    </a:lnT>
+                    <a:lnB w="19050">
+                      <a:solidFill>
+                        <a:srgbClr val="595959"/>
+                      </a:solidFill>
+                      <a:prstDash val="solid"/>
+                    </a:lnB>
+                    <a:solidFill>
+                      <a:srgbClr val="FFFFFF"/>
+                    </a:solidFill>
+                  </a:tcPr>
+                </a:tc>
+                <a:tc>
+                  <a:txBody>
+                    <a:bodyPr/>
+                    <a:p>
+                      <a:pPr algn="ctr">
+                        <a:buClrTx/>
+                        <a:buSzTx/>
+                        <a:buFontTx/>
+                        <a:buNone/>
+                      </a:pPr>
+                      <a:r>
+                        <a:rPr lang="en-US" altLang="zh-CN">
+                          <a:solidFill>
+                            <a:srgbClr val="404040"/>
+                          </a:solidFill>
+                        </a:rPr>
+                        <a:t>0</a:t>
+                      </a:r>
+                      <a:endParaRPr lang="en-US" altLang="zh-CN">
+                        <a:solidFill>
+                          <a:srgbClr val="404040"/>
+                        </a:solidFill>
+                      </a:endParaRPr>
+                    </a:p>
+                  </a:txBody>
+                  <a:tcPr anchor="ctr" anchorCtr="0">
+                    <a:lnL w="6350">
+                      <a:solidFill>
+                        <a:srgbClr val="D9D9D9"/>
+                      </a:solidFill>
+                      <a:prstDash val="solid"/>
+                    </a:lnL>
+                    <a:lnR w="6350">
+                      <a:solidFill>
+                        <a:srgbClr val="D9D9D9"/>
+                      </a:solidFill>
+                      <a:prstDash val="solid"/>
+                    </a:lnR>
+                    <a:lnT>
+                      <a:noFill/>
+                    </a:lnT>
+                    <a:lnB w="19050">
+                      <a:solidFill>
+                        <a:srgbClr val="595959"/>
+                      </a:solidFill>
+                      <a:prstDash val="solid"/>
+                    </a:lnB>
+                    <a:solidFill>
+                      <a:srgbClr val="FFFFFF"/>
+                    </a:solidFill>
+                  </a:tcPr>
+                </a:tc>
+                <a:tc>
+                  <a:txBody>
+                    <a:bodyPr/>
+                    <a:p>
+                      <a:pPr algn="ctr">
+                        <a:buClrTx/>
+                        <a:buSzTx/>
+                        <a:buFontTx/>
+                        <a:buNone/>
+                      </a:pPr>
+                      <a:r>
+                        <a:rPr lang="en-US" altLang="zh-CN">
+                          <a:solidFill>
+                            <a:srgbClr val="404040"/>
+                          </a:solidFill>
+                        </a:rPr>
+                        <a:t>2</a:t>
+                      </a:r>
+                      <a:endParaRPr lang="en-US" altLang="zh-CN">
+                        <a:solidFill>
+                          <a:srgbClr val="404040"/>
+                        </a:solidFill>
+                      </a:endParaRPr>
+                    </a:p>
+                  </a:txBody>
+                  <a:tcPr anchor="ctr" anchorCtr="0">
+                    <a:lnL w="6350">
+                      <a:solidFill>
+                        <a:srgbClr val="D9D9D9"/>
+                      </a:solidFill>
+                      <a:prstDash val="solid"/>
+                    </a:lnL>
+                    <a:lnR>
+                      <a:noFill/>
+                    </a:lnR>
+                    <a:lnT>
+                      <a:noFill/>
+                    </a:lnT>
+                    <a:lnB w="19050">
+                      <a:solidFill>
+                        <a:srgbClr val="595959"/>
+                      </a:solidFill>
+                      <a:prstDash val="solid"/>
+                    </a:lnB>
+                    <a:solidFill>
+                      <a:srgbClr val="FFFFFF"/>
+                    </a:solidFill>
+                  </a:tcPr>
+                </a:tc>
+              </a:tr>
+            </a:tbl>
+          </a:graphicData>
+        </a:graphic>
+      </p:graphicFrame>
+    </p:spTree>
+    <p:custDataLst>
+      <p:tags r:id="rId3"/>
     </p:custDataLst>
   </p:cSld>
   <p:clrMapOvr>
@@ -11737,7 +19897,69 @@
 
 <file path=ppt/tags/tag71.xml><?xml version="1.0" encoding="utf-8"?>
 <p:tagLst xmlns:p="http://schemas.openxmlformats.org/presentationml/2006/main">
-  <p:tag name="COMMONDATA" val="eyJoZGlkIjoiMGNiYmI5YWVjOTk5ZjZhOWZjNGUxNjlhNTAzYmI0NWQifQ=="/>
+  <p:tag name="KSO_WM_UNIT_TABLE_BEAUTIFY" val="smartTable{60307dd3-eb32-4c05-a845-abce73366c29}"/>
+  <p:tag name="TABLE_SKINIDX" val="3"/>
+  <p:tag name="TABLE_COLORIDX" val="10"/>
+  <p:tag name="TABLE_COLOR_RGB" val="0x000000*0xFFFFFF*0x212121*0xFFFFFF*0xe74c3c*0xf89406*0xf7b619*0xc0ca33*0x7cb342*0x009688"/>
+  <p:tag name="TABLE_EMPHASIZE_COLOR" val="15158332"/>
+  <p:tag name="TABLE_ENDDRAG_ORIGIN_RECT" val="872*109"/>
+  <p:tag name="TABLE_ENDDRAG_RECT" val="52*223*872*109"/>
+</p:tagLst>
+</file>
+
+<file path=ppt/tags/tag72.xml><?xml version="1.0" encoding="utf-8"?>
+<p:tagLst xmlns:p="http://schemas.openxmlformats.org/presentationml/2006/main">
+  <p:tag name="KSO_WM_UNIT_TABLE_BEAUTIFY" val="smartTable{51937603-e5a5-4bab-bf1c-5778d793e235}"/>
+  <p:tag name="TABLE_SKINIDX" val="3"/>
+  <p:tag name="TABLE_COLORIDX" val="2"/>
+  <p:tag name="TABLE_COLOR_RGB" val="0x000000*0xFFFFFF*0x212121*0xFFFFFF*0x03A9F5*0x00BCD5*0x009788*0x4CB050*0x8CC34B*0xCDDC39"/>
+  <p:tag name="TABLE_ENDDRAG_ORIGIN_RECT" val="788*96"/>
+  <p:tag name="TABLE_ENDDRAG_RECT" val="27*173*788*96"/>
+  <p:tag name="TABLE_EMPHASIZE_COLOR" val="240117"/>
+</p:tagLst>
+</file>
+
+<file path=ppt/tags/tag73.xml><?xml version="1.0" encoding="utf-8"?>
+<p:tagLst xmlns:p="http://schemas.openxmlformats.org/presentationml/2006/main">
+  <p:tag name="KSO_WM_BEAUTIFY_FLAG" val="#wm#"/>
+  <p:tag name="KSO_WM_TEMPLATE_CATEGORY" val="custom"/>
+  <p:tag name="KSO_WM_TEMPLATE_INDEX" val="20205081"/>
+</p:tagLst>
+</file>
+
+<file path=ppt/tags/tag74.xml><?xml version="1.0" encoding="utf-8"?>
+<p:tagLst xmlns:p="http://schemas.openxmlformats.org/presentationml/2006/main">
+  <p:tag name="KSO_WM_BEAUTIFY_FLAG" val=""/>
+</p:tagLst>
+</file>
+
+<file path=ppt/tags/tag75.xml><?xml version="1.0" encoding="utf-8"?>
+<p:tagLst xmlns:p="http://schemas.openxmlformats.org/presentationml/2006/main">
+  <p:tag name="KSO_WM_BEAUTIFY_FLAG" val=""/>
+</p:tagLst>
+</file>
+
+<file path=ppt/tags/tag76.xml><?xml version="1.0" encoding="utf-8"?>
+<p:tagLst xmlns:p="http://schemas.openxmlformats.org/presentationml/2006/main">
+  <p:tag name="KSO_WM_BEAUTIFY_FLAG" val=""/>
+</p:tagLst>
+</file>
+
+<file path=ppt/tags/tag77.xml><?xml version="1.0" encoding="utf-8"?>
+<p:tagLst xmlns:p="http://schemas.openxmlformats.org/presentationml/2006/main">
+  <p:tag name="KSO_WM_BEAUTIFY_FLAG" val=""/>
+</p:tagLst>
+</file>
+
+<file path=ppt/tags/tag78.xml><?xml version="1.0" encoding="utf-8"?>
+<p:tagLst xmlns:p="http://schemas.openxmlformats.org/presentationml/2006/main">
+  <p:tag name="KSO_WM_BEAUTIFY_FLAG" val=""/>
+</p:tagLst>
+</file>
+
+<file path=ppt/tags/tag79.xml><?xml version="1.0" encoding="utf-8"?>
+<p:tagLst xmlns:p="http://schemas.openxmlformats.org/presentationml/2006/main">
+  <p:tag name="KSO_WM_BEAUTIFY_FLAG" val=""/>
 </p:tagLst>
 </file>
 
@@ -11754,6 +19976,68 @@
 </p:tagLst>
 </file>
 
+<file path=ppt/tags/tag80.xml><?xml version="1.0" encoding="utf-8"?>
+<p:tagLst xmlns:p="http://schemas.openxmlformats.org/presentationml/2006/main">
+  <p:tag name="KSO_WM_BEAUTIFY_FLAG" val=""/>
+</p:tagLst>
+</file>
+
+<file path=ppt/tags/tag81.xml><?xml version="1.0" encoding="utf-8"?>
+<p:tagLst xmlns:p="http://schemas.openxmlformats.org/presentationml/2006/main">
+  <p:tag name="KSO_WM_BEAUTIFY_FLAG" val=""/>
+</p:tagLst>
+</file>
+
+<file path=ppt/tags/tag82.xml><?xml version="1.0" encoding="utf-8"?>
+<p:tagLst xmlns:p="http://schemas.openxmlformats.org/presentationml/2006/main">
+  <p:tag name="KSO_WM_BEAUTIFY_FLAG" val=""/>
+</p:tagLst>
+</file>
+
+<file path=ppt/tags/tag83.xml><?xml version="1.0" encoding="utf-8"?>
+<p:tagLst xmlns:p="http://schemas.openxmlformats.org/presentationml/2006/main">
+  <p:tag name="KSO_WM_BEAUTIFY_FLAG" val=""/>
+</p:tagLst>
+</file>
+
+<file path=ppt/tags/tag84.xml><?xml version="1.0" encoding="utf-8"?>
+<p:tagLst xmlns:p="http://schemas.openxmlformats.org/presentationml/2006/main">
+  <p:tag name="KSO_WM_BEAUTIFY_FLAG" val=""/>
+</p:tagLst>
+</file>
+
+<file path=ppt/tags/tag85.xml><?xml version="1.0" encoding="utf-8"?>
+<p:tagLst xmlns:p="http://schemas.openxmlformats.org/presentationml/2006/main">
+  <p:tag name="KSO_WM_BEAUTIFY_FLAG" val=""/>
+</p:tagLst>
+</file>
+
+<file path=ppt/tags/tag86.xml><?xml version="1.0" encoding="utf-8"?>
+<p:tagLst xmlns:p="http://schemas.openxmlformats.org/presentationml/2006/main">
+  <p:tag name="KSO_WM_BEAUTIFY_FLAG" val=""/>
+</p:tagLst>
+</file>
+
+<file path=ppt/tags/tag87.xml><?xml version="1.0" encoding="utf-8"?>
+<p:tagLst xmlns:p="http://schemas.openxmlformats.org/presentationml/2006/main">
+  <p:tag name="KSO_WM_BEAUTIFY_FLAG" val=""/>
+</p:tagLst>
+</file>
+
+<file path=ppt/tags/tag88.xml><?xml version="1.0" encoding="utf-8"?>
+<p:tagLst xmlns:p="http://schemas.openxmlformats.org/presentationml/2006/main">
+  <p:tag name="KSO_WM_BEAUTIFY_FLAG" val=""/>
+</p:tagLst>
+</file>
+
+<file path=ppt/tags/tag89.xml><?xml version="1.0" encoding="utf-8"?>
+<p:tagLst xmlns:p="http://schemas.openxmlformats.org/presentationml/2006/main">
+  <p:tag name="KSO_WM_BEAUTIFY_FLAG" val="#wm#"/>
+  <p:tag name="KSO_WM_TEMPLATE_CATEGORY" val="custom"/>
+  <p:tag name="KSO_WM_TEMPLATE_INDEX" val="20205081"/>
+</p:tagLst>
+</file>
+
 <file path=ppt/tags/tag9.xml><?xml version="1.0" encoding="utf-8"?>
 <p:tagLst xmlns:p="http://schemas.openxmlformats.org/presentationml/2006/main">
   <p:tag name="KSO_WM_UNIT_HIGHLIGHT" val="0"/>
@@ -11764,6 +20048,63 @@
   <p:tag name="KSO_WM_UNIT_LAYERLEVEL" val="1"/>
   <p:tag name="KSO_WM_TAG_VERSION" val="1.0"/>
   <p:tag name="KSO_WM_BEAUTIFY_FLAG" val="#wm#"/>
+</p:tagLst>
+</file>
+
+<file path=ppt/tags/tag90.xml><?xml version="1.0" encoding="utf-8"?>
+<p:tagLst xmlns:p="http://schemas.openxmlformats.org/presentationml/2006/main">
+  <p:tag name="KSO_WM_UNIT_TABLE_BEAUTIFY" val="smartTable{91beacb2-6381-4f54-af3a-81def693d1cd}"/>
+  <p:tag name="TABLE_EMPHASIZE_COLOR" val="15158332"/>
+  <p:tag name="TABLE_SKINIDX" val="3"/>
+  <p:tag name="TABLE_COLORIDX" val="10"/>
+  <p:tag name="TABLE_COLOR_RGB" val="0x000000*0xFFFFFF*0x212121*0xFFFFFF*0xe74c3c*0xf89406*0xf7b619*0xc0ca33*0x7cb342*0x009688"/>
+  <p:tag name="KSO_WM_BEAUTIFY_FLAG" val=""/>
+</p:tagLst>
+</file>
+
+<file path=ppt/tags/tag91.xml><?xml version="1.0" encoding="utf-8"?>
+<p:tagLst xmlns:p="http://schemas.openxmlformats.org/presentationml/2006/main">
+  <p:tag name="KSO_WM_BEAUTIFY_FLAG" val="#wm#"/>
+  <p:tag name="KSO_WM_TEMPLATE_CATEGORY" val="custom"/>
+  <p:tag name="KSO_WM_TEMPLATE_INDEX" val="20205081"/>
+</p:tagLst>
+</file>
+
+<file path=ppt/tags/tag92.xml><?xml version="1.0" encoding="utf-8"?>
+<p:tagLst xmlns:p="http://schemas.openxmlformats.org/presentationml/2006/main">
+  <p:tag name="KSO_WM_UNIT_TABLE_BEAUTIFY" val="smartTable{60307dd3-eb32-4c05-a845-abce73366c29}"/>
+  <p:tag name="TABLE_SKINIDX" val="3"/>
+  <p:tag name="TABLE_COLORIDX" val="10"/>
+  <p:tag name="TABLE_COLOR_RGB" val="0x000000*0xFFFFFF*0x212121*0xFFFFFF*0xe74c3c*0xf89406*0xf7b619*0xc0ca33*0x7cb342*0x009688"/>
+  <p:tag name="TABLE_EMPHASIZE_COLOR" val="15158332"/>
+  <p:tag name="TABLE_ENDDRAG_ORIGIN_RECT" val="872*109"/>
+  <p:tag name="TABLE_ENDDRAG_RECT" val="52*223*872*109"/>
+</p:tagLst>
+</file>
+
+<file path=ppt/tags/tag93.xml><?xml version="1.0" encoding="utf-8"?>
+<p:tagLst xmlns:p="http://schemas.openxmlformats.org/presentationml/2006/main">
+  <p:tag name="KSO_WM_UNIT_TABLE_BEAUTIFY" val="smartTable{51937603-e5a5-4bab-bf1c-5778d793e235}"/>
+  <p:tag name="TABLE_SKINIDX" val="3"/>
+  <p:tag name="TABLE_COLORIDX" val="2"/>
+  <p:tag name="TABLE_COLOR_RGB" val="0x000000*0xFFFFFF*0x212121*0xFFFFFF*0x03A9F5*0x00BCD5*0x009788*0x4CB050*0x8CC34B*0xCDDC39"/>
+  <p:tag name="TABLE_ENDDRAG_ORIGIN_RECT" val="788*96"/>
+  <p:tag name="TABLE_ENDDRAG_RECT" val="27*173*788*96"/>
+  <p:tag name="TABLE_EMPHASIZE_COLOR" val="240117"/>
+</p:tagLst>
+</file>
+
+<file path=ppt/tags/tag94.xml><?xml version="1.0" encoding="utf-8"?>
+<p:tagLst xmlns:p="http://schemas.openxmlformats.org/presentationml/2006/main">
+  <p:tag name="KSO_WM_BEAUTIFY_FLAG" val="#wm#"/>
+  <p:tag name="KSO_WM_TEMPLATE_CATEGORY" val="custom"/>
+  <p:tag name="KSO_WM_TEMPLATE_INDEX" val="20205081"/>
+</p:tagLst>
+</file>
+
+<file path=ppt/tags/tag95.xml><?xml version="1.0" encoding="utf-8"?>
+<p:tagLst xmlns:p="http://schemas.openxmlformats.org/presentationml/2006/main">
+  <p:tag name="COMMONDATA" val="eyJoZGlkIjoiMGNiYmI5YWVjOTk5ZjZhOWZjNGUxNjlhNTAzYmI0NWQifQ=="/>
 </p:tagLst>
 </file>
 

--- a/第六章 图/6.4 图的应用/相关表格和图.pptx
+++ b/第六章 图/6.4 图的应用/相关表格和图.pptx
@@ -13,11 +13,13 @@
     <p:sldId id="262" r:id="rId8"/>
     <p:sldId id="263" r:id="rId9"/>
     <p:sldId id="265" r:id="rId10"/>
+    <p:sldId id="266" r:id="rId11"/>
+    <p:sldId id="267" r:id="rId12"/>
   </p:sldIdLst>
   <p:sldSz cx="12192000" cy="6858000"/>
   <p:notesSz cx="6858000" cy="9144000"/>
   <p:custDataLst>
-    <p:tags r:id="rId14"/>
+    <p:tags r:id="rId16"/>
   </p:custDataLst>
   <p:defaultTextStyle>
     <a:defPPr>
@@ -5737,6 +5739,80 @@
 </p:sld>
 </file>
 
+<file path=ppt/slides/slide10.xml><?xml version="1.0" encoding="utf-8"?>
+<p:sld xmlns:a="http://schemas.openxmlformats.org/drawingml/2006/main" xmlns:r="http://schemas.openxmlformats.org/officeDocument/2006/relationships" xmlns:p="http://schemas.openxmlformats.org/presentationml/2006/main">
+  <p:cSld>
+    <p:spTree>
+      <p:nvGrpSpPr>
+        <p:cNvPr id="1" name=""/>
+        <p:cNvGrpSpPr/>
+        <p:nvPr/>
+      </p:nvGrpSpPr>
+      <p:grpSpPr/>
+      <p:graphicFrame>
+        <p:nvGraphicFramePr>
+          <p:cNvPr id="4" name="对象 3">
+            <a:hlinkClick r:id="" action="ppaction://ole?verb="/>
+          </p:cNvPr>
+          <p:cNvGraphicFramePr>
+            <a:graphicFrameLocks noChangeAspect="1"/>
+          </p:cNvGraphicFramePr>
+          <p:nvPr/>
+        </p:nvGraphicFramePr>
+        <p:xfrm>
+          <a:off x="2566670" y="1127125"/>
+          <a:ext cx="3126105" cy="2448560"/>
+        </p:xfrm>
+        <a:graphic>
+          <a:graphicData uri="http://schemas.openxmlformats.org/presentationml/2006/ole">
+            <mc:AlternateContent xmlns:mc="http://schemas.openxmlformats.org/markup-compatibility/2006">
+              <mc:Choice xmlns:v="urn:schemas-microsoft-com:vml" Requires="v">
+                <p:oleObj spid="_x0000_s1025" name="" r:id="rId1" imgW="1816100" imgH="1422400" progId="Equation.KSEE3">
+                  <p:embed/>
+                </p:oleObj>
+              </mc:Choice>
+              <mc:Fallback>
+                <p:oleObj name="" r:id="rId1" imgW="1816100" imgH="1422400" progId="Equation.KSEE3">
+                  <p:embed/>
+                  <p:pic>
+                    <p:nvPicPr>
+                      <p:cNvPr id="0" name="图片 1024"/>
+                      <p:cNvPicPr/>
+                      <p:nvPr/>
+                    </p:nvPicPr>
+                    <p:blipFill>
+                      <a:blip r:embed="rId2"/>
+                      <a:stretch>
+                        <a:fillRect/>
+                      </a:stretch>
+                    </p:blipFill>
+                    <p:spPr>
+                      <a:xfrm>
+                        <a:off x="2566670" y="1127125"/>
+                        <a:ext cx="3126105" cy="2448560"/>
+                      </a:xfrm>
+                      <a:prstGeom prst="rect">
+                        <a:avLst/>
+                      </a:prstGeom>
+                    </p:spPr>
+                  </p:pic>
+                </p:oleObj>
+              </mc:Fallback>
+            </mc:AlternateContent>
+          </a:graphicData>
+        </a:graphic>
+      </p:graphicFrame>
+    </p:spTree>
+    <p:custDataLst>
+      <p:tags r:id="rId3"/>
+    </p:custDataLst>
+  </p:cSld>
+  <p:clrMapOvr>
+    <a:masterClrMapping/>
+  </p:clrMapOvr>
+</p:sld>
+</file>
+
 <file path=ppt/slides/slide2.xml><?xml version="1.0" encoding="utf-8"?>
 <p:sld xmlns:a="http://schemas.openxmlformats.org/drawingml/2006/main" xmlns:r="http://schemas.openxmlformats.org/officeDocument/2006/relationships" xmlns:p="http://schemas.openxmlformats.org/presentationml/2006/main">
   <p:cSld>
@@ -16891,7 +16967,7 @@
         </p:nvGraphicFramePr>
         <p:xfrm>
           <a:off x="348615" y="2197735"/>
-          <a:ext cx="10766425" cy="1483360"/>
+          <a:ext cx="10766576" cy="1483360"/>
         </p:xfrm>
         <a:graphic>
           <a:graphicData uri="http://schemas.openxmlformats.org/drawingml/2006/table">
@@ -19013,6 +19089,98 @@
     </p:spTree>
     <p:custDataLst>
       <p:tags r:id="rId3"/>
+    </p:custDataLst>
+  </p:cSld>
+  <p:clrMapOvr>
+    <a:masterClrMapping/>
+  </p:clrMapOvr>
+</p:sld>
+</file>
+
+<file path=ppt/slides/slide9.xml><?xml version="1.0" encoding="utf-8"?>
+<p:sld xmlns:a="http://schemas.openxmlformats.org/drawingml/2006/main" xmlns:r="http://schemas.openxmlformats.org/officeDocument/2006/relationships" xmlns:p="http://schemas.openxmlformats.org/presentationml/2006/main">
+  <p:cSld>
+    <p:spTree>
+      <p:nvGrpSpPr>
+        <p:cNvPr id="1" name=""/>
+        <p:cNvGrpSpPr/>
+        <p:nvPr/>
+      </p:nvGrpSpPr>
+      <p:grpSpPr/>
+      <p:grpSp>
+        <p:nvGrpSpPr>
+          <p:cNvPr id="6" name="组合 5"/>
+          <p:cNvGrpSpPr/>
+          <p:nvPr/>
+        </p:nvGrpSpPr>
+        <p:grpSpPr>
+          <a:xfrm>
+            <a:off x="2089150" y="1298575"/>
+            <a:ext cx="7970520" cy="1552575"/>
+            <a:chOff x="3290" y="2045"/>
+            <a:chExt cx="12552" cy="2445"/>
+          </a:xfrm>
+        </p:grpSpPr>
+        <p:pic>
+          <p:nvPicPr>
+            <p:cNvPr id="4" name="图片 3"/>
+            <p:cNvPicPr>
+              <a:picLocks noChangeAspect="1"/>
+            </p:cNvPicPr>
+            <p:nvPr>
+              <p:custDataLst>
+                <p:tags r:id="rId1"/>
+              </p:custDataLst>
+            </p:nvPr>
+          </p:nvPicPr>
+          <p:blipFill>
+            <a:blip r:embed="rId2"/>
+            <a:stretch>
+              <a:fillRect/>
+            </a:stretch>
+          </p:blipFill>
+          <p:spPr>
+            <a:xfrm>
+              <a:off x="3357" y="2045"/>
+              <a:ext cx="12485" cy="1005"/>
+            </a:xfrm>
+            <a:prstGeom prst="rect">
+              <a:avLst/>
+            </a:prstGeom>
+          </p:spPr>
+        </p:pic>
+        <p:pic>
+          <p:nvPicPr>
+            <p:cNvPr id="5" name="图片 4"/>
+            <p:cNvPicPr>
+              <a:picLocks noChangeAspect="1"/>
+            </p:cNvPicPr>
+            <p:nvPr>
+              <p:custDataLst>
+                <p:tags r:id="rId3"/>
+              </p:custDataLst>
+            </p:nvPr>
+          </p:nvPicPr>
+          <p:blipFill>
+            <a:blip r:embed="rId4"/>
+            <a:stretch>
+              <a:fillRect/>
+            </a:stretch>
+          </p:blipFill>
+          <p:spPr>
+            <a:xfrm>
+              <a:off x="3290" y="3050"/>
+              <a:ext cx="12552" cy="1440"/>
+            </a:xfrm>
+            <a:prstGeom prst="rect">
+              <a:avLst/>
+            </a:prstGeom>
+          </p:spPr>
+        </p:pic>
+      </p:grpSp>
+    </p:spTree>
+    <p:custDataLst>
+      <p:tags r:id="rId5"/>
     </p:custDataLst>
   </p:cSld>
   <p:clrMapOvr>
@@ -20104,6 +20272,34 @@
 
 <file path=ppt/tags/tag95.xml><?xml version="1.0" encoding="utf-8"?>
 <p:tagLst xmlns:p="http://schemas.openxmlformats.org/presentationml/2006/main">
+  <p:tag name="KSO_WM_BEAUTIFY_FLAG" val=""/>
+</p:tagLst>
+</file>
+
+<file path=ppt/tags/tag96.xml><?xml version="1.0" encoding="utf-8"?>
+<p:tagLst xmlns:p="http://schemas.openxmlformats.org/presentationml/2006/main">
+  <p:tag name="KSO_WM_BEAUTIFY_FLAG" val=""/>
+</p:tagLst>
+</file>
+
+<file path=ppt/tags/tag97.xml><?xml version="1.0" encoding="utf-8"?>
+<p:tagLst xmlns:p="http://schemas.openxmlformats.org/presentationml/2006/main">
+  <p:tag name="KSO_WM_BEAUTIFY_FLAG" val="#wm#"/>
+  <p:tag name="KSO_WM_TEMPLATE_CATEGORY" val="custom"/>
+  <p:tag name="KSO_WM_TEMPLATE_INDEX" val="20205081"/>
+</p:tagLst>
+</file>
+
+<file path=ppt/tags/tag98.xml><?xml version="1.0" encoding="utf-8"?>
+<p:tagLst xmlns:p="http://schemas.openxmlformats.org/presentationml/2006/main">
+  <p:tag name="KSO_WM_BEAUTIFY_FLAG" val="#wm#"/>
+  <p:tag name="KSO_WM_TEMPLATE_CATEGORY" val="custom"/>
+  <p:tag name="KSO_WM_TEMPLATE_INDEX" val="20205081"/>
+</p:tagLst>
+</file>
+
+<file path=ppt/tags/tag99.xml><?xml version="1.0" encoding="utf-8"?>
+<p:tagLst xmlns:p="http://schemas.openxmlformats.org/presentationml/2006/main">
   <p:tag name="COMMONDATA" val="eyJoZGlkIjoiMGNiYmI5YWVjOTk5ZjZhOWZjNGUxNjlhNTAzYmI0NWQifQ=="/>
 </p:tagLst>
 </file>

--- a/第六章 图/6.4 图的应用/相关表格和图.pptx
+++ b/第六章 图/6.4 图的应用/相关表格和图.pptx
@@ -4,6 +4,9 @@
   <p:sldMasterIdLst>
     <p:sldMasterId id="2147483648" r:id="rId1"/>
   </p:sldMasterIdLst>
+  <p:notesMasterIdLst>
+    <p:notesMasterId r:id="rId20"/>
+  </p:notesMasterIdLst>
   <p:sldIdLst>
     <p:sldId id="256" r:id="rId3"/>
     <p:sldId id="257" r:id="rId4"/>
@@ -21,11 +24,13 @@
     <p:sldId id="271" r:id="rId16"/>
     <p:sldId id="272" r:id="rId17"/>
     <p:sldId id="273" r:id="rId18"/>
+    <p:sldId id="274" r:id="rId19"/>
+    <p:sldId id="275" r:id="rId21"/>
   </p:sldIdLst>
   <p:sldSz cx="12192000" cy="6858000"/>
   <p:notesSz cx="6858000" cy="9144000"/>
   <p:custDataLst>
-    <p:tags r:id="rId22"/>
+    <p:tags r:id="rId25"/>
   </p:custDataLst>
   <p:defaultTextStyle>
     <a:defPPr>
@@ -125,12 +130,12 @@
   <p:extLst>
     <p:ext uri="{EFAFB233-063F-42B5-8137-9DF3F51BA10A}">
       <p15:sldGuideLst xmlns:p15="http://schemas.microsoft.com/office/powerpoint/2012/main">
-        <p15:guide id="1" orient="horz" pos="2150" userDrawn="1">
+        <p15:guide id="1" orient="horz" pos="2160" userDrawn="1">
           <p15:clr>
             <a:srgbClr val="A4A3A4"/>
           </p15:clr>
         </p15:guide>
-        <p15:guide id="2" pos="3826" userDrawn="1">
+        <p15:guide id="2" pos="3836" userDrawn="1">
           <p15:clr>
             <a:srgbClr val="A4A3A4"/>
           </p15:clr>
@@ -139,6 +144,397 @@
     </p:ext>
   </p:extLst>
 </p:presentation>
+</file>
+
+<file path=ppt/notesMasters/notesMaster1.xml><?xml version="1.0" encoding="utf-8"?>
+<p:notesMaster xmlns:a="http://schemas.openxmlformats.org/drawingml/2006/main" xmlns:r="http://schemas.openxmlformats.org/officeDocument/2006/relationships" xmlns:p="http://schemas.openxmlformats.org/presentationml/2006/main">
+  <p:cSld>
+    <p:bg>
+      <p:bgRef idx="1001">
+        <a:schemeClr val="bg1"/>
+      </p:bgRef>
+    </p:bg>
+    <p:spTree>
+      <p:nvGrpSpPr>
+        <p:cNvPr id="1" name=""/>
+        <p:cNvGrpSpPr/>
+        <p:nvPr/>
+      </p:nvGrpSpPr>
+      <p:grpSpPr>
+        <a:xfrm>
+          <a:off x="0" y="0"/>
+          <a:ext cx="0" cy="0"/>
+          <a:chOff x="0" y="0"/>
+          <a:chExt cx="0" cy="0"/>
+        </a:xfrm>
+      </p:grpSpPr>
+      <p:sp>
+        <p:nvSpPr>
+          <p:cNvPr id="2" name="页眉占位符 1"/>
+          <p:cNvSpPr>
+            <a:spLocks noGrp="1"/>
+          </p:cNvSpPr>
+          <p:nvPr>
+            <p:ph type="hdr" sz="quarter"/>
+          </p:nvPr>
+        </p:nvSpPr>
+        <p:spPr>
+          <a:xfrm>
+            <a:off x="0" y="0"/>
+            <a:ext cx="2971800" cy="458788"/>
+          </a:xfrm>
+          <a:prstGeom prst="rect">
+            <a:avLst/>
+          </a:prstGeom>
+        </p:spPr>
+        <p:txBody>
+          <a:bodyPr vert="horz" lIns="91440" tIns="45720" rIns="91440" bIns="45720" rtlCol="0"/>
+          <a:lstStyle>
+            <a:lvl1pPr algn="l">
+              <a:defRPr sz="1200"/>
+            </a:lvl1pPr>
+          </a:lstStyle>
+          <a:p>
+            <a:endParaRPr lang="zh-CN" altLang="en-US"/>
+          </a:p>
+        </p:txBody>
+      </p:sp>
+      <p:sp>
+        <p:nvSpPr>
+          <p:cNvPr id="3" name="日期占位符 2"/>
+          <p:cNvSpPr>
+            <a:spLocks noGrp="1"/>
+          </p:cNvSpPr>
+          <p:nvPr>
+            <p:ph type="dt" idx="1"/>
+          </p:nvPr>
+        </p:nvSpPr>
+        <p:spPr>
+          <a:xfrm>
+            <a:off x="3884613" y="0"/>
+            <a:ext cx="2971800" cy="458788"/>
+          </a:xfrm>
+          <a:prstGeom prst="rect">
+            <a:avLst/>
+          </a:prstGeom>
+        </p:spPr>
+        <p:txBody>
+          <a:bodyPr vert="horz" lIns="91440" tIns="45720" rIns="91440" bIns="45720" rtlCol="0"/>
+          <a:lstStyle>
+            <a:lvl1pPr algn="r">
+              <a:defRPr sz="1200"/>
+            </a:lvl1pPr>
+          </a:lstStyle>
+          <a:p>
+            <a:fld id="{D2A48B96-639E-45A3-A0BA-2464DFDB1FAA}" type="datetimeFigureOut">
+              <a:rPr lang="zh-CN" altLang="en-US" smtClean="0"/>
+            </a:fld>
+            <a:endParaRPr lang="zh-CN" altLang="en-US"/>
+          </a:p>
+        </p:txBody>
+      </p:sp>
+      <p:sp>
+        <p:nvSpPr>
+          <p:cNvPr id="4" name="幻灯片图像占位符 3"/>
+          <p:cNvSpPr>
+            <a:spLocks noGrp="1" noRot="1" noChangeAspect="1"/>
+          </p:cNvSpPr>
+          <p:nvPr>
+            <p:ph type="sldImg" idx="2"/>
+          </p:nvPr>
+        </p:nvSpPr>
+        <p:spPr>
+          <a:xfrm>
+            <a:off x="685800" y="1143000"/>
+            <a:ext cx="5486400" cy="3086100"/>
+          </a:xfrm>
+          <a:prstGeom prst="rect">
+            <a:avLst/>
+          </a:prstGeom>
+          <a:noFill/>
+          <a:ln w="12700">
+            <a:solidFill>
+              <a:prstClr val="black"/>
+            </a:solidFill>
+          </a:ln>
+        </p:spPr>
+        <p:txBody>
+          <a:bodyPr vert="horz" lIns="91440" tIns="45720" rIns="91440" bIns="45720" rtlCol="0" anchor="ctr"/>
+          <a:lstStyle/>
+          <a:p>
+            <a:endParaRPr lang="zh-CN" altLang="en-US"/>
+          </a:p>
+        </p:txBody>
+      </p:sp>
+      <p:sp>
+        <p:nvSpPr>
+          <p:cNvPr id="5" name="备注占位符 4"/>
+          <p:cNvSpPr>
+            <a:spLocks noGrp="1"/>
+          </p:cNvSpPr>
+          <p:nvPr>
+            <p:ph type="body" sz="quarter" idx="3"/>
+          </p:nvPr>
+        </p:nvSpPr>
+        <p:spPr>
+          <a:xfrm>
+            <a:off x="685800" y="4400550"/>
+            <a:ext cx="5486400" cy="3600450"/>
+          </a:xfrm>
+          <a:prstGeom prst="rect">
+            <a:avLst/>
+          </a:prstGeom>
+        </p:spPr>
+        <p:txBody>
+          <a:bodyPr vert="horz" lIns="91440" tIns="45720" rIns="91440" bIns="45720" rtlCol="0"/>
+          <a:lstStyle/>
+          <a:p>
+            <a:pPr lvl="0"/>
+            <a:r>
+              <a:rPr lang="zh-CN" altLang="en-US" smtClean="0"/>
+              <a:t>单击此处编辑母版文本样式</a:t>
+            </a:r>
+            <a:endParaRPr lang="zh-CN" altLang="en-US" smtClean="0"/>
+          </a:p>
+          <a:p>
+            <a:pPr lvl="1"/>
+            <a:r>
+              <a:rPr lang="zh-CN" altLang="en-US" smtClean="0"/>
+              <a:t>第二级</a:t>
+            </a:r>
+            <a:endParaRPr lang="zh-CN" altLang="en-US" smtClean="0"/>
+          </a:p>
+          <a:p>
+            <a:pPr lvl="2"/>
+            <a:r>
+              <a:rPr lang="zh-CN" altLang="en-US" smtClean="0"/>
+              <a:t>第三级</a:t>
+            </a:r>
+            <a:endParaRPr lang="zh-CN" altLang="en-US" smtClean="0"/>
+          </a:p>
+          <a:p>
+            <a:pPr lvl="3"/>
+            <a:r>
+              <a:rPr lang="zh-CN" altLang="en-US" smtClean="0"/>
+              <a:t>第四级</a:t>
+            </a:r>
+            <a:endParaRPr lang="zh-CN" altLang="en-US" smtClean="0"/>
+          </a:p>
+          <a:p>
+            <a:pPr lvl="4"/>
+            <a:r>
+              <a:rPr lang="zh-CN" altLang="en-US" smtClean="0"/>
+              <a:t>第五级</a:t>
+            </a:r>
+            <a:endParaRPr lang="zh-CN" altLang="en-US"/>
+          </a:p>
+        </p:txBody>
+      </p:sp>
+      <p:sp>
+        <p:nvSpPr>
+          <p:cNvPr id="6" name="页脚占位符 5"/>
+          <p:cNvSpPr>
+            <a:spLocks noGrp="1"/>
+          </p:cNvSpPr>
+          <p:nvPr>
+            <p:ph type="ftr" sz="quarter" idx="4"/>
+          </p:nvPr>
+        </p:nvSpPr>
+        <p:spPr>
+          <a:xfrm>
+            <a:off x="0" y="8685213"/>
+            <a:ext cx="2971800" cy="458787"/>
+          </a:xfrm>
+          <a:prstGeom prst="rect">
+            <a:avLst/>
+          </a:prstGeom>
+        </p:spPr>
+        <p:txBody>
+          <a:bodyPr vert="horz" lIns="91440" tIns="45720" rIns="91440" bIns="45720" rtlCol="0" anchor="b"/>
+          <a:lstStyle>
+            <a:lvl1pPr algn="l">
+              <a:defRPr sz="1200"/>
+            </a:lvl1pPr>
+          </a:lstStyle>
+          <a:p>
+            <a:endParaRPr lang="zh-CN" altLang="en-US"/>
+          </a:p>
+        </p:txBody>
+      </p:sp>
+      <p:sp>
+        <p:nvSpPr>
+          <p:cNvPr id="7" name="灯片编号占位符 6"/>
+          <p:cNvSpPr>
+            <a:spLocks noGrp="1"/>
+          </p:cNvSpPr>
+          <p:nvPr>
+            <p:ph type="sldNum" sz="quarter" idx="5"/>
+          </p:nvPr>
+        </p:nvSpPr>
+        <p:spPr>
+          <a:xfrm>
+            <a:off x="3884613" y="8685213"/>
+            <a:ext cx="2971800" cy="458787"/>
+          </a:xfrm>
+          <a:prstGeom prst="rect">
+            <a:avLst/>
+          </a:prstGeom>
+        </p:spPr>
+        <p:txBody>
+          <a:bodyPr vert="horz" lIns="91440" tIns="45720" rIns="91440" bIns="45720" rtlCol="0" anchor="b"/>
+          <a:lstStyle>
+            <a:lvl1pPr algn="r">
+              <a:defRPr sz="1200"/>
+            </a:lvl1pPr>
+          </a:lstStyle>
+          <a:p>
+            <a:fld id="{A6837353-30EB-4A48-80EB-173D804AEFBD}" type="slidenum">
+              <a:rPr lang="zh-CN" altLang="en-US" smtClean="0"/>
+            </a:fld>
+            <a:endParaRPr lang="zh-CN" altLang="en-US"/>
+          </a:p>
+        </p:txBody>
+      </p:sp>
+    </p:spTree>
+  </p:cSld>
+  <p:clrMap bg1="lt1" tx1="dk1" bg2="lt2" tx2="dk2" accent1="accent1" accent2="accent2" accent3="accent3" accent4="accent4" accent5="accent5" accent6="accent6" hlink="hlink" folHlink="folHlink"/>
+  <p:notesStyle>
+    <a:lvl1pPr marL="0" algn="l" defTabSz="914400" rtl="0" eaLnBrk="1" latinLnBrk="0" hangingPunct="1">
+      <a:defRPr sz="1200" kern="1200">
+        <a:solidFill>
+          <a:schemeClr val="tx1"/>
+        </a:solidFill>
+        <a:latin typeface="+mn-lt"/>
+        <a:ea typeface="+mn-ea"/>
+        <a:cs typeface="+mn-cs"/>
+      </a:defRPr>
+    </a:lvl1pPr>
+    <a:lvl2pPr marL="457200" algn="l" defTabSz="914400" rtl="0" eaLnBrk="1" latinLnBrk="0" hangingPunct="1">
+      <a:defRPr sz="1200" kern="1200">
+        <a:solidFill>
+          <a:schemeClr val="tx1"/>
+        </a:solidFill>
+        <a:latin typeface="+mn-lt"/>
+        <a:ea typeface="+mn-ea"/>
+        <a:cs typeface="+mn-cs"/>
+      </a:defRPr>
+    </a:lvl2pPr>
+    <a:lvl3pPr marL="914400" algn="l" defTabSz="914400" rtl="0" eaLnBrk="1" latinLnBrk="0" hangingPunct="1">
+      <a:defRPr sz="1200" kern="1200">
+        <a:solidFill>
+          <a:schemeClr val="tx1"/>
+        </a:solidFill>
+        <a:latin typeface="+mn-lt"/>
+        <a:ea typeface="+mn-ea"/>
+        <a:cs typeface="+mn-cs"/>
+      </a:defRPr>
+    </a:lvl3pPr>
+    <a:lvl4pPr marL="1371600" algn="l" defTabSz="914400" rtl="0" eaLnBrk="1" latinLnBrk="0" hangingPunct="1">
+      <a:defRPr sz="1200" kern="1200">
+        <a:solidFill>
+          <a:schemeClr val="tx1"/>
+        </a:solidFill>
+        <a:latin typeface="+mn-lt"/>
+        <a:ea typeface="+mn-ea"/>
+        <a:cs typeface="+mn-cs"/>
+      </a:defRPr>
+    </a:lvl4pPr>
+    <a:lvl5pPr marL="1828800" algn="l" defTabSz="914400" rtl="0" eaLnBrk="1" latinLnBrk="0" hangingPunct="1">
+      <a:defRPr sz="1200" kern="1200">
+        <a:solidFill>
+          <a:schemeClr val="tx1"/>
+        </a:solidFill>
+        <a:latin typeface="+mn-lt"/>
+        <a:ea typeface="+mn-ea"/>
+        <a:cs typeface="+mn-cs"/>
+      </a:defRPr>
+    </a:lvl5pPr>
+    <a:lvl6pPr marL="2286000" algn="l" defTabSz="914400" rtl="0" eaLnBrk="1" latinLnBrk="0" hangingPunct="1">
+      <a:defRPr sz="1200" kern="1200">
+        <a:solidFill>
+          <a:schemeClr val="tx1"/>
+        </a:solidFill>
+        <a:latin typeface="+mn-lt"/>
+        <a:ea typeface="+mn-ea"/>
+        <a:cs typeface="+mn-cs"/>
+      </a:defRPr>
+    </a:lvl6pPr>
+    <a:lvl7pPr marL="2743200" algn="l" defTabSz="914400" rtl="0" eaLnBrk="1" latinLnBrk="0" hangingPunct="1">
+      <a:defRPr sz="1200" kern="1200">
+        <a:solidFill>
+          <a:schemeClr val="tx1"/>
+        </a:solidFill>
+        <a:latin typeface="+mn-lt"/>
+        <a:ea typeface="+mn-ea"/>
+        <a:cs typeface="+mn-cs"/>
+      </a:defRPr>
+    </a:lvl7pPr>
+    <a:lvl8pPr marL="3200400" algn="l" defTabSz="914400" rtl="0" eaLnBrk="1" latinLnBrk="0" hangingPunct="1">
+      <a:defRPr sz="1200" kern="1200">
+        <a:solidFill>
+          <a:schemeClr val="tx1"/>
+        </a:solidFill>
+        <a:latin typeface="+mn-lt"/>
+        <a:ea typeface="+mn-ea"/>
+        <a:cs typeface="+mn-cs"/>
+      </a:defRPr>
+    </a:lvl8pPr>
+    <a:lvl9pPr marL="3657600" algn="l" defTabSz="914400" rtl="0" eaLnBrk="1" latinLnBrk="0" hangingPunct="1">
+      <a:defRPr sz="1200" kern="1200">
+        <a:solidFill>
+          <a:schemeClr val="tx1"/>
+        </a:solidFill>
+        <a:latin typeface="+mn-lt"/>
+        <a:ea typeface="+mn-ea"/>
+        <a:cs typeface="+mn-cs"/>
+      </a:defRPr>
+    </a:lvl9pPr>
+  </p:notesStyle>
+</p:notesMaster>
+</file>
+
+<file path=ppt/notesSlides/notesSlide1.xml><?xml version="1.0" encoding="utf-8"?>
+<p:notes xmlns:a="http://schemas.openxmlformats.org/drawingml/2006/main" xmlns:r="http://schemas.openxmlformats.org/officeDocument/2006/relationships" xmlns:p="http://schemas.openxmlformats.org/presentationml/2006/main">
+  <p:cSld>
+    <p:spTree>
+      <p:nvGrpSpPr>
+        <p:cNvPr id="1" name=""/>
+        <p:cNvGrpSpPr/>
+        <p:nvPr/>
+      </p:nvGrpSpPr>
+      <p:grpSpPr/>
+      <p:sp>
+        <p:nvSpPr>
+          <p:cNvPr id="2" name="幻灯片图像占位符 1"/>
+          <p:cNvSpPr/>
+          <p:nvPr>
+            <p:ph type="sldImg" idx="2"/>
+          </p:nvPr>
+        </p:nvSpPr>
+        <p:spPr/>
+      </p:sp>
+      <p:sp>
+        <p:nvSpPr>
+          <p:cNvPr id="3" name="文本占位符 2"/>
+          <p:cNvSpPr/>
+          <p:nvPr>
+            <p:ph type="body" idx="3"/>
+          </p:nvPr>
+        </p:nvSpPr>
+        <p:spPr/>
+        <p:txBody>
+          <a:bodyPr/>
+          <a:p>
+            <a:endParaRPr lang="zh-CN" altLang="en-US"/>
+          </a:p>
+        </p:txBody>
+      </p:sp>
+    </p:spTree>
+  </p:cSld>
+  <p:clrMapOvr>
+    <a:masterClrMapping/>
+  </p:clrMapOvr>
+</p:notes>
 </file>
 
 <file path=ppt/slideLayouts/slideLayout1.xml><?xml version="1.0" encoding="utf-8"?>
@@ -13725,7 +14121,7 @@
         </p:nvGraphicFramePr>
         <p:xfrm>
           <a:off x="1308735" y="377190"/>
-          <a:ext cx="8533765" cy="1143000"/>
+          <a:ext cx="9259245" cy="1143000"/>
         </p:xfrm>
         <a:graphic>
           <a:graphicData uri="http://schemas.openxmlformats.org/drawingml/2006/table">
@@ -15103,7 +15499,7 @@
         </p:nvGraphicFramePr>
         <p:xfrm>
           <a:off x="697865" y="2316480"/>
-          <a:ext cx="8533765" cy="1143000"/>
+          <a:ext cx="9500545" cy="1143000"/>
         </p:xfrm>
         <a:graphic>
           <a:graphicData uri="http://schemas.openxmlformats.org/drawingml/2006/table">
@@ -19450,6 +19846,3550 @@
     </p:spTree>
     <p:custDataLst>
       <p:tags r:id="rId4"/>
+    </p:custDataLst>
+  </p:cSld>
+  <p:clrMapOvr>
+    <a:masterClrMapping/>
+  </p:clrMapOvr>
+</p:sld>
+</file>
+
+<file path=ppt/slides/slide17.xml><?xml version="1.0" encoding="utf-8"?>
+<p:sld xmlns:a="http://schemas.openxmlformats.org/drawingml/2006/main" xmlns:r="http://schemas.openxmlformats.org/officeDocument/2006/relationships" xmlns:p="http://schemas.openxmlformats.org/presentationml/2006/main">
+  <p:cSld>
+    <p:spTree>
+      <p:nvGrpSpPr>
+        <p:cNvPr id="1" name=""/>
+        <p:cNvGrpSpPr/>
+        <p:nvPr/>
+      </p:nvGrpSpPr>
+      <p:grpSpPr/>
+      <p:graphicFrame>
+        <p:nvGraphicFramePr>
+          <p:cNvPr id="4" name="对象 3">
+            <a:hlinkClick r:id="" action="ppaction://ole?verb="/>
+          </p:cNvPr>
+          <p:cNvGraphicFramePr>
+            <a:graphicFrameLocks noChangeAspect="1"/>
+          </p:cNvGraphicFramePr>
+          <p:nvPr/>
+        </p:nvGraphicFramePr>
+        <p:xfrm>
+          <a:off x="973455" y="640715"/>
+          <a:ext cx="2927985" cy="2249170"/>
+        </p:xfrm>
+        <a:graphic>
+          <a:graphicData uri="http://schemas.openxmlformats.org/presentationml/2006/ole">
+            <mc:AlternateContent xmlns:mc="http://schemas.openxmlformats.org/markup-compatibility/2006">
+              <mc:Choice xmlns:v="urn:schemas-microsoft-com:vml" Requires="v">
+                <p:oleObj spid="_x0000_s1025" name="" r:id="rId1" imgW="1587500" imgH="1219200" progId="Equation.KSEE3">
+                  <p:embed/>
+                </p:oleObj>
+              </mc:Choice>
+              <mc:Fallback>
+                <p:oleObj name="" r:id="rId1" imgW="1587500" imgH="1219200" progId="Equation.KSEE3">
+                  <p:embed/>
+                  <p:pic>
+                    <p:nvPicPr>
+                      <p:cNvPr id="0" name="图片 1024"/>
+                      <p:cNvPicPr/>
+                      <p:nvPr/>
+                    </p:nvPicPr>
+                    <p:blipFill>
+                      <a:blip r:embed="rId2"/>
+                      <a:stretch>
+                        <a:fillRect/>
+                      </a:stretch>
+                    </p:blipFill>
+                    <p:spPr>
+                      <a:xfrm>
+                        <a:off x="973455" y="640715"/>
+                        <a:ext cx="2927985" cy="2249170"/>
+                      </a:xfrm>
+                      <a:prstGeom prst="rect">
+                        <a:avLst/>
+                      </a:prstGeom>
+                    </p:spPr>
+                  </p:pic>
+                </p:oleObj>
+              </mc:Fallback>
+            </mc:AlternateContent>
+          </a:graphicData>
+        </a:graphic>
+      </p:graphicFrame>
+      <p:pic>
+        <p:nvPicPr>
+          <p:cNvPr id="6" name="图片 5" descr="graph (1)"/>
+          <p:cNvPicPr>
+            <a:picLocks noChangeAspect="1"/>
+          </p:cNvPicPr>
+          <p:nvPr/>
+        </p:nvPicPr>
+        <p:blipFill>
+          <a:blip r:embed="rId3"/>
+          <a:srcRect l="7751" t="4294" r="7362" b="5910"/>
+          <a:stretch>
+            <a:fillRect/>
+          </a:stretch>
+        </p:blipFill>
+        <p:spPr>
+          <a:xfrm>
+            <a:off x="5770880" y="640715"/>
+            <a:ext cx="2635885" cy="2788285"/>
+          </a:xfrm>
+          <a:prstGeom prst="rect">
+            <a:avLst/>
+          </a:prstGeom>
+          <a:ln>
+            <a:solidFill>
+              <a:schemeClr val="accent1"/>
+            </a:solidFill>
+          </a:ln>
+        </p:spPr>
+      </p:pic>
+      <p:graphicFrame>
+        <p:nvGraphicFramePr>
+          <p:cNvPr id="7" name="表格 6"/>
+          <p:cNvGraphicFramePr/>
+          <p:nvPr>
+            <p:custDataLst>
+              <p:tags r:id="rId4"/>
+            </p:custDataLst>
+          </p:nvPr>
+        </p:nvGraphicFramePr>
+        <p:xfrm>
+          <a:off x="379730" y="3814445"/>
+          <a:ext cx="11076940" cy="1388745"/>
+        </p:xfrm>
+        <a:graphic>
+          <a:graphicData uri="http://schemas.openxmlformats.org/drawingml/2006/table">
+            <a:tbl>
+              <a:tblPr firstRow="1" bandRow="1"/>
+              <a:tblGrid>
+                <a:gridCol w="1582420"/>
+                <a:gridCol w="1582420"/>
+                <a:gridCol w="1582420"/>
+                <a:gridCol w="1582420"/>
+                <a:gridCol w="1582420"/>
+                <a:gridCol w="1582420"/>
+                <a:gridCol w="1582420"/>
+              </a:tblGrid>
+              <a:tr h="370205">
+                <a:tc>
+                  <a:txBody>
+                    <a:bodyPr/>
+                    <a:p>
+                      <a:pPr algn="ctr">
+                        <a:buNone/>
+                      </a:pPr>
+                      <a:r>
+                        <a:rPr lang="zh-CN" altLang="en-US">
+                          <a:solidFill>
+                            <a:srgbClr val="FFFFFF"/>
+                          </a:solidFill>
+                        </a:rPr>
+                        <a:t>事件</a:t>
+                      </a:r>
+                      <a:endParaRPr lang="zh-CN" altLang="en-US">
+                        <a:solidFill>
+                          <a:srgbClr val="FFFFFF"/>
+                        </a:solidFill>
+                      </a:endParaRPr>
+                    </a:p>
+                  </a:txBody>
+                  <a:tcPr>
+                    <a:lnL>
+                      <a:noFill/>
+                    </a:lnL>
+                    <a:lnR>
+                      <a:noFill/>
+                    </a:lnR>
+                    <a:lnT>
+                      <a:noFill/>
+                    </a:lnT>
+                    <a:lnB>
+                      <a:noFill/>
+                    </a:lnB>
+                    <a:solidFill>
+                      <a:srgbClr val="595959"/>
+                    </a:solidFill>
+                  </a:tcPr>
+                </a:tc>
+                <a:tc>
+                  <a:txBody>
+                    <a:bodyPr/>
+                    <a:p>
+                      <a:pPr algn="ctr">
+                        <a:buNone/>
+                      </a:pPr>
+                      <a:r>
+                        <a:rPr lang="en-US" altLang="zh-CN">
+                          <a:solidFill>
+                            <a:srgbClr val="FFFFFF"/>
+                          </a:solidFill>
+                        </a:rPr>
+                        <a:t>0</a:t>
+                      </a:r>
+                      <a:endParaRPr lang="en-US" altLang="zh-CN">
+                        <a:solidFill>
+                          <a:srgbClr val="FFFFFF"/>
+                        </a:solidFill>
+                      </a:endParaRPr>
+                    </a:p>
+                  </a:txBody>
+                  <a:tcPr>
+                    <a:lnL>
+                      <a:noFill/>
+                    </a:lnL>
+                    <a:lnR>
+                      <a:noFill/>
+                    </a:lnR>
+                    <a:lnT>
+                      <a:noFill/>
+                    </a:lnT>
+                    <a:lnB>
+                      <a:noFill/>
+                    </a:lnB>
+                    <a:solidFill>
+                      <a:srgbClr val="E74C3C"/>
+                    </a:solidFill>
+                  </a:tcPr>
+                </a:tc>
+                <a:tc>
+                  <a:txBody>
+                    <a:bodyPr/>
+                    <a:p>
+                      <a:pPr algn="ctr">
+                        <a:buNone/>
+                      </a:pPr>
+                      <a:r>
+                        <a:rPr lang="en-US" altLang="zh-CN">
+                          <a:solidFill>
+                            <a:srgbClr val="FFFFFF"/>
+                          </a:solidFill>
+                        </a:rPr>
+                        <a:t>1</a:t>
+                      </a:r>
+                      <a:endParaRPr lang="en-US" altLang="zh-CN">
+                        <a:solidFill>
+                          <a:srgbClr val="FFFFFF"/>
+                        </a:solidFill>
+                      </a:endParaRPr>
+                    </a:p>
+                  </a:txBody>
+                  <a:tcPr>
+                    <a:lnL>
+                      <a:noFill/>
+                    </a:lnL>
+                    <a:lnR>
+                      <a:noFill/>
+                    </a:lnR>
+                    <a:lnT>
+                      <a:noFill/>
+                    </a:lnT>
+                    <a:lnB>
+                      <a:noFill/>
+                    </a:lnB>
+                    <a:solidFill>
+                      <a:srgbClr val="F89406"/>
+                    </a:solidFill>
+                  </a:tcPr>
+                </a:tc>
+                <a:tc>
+                  <a:txBody>
+                    <a:bodyPr/>
+                    <a:p>
+                      <a:pPr algn="ctr">
+                        <a:buNone/>
+                      </a:pPr>
+                      <a:r>
+                        <a:rPr lang="en-US" altLang="zh-CN">
+                          <a:solidFill>
+                            <a:srgbClr val="FFFFFF"/>
+                          </a:solidFill>
+                        </a:rPr>
+                        <a:t>2</a:t>
+                      </a:r>
+                      <a:endParaRPr lang="en-US" altLang="zh-CN">
+                        <a:solidFill>
+                          <a:srgbClr val="FFFFFF"/>
+                        </a:solidFill>
+                      </a:endParaRPr>
+                    </a:p>
+                  </a:txBody>
+                  <a:tcPr>
+                    <a:lnL>
+                      <a:noFill/>
+                    </a:lnL>
+                    <a:lnR>
+                      <a:noFill/>
+                    </a:lnR>
+                    <a:lnT>
+                      <a:noFill/>
+                    </a:lnT>
+                    <a:lnB>
+                      <a:noFill/>
+                    </a:lnB>
+                    <a:solidFill>
+                      <a:srgbClr val="F7B619"/>
+                    </a:solidFill>
+                  </a:tcPr>
+                </a:tc>
+                <a:tc>
+                  <a:txBody>
+                    <a:bodyPr/>
+                    <a:p>
+                      <a:pPr algn="ctr">
+                        <a:buNone/>
+                      </a:pPr>
+                      <a:r>
+                        <a:rPr lang="en-US" altLang="zh-CN">
+                          <a:solidFill>
+                            <a:srgbClr val="FFFFFF"/>
+                          </a:solidFill>
+                        </a:rPr>
+                        <a:t>3</a:t>
+                      </a:r>
+                      <a:endParaRPr lang="en-US" altLang="zh-CN">
+                        <a:solidFill>
+                          <a:srgbClr val="FFFFFF"/>
+                        </a:solidFill>
+                      </a:endParaRPr>
+                    </a:p>
+                  </a:txBody>
+                  <a:tcPr>
+                    <a:lnL>
+                      <a:noFill/>
+                    </a:lnL>
+                    <a:lnR>
+                      <a:noFill/>
+                    </a:lnR>
+                    <a:lnT>
+                      <a:noFill/>
+                    </a:lnT>
+                    <a:lnB>
+                      <a:noFill/>
+                    </a:lnB>
+                    <a:solidFill>
+                      <a:srgbClr val="C0CA33"/>
+                    </a:solidFill>
+                  </a:tcPr>
+                </a:tc>
+                <a:tc>
+                  <a:txBody>
+                    <a:bodyPr/>
+                    <a:p>
+                      <a:pPr algn="ctr">
+                        <a:buNone/>
+                      </a:pPr>
+                      <a:r>
+                        <a:rPr lang="en-US" altLang="zh-CN">
+                          <a:solidFill>
+                            <a:srgbClr val="FFFFFF"/>
+                          </a:solidFill>
+                        </a:rPr>
+                        <a:t>4</a:t>
+                      </a:r>
+                      <a:endParaRPr lang="en-US" altLang="zh-CN">
+                        <a:solidFill>
+                          <a:srgbClr val="FFFFFF"/>
+                        </a:solidFill>
+                      </a:endParaRPr>
+                    </a:p>
+                  </a:txBody>
+                  <a:tcPr>
+                    <a:lnL>
+                      <a:noFill/>
+                    </a:lnL>
+                    <a:lnR>
+                      <a:noFill/>
+                    </a:lnR>
+                    <a:lnT>
+                      <a:noFill/>
+                    </a:lnT>
+                    <a:lnB>
+                      <a:noFill/>
+                    </a:lnB>
+                    <a:solidFill>
+                      <a:srgbClr val="7CB342"/>
+                    </a:solidFill>
+                  </a:tcPr>
+                </a:tc>
+                <a:tc>
+                  <a:txBody>
+                    <a:bodyPr/>
+                    <a:p>
+                      <a:pPr algn="ctr">
+                        <a:buNone/>
+                      </a:pPr>
+                      <a:r>
+                        <a:rPr lang="en-US" altLang="zh-CN">
+                          <a:solidFill>
+                            <a:srgbClr val="FFFFFF"/>
+                          </a:solidFill>
+                        </a:rPr>
+                        <a:t>5</a:t>
+                      </a:r>
+                      <a:endParaRPr lang="en-US" altLang="zh-CN">
+                        <a:solidFill>
+                          <a:srgbClr val="FFFFFF"/>
+                        </a:solidFill>
+                      </a:endParaRPr>
+                    </a:p>
+                  </a:txBody>
+                  <a:tcPr>
+                    <a:lnL>
+                      <a:noFill/>
+                    </a:lnL>
+                    <a:lnR>
+                      <a:noFill/>
+                    </a:lnR>
+                    <a:lnT>
+                      <a:noFill/>
+                    </a:lnT>
+                    <a:lnB>
+                      <a:noFill/>
+                    </a:lnB>
+                    <a:solidFill>
+                      <a:srgbClr val="009688"/>
+                    </a:solidFill>
+                  </a:tcPr>
+                </a:tc>
+              </a:tr>
+              <a:tr h="370840">
+                <a:tc>
+                  <a:txBody>
+                    <a:bodyPr/>
+                    <a:p>
+                      <a:pPr algn="ctr">
+                        <a:buNone/>
+                      </a:pPr>
+                      <a:r>
+                        <a:rPr lang="zh-CN" altLang="en-US">
+                          <a:solidFill>
+                            <a:srgbClr val="404040"/>
+                          </a:solidFill>
+                        </a:rPr>
+                        <a:t>最早发生时间</a:t>
+                      </a:r>
+                      <a:endParaRPr lang="zh-CN" altLang="en-US">
+                        <a:solidFill>
+                          <a:srgbClr val="404040"/>
+                        </a:solidFill>
+                      </a:endParaRPr>
+                    </a:p>
+                  </a:txBody>
+                  <a:tcPr anchor="ctr" anchorCtr="0">
+                    <a:lnL>
+                      <a:noFill/>
+                    </a:lnL>
+                    <a:lnR w="12700">
+                      <a:solidFill>
+                        <a:srgbClr val="D9D9D9"/>
+                      </a:solidFill>
+                      <a:prstDash val="solid"/>
+                    </a:lnR>
+                    <a:lnT>
+                      <a:noFill/>
+                    </a:lnT>
+                    <a:lnB>
+                      <a:noFill/>
+                    </a:lnB>
+                    <a:solidFill>
+                      <a:srgbClr val="FFFFFF"/>
+                    </a:solidFill>
+                  </a:tcPr>
+                </a:tc>
+                <a:tc>
+                  <a:txBody>
+                    <a:bodyPr/>
+                    <a:p>
+                      <a:pPr algn="ctr">
+                        <a:buNone/>
+                      </a:pPr>
+                      <a:r>
+                        <a:rPr lang="en-US" altLang="zh-CN" b="1">
+                          <a:solidFill>
+                            <a:srgbClr val="404040"/>
+                          </a:solidFill>
+                        </a:rPr>
+                        <a:t>0</a:t>
+                      </a:r>
+                      <a:endParaRPr lang="en-US" altLang="zh-CN" b="1">
+                        <a:solidFill>
+                          <a:srgbClr val="404040"/>
+                        </a:solidFill>
+                      </a:endParaRPr>
+                    </a:p>
+                  </a:txBody>
+                  <a:tcPr anchor="ctr" anchorCtr="0">
+                    <a:lnL w="12700">
+                      <a:solidFill>
+                        <a:srgbClr val="D9D9D9"/>
+                      </a:solidFill>
+                      <a:prstDash val="solid"/>
+                    </a:lnL>
+                    <a:lnR w="6350">
+                      <a:solidFill>
+                        <a:srgbClr val="D9D9D9"/>
+                      </a:solidFill>
+                      <a:prstDash val="solid"/>
+                    </a:lnR>
+                    <a:lnT>
+                      <a:noFill/>
+                    </a:lnT>
+                    <a:lnB>
+                      <a:noFill/>
+                    </a:lnB>
+                    <a:solidFill>
+                      <a:srgbClr val="FFFFFF"/>
+                    </a:solidFill>
+                  </a:tcPr>
+                </a:tc>
+                <a:tc>
+                  <a:txBody>
+                    <a:bodyPr/>
+                    <a:p>
+                      <a:pPr algn="ctr">
+                        <a:buNone/>
+                      </a:pPr>
+                      <a:r>
+                        <a:rPr lang="en-US" altLang="zh-CN" b="1">
+                          <a:solidFill>
+                            <a:srgbClr val="404040"/>
+                          </a:solidFill>
+                        </a:rPr>
+                        <a:t>4</a:t>
+                      </a:r>
+                      <a:endParaRPr lang="en-US" altLang="zh-CN" b="1">
+                        <a:solidFill>
+                          <a:srgbClr val="404040"/>
+                        </a:solidFill>
+                      </a:endParaRPr>
+                    </a:p>
+                  </a:txBody>
+                  <a:tcPr anchor="ctr" anchorCtr="0">
+                    <a:lnL w="6350">
+                      <a:solidFill>
+                        <a:srgbClr val="D9D9D9"/>
+                      </a:solidFill>
+                      <a:prstDash val="solid"/>
+                    </a:lnL>
+                    <a:lnR w="6350">
+                      <a:solidFill>
+                        <a:srgbClr val="D9D9D9"/>
+                      </a:solidFill>
+                      <a:prstDash val="solid"/>
+                    </a:lnR>
+                    <a:lnT>
+                      <a:noFill/>
+                    </a:lnT>
+                    <a:lnB>
+                      <a:noFill/>
+                    </a:lnB>
+                    <a:solidFill>
+                      <a:srgbClr val="FFFFFF"/>
+                    </a:solidFill>
+                  </a:tcPr>
+                </a:tc>
+                <a:tc>
+                  <a:txBody>
+                    <a:bodyPr/>
+                    <a:p>
+                      <a:pPr algn="ctr">
+                        <a:buNone/>
+                      </a:pPr>
+                      <a:r>
+                        <a:rPr lang="en-US" altLang="zh-CN" b="1">
+                          <a:solidFill>
+                            <a:srgbClr val="404040"/>
+                          </a:solidFill>
+                        </a:rPr>
+                        <a:t>9</a:t>
+                      </a:r>
+                      <a:endParaRPr lang="en-US" altLang="zh-CN" b="1">
+                        <a:solidFill>
+                          <a:srgbClr val="404040"/>
+                        </a:solidFill>
+                      </a:endParaRPr>
+                    </a:p>
+                  </a:txBody>
+                  <a:tcPr anchor="ctr" anchorCtr="0">
+                    <a:lnL w="6350">
+                      <a:solidFill>
+                        <a:srgbClr val="D9D9D9"/>
+                      </a:solidFill>
+                      <a:prstDash val="solid"/>
+                    </a:lnL>
+                    <a:lnR w="6350">
+                      <a:solidFill>
+                        <a:srgbClr val="D9D9D9"/>
+                      </a:solidFill>
+                      <a:prstDash val="solid"/>
+                    </a:lnR>
+                    <a:lnT>
+                      <a:noFill/>
+                    </a:lnT>
+                    <a:lnB>
+                      <a:noFill/>
+                    </a:lnB>
+                    <a:solidFill>
+                      <a:srgbClr val="FFFFFF"/>
+                    </a:solidFill>
+                  </a:tcPr>
+                </a:tc>
+                <a:tc>
+                  <a:txBody>
+                    <a:bodyPr/>
+                    <a:p>
+                      <a:pPr algn="ctr">
+                        <a:buNone/>
+                      </a:pPr>
+                      <a:r>
+                        <a:rPr lang="en-US" altLang="zh-CN" b="1">
+                          <a:solidFill>
+                            <a:srgbClr val="404040"/>
+                          </a:solidFill>
+                        </a:rPr>
+                        <a:t>13</a:t>
+                      </a:r>
+                      <a:endParaRPr lang="en-US" altLang="zh-CN" b="1">
+                        <a:solidFill>
+                          <a:srgbClr val="404040"/>
+                        </a:solidFill>
+                      </a:endParaRPr>
+                    </a:p>
+                  </a:txBody>
+                  <a:tcPr anchor="ctr" anchorCtr="0">
+                    <a:lnL w="6350">
+                      <a:solidFill>
+                        <a:srgbClr val="D9D9D9"/>
+                      </a:solidFill>
+                      <a:prstDash val="solid"/>
+                    </a:lnL>
+                    <a:lnR w="6350">
+                      <a:solidFill>
+                        <a:srgbClr val="D9D9D9"/>
+                      </a:solidFill>
+                      <a:prstDash val="solid"/>
+                    </a:lnR>
+                    <a:lnT>
+                      <a:noFill/>
+                    </a:lnT>
+                    <a:lnB>
+                      <a:noFill/>
+                    </a:lnB>
+                    <a:solidFill>
+                      <a:srgbClr val="FFFFFF"/>
+                    </a:solidFill>
+                  </a:tcPr>
+                </a:tc>
+                <a:tc>
+                  <a:txBody>
+                    <a:bodyPr/>
+                    <a:p>
+                      <a:pPr algn="ctr">
+                        <a:buNone/>
+                      </a:pPr>
+                      <a:r>
+                        <a:rPr lang="en-US" altLang="zh-CN" b="1">
+                          <a:solidFill>
+                            <a:srgbClr val="404040"/>
+                          </a:solidFill>
+                        </a:rPr>
+                        <a:t>12</a:t>
+                      </a:r>
+                      <a:endParaRPr lang="en-US" altLang="zh-CN" b="1">
+                        <a:solidFill>
+                          <a:srgbClr val="404040"/>
+                        </a:solidFill>
+                      </a:endParaRPr>
+                    </a:p>
+                  </a:txBody>
+                  <a:tcPr anchor="ctr" anchorCtr="0">
+                    <a:lnL w="6350">
+                      <a:solidFill>
+                        <a:srgbClr val="D9D9D9"/>
+                      </a:solidFill>
+                      <a:prstDash val="solid"/>
+                    </a:lnL>
+                    <a:lnR w="6350">
+                      <a:solidFill>
+                        <a:srgbClr val="D9D9D9"/>
+                      </a:solidFill>
+                      <a:prstDash val="solid"/>
+                    </a:lnR>
+                    <a:lnT>
+                      <a:noFill/>
+                    </a:lnT>
+                    <a:lnB>
+                      <a:noFill/>
+                    </a:lnB>
+                    <a:solidFill>
+                      <a:srgbClr val="FFFFFF"/>
+                    </a:solidFill>
+                  </a:tcPr>
+                </a:tc>
+                <a:tc>
+                  <a:txBody>
+                    <a:bodyPr/>
+                    <a:p>
+                      <a:pPr algn="ctr">
+                        <a:buNone/>
+                      </a:pPr>
+                      <a:r>
+                        <a:rPr lang="en-US" altLang="zh-CN" b="1">
+                          <a:solidFill>
+                            <a:srgbClr val="404040"/>
+                          </a:solidFill>
+                        </a:rPr>
+                        <a:t>16</a:t>
+                      </a:r>
+                      <a:endParaRPr lang="en-US" altLang="zh-CN" b="1">
+                        <a:solidFill>
+                          <a:srgbClr val="404040"/>
+                        </a:solidFill>
+                      </a:endParaRPr>
+                    </a:p>
+                  </a:txBody>
+                  <a:tcPr anchor="ctr" anchorCtr="0">
+                    <a:lnL w="6350">
+                      <a:solidFill>
+                        <a:srgbClr val="D9D9D9"/>
+                      </a:solidFill>
+                      <a:prstDash val="solid"/>
+                    </a:lnL>
+                    <a:lnR>
+                      <a:noFill/>
+                    </a:lnR>
+                    <a:lnT>
+                      <a:noFill/>
+                    </a:lnT>
+                    <a:lnB>
+                      <a:noFill/>
+                    </a:lnB>
+                    <a:solidFill>
+                      <a:srgbClr val="FFFFFF"/>
+                    </a:solidFill>
+                  </a:tcPr>
+                </a:tc>
+              </a:tr>
+              <a:tr h="370205">
+                <a:tc>
+                  <a:txBody>
+                    <a:bodyPr/>
+                    <a:p>
+                      <a:pPr algn="ctr">
+                        <a:buNone/>
+                      </a:pPr>
+                      <a:r>
+                        <a:rPr lang="zh-CN" altLang="en-US">
+                          <a:solidFill>
+                            <a:srgbClr val="404040"/>
+                          </a:solidFill>
+                        </a:rPr>
+                        <a:t>最迟发生时间</a:t>
+                      </a:r>
+                      <a:endParaRPr lang="zh-CN" altLang="en-US">
+                        <a:solidFill>
+                          <a:srgbClr val="404040"/>
+                        </a:solidFill>
+                      </a:endParaRPr>
+                    </a:p>
+                  </a:txBody>
+                  <a:tcPr anchor="ctr" anchorCtr="0">
+                    <a:lnL>
+                      <a:noFill/>
+                    </a:lnL>
+                    <a:lnR w="12700">
+                      <a:solidFill>
+                        <a:srgbClr val="D9D9D9"/>
+                      </a:solidFill>
+                      <a:prstDash val="solid"/>
+                    </a:lnR>
+                    <a:lnT>
+                      <a:noFill/>
+                    </a:lnT>
+                    <a:lnB w="19050">
+                      <a:solidFill>
+                        <a:srgbClr val="595959"/>
+                      </a:solidFill>
+                      <a:prstDash val="solid"/>
+                    </a:lnB>
+                    <a:solidFill>
+                      <a:srgbClr val="F2F2F2"/>
+                    </a:solidFill>
+                  </a:tcPr>
+                </a:tc>
+                <a:tc>
+                  <a:txBody>
+                    <a:bodyPr/>
+                    <a:p>
+                      <a:pPr algn="ctr">
+                        <a:buNone/>
+                      </a:pPr>
+                      <a:r>
+                        <a:rPr lang="en-US" altLang="zh-CN" b="1">
+                          <a:solidFill>
+                            <a:srgbClr val="404040"/>
+                          </a:solidFill>
+                        </a:rPr>
+                        <a:t>0</a:t>
+                      </a:r>
+                      <a:endParaRPr lang="en-US" altLang="zh-CN" b="1">
+                        <a:solidFill>
+                          <a:srgbClr val="404040"/>
+                        </a:solidFill>
+                      </a:endParaRPr>
+                    </a:p>
+                  </a:txBody>
+                  <a:tcPr anchor="ctr" anchorCtr="0">
+                    <a:lnL w="12700">
+                      <a:solidFill>
+                        <a:srgbClr val="D9D9D9"/>
+                      </a:solidFill>
+                      <a:prstDash val="solid"/>
+                    </a:lnL>
+                    <a:lnR w="6350">
+                      <a:solidFill>
+                        <a:srgbClr val="D9D9D9"/>
+                      </a:solidFill>
+                      <a:prstDash val="solid"/>
+                    </a:lnR>
+                    <a:lnT>
+                      <a:noFill/>
+                    </a:lnT>
+                    <a:lnB w="19050">
+                      <a:solidFill>
+                        <a:srgbClr val="595959"/>
+                      </a:solidFill>
+                      <a:prstDash val="solid"/>
+                    </a:lnB>
+                    <a:solidFill>
+                      <a:srgbClr val="F2F2F2"/>
+                    </a:solidFill>
+                  </a:tcPr>
+                </a:tc>
+                <a:tc>
+                  <a:txBody>
+                    <a:bodyPr/>
+                    <a:p>
+                      <a:pPr algn="ctr">
+                        <a:buNone/>
+                      </a:pPr>
+                      <a:r>
+                        <a:rPr lang="en-US" altLang="zh-CN" b="1">
+                          <a:solidFill>
+                            <a:srgbClr val="404040"/>
+                          </a:solidFill>
+                        </a:rPr>
+                        <a:t>4</a:t>
+                      </a:r>
+                      <a:endParaRPr lang="en-US" altLang="zh-CN" b="1">
+                        <a:solidFill>
+                          <a:srgbClr val="404040"/>
+                        </a:solidFill>
+                      </a:endParaRPr>
+                    </a:p>
+                  </a:txBody>
+                  <a:tcPr anchor="ctr" anchorCtr="0">
+                    <a:lnL w="6350">
+                      <a:solidFill>
+                        <a:srgbClr val="D9D9D9"/>
+                      </a:solidFill>
+                      <a:prstDash val="solid"/>
+                    </a:lnL>
+                    <a:lnR w="6350">
+                      <a:solidFill>
+                        <a:srgbClr val="D9D9D9"/>
+                      </a:solidFill>
+                      <a:prstDash val="solid"/>
+                    </a:lnR>
+                    <a:lnT>
+                      <a:noFill/>
+                    </a:lnT>
+                    <a:lnB w="19050">
+                      <a:solidFill>
+                        <a:srgbClr val="595959"/>
+                      </a:solidFill>
+                      <a:prstDash val="solid"/>
+                    </a:lnB>
+                    <a:solidFill>
+                      <a:srgbClr val="F2F2F2"/>
+                    </a:solidFill>
+                  </a:tcPr>
+                </a:tc>
+                <a:tc>
+                  <a:txBody>
+                    <a:bodyPr/>
+                    <a:p>
+                      <a:pPr algn="ctr">
+                        <a:buNone/>
+                      </a:pPr>
+                      <a:r>
+                        <a:rPr lang="en-US" altLang="zh-CN" b="1">
+                          <a:solidFill>
+                            <a:srgbClr val="404040"/>
+                          </a:solidFill>
+                        </a:rPr>
+                        <a:t>9</a:t>
+                      </a:r>
+                      <a:endParaRPr lang="en-US" altLang="zh-CN" b="1">
+                        <a:solidFill>
+                          <a:srgbClr val="404040"/>
+                        </a:solidFill>
+                      </a:endParaRPr>
+                    </a:p>
+                  </a:txBody>
+                  <a:tcPr anchor="ctr" anchorCtr="0">
+                    <a:lnL w="6350">
+                      <a:solidFill>
+                        <a:srgbClr val="D9D9D9"/>
+                      </a:solidFill>
+                      <a:prstDash val="solid"/>
+                    </a:lnL>
+                    <a:lnR w="6350">
+                      <a:solidFill>
+                        <a:srgbClr val="D9D9D9"/>
+                      </a:solidFill>
+                      <a:prstDash val="solid"/>
+                    </a:lnR>
+                    <a:lnT>
+                      <a:noFill/>
+                    </a:lnT>
+                    <a:lnB w="19050">
+                      <a:solidFill>
+                        <a:srgbClr val="595959"/>
+                      </a:solidFill>
+                      <a:prstDash val="solid"/>
+                    </a:lnB>
+                    <a:solidFill>
+                      <a:srgbClr val="F2F2F2"/>
+                    </a:solidFill>
+                  </a:tcPr>
+                </a:tc>
+                <a:tc>
+                  <a:txBody>
+                    <a:bodyPr/>
+                    <a:p>
+                      <a:pPr algn="ctr">
+                        <a:buNone/>
+                      </a:pPr>
+                      <a:r>
+                        <a:rPr lang="en-US" altLang="zh-CN" b="1">
+                          <a:solidFill>
+                            <a:srgbClr val="404040"/>
+                          </a:solidFill>
+                        </a:rPr>
+                        <a:t>13</a:t>
+                      </a:r>
+                      <a:endParaRPr lang="en-US" altLang="zh-CN" b="1">
+                        <a:solidFill>
+                          <a:srgbClr val="404040"/>
+                        </a:solidFill>
+                      </a:endParaRPr>
+                    </a:p>
+                  </a:txBody>
+                  <a:tcPr anchor="ctr" anchorCtr="0">
+                    <a:lnL w="6350">
+                      <a:solidFill>
+                        <a:srgbClr val="D9D9D9"/>
+                      </a:solidFill>
+                      <a:prstDash val="solid"/>
+                    </a:lnL>
+                    <a:lnR w="6350">
+                      <a:solidFill>
+                        <a:srgbClr val="D9D9D9"/>
+                      </a:solidFill>
+                      <a:prstDash val="solid"/>
+                    </a:lnR>
+                    <a:lnT>
+                      <a:noFill/>
+                    </a:lnT>
+                    <a:lnB w="19050">
+                      <a:solidFill>
+                        <a:srgbClr val="595959"/>
+                      </a:solidFill>
+                      <a:prstDash val="solid"/>
+                    </a:lnB>
+                    <a:solidFill>
+                      <a:srgbClr val="F2F2F2"/>
+                    </a:solidFill>
+                  </a:tcPr>
+                </a:tc>
+                <a:tc>
+                  <a:txBody>
+                    <a:bodyPr/>
+                    <a:p>
+                      <a:pPr algn="ctr">
+                        <a:buNone/>
+                      </a:pPr>
+                      <a:r>
+                        <a:rPr lang="en-US" altLang="zh-CN" b="1">
+                          <a:solidFill>
+                            <a:srgbClr val="404040"/>
+                          </a:solidFill>
+                        </a:rPr>
+                        <a:t>13</a:t>
+                      </a:r>
+                      <a:endParaRPr lang="en-US" altLang="zh-CN" b="1">
+                        <a:solidFill>
+                          <a:srgbClr val="404040"/>
+                        </a:solidFill>
+                      </a:endParaRPr>
+                    </a:p>
+                  </a:txBody>
+                  <a:tcPr anchor="ctr" anchorCtr="0">
+                    <a:lnL w="6350">
+                      <a:solidFill>
+                        <a:srgbClr val="D9D9D9"/>
+                      </a:solidFill>
+                      <a:prstDash val="solid"/>
+                    </a:lnL>
+                    <a:lnR w="6350">
+                      <a:solidFill>
+                        <a:srgbClr val="D9D9D9"/>
+                      </a:solidFill>
+                      <a:prstDash val="solid"/>
+                    </a:lnR>
+                    <a:lnT>
+                      <a:noFill/>
+                    </a:lnT>
+                    <a:lnB w="19050">
+                      <a:solidFill>
+                        <a:srgbClr val="595959"/>
+                      </a:solidFill>
+                      <a:prstDash val="solid"/>
+                    </a:lnB>
+                    <a:solidFill>
+                      <a:srgbClr val="F2F2F2"/>
+                    </a:solidFill>
+                  </a:tcPr>
+                </a:tc>
+                <a:tc>
+                  <a:txBody>
+                    <a:bodyPr/>
+                    <a:p>
+                      <a:pPr algn="ctr">
+                        <a:buNone/>
+                      </a:pPr>
+                      <a:r>
+                        <a:rPr lang="en-US" altLang="zh-CN" b="1">
+                          <a:solidFill>
+                            <a:srgbClr val="404040"/>
+                          </a:solidFill>
+                        </a:rPr>
+                        <a:t>16</a:t>
+                      </a:r>
+                      <a:endParaRPr lang="en-US" altLang="zh-CN" b="1">
+                        <a:solidFill>
+                          <a:srgbClr val="404040"/>
+                        </a:solidFill>
+                      </a:endParaRPr>
+                    </a:p>
+                  </a:txBody>
+                  <a:tcPr anchor="ctr" anchorCtr="0">
+                    <a:lnL w="6350">
+                      <a:solidFill>
+                        <a:srgbClr val="D9D9D9"/>
+                      </a:solidFill>
+                      <a:prstDash val="solid"/>
+                    </a:lnL>
+                    <a:lnR>
+                      <a:noFill/>
+                    </a:lnR>
+                    <a:lnT>
+                      <a:noFill/>
+                    </a:lnT>
+                    <a:lnB w="19050">
+                      <a:solidFill>
+                        <a:srgbClr val="595959"/>
+                      </a:solidFill>
+                      <a:prstDash val="solid"/>
+                    </a:lnB>
+                    <a:solidFill>
+                      <a:srgbClr val="F2F2F2"/>
+                    </a:solidFill>
+                  </a:tcPr>
+                </a:tc>
+              </a:tr>
+            </a:tbl>
+          </a:graphicData>
+        </a:graphic>
+      </p:graphicFrame>
+      <p:graphicFrame>
+        <p:nvGraphicFramePr>
+          <p:cNvPr id="8" name="表格 7"/>
+          <p:cNvGraphicFramePr/>
+          <p:nvPr>
+            <p:custDataLst>
+              <p:tags r:id="rId5"/>
+            </p:custDataLst>
+          </p:nvPr>
+        </p:nvGraphicFramePr>
+        <p:xfrm>
+          <a:off x="379730" y="5429885"/>
+          <a:ext cx="10489240" cy="1645920"/>
+        </p:xfrm>
+        <a:graphic>
+          <a:graphicData uri="http://schemas.openxmlformats.org/drawingml/2006/table">
+            <a:tbl>
+              <a:tblPr firstRow="1" lastRow="1"/>
+              <a:tblGrid>
+                <a:gridCol w="1584000"/>
+                <a:gridCol w="1113155"/>
+                <a:gridCol w="1113155"/>
+                <a:gridCol w="1113155"/>
+                <a:gridCol w="1113155"/>
+                <a:gridCol w="1113155"/>
+                <a:gridCol w="1113155"/>
+                <a:gridCol w="1113155"/>
+              </a:tblGrid>
+              <a:tr h="370840">
+                <a:tc>
+                  <a:txBody>
+                    <a:bodyPr/>
+                    <a:p>
+                      <a:pPr algn="ctr">
+                        <a:buNone/>
+                      </a:pPr>
+                      <a:r>
+                        <a:rPr lang="zh-CN" altLang="en-US">
+                          <a:solidFill>
+                            <a:srgbClr val="FFFFFF"/>
+                          </a:solidFill>
+                        </a:rPr>
+                        <a:t>活动</a:t>
+                      </a:r>
+                      <a:endParaRPr lang="zh-CN" altLang="en-US">
+                        <a:solidFill>
+                          <a:srgbClr val="FFFFFF"/>
+                        </a:solidFill>
+                      </a:endParaRPr>
+                    </a:p>
+                  </a:txBody>
+                  <a:tcPr anchor="ctr" anchorCtr="0">
+                    <a:lnL>
+                      <a:noFill/>
+                    </a:lnL>
+                    <a:lnR>
+                      <a:noFill/>
+                    </a:lnR>
+                    <a:lnT>
+                      <a:noFill/>
+                    </a:lnT>
+                    <a:lnB>
+                      <a:noFill/>
+                    </a:lnB>
+                    <a:solidFill>
+                      <a:srgbClr val="595959"/>
+                    </a:solidFill>
+                  </a:tcPr>
+                </a:tc>
+                <a:tc>
+                  <a:txBody>
+                    <a:bodyPr/>
+                    <a:p>
+                      <a:pPr algn="ctr">
+                        <a:buNone/>
+                      </a:pPr>
+                      <a:r>
+                        <a:rPr lang="en-US" altLang="zh-CN">
+                          <a:solidFill>
+                            <a:srgbClr val="FFFFFF"/>
+                          </a:solidFill>
+                        </a:rPr>
+                        <a:t>a</a:t>
+                      </a:r>
+                      <a:r>
+                        <a:rPr lang="en-US" altLang="zh-CN" baseline="-25000">
+                          <a:solidFill>
+                            <a:srgbClr val="FFFFFF"/>
+                          </a:solidFill>
+                        </a:rPr>
+                        <a:t>01</a:t>
+                      </a:r>
+                      <a:endParaRPr lang="en-US" altLang="zh-CN" baseline="-25000">
+                        <a:solidFill>
+                          <a:srgbClr val="FFFFFF"/>
+                        </a:solidFill>
+                      </a:endParaRPr>
+                    </a:p>
+                  </a:txBody>
+                  <a:tcPr anchor="ctr" anchorCtr="0">
+                    <a:lnL>
+                      <a:noFill/>
+                    </a:lnL>
+                    <a:lnR>
+                      <a:noFill/>
+                    </a:lnR>
+                    <a:lnT>
+                      <a:noFill/>
+                    </a:lnT>
+                    <a:lnB>
+                      <a:noFill/>
+                    </a:lnB>
+                    <a:solidFill>
+                      <a:srgbClr val="03A9F5"/>
+                    </a:solidFill>
+                  </a:tcPr>
+                </a:tc>
+                <a:tc>
+                  <a:txBody>
+                    <a:bodyPr/>
+                    <a:p>
+                      <a:pPr algn="ctr">
+                        <a:buNone/>
+                      </a:pPr>
+                      <a:r>
+                        <a:rPr lang="en-US" altLang="zh-CN">
+                          <a:solidFill>
+                            <a:srgbClr val="FFFFFF"/>
+                          </a:solidFill>
+                        </a:rPr>
+                        <a:t>a</a:t>
+                      </a:r>
+                      <a:r>
+                        <a:rPr lang="en-US" altLang="zh-CN" baseline="-25000">
+                          <a:solidFill>
+                            <a:srgbClr val="FFFFFF"/>
+                          </a:solidFill>
+                        </a:rPr>
+                        <a:t>02</a:t>
+                      </a:r>
+                      <a:endParaRPr lang="en-US" altLang="zh-CN" baseline="-25000">
+                        <a:solidFill>
+                          <a:srgbClr val="FFFFFF"/>
+                        </a:solidFill>
+                      </a:endParaRPr>
+                    </a:p>
+                  </a:txBody>
+                  <a:tcPr anchor="ctr" anchorCtr="0">
+                    <a:lnL>
+                      <a:noFill/>
+                    </a:lnL>
+                    <a:lnR>
+                      <a:noFill/>
+                    </a:lnR>
+                    <a:lnT>
+                      <a:noFill/>
+                    </a:lnT>
+                    <a:lnB>
+                      <a:noFill/>
+                    </a:lnB>
+                    <a:solidFill>
+                      <a:srgbClr val="00BCD5"/>
+                    </a:solidFill>
+                  </a:tcPr>
+                </a:tc>
+                <a:tc>
+                  <a:txBody>
+                    <a:bodyPr/>
+                    <a:p>
+                      <a:pPr algn="ctr">
+                        <a:buNone/>
+                      </a:pPr>
+                      <a:r>
+                        <a:rPr lang="en-US" altLang="zh-CN">
+                          <a:solidFill>
+                            <a:srgbClr val="FFFFFF"/>
+                          </a:solidFill>
+                        </a:rPr>
+                        <a:t>a</a:t>
+                      </a:r>
+                      <a:r>
+                        <a:rPr lang="en-US" altLang="zh-CN" baseline="-25000">
+                          <a:solidFill>
+                            <a:srgbClr val="FFFFFF"/>
+                          </a:solidFill>
+                        </a:rPr>
+                        <a:t>12</a:t>
+                      </a:r>
+                      <a:endParaRPr lang="en-US" altLang="zh-CN" baseline="-25000">
+                        <a:solidFill>
+                          <a:srgbClr val="FFFFFF"/>
+                        </a:solidFill>
+                      </a:endParaRPr>
+                    </a:p>
+                  </a:txBody>
+                  <a:tcPr anchor="ctr" anchorCtr="0">
+                    <a:lnL>
+                      <a:noFill/>
+                    </a:lnL>
+                    <a:lnR>
+                      <a:noFill/>
+                    </a:lnR>
+                    <a:lnT>
+                      <a:noFill/>
+                    </a:lnT>
+                    <a:lnB>
+                      <a:noFill/>
+                    </a:lnB>
+                    <a:solidFill>
+                      <a:srgbClr val="009788"/>
+                    </a:solidFill>
+                  </a:tcPr>
+                </a:tc>
+                <a:tc>
+                  <a:txBody>
+                    <a:bodyPr/>
+                    <a:p>
+                      <a:pPr algn="ctr">
+                        <a:buNone/>
+                      </a:pPr>
+                      <a:r>
+                        <a:rPr lang="en-US" altLang="zh-CN">
+                          <a:solidFill>
+                            <a:srgbClr val="FFFFFF"/>
+                          </a:solidFill>
+                        </a:rPr>
+                        <a:t>a</a:t>
+                      </a:r>
+                      <a:r>
+                        <a:rPr lang="en-US" altLang="zh-CN" baseline="-25000">
+                          <a:solidFill>
+                            <a:srgbClr val="FFFFFF"/>
+                          </a:solidFill>
+                        </a:rPr>
+                        <a:t>23</a:t>
+                      </a:r>
+                      <a:endParaRPr lang="en-US" altLang="zh-CN" baseline="-25000">
+                        <a:solidFill>
+                          <a:srgbClr val="FFFFFF"/>
+                        </a:solidFill>
+                      </a:endParaRPr>
+                    </a:p>
+                  </a:txBody>
+                  <a:tcPr anchor="ctr" anchorCtr="0">
+                    <a:lnL>
+                      <a:noFill/>
+                    </a:lnL>
+                    <a:lnR>
+                      <a:noFill/>
+                    </a:lnR>
+                    <a:lnT>
+                      <a:noFill/>
+                    </a:lnT>
+                    <a:lnB>
+                      <a:noFill/>
+                    </a:lnB>
+                    <a:solidFill>
+                      <a:srgbClr val="4CB050"/>
+                    </a:solidFill>
+                  </a:tcPr>
+                </a:tc>
+                <a:tc>
+                  <a:txBody>
+                    <a:bodyPr/>
+                    <a:p>
+                      <a:pPr algn="ctr">
+                        <a:buNone/>
+                      </a:pPr>
+                      <a:r>
+                        <a:rPr lang="en-US" altLang="zh-CN">
+                          <a:solidFill>
+                            <a:srgbClr val="FFFFFF"/>
+                          </a:solidFill>
+                        </a:rPr>
+                        <a:t>a</a:t>
+                      </a:r>
+                      <a:r>
+                        <a:rPr lang="en-US" altLang="zh-CN" baseline="-25000">
+                          <a:solidFill>
+                            <a:srgbClr val="FFFFFF"/>
+                          </a:solidFill>
+                        </a:rPr>
+                        <a:t>24</a:t>
+                      </a:r>
+                      <a:endParaRPr lang="en-US" altLang="zh-CN" baseline="-25000">
+                        <a:solidFill>
+                          <a:srgbClr val="FFFFFF"/>
+                        </a:solidFill>
+                      </a:endParaRPr>
+                    </a:p>
+                  </a:txBody>
+                  <a:tcPr anchor="ctr" anchorCtr="0">
+                    <a:lnL>
+                      <a:noFill/>
+                    </a:lnL>
+                    <a:lnR>
+                      <a:noFill/>
+                    </a:lnR>
+                    <a:lnT>
+                      <a:noFill/>
+                    </a:lnT>
+                    <a:lnB>
+                      <a:noFill/>
+                    </a:lnB>
+                    <a:solidFill>
+                      <a:srgbClr val="8CC34B"/>
+                    </a:solidFill>
+                  </a:tcPr>
+                </a:tc>
+                <a:tc>
+                  <a:txBody>
+                    <a:bodyPr/>
+                    <a:p>
+                      <a:pPr algn="ctr">
+                        <a:buNone/>
+                      </a:pPr>
+                      <a:r>
+                        <a:rPr lang="en-US" altLang="zh-CN">
+                          <a:solidFill>
+                            <a:srgbClr val="FFFFFF"/>
+                          </a:solidFill>
+                        </a:rPr>
+                        <a:t>a</a:t>
+                      </a:r>
+                      <a:r>
+                        <a:rPr lang="en-US" altLang="zh-CN" baseline="-25000">
+                          <a:solidFill>
+                            <a:srgbClr val="FFFFFF"/>
+                          </a:solidFill>
+                        </a:rPr>
+                        <a:t>35</a:t>
+                      </a:r>
+                      <a:endParaRPr lang="en-US" altLang="zh-CN" baseline="-25000">
+                        <a:solidFill>
+                          <a:srgbClr val="FFFFFF"/>
+                        </a:solidFill>
+                      </a:endParaRPr>
+                    </a:p>
+                  </a:txBody>
+                  <a:tcPr anchor="ctr" anchorCtr="0">
+                    <a:lnL>
+                      <a:noFill/>
+                    </a:lnL>
+                    <a:lnR>
+                      <a:noFill/>
+                    </a:lnR>
+                    <a:lnT>
+                      <a:noFill/>
+                    </a:lnT>
+                    <a:lnB>
+                      <a:noFill/>
+                    </a:lnB>
+                    <a:solidFill>
+                      <a:srgbClr val="CDDC39"/>
+                    </a:solidFill>
+                  </a:tcPr>
+                </a:tc>
+                <a:tc>
+                  <a:txBody>
+                    <a:bodyPr/>
+                    <a:p>
+                      <a:pPr algn="ctr">
+                        <a:buNone/>
+                      </a:pPr>
+                      <a:r>
+                        <a:rPr lang="en-US" altLang="zh-CN">
+                          <a:solidFill>
+                            <a:srgbClr val="FFFFFF"/>
+                          </a:solidFill>
+                        </a:rPr>
+                        <a:t>a</a:t>
+                      </a:r>
+                      <a:r>
+                        <a:rPr lang="en-US" altLang="zh-CN" baseline="-25000">
+                          <a:solidFill>
+                            <a:srgbClr val="FFFFFF"/>
+                          </a:solidFill>
+                        </a:rPr>
+                        <a:t>45</a:t>
+                      </a:r>
+                      <a:endParaRPr lang="en-US" altLang="zh-CN" baseline="-25000">
+                        <a:solidFill>
+                          <a:srgbClr val="FFFFFF"/>
+                        </a:solidFill>
+                      </a:endParaRPr>
+                    </a:p>
+                  </a:txBody>
+                  <a:tcPr anchor="ctr" anchorCtr="0">
+                    <a:lnL>
+                      <a:noFill/>
+                    </a:lnL>
+                    <a:lnR>
+                      <a:noFill/>
+                    </a:lnR>
+                    <a:lnT>
+                      <a:noFill/>
+                    </a:lnT>
+                    <a:lnB>
+                      <a:noFill/>
+                    </a:lnB>
+                    <a:solidFill>
+                      <a:srgbClr val="03A9F5"/>
+                    </a:solidFill>
+                  </a:tcPr>
+                </a:tc>
+              </a:tr>
+              <a:tr h="370840">
+                <a:tc>
+                  <a:txBody>
+                    <a:bodyPr/>
+                    <a:p>
+                      <a:pPr algn="ctr">
+                        <a:buNone/>
+                      </a:pPr>
+                      <a:r>
+                        <a:rPr lang="zh-CN" altLang="en-US">
+                          <a:solidFill>
+                            <a:srgbClr val="404040"/>
+                          </a:solidFill>
+                        </a:rPr>
+                        <a:t>最早开始时间</a:t>
+                      </a:r>
+                      <a:endParaRPr lang="zh-CN" altLang="en-US">
+                        <a:solidFill>
+                          <a:srgbClr val="404040"/>
+                        </a:solidFill>
+                      </a:endParaRPr>
+                    </a:p>
+                  </a:txBody>
+                  <a:tcPr anchor="ctr" anchorCtr="0">
+                    <a:lnL>
+                      <a:noFill/>
+                    </a:lnL>
+                    <a:lnR w="12700">
+                      <a:solidFill>
+                        <a:srgbClr val="D9D9D9"/>
+                      </a:solidFill>
+                      <a:prstDash val="solid"/>
+                    </a:lnR>
+                    <a:lnT>
+                      <a:noFill/>
+                    </a:lnT>
+                    <a:lnB>
+                      <a:noFill/>
+                    </a:lnB>
+                    <a:solidFill>
+                      <a:srgbClr val="FFFFFF"/>
+                    </a:solidFill>
+                  </a:tcPr>
+                </a:tc>
+                <a:tc>
+                  <a:txBody>
+                    <a:bodyPr/>
+                    <a:p>
+                      <a:pPr algn="ctr">
+                        <a:buClrTx/>
+                        <a:buSzTx/>
+                        <a:buFontTx/>
+                        <a:buNone/>
+                      </a:pPr>
+                      <a:r>
+                        <a:rPr lang="en-US" altLang="zh-CN" b="1">
+                          <a:solidFill>
+                            <a:srgbClr val="FF0000"/>
+                          </a:solidFill>
+                        </a:rPr>
+                        <a:t>0</a:t>
+                      </a:r>
+                      <a:endParaRPr lang="en-US" altLang="zh-CN" b="1">
+                        <a:solidFill>
+                          <a:srgbClr val="FF0000"/>
+                        </a:solidFill>
+                      </a:endParaRPr>
+                    </a:p>
+                  </a:txBody>
+                  <a:tcPr anchor="ctr" anchorCtr="0">
+                    <a:lnL w="12700">
+                      <a:solidFill>
+                        <a:srgbClr val="D9D9D9"/>
+                      </a:solidFill>
+                      <a:prstDash val="solid"/>
+                    </a:lnL>
+                    <a:lnR w="6350">
+                      <a:solidFill>
+                        <a:srgbClr val="D9D9D9"/>
+                      </a:solidFill>
+                      <a:prstDash val="solid"/>
+                    </a:lnR>
+                    <a:lnT>
+                      <a:noFill/>
+                    </a:lnT>
+                    <a:lnB>
+                      <a:noFill/>
+                    </a:lnB>
+                    <a:solidFill>
+                      <a:schemeClr val="accent4">
+                        <a:lumMod val="60000"/>
+                        <a:lumOff val="40000"/>
+                      </a:schemeClr>
+                    </a:solidFill>
+                  </a:tcPr>
+                </a:tc>
+                <a:tc>
+                  <a:txBody>
+                    <a:bodyPr/>
+                    <a:p>
+                      <a:pPr algn="ctr">
+                        <a:buClrTx/>
+                        <a:buSzTx/>
+                        <a:buFontTx/>
+                        <a:buNone/>
+                      </a:pPr>
+                      <a:r>
+                        <a:rPr lang="en-US" altLang="zh-CN">
+                          <a:solidFill>
+                            <a:srgbClr val="404040"/>
+                          </a:solidFill>
+                        </a:rPr>
+                        <a:t>0</a:t>
+                      </a:r>
+                      <a:endParaRPr lang="en-US" altLang="zh-CN">
+                        <a:solidFill>
+                          <a:srgbClr val="404040"/>
+                        </a:solidFill>
+                      </a:endParaRPr>
+                    </a:p>
+                  </a:txBody>
+                  <a:tcPr anchor="ctr" anchorCtr="0">
+                    <a:lnL w="6350">
+                      <a:solidFill>
+                        <a:srgbClr val="D9D9D9"/>
+                      </a:solidFill>
+                      <a:prstDash val="solid"/>
+                    </a:lnL>
+                    <a:lnR w="6350">
+                      <a:solidFill>
+                        <a:srgbClr val="D9D9D9"/>
+                      </a:solidFill>
+                      <a:prstDash val="solid"/>
+                    </a:lnR>
+                    <a:lnT>
+                      <a:noFill/>
+                    </a:lnT>
+                    <a:lnB>
+                      <a:noFill/>
+                    </a:lnB>
+                    <a:solidFill>
+                      <a:srgbClr val="FFFFFF"/>
+                    </a:solidFill>
+                  </a:tcPr>
+                </a:tc>
+                <a:tc>
+                  <a:txBody>
+                    <a:bodyPr/>
+                    <a:p>
+                      <a:pPr algn="ctr">
+                        <a:buClrTx/>
+                        <a:buSzTx/>
+                        <a:buFontTx/>
+                        <a:buNone/>
+                      </a:pPr>
+                      <a:r>
+                        <a:rPr lang="en-US" altLang="zh-CN" b="1">
+                          <a:solidFill>
+                            <a:srgbClr val="FF0000"/>
+                          </a:solidFill>
+                        </a:rPr>
+                        <a:t>4</a:t>
+                      </a:r>
+                      <a:endParaRPr lang="en-US" altLang="zh-CN" b="1">
+                        <a:solidFill>
+                          <a:srgbClr val="FF0000"/>
+                        </a:solidFill>
+                      </a:endParaRPr>
+                    </a:p>
+                  </a:txBody>
+                  <a:tcPr anchor="ctr" anchorCtr="0">
+                    <a:lnL w="6350">
+                      <a:solidFill>
+                        <a:srgbClr val="D9D9D9"/>
+                      </a:solidFill>
+                      <a:prstDash val="solid"/>
+                    </a:lnL>
+                    <a:lnR w="6350">
+                      <a:solidFill>
+                        <a:srgbClr val="D9D9D9"/>
+                      </a:solidFill>
+                      <a:prstDash val="solid"/>
+                    </a:lnR>
+                    <a:lnT>
+                      <a:noFill/>
+                    </a:lnT>
+                    <a:lnB>
+                      <a:noFill/>
+                    </a:lnB>
+                    <a:solidFill>
+                      <a:schemeClr val="accent4">
+                        <a:lumMod val="60000"/>
+                        <a:lumOff val="40000"/>
+                      </a:schemeClr>
+                    </a:solidFill>
+                  </a:tcPr>
+                </a:tc>
+                <a:tc>
+                  <a:txBody>
+                    <a:bodyPr/>
+                    <a:p>
+                      <a:pPr algn="ctr">
+                        <a:buClrTx/>
+                        <a:buSzTx/>
+                        <a:buFontTx/>
+                        <a:buNone/>
+                      </a:pPr>
+                      <a:r>
+                        <a:rPr lang="en-US" altLang="zh-CN" b="1">
+                          <a:solidFill>
+                            <a:srgbClr val="FF0000"/>
+                          </a:solidFill>
+                        </a:rPr>
+                        <a:t>9</a:t>
+                      </a:r>
+                      <a:endParaRPr lang="en-US" altLang="zh-CN" b="1">
+                        <a:solidFill>
+                          <a:srgbClr val="FF0000"/>
+                        </a:solidFill>
+                      </a:endParaRPr>
+                    </a:p>
+                  </a:txBody>
+                  <a:tcPr anchor="ctr" anchorCtr="0">
+                    <a:lnL w="6350">
+                      <a:solidFill>
+                        <a:srgbClr val="D9D9D9"/>
+                      </a:solidFill>
+                      <a:prstDash val="solid"/>
+                    </a:lnL>
+                    <a:lnR w="6350">
+                      <a:solidFill>
+                        <a:srgbClr val="D9D9D9"/>
+                      </a:solidFill>
+                      <a:prstDash val="solid"/>
+                    </a:lnR>
+                    <a:lnT>
+                      <a:noFill/>
+                    </a:lnT>
+                    <a:lnB>
+                      <a:noFill/>
+                    </a:lnB>
+                    <a:solidFill>
+                      <a:schemeClr val="accent4">
+                        <a:lumMod val="60000"/>
+                        <a:lumOff val="40000"/>
+                      </a:schemeClr>
+                    </a:solidFill>
+                  </a:tcPr>
+                </a:tc>
+                <a:tc>
+                  <a:txBody>
+                    <a:bodyPr/>
+                    <a:p>
+                      <a:pPr algn="ctr">
+                        <a:buClrTx/>
+                        <a:buSzTx/>
+                        <a:buFontTx/>
+                        <a:buNone/>
+                      </a:pPr>
+                      <a:r>
+                        <a:rPr lang="en-US" altLang="zh-CN">
+                          <a:solidFill>
+                            <a:srgbClr val="404040"/>
+                          </a:solidFill>
+                        </a:rPr>
+                        <a:t>9</a:t>
+                      </a:r>
+                      <a:endParaRPr lang="en-US" altLang="zh-CN">
+                        <a:solidFill>
+                          <a:srgbClr val="404040"/>
+                        </a:solidFill>
+                      </a:endParaRPr>
+                    </a:p>
+                  </a:txBody>
+                  <a:tcPr anchor="ctr" anchorCtr="0">
+                    <a:lnL w="6350">
+                      <a:solidFill>
+                        <a:srgbClr val="D9D9D9"/>
+                      </a:solidFill>
+                      <a:prstDash val="solid"/>
+                    </a:lnL>
+                    <a:lnR w="6350">
+                      <a:solidFill>
+                        <a:srgbClr val="D9D9D9"/>
+                      </a:solidFill>
+                      <a:prstDash val="solid"/>
+                    </a:lnR>
+                    <a:lnT>
+                      <a:noFill/>
+                    </a:lnT>
+                    <a:lnB>
+                      <a:noFill/>
+                    </a:lnB>
+                    <a:solidFill>
+                      <a:srgbClr val="FFFFFF"/>
+                    </a:solidFill>
+                  </a:tcPr>
+                </a:tc>
+                <a:tc>
+                  <a:txBody>
+                    <a:bodyPr/>
+                    <a:p>
+                      <a:pPr algn="ctr">
+                        <a:buClrTx/>
+                        <a:buSzTx/>
+                        <a:buFontTx/>
+                        <a:buNone/>
+                      </a:pPr>
+                      <a:r>
+                        <a:rPr lang="en-US" altLang="zh-CN" b="1">
+                          <a:solidFill>
+                            <a:srgbClr val="FF0000"/>
+                          </a:solidFill>
+                        </a:rPr>
+                        <a:t>13</a:t>
+                      </a:r>
+                      <a:endParaRPr lang="en-US" altLang="zh-CN" b="1">
+                        <a:solidFill>
+                          <a:srgbClr val="FF0000"/>
+                        </a:solidFill>
+                      </a:endParaRPr>
+                    </a:p>
+                  </a:txBody>
+                  <a:tcPr anchor="ctr" anchorCtr="0">
+                    <a:lnL w="6350">
+                      <a:solidFill>
+                        <a:srgbClr val="D9D9D9"/>
+                      </a:solidFill>
+                      <a:prstDash val="solid"/>
+                    </a:lnL>
+                    <a:lnR w="6350">
+                      <a:solidFill>
+                        <a:srgbClr val="D9D9D9"/>
+                      </a:solidFill>
+                      <a:prstDash val="solid"/>
+                    </a:lnR>
+                    <a:lnT>
+                      <a:noFill/>
+                    </a:lnT>
+                    <a:lnB>
+                      <a:noFill/>
+                    </a:lnB>
+                    <a:solidFill>
+                      <a:schemeClr val="accent4">
+                        <a:lumMod val="60000"/>
+                        <a:lumOff val="40000"/>
+                      </a:schemeClr>
+                    </a:solidFill>
+                  </a:tcPr>
+                </a:tc>
+                <a:tc>
+                  <a:txBody>
+                    <a:bodyPr/>
+                    <a:p>
+                      <a:pPr algn="ctr">
+                        <a:buClrTx/>
+                        <a:buSzTx/>
+                        <a:buFontTx/>
+                        <a:buNone/>
+                      </a:pPr>
+                      <a:r>
+                        <a:rPr lang="en-US" altLang="zh-CN">
+                          <a:solidFill>
+                            <a:srgbClr val="404040"/>
+                          </a:solidFill>
+                        </a:rPr>
+                        <a:t>12</a:t>
+                      </a:r>
+                      <a:endParaRPr lang="en-US" altLang="zh-CN">
+                        <a:solidFill>
+                          <a:srgbClr val="404040"/>
+                        </a:solidFill>
+                      </a:endParaRPr>
+                    </a:p>
+                  </a:txBody>
+                  <a:tcPr anchor="ctr" anchorCtr="0">
+                    <a:lnL w="6350">
+                      <a:solidFill>
+                        <a:srgbClr val="D9D9D9"/>
+                      </a:solidFill>
+                      <a:prstDash val="solid"/>
+                    </a:lnL>
+                    <a:lnR>
+                      <a:noFill/>
+                    </a:lnR>
+                    <a:lnT>
+                      <a:noFill/>
+                    </a:lnT>
+                    <a:lnB>
+                      <a:noFill/>
+                    </a:lnB>
+                    <a:solidFill>
+                      <a:srgbClr val="FFFFFF"/>
+                    </a:solidFill>
+                  </a:tcPr>
+                </a:tc>
+              </a:tr>
+              <a:tr h="370840">
+                <a:tc>
+                  <a:txBody>
+                    <a:bodyPr/>
+                    <a:p>
+                      <a:pPr algn="ctr">
+                        <a:buNone/>
+                      </a:pPr>
+                      <a:r>
+                        <a:rPr lang="zh-CN" altLang="en-US">
+                          <a:solidFill>
+                            <a:srgbClr val="404040"/>
+                          </a:solidFill>
+                        </a:rPr>
+                        <a:t>最迟开始时间</a:t>
+                      </a:r>
+                      <a:endParaRPr lang="zh-CN" altLang="en-US">
+                        <a:solidFill>
+                          <a:srgbClr val="404040"/>
+                        </a:solidFill>
+                      </a:endParaRPr>
+                    </a:p>
+                  </a:txBody>
+                  <a:tcPr anchor="ctr" anchorCtr="0">
+                    <a:lnL>
+                      <a:noFill/>
+                    </a:lnL>
+                    <a:lnR w="12700">
+                      <a:solidFill>
+                        <a:srgbClr val="D9D9D9"/>
+                      </a:solidFill>
+                      <a:prstDash val="solid"/>
+                    </a:lnR>
+                    <a:lnT>
+                      <a:noFill/>
+                    </a:lnT>
+                    <a:lnB w="19050">
+                      <a:solidFill>
+                        <a:srgbClr val="595959"/>
+                      </a:solidFill>
+                      <a:prstDash val="solid"/>
+                    </a:lnB>
+                    <a:solidFill>
+                      <a:srgbClr val="F2F2F2"/>
+                    </a:solidFill>
+                  </a:tcPr>
+                </a:tc>
+                <a:tc>
+                  <a:txBody>
+                    <a:bodyPr/>
+                    <a:p>
+                      <a:pPr algn="ctr">
+                        <a:buClrTx/>
+                        <a:buSzTx/>
+                        <a:buFontTx/>
+                        <a:buNone/>
+                      </a:pPr>
+                      <a:r>
+                        <a:rPr lang="en-US" altLang="zh-CN" b="1">
+                          <a:solidFill>
+                            <a:srgbClr val="FF0000"/>
+                          </a:solidFill>
+                        </a:rPr>
+                        <a:t>0</a:t>
+                      </a:r>
+                      <a:endParaRPr lang="en-US" altLang="zh-CN" b="1">
+                        <a:solidFill>
+                          <a:srgbClr val="FF0000"/>
+                        </a:solidFill>
+                      </a:endParaRPr>
+                    </a:p>
+                  </a:txBody>
+                  <a:tcPr anchor="ctr" anchorCtr="0">
+                    <a:lnL w="12700">
+                      <a:solidFill>
+                        <a:srgbClr val="D9D9D9"/>
+                      </a:solidFill>
+                      <a:prstDash val="solid"/>
+                    </a:lnL>
+                    <a:lnR w="6350">
+                      <a:solidFill>
+                        <a:srgbClr val="D9D9D9"/>
+                      </a:solidFill>
+                      <a:prstDash val="solid"/>
+                    </a:lnR>
+                    <a:lnT>
+                      <a:noFill/>
+                    </a:lnT>
+                    <a:lnB w="19050">
+                      <a:solidFill>
+                        <a:srgbClr val="595959"/>
+                      </a:solidFill>
+                      <a:prstDash val="solid"/>
+                    </a:lnB>
+                    <a:solidFill>
+                      <a:schemeClr val="accent4">
+                        <a:lumMod val="60000"/>
+                        <a:lumOff val="40000"/>
+                      </a:schemeClr>
+                    </a:solidFill>
+                  </a:tcPr>
+                </a:tc>
+                <a:tc>
+                  <a:txBody>
+                    <a:bodyPr/>
+                    <a:p>
+                      <a:pPr algn="ctr">
+                        <a:buClrTx/>
+                        <a:buSzTx/>
+                        <a:buFontTx/>
+                        <a:buNone/>
+                      </a:pPr>
+                      <a:r>
+                        <a:rPr lang="en-US" altLang="zh-CN">
+                          <a:solidFill>
+                            <a:srgbClr val="404040"/>
+                          </a:solidFill>
+                        </a:rPr>
+                        <a:t>3</a:t>
+                      </a:r>
+                      <a:endParaRPr lang="en-US" altLang="zh-CN">
+                        <a:solidFill>
+                          <a:srgbClr val="404040"/>
+                        </a:solidFill>
+                      </a:endParaRPr>
+                    </a:p>
+                  </a:txBody>
+                  <a:tcPr anchor="ctr" anchorCtr="0">
+                    <a:lnL w="6350">
+                      <a:solidFill>
+                        <a:srgbClr val="D9D9D9"/>
+                      </a:solidFill>
+                      <a:prstDash val="solid"/>
+                    </a:lnL>
+                    <a:lnR w="6350">
+                      <a:solidFill>
+                        <a:srgbClr val="D9D9D9"/>
+                      </a:solidFill>
+                      <a:prstDash val="solid"/>
+                    </a:lnR>
+                    <a:lnT>
+                      <a:noFill/>
+                    </a:lnT>
+                    <a:lnB w="19050">
+                      <a:solidFill>
+                        <a:srgbClr val="595959"/>
+                      </a:solidFill>
+                      <a:prstDash val="solid"/>
+                    </a:lnB>
+                    <a:solidFill>
+                      <a:srgbClr val="F2F2F2"/>
+                    </a:solidFill>
+                  </a:tcPr>
+                </a:tc>
+                <a:tc>
+                  <a:txBody>
+                    <a:bodyPr/>
+                    <a:p>
+                      <a:pPr algn="ctr">
+                        <a:buClrTx/>
+                        <a:buSzTx/>
+                        <a:buFontTx/>
+                        <a:buNone/>
+                      </a:pPr>
+                      <a:r>
+                        <a:rPr lang="en-US" altLang="zh-CN" b="1">
+                          <a:solidFill>
+                            <a:srgbClr val="FF0000"/>
+                          </a:solidFill>
+                        </a:rPr>
+                        <a:t>4</a:t>
+                      </a:r>
+                      <a:endParaRPr lang="en-US" altLang="zh-CN" b="1">
+                        <a:solidFill>
+                          <a:srgbClr val="FF0000"/>
+                        </a:solidFill>
+                      </a:endParaRPr>
+                    </a:p>
+                  </a:txBody>
+                  <a:tcPr anchor="ctr" anchorCtr="0">
+                    <a:lnL w="6350">
+                      <a:solidFill>
+                        <a:srgbClr val="D9D9D9"/>
+                      </a:solidFill>
+                      <a:prstDash val="solid"/>
+                    </a:lnL>
+                    <a:lnR w="6350">
+                      <a:solidFill>
+                        <a:srgbClr val="D9D9D9"/>
+                      </a:solidFill>
+                      <a:prstDash val="solid"/>
+                    </a:lnR>
+                    <a:lnT>
+                      <a:noFill/>
+                    </a:lnT>
+                    <a:lnB w="19050">
+                      <a:solidFill>
+                        <a:srgbClr val="595959"/>
+                      </a:solidFill>
+                      <a:prstDash val="solid"/>
+                    </a:lnB>
+                    <a:solidFill>
+                      <a:schemeClr val="accent4">
+                        <a:lumMod val="60000"/>
+                        <a:lumOff val="40000"/>
+                      </a:schemeClr>
+                    </a:solidFill>
+                  </a:tcPr>
+                </a:tc>
+                <a:tc>
+                  <a:txBody>
+                    <a:bodyPr/>
+                    <a:p>
+                      <a:pPr algn="ctr">
+                        <a:buClrTx/>
+                        <a:buSzTx/>
+                        <a:buFontTx/>
+                        <a:buNone/>
+                      </a:pPr>
+                      <a:r>
+                        <a:rPr lang="en-US" altLang="zh-CN" b="1">
+                          <a:solidFill>
+                            <a:srgbClr val="FF0000"/>
+                          </a:solidFill>
+                        </a:rPr>
+                        <a:t>9</a:t>
+                      </a:r>
+                      <a:endParaRPr lang="en-US" altLang="zh-CN" b="1">
+                        <a:solidFill>
+                          <a:srgbClr val="FF0000"/>
+                        </a:solidFill>
+                      </a:endParaRPr>
+                    </a:p>
+                  </a:txBody>
+                  <a:tcPr anchor="ctr" anchorCtr="0">
+                    <a:lnL w="6350">
+                      <a:solidFill>
+                        <a:srgbClr val="D9D9D9"/>
+                      </a:solidFill>
+                      <a:prstDash val="solid"/>
+                    </a:lnL>
+                    <a:lnR w="6350">
+                      <a:solidFill>
+                        <a:srgbClr val="D9D9D9"/>
+                      </a:solidFill>
+                      <a:prstDash val="solid"/>
+                    </a:lnR>
+                    <a:lnT>
+                      <a:noFill/>
+                    </a:lnT>
+                    <a:lnB w="19050">
+                      <a:solidFill>
+                        <a:srgbClr val="595959"/>
+                      </a:solidFill>
+                      <a:prstDash val="solid"/>
+                    </a:lnB>
+                    <a:solidFill>
+                      <a:schemeClr val="accent4">
+                        <a:lumMod val="60000"/>
+                        <a:lumOff val="40000"/>
+                      </a:schemeClr>
+                    </a:solidFill>
+                  </a:tcPr>
+                </a:tc>
+                <a:tc>
+                  <a:txBody>
+                    <a:bodyPr/>
+                    <a:p>
+                      <a:pPr algn="ctr">
+                        <a:buClrTx/>
+                        <a:buSzTx/>
+                        <a:buFontTx/>
+                        <a:buNone/>
+                      </a:pPr>
+                      <a:r>
+                        <a:rPr lang="en-US" altLang="zh-CN">
+                          <a:solidFill>
+                            <a:srgbClr val="404040"/>
+                          </a:solidFill>
+                        </a:rPr>
+                        <a:t>10</a:t>
+                      </a:r>
+                      <a:endParaRPr lang="en-US" altLang="zh-CN">
+                        <a:solidFill>
+                          <a:srgbClr val="404040"/>
+                        </a:solidFill>
+                      </a:endParaRPr>
+                    </a:p>
+                  </a:txBody>
+                  <a:tcPr anchor="ctr" anchorCtr="0">
+                    <a:lnL w="6350">
+                      <a:solidFill>
+                        <a:srgbClr val="D9D9D9"/>
+                      </a:solidFill>
+                      <a:prstDash val="solid"/>
+                    </a:lnL>
+                    <a:lnR w="6350">
+                      <a:solidFill>
+                        <a:srgbClr val="D9D9D9"/>
+                      </a:solidFill>
+                      <a:prstDash val="solid"/>
+                    </a:lnR>
+                    <a:lnT>
+                      <a:noFill/>
+                    </a:lnT>
+                    <a:lnB w="19050">
+                      <a:solidFill>
+                        <a:srgbClr val="595959"/>
+                      </a:solidFill>
+                      <a:prstDash val="solid"/>
+                    </a:lnB>
+                    <a:solidFill>
+                      <a:srgbClr val="F2F2F2"/>
+                    </a:solidFill>
+                  </a:tcPr>
+                </a:tc>
+                <a:tc>
+                  <a:txBody>
+                    <a:bodyPr/>
+                    <a:p>
+                      <a:pPr algn="ctr">
+                        <a:buClrTx/>
+                        <a:buSzTx/>
+                        <a:buFontTx/>
+                        <a:buNone/>
+                      </a:pPr>
+                      <a:r>
+                        <a:rPr lang="en-US" altLang="zh-CN" b="1">
+                          <a:solidFill>
+                            <a:srgbClr val="FF0000"/>
+                          </a:solidFill>
+                        </a:rPr>
+                        <a:t>13</a:t>
+                      </a:r>
+                      <a:endParaRPr lang="en-US" altLang="zh-CN" b="1">
+                        <a:solidFill>
+                          <a:srgbClr val="FF0000"/>
+                        </a:solidFill>
+                      </a:endParaRPr>
+                    </a:p>
+                  </a:txBody>
+                  <a:tcPr anchor="ctr" anchorCtr="0">
+                    <a:lnL w="6350">
+                      <a:solidFill>
+                        <a:srgbClr val="D9D9D9"/>
+                      </a:solidFill>
+                      <a:prstDash val="solid"/>
+                    </a:lnL>
+                    <a:lnR w="6350">
+                      <a:solidFill>
+                        <a:srgbClr val="D9D9D9"/>
+                      </a:solidFill>
+                      <a:prstDash val="solid"/>
+                    </a:lnR>
+                    <a:lnT>
+                      <a:noFill/>
+                    </a:lnT>
+                    <a:lnB w="19050">
+                      <a:solidFill>
+                        <a:srgbClr val="595959"/>
+                      </a:solidFill>
+                      <a:prstDash val="solid"/>
+                    </a:lnB>
+                    <a:solidFill>
+                      <a:schemeClr val="accent4">
+                        <a:lumMod val="60000"/>
+                        <a:lumOff val="40000"/>
+                      </a:schemeClr>
+                    </a:solidFill>
+                  </a:tcPr>
+                </a:tc>
+                <a:tc>
+                  <a:txBody>
+                    <a:bodyPr/>
+                    <a:p>
+                      <a:pPr algn="ctr">
+                        <a:buClrTx/>
+                        <a:buSzTx/>
+                        <a:buFontTx/>
+                        <a:buNone/>
+                      </a:pPr>
+                      <a:r>
+                        <a:rPr lang="en-US" altLang="zh-CN">
+                          <a:solidFill>
+                            <a:srgbClr val="404040"/>
+                          </a:solidFill>
+                        </a:rPr>
+                        <a:t>13</a:t>
+                      </a:r>
+                      <a:endParaRPr lang="en-US" altLang="zh-CN">
+                        <a:solidFill>
+                          <a:srgbClr val="404040"/>
+                        </a:solidFill>
+                      </a:endParaRPr>
+                    </a:p>
+                  </a:txBody>
+                  <a:tcPr anchor="ctr" anchorCtr="0">
+                    <a:lnL w="6350">
+                      <a:solidFill>
+                        <a:srgbClr val="D9D9D9"/>
+                      </a:solidFill>
+                      <a:prstDash val="solid"/>
+                    </a:lnL>
+                    <a:lnR>
+                      <a:noFill/>
+                    </a:lnR>
+                    <a:lnT>
+                      <a:noFill/>
+                    </a:lnT>
+                    <a:lnB w="19050">
+                      <a:solidFill>
+                        <a:srgbClr val="595959"/>
+                      </a:solidFill>
+                      <a:prstDash val="solid"/>
+                    </a:lnB>
+                    <a:solidFill>
+                      <a:srgbClr val="F2F2F2"/>
+                    </a:solidFill>
+                  </a:tcPr>
+                </a:tc>
+              </a:tr>
+            </a:tbl>
+          </a:graphicData>
+        </a:graphic>
+      </p:graphicFrame>
+    </p:spTree>
+    <p:custDataLst>
+      <p:tags r:id="rId6"/>
+    </p:custDataLst>
+  </p:cSld>
+  <p:clrMapOvr>
+    <a:masterClrMapping/>
+  </p:clrMapOvr>
+</p:sld>
+</file>
+
+<file path=ppt/slides/slide18.xml><?xml version="1.0" encoding="utf-8"?>
+<p:sld xmlns:a="http://schemas.openxmlformats.org/drawingml/2006/main" xmlns:r="http://schemas.openxmlformats.org/officeDocument/2006/relationships" xmlns:p="http://schemas.openxmlformats.org/presentationml/2006/main">
+  <p:cSld>
+    <p:spTree>
+      <p:nvGrpSpPr>
+        <p:cNvPr id="1" name=""/>
+        <p:cNvGrpSpPr/>
+        <p:nvPr/>
+      </p:nvGrpSpPr>
+      <p:grpSpPr/>
+      <p:grpSp>
+        <p:nvGrpSpPr>
+          <p:cNvPr id="36" name="组合 35"/>
+          <p:cNvGrpSpPr/>
+          <p:nvPr/>
+        </p:nvGrpSpPr>
+        <p:grpSpPr>
+          <a:xfrm>
+            <a:off x="2277110" y="1315720"/>
+            <a:ext cx="7625080" cy="1664970"/>
+            <a:chOff x="3586" y="2072"/>
+            <a:chExt cx="12008" cy="2622"/>
+          </a:xfrm>
+        </p:grpSpPr>
+        <p:grpSp>
+          <p:nvGrpSpPr>
+            <p:cNvPr id="9" name="组合 8"/>
+            <p:cNvGrpSpPr/>
+            <p:nvPr/>
+          </p:nvGrpSpPr>
+          <p:grpSpPr>
+            <a:xfrm>
+              <a:off x="3586" y="2072"/>
+              <a:ext cx="12008" cy="2622"/>
+              <a:chOff x="3694" y="2072"/>
+              <a:chExt cx="12008" cy="2622"/>
+            </a:xfrm>
+          </p:grpSpPr>
+          <p:pic>
+            <p:nvPicPr>
+              <p:cNvPr id="5" name="图片 4"/>
+              <p:cNvPicPr>
+                <a:picLocks noChangeAspect="1"/>
+              </p:cNvPicPr>
+              <p:nvPr>
+                <p:custDataLst>
+                  <p:tags r:id="rId1"/>
+                </p:custDataLst>
+              </p:nvPr>
+            </p:nvPicPr>
+            <p:blipFill>
+              <a:blip r:embed="rId2"/>
+              <a:stretch>
+                <a:fillRect/>
+              </a:stretch>
+            </p:blipFill>
+            <p:spPr>
+              <a:xfrm>
+                <a:off x="3694" y="2072"/>
+                <a:ext cx="3002" cy="2622"/>
+              </a:xfrm>
+              <a:prstGeom prst="rect">
+                <a:avLst/>
+              </a:prstGeom>
+            </p:spPr>
+          </p:pic>
+          <p:pic>
+            <p:nvPicPr>
+              <p:cNvPr id="6" name="图片 5"/>
+              <p:cNvPicPr>
+                <a:picLocks noChangeAspect="1"/>
+              </p:cNvPicPr>
+              <p:nvPr>
+                <p:custDataLst>
+                  <p:tags r:id="rId3"/>
+                </p:custDataLst>
+              </p:nvPr>
+            </p:nvPicPr>
+            <p:blipFill>
+              <a:blip r:embed="rId2"/>
+              <a:stretch>
+                <a:fillRect/>
+              </a:stretch>
+            </p:blipFill>
+            <p:spPr>
+              <a:xfrm>
+                <a:off x="6696" y="2072"/>
+                <a:ext cx="3002" cy="2622"/>
+              </a:xfrm>
+              <a:prstGeom prst="rect">
+                <a:avLst/>
+              </a:prstGeom>
+            </p:spPr>
+          </p:pic>
+          <p:pic>
+            <p:nvPicPr>
+              <p:cNvPr id="7" name="图片 6"/>
+              <p:cNvPicPr>
+                <a:picLocks noChangeAspect="1"/>
+              </p:cNvPicPr>
+              <p:nvPr>
+                <p:custDataLst>
+                  <p:tags r:id="rId4"/>
+                </p:custDataLst>
+              </p:nvPr>
+            </p:nvPicPr>
+            <p:blipFill>
+              <a:blip r:embed="rId2"/>
+              <a:stretch>
+                <a:fillRect/>
+              </a:stretch>
+            </p:blipFill>
+            <p:spPr>
+              <a:xfrm>
+                <a:off x="9698" y="2072"/>
+                <a:ext cx="3002" cy="2622"/>
+              </a:xfrm>
+              <a:prstGeom prst="rect">
+                <a:avLst/>
+              </a:prstGeom>
+            </p:spPr>
+          </p:pic>
+          <p:pic>
+            <p:nvPicPr>
+              <p:cNvPr id="8" name="图片 7"/>
+              <p:cNvPicPr>
+                <a:picLocks noChangeAspect="1"/>
+              </p:cNvPicPr>
+              <p:nvPr>
+                <p:custDataLst>
+                  <p:tags r:id="rId5"/>
+                </p:custDataLst>
+              </p:nvPr>
+            </p:nvPicPr>
+            <p:blipFill>
+              <a:blip r:embed="rId2"/>
+              <a:stretch>
+                <a:fillRect/>
+              </a:stretch>
+            </p:blipFill>
+            <p:spPr>
+              <a:xfrm>
+                <a:off x="12700" y="2072"/>
+                <a:ext cx="3002" cy="2622"/>
+              </a:xfrm>
+              <a:prstGeom prst="rect">
+                <a:avLst/>
+              </a:prstGeom>
+            </p:spPr>
+          </p:pic>
+        </p:grpSp>
+        <p:sp>
+          <p:nvSpPr>
+            <p:cNvPr id="18" name="椭圆 17"/>
+            <p:cNvSpPr/>
+            <p:nvPr>
+              <p:custDataLst>
+                <p:tags r:id="rId6"/>
+              </p:custDataLst>
+            </p:nvPr>
+          </p:nvSpPr>
+          <p:spPr>
+            <a:xfrm>
+              <a:off x="4859" y="2126"/>
+              <a:ext cx="456" cy="493"/>
+            </a:xfrm>
+            <a:prstGeom prst="ellipse">
+              <a:avLst/>
+            </a:prstGeom>
+            <a:noFill/>
+            <a:ln w="38100">
+              <a:solidFill>
+                <a:srgbClr val="00B050"/>
+              </a:solidFill>
+            </a:ln>
+          </p:spPr>
+          <p:style>
+            <a:lnRef idx="2">
+              <a:schemeClr val="accent1">
+                <a:shade val="50000"/>
+              </a:schemeClr>
+            </a:lnRef>
+            <a:fillRef idx="1">
+              <a:schemeClr val="accent1"/>
+            </a:fillRef>
+            <a:effectRef idx="0">
+              <a:schemeClr val="accent1"/>
+            </a:effectRef>
+            <a:fontRef idx="minor">
+              <a:schemeClr val="lt1"/>
+            </a:fontRef>
+          </p:style>
+          <p:txBody>
+            <a:bodyPr rtlCol="0" anchor="ctr"/>
+            <a:p>
+              <a:pPr algn="ctr"/>
+              <a:endParaRPr lang="zh-CN" altLang="en-US"/>
+            </a:p>
+          </p:txBody>
+        </p:sp>
+        <p:sp>
+          <p:nvSpPr>
+            <p:cNvPr id="12" name="椭圆 11"/>
+            <p:cNvSpPr/>
+            <p:nvPr>
+              <p:custDataLst>
+                <p:tags r:id="rId7"/>
+              </p:custDataLst>
+            </p:nvPr>
+          </p:nvSpPr>
+          <p:spPr>
+            <a:xfrm>
+              <a:off x="13865" y="2126"/>
+              <a:ext cx="456" cy="493"/>
+            </a:xfrm>
+            <a:prstGeom prst="ellipse">
+              <a:avLst/>
+            </a:prstGeom>
+            <a:noFill/>
+            <a:ln w="38100">
+              <a:solidFill>
+                <a:srgbClr val="00B050"/>
+              </a:solidFill>
+            </a:ln>
+          </p:spPr>
+          <p:style>
+            <a:lnRef idx="2">
+              <a:schemeClr val="accent1">
+                <a:shade val="50000"/>
+              </a:schemeClr>
+            </a:lnRef>
+            <a:fillRef idx="1">
+              <a:schemeClr val="accent1"/>
+            </a:fillRef>
+            <a:effectRef idx="0">
+              <a:schemeClr val="accent1"/>
+            </a:effectRef>
+            <a:fontRef idx="minor">
+              <a:schemeClr val="lt1"/>
+            </a:fontRef>
+          </p:style>
+          <p:txBody>
+            <a:bodyPr rtlCol="0" anchor="ctr"/>
+            <a:p>
+              <a:pPr algn="ctr"/>
+              <a:endParaRPr lang="zh-CN" altLang="en-US"/>
+            </a:p>
+          </p:txBody>
+        </p:sp>
+        <p:sp>
+          <p:nvSpPr>
+            <p:cNvPr id="13" name="椭圆 12"/>
+            <p:cNvSpPr/>
+            <p:nvPr>
+              <p:custDataLst>
+                <p:tags r:id="rId8"/>
+              </p:custDataLst>
+            </p:nvPr>
+          </p:nvSpPr>
+          <p:spPr>
+            <a:xfrm>
+              <a:off x="7861" y="2126"/>
+              <a:ext cx="456" cy="493"/>
+            </a:xfrm>
+            <a:prstGeom prst="ellipse">
+              <a:avLst/>
+            </a:prstGeom>
+            <a:noFill/>
+            <a:ln w="38100">
+              <a:solidFill>
+                <a:srgbClr val="00B050"/>
+              </a:solidFill>
+            </a:ln>
+          </p:spPr>
+          <p:style>
+            <a:lnRef idx="2">
+              <a:schemeClr val="accent1">
+                <a:shade val="50000"/>
+              </a:schemeClr>
+            </a:lnRef>
+            <a:fillRef idx="1">
+              <a:schemeClr val="accent1"/>
+            </a:fillRef>
+            <a:effectRef idx="0">
+              <a:schemeClr val="accent1"/>
+            </a:effectRef>
+            <a:fontRef idx="minor">
+              <a:schemeClr val="lt1"/>
+            </a:fontRef>
+          </p:style>
+          <p:txBody>
+            <a:bodyPr rtlCol="0" anchor="ctr"/>
+            <a:p>
+              <a:pPr algn="ctr"/>
+              <a:endParaRPr lang="zh-CN" altLang="en-US"/>
+            </a:p>
+          </p:txBody>
+        </p:sp>
+        <p:sp>
+          <p:nvSpPr>
+            <p:cNvPr id="14" name="椭圆 13"/>
+            <p:cNvSpPr/>
+            <p:nvPr>
+              <p:custDataLst>
+                <p:tags r:id="rId9"/>
+              </p:custDataLst>
+            </p:nvPr>
+          </p:nvSpPr>
+          <p:spPr>
+            <a:xfrm>
+              <a:off x="10863" y="2126"/>
+              <a:ext cx="456" cy="493"/>
+            </a:xfrm>
+            <a:prstGeom prst="ellipse">
+              <a:avLst/>
+            </a:prstGeom>
+            <a:noFill/>
+            <a:ln w="38100">
+              <a:solidFill>
+                <a:srgbClr val="00B050"/>
+              </a:solidFill>
+            </a:ln>
+          </p:spPr>
+          <p:style>
+            <a:lnRef idx="2">
+              <a:schemeClr val="accent1">
+                <a:shade val="50000"/>
+              </a:schemeClr>
+            </a:lnRef>
+            <a:fillRef idx="1">
+              <a:schemeClr val="accent1"/>
+            </a:fillRef>
+            <a:effectRef idx="0">
+              <a:schemeClr val="accent1"/>
+            </a:effectRef>
+            <a:fontRef idx="minor">
+              <a:schemeClr val="lt1"/>
+            </a:fontRef>
+          </p:style>
+          <p:txBody>
+            <a:bodyPr rtlCol="0" anchor="ctr"/>
+            <a:p>
+              <a:pPr algn="ctr"/>
+              <a:endParaRPr lang="zh-CN" altLang="en-US"/>
+            </a:p>
+          </p:txBody>
+        </p:sp>
+        <p:sp>
+          <p:nvSpPr>
+            <p:cNvPr id="15" name="椭圆 14"/>
+            <p:cNvSpPr/>
+            <p:nvPr>
+              <p:custDataLst>
+                <p:tags r:id="rId10"/>
+              </p:custDataLst>
+            </p:nvPr>
+          </p:nvSpPr>
+          <p:spPr>
+            <a:xfrm>
+              <a:off x="5475" y="4119"/>
+              <a:ext cx="456" cy="493"/>
+            </a:xfrm>
+            <a:prstGeom prst="ellipse">
+              <a:avLst/>
+            </a:prstGeom>
+            <a:noFill/>
+            <a:ln w="38100">
+              <a:solidFill>
+                <a:srgbClr val="00B050"/>
+              </a:solidFill>
+            </a:ln>
+          </p:spPr>
+          <p:style>
+            <a:lnRef idx="2">
+              <a:schemeClr val="accent1">
+                <a:shade val="50000"/>
+              </a:schemeClr>
+            </a:lnRef>
+            <a:fillRef idx="1">
+              <a:schemeClr val="accent1"/>
+            </a:fillRef>
+            <a:effectRef idx="0">
+              <a:schemeClr val="accent1"/>
+            </a:effectRef>
+            <a:fontRef idx="minor">
+              <a:schemeClr val="lt1"/>
+            </a:fontRef>
+          </p:style>
+          <p:txBody>
+            <a:bodyPr rtlCol="0" anchor="ctr"/>
+            <a:p>
+              <a:pPr algn="ctr"/>
+              <a:endParaRPr lang="zh-CN" altLang="en-US"/>
+            </a:p>
+          </p:txBody>
+        </p:sp>
+        <p:sp>
+          <p:nvSpPr>
+            <p:cNvPr id="16" name="椭圆 15"/>
+            <p:cNvSpPr/>
+            <p:nvPr>
+              <p:custDataLst>
+                <p:tags r:id="rId11"/>
+              </p:custDataLst>
+            </p:nvPr>
+          </p:nvSpPr>
+          <p:spPr>
+            <a:xfrm>
+              <a:off x="8910" y="2924"/>
+              <a:ext cx="456" cy="493"/>
+            </a:xfrm>
+            <a:prstGeom prst="ellipse">
+              <a:avLst/>
+            </a:prstGeom>
+            <a:noFill/>
+            <a:ln w="38100">
+              <a:solidFill>
+                <a:srgbClr val="00B050"/>
+              </a:solidFill>
+            </a:ln>
+          </p:spPr>
+          <p:style>
+            <a:lnRef idx="2">
+              <a:schemeClr val="accent1">
+                <a:shade val="50000"/>
+              </a:schemeClr>
+            </a:lnRef>
+            <a:fillRef idx="1">
+              <a:schemeClr val="accent1"/>
+            </a:fillRef>
+            <a:effectRef idx="0">
+              <a:schemeClr val="accent1"/>
+            </a:effectRef>
+            <a:fontRef idx="minor">
+              <a:schemeClr val="lt1"/>
+            </a:fontRef>
+          </p:style>
+          <p:txBody>
+            <a:bodyPr rtlCol="0" anchor="ctr"/>
+            <a:p>
+              <a:pPr algn="ctr"/>
+              <a:endParaRPr lang="zh-CN" altLang="en-US"/>
+            </a:p>
+          </p:txBody>
+        </p:sp>
+        <p:sp>
+          <p:nvSpPr>
+            <p:cNvPr id="17" name="椭圆 16"/>
+            <p:cNvSpPr/>
+            <p:nvPr>
+              <p:custDataLst>
+                <p:tags r:id="rId12"/>
+              </p:custDataLst>
+            </p:nvPr>
+          </p:nvSpPr>
+          <p:spPr>
+            <a:xfrm>
+              <a:off x="11471" y="4119"/>
+              <a:ext cx="456" cy="493"/>
+            </a:xfrm>
+            <a:prstGeom prst="ellipse">
+              <a:avLst/>
+            </a:prstGeom>
+            <a:noFill/>
+            <a:ln w="38100">
+              <a:solidFill>
+                <a:srgbClr val="00B050"/>
+              </a:solidFill>
+            </a:ln>
+          </p:spPr>
+          <p:style>
+            <a:lnRef idx="2">
+              <a:schemeClr val="accent1">
+                <a:shade val="50000"/>
+              </a:schemeClr>
+            </a:lnRef>
+            <a:fillRef idx="1">
+              <a:schemeClr val="accent1"/>
+            </a:fillRef>
+            <a:effectRef idx="0">
+              <a:schemeClr val="accent1"/>
+            </a:effectRef>
+            <a:fontRef idx="minor">
+              <a:schemeClr val="lt1"/>
+            </a:fontRef>
+          </p:style>
+          <p:txBody>
+            <a:bodyPr rtlCol="0" anchor="ctr"/>
+            <a:p>
+              <a:pPr algn="ctr"/>
+              <a:endParaRPr lang="zh-CN" altLang="en-US"/>
+            </a:p>
+          </p:txBody>
+        </p:sp>
+        <p:sp>
+          <p:nvSpPr>
+            <p:cNvPr id="19" name="椭圆 18"/>
+            <p:cNvSpPr/>
+            <p:nvPr>
+              <p:custDataLst>
+                <p:tags r:id="rId13"/>
+              </p:custDataLst>
+            </p:nvPr>
+          </p:nvSpPr>
+          <p:spPr>
+            <a:xfrm>
+              <a:off x="14469" y="4119"/>
+              <a:ext cx="456" cy="493"/>
+            </a:xfrm>
+            <a:prstGeom prst="ellipse">
+              <a:avLst/>
+            </a:prstGeom>
+            <a:noFill/>
+            <a:ln w="38100">
+              <a:solidFill>
+                <a:srgbClr val="00B050"/>
+              </a:solidFill>
+            </a:ln>
+          </p:spPr>
+          <p:style>
+            <a:lnRef idx="2">
+              <a:schemeClr val="accent1">
+                <a:shade val="50000"/>
+              </a:schemeClr>
+            </a:lnRef>
+            <a:fillRef idx="1">
+              <a:schemeClr val="accent1"/>
+            </a:fillRef>
+            <a:effectRef idx="0">
+              <a:schemeClr val="accent1"/>
+            </a:effectRef>
+            <a:fontRef idx="minor">
+              <a:schemeClr val="lt1"/>
+            </a:fontRef>
+          </p:style>
+          <p:txBody>
+            <a:bodyPr rtlCol="0" anchor="ctr"/>
+            <a:p>
+              <a:pPr algn="ctr"/>
+              <a:endParaRPr lang="zh-CN" altLang="en-US"/>
+            </a:p>
+          </p:txBody>
+        </p:sp>
+        <p:cxnSp>
+          <p:nvCxnSpPr>
+            <p:cNvPr id="20" name="直接连接符 19"/>
+            <p:cNvCxnSpPr>
+              <a:stCxn id="18" idx="4"/>
+            </p:cNvCxnSpPr>
+            <p:nvPr/>
+          </p:nvCxnSpPr>
+          <p:spPr>
+            <a:xfrm>
+              <a:off x="5087" y="2619"/>
+              <a:ext cx="483" cy="1537"/>
+            </a:xfrm>
+            <a:prstGeom prst="line">
+              <a:avLst/>
+            </a:prstGeom>
+            <a:ln w="38100">
+              <a:solidFill>
+                <a:srgbClr val="FF0000"/>
+              </a:solidFill>
+            </a:ln>
+          </p:spPr>
+          <p:style>
+            <a:lnRef idx="1">
+              <a:schemeClr val="accent1"/>
+            </a:lnRef>
+            <a:fillRef idx="0">
+              <a:schemeClr val="accent1"/>
+            </a:fillRef>
+            <a:effectRef idx="0">
+              <a:schemeClr val="accent1"/>
+            </a:effectRef>
+            <a:fontRef idx="minor">
+              <a:schemeClr val="tx1"/>
+            </a:fontRef>
+          </p:style>
+        </p:cxnSp>
+        <p:cxnSp>
+          <p:nvCxnSpPr>
+            <p:cNvPr id="21" name="直接连接符 20"/>
+            <p:cNvCxnSpPr/>
+            <p:nvPr>
+              <p:custDataLst>
+                <p:tags r:id="rId14"/>
+              </p:custDataLst>
+            </p:nvPr>
+          </p:nvCxnSpPr>
+          <p:spPr>
+            <a:xfrm>
+              <a:off x="8099" y="2619"/>
+              <a:ext cx="483" cy="1537"/>
+            </a:xfrm>
+            <a:prstGeom prst="line">
+              <a:avLst/>
+            </a:prstGeom>
+            <a:ln w="38100">
+              <a:solidFill>
+                <a:srgbClr val="FF0000"/>
+              </a:solidFill>
+            </a:ln>
+          </p:spPr>
+          <p:style>
+            <a:lnRef idx="1">
+              <a:schemeClr val="accent1"/>
+            </a:lnRef>
+            <a:fillRef idx="0">
+              <a:schemeClr val="accent1"/>
+            </a:fillRef>
+            <a:effectRef idx="0">
+              <a:schemeClr val="accent1"/>
+            </a:effectRef>
+            <a:fontRef idx="minor">
+              <a:schemeClr val="tx1"/>
+            </a:fontRef>
+          </p:style>
+        </p:cxnSp>
+        <p:cxnSp>
+          <p:nvCxnSpPr>
+            <p:cNvPr id="22" name="直接连接符 21"/>
+            <p:cNvCxnSpPr/>
+            <p:nvPr>
+              <p:custDataLst>
+                <p:tags r:id="rId15"/>
+              </p:custDataLst>
+            </p:nvPr>
+          </p:nvCxnSpPr>
+          <p:spPr>
+            <a:xfrm>
+              <a:off x="11111" y="2582"/>
+              <a:ext cx="483" cy="1537"/>
+            </a:xfrm>
+            <a:prstGeom prst="line">
+              <a:avLst/>
+            </a:prstGeom>
+            <a:ln w="38100">
+              <a:solidFill>
+                <a:srgbClr val="FF0000"/>
+              </a:solidFill>
+            </a:ln>
+          </p:spPr>
+          <p:style>
+            <a:lnRef idx="1">
+              <a:schemeClr val="accent1"/>
+            </a:lnRef>
+            <a:fillRef idx="0">
+              <a:schemeClr val="accent1"/>
+            </a:fillRef>
+            <a:effectRef idx="0">
+              <a:schemeClr val="accent1"/>
+            </a:effectRef>
+            <a:fontRef idx="minor">
+              <a:schemeClr val="tx1"/>
+            </a:fontRef>
+          </p:style>
+        </p:cxnSp>
+        <p:cxnSp>
+          <p:nvCxnSpPr>
+            <p:cNvPr id="23" name="直接连接符 22"/>
+            <p:cNvCxnSpPr/>
+            <p:nvPr>
+              <p:custDataLst>
+                <p:tags r:id="rId16"/>
+              </p:custDataLst>
+            </p:nvPr>
+          </p:nvCxnSpPr>
+          <p:spPr>
+            <a:xfrm>
+              <a:off x="14123" y="2619"/>
+              <a:ext cx="483" cy="1537"/>
+            </a:xfrm>
+            <a:prstGeom prst="line">
+              <a:avLst/>
+            </a:prstGeom>
+            <a:ln w="38100">
+              <a:solidFill>
+                <a:srgbClr val="FF0000"/>
+              </a:solidFill>
+            </a:ln>
+          </p:spPr>
+          <p:style>
+            <a:lnRef idx="1">
+              <a:schemeClr val="accent1"/>
+            </a:lnRef>
+            <a:fillRef idx="0">
+              <a:schemeClr val="accent1"/>
+            </a:fillRef>
+            <a:effectRef idx="0">
+              <a:schemeClr val="accent1"/>
+            </a:effectRef>
+            <a:fontRef idx="minor">
+              <a:schemeClr val="tx1"/>
+            </a:fontRef>
+          </p:style>
+        </p:cxnSp>
+        <p:sp>
+          <p:nvSpPr>
+            <p:cNvPr id="24" name="椭圆 23"/>
+            <p:cNvSpPr/>
+            <p:nvPr>
+              <p:custDataLst>
+                <p:tags r:id="rId17"/>
+              </p:custDataLst>
+            </p:nvPr>
+          </p:nvSpPr>
+          <p:spPr>
+            <a:xfrm>
+              <a:off x="8486" y="4119"/>
+              <a:ext cx="456" cy="493"/>
+            </a:xfrm>
+            <a:prstGeom prst="ellipse">
+              <a:avLst/>
+            </a:prstGeom>
+            <a:noFill/>
+            <a:ln w="38100">
+              <a:solidFill>
+                <a:srgbClr val="00B050"/>
+              </a:solidFill>
+            </a:ln>
+          </p:spPr>
+          <p:style>
+            <a:lnRef idx="2">
+              <a:schemeClr val="accent1">
+                <a:shade val="50000"/>
+              </a:schemeClr>
+            </a:lnRef>
+            <a:fillRef idx="1">
+              <a:schemeClr val="accent1"/>
+            </a:fillRef>
+            <a:effectRef idx="0">
+              <a:schemeClr val="accent1"/>
+            </a:effectRef>
+            <a:fontRef idx="minor">
+              <a:schemeClr val="lt1"/>
+            </a:fontRef>
+          </p:style>
+          <p:txBody>
+            <a:bodyPr rtlCol="0" anchor="ctr"/>
+            <a:p>
+              <a:pPr algn="ctr"/>
+              <a:endParaRPr lang="zh-CN" altLang="en-US"/>
+            </a:p>
+          </p:txBody>
+        </p:sp>
+        <p:cxnSp>
+          <p:nvCxnSpPr>
+            <p:cNvPr id="25" name="直接连接符 24"/>
+            <p:cNvCxnSpPr/>
+            <p:nvPr>
+              <p:custDataLst>
+                <p:tags r:id="rId18"/>
+              </p:custDataLst>
+            </p:nvPr>
+          </p:nvCxnSpPr>
+          <p:spPr>
+            <a:xfrm flipH="1">
+              <a:off x="8817" y="3422"/>
+              <a:ext cx="217" cy="693"/>
+            </a:xfrm>
+            <a:prstGeom prst="line">
+              <a:avLst/>
+            </a:prstGeom>
+            <a:ln w="38100">
+              <a:solidFill>
+                <a:srgbClr val="FF0000"/>
+              </a:solidFill>
+            </a:ln>
+          </p:spPr>
+          <p:style>
+            <a:lnRef idx="1">
+              <a:schemeClr val="accent1"/>
+            </a:lnRef>
+            <a:fillRef idx="0">
+              <a:schemeClr val="accent1"/>
+            </a:fillRef>
+            <a:effectRef idx="0">
+              <a:schemeClr val="accent1"/>
+            </a:effectRef>
+            <a:fontRef idx="minor">
+              <a:schemeClr val="tx1"/>
+            </a:fontRef>
+          </p:style>
+        </p:cxnSp>
+        <p:sp>
+          <p:nvSpPr>
+            <p:cNvPr id="26" name="椭圆 25"/>
+            <p:cNvSpPr/>
+            <p:nvPr>
+              <p:custDataLst>
+                <p:tags r:id="rId19"/>
+              </p:custDataLst>
+            </p:nvPr>
+          </p:nvSpPr>
+          <p:spPr>
+            <a:xfrm>
+              <a:off x="11927" y="2929"/>
+              <a:ext cx="456" cy="493"/>
+            </a:xfrm>
+            <a:prstGeom prst="ellipse">
+              <a:avLst/>
+            </a:prstGeom>
+            <a:noFill/>
+            <a:ln w="38100">
+              <a:solidFill>
+                <a:srgbClr val="00B050"/>
+              </a:solidFill>
+            </a:ln>
+          </p:spPr>
+          <p:style>
+            <a:lnRef idx="2">
+              <a:schemeClr val="accent1">
+                <a:shade val="50000"/>
+              </a:schemeClr>
+            </a:lnRef>
+            <a:fillRef idx="1">
+              <a:schemeClr val="accent1"/>
+            </a:fillRef>
+            <a:effectRef idx="0">
+              <a:schemeClr val="accent1"/>
+            </a:effectRef>
+            <a:fontRef idx="minor">
+              <a:schemeClr val="lt1"/>
+            </a:fontRef>
+          </p:style>
+          <p:txBody>
+            <a:bodyPr rtlCol="0" anchor="ctr"/>
+            <a:p>
+              <a:pPr algn="ctr"/>
+              <a:endParaRPr lang="zh-CN" altLang="en-US"/>
+            </a:p>
+          </p:txBody>
+        </p:sp>
+        <p:cxnSp>
+          <p:nvCxnSpPr>
+            <p:cNvPr id="27" name="直接连接符 26"/>
+            <p:cNvCxnSpPr/>
+            <p:nvPr>
+              <p:custDataLst>
+                <p:tags r:id="rId20"/>
+              </p:custDataLst>
+            </p:nvPr>
+          </p:nvCxnSpPr>
+          <p:spPr>
+            <a:xfrm flipH="1">
+              <a:off x="11834" y="3427"/>
+              <a:ext cx="217" cy="693"/>
+            </a:xfrm>
+            <a:prstGeom prst="line">
+              <a:avLst/>
+            </a:prstGeom>
+            <a:ln w="38100">
+              <a:solidFill>
+                <a:srgbClr val="FF0000"/>
+              </a:solidFill>
+            </a:ln>
+          </p:spPr>
+          <p:style>
+            <a:lnRef idx="1">
+              <a:schemeClr val="accent1"/>
+            </a:lnRef>
+            <a:fillRef idx="0">
+              <a:schemeClr val="accent1"/>
+            </a:fillRef>
+            <a:effectRef idx="0">
+              <a:schemeClr val="accent1"/>
+            </a:effectRef>
+            <a:fontRef idx="minor">
+              <a:schemeClr val="tx1"/>
+            </a:fontRef>
+          </p:style>
+        </p:cxnSp>
+        <p:sp>
+          <p:nvSpPr>
+            <p:cNvPr id="28" name="椭圆 27"/>
+            <p:cNvSpPr/>
+            <p:nvPr>
+              <p:custDataLst>
+                <p:tags r:id="rId21"/>
+              </p:custDataLst>
+            </p:nvPr>
+          </p:nvSpPr>
+          <p:spPr>
+            <a:xfrm>
+              <a:off x="14926" y="2924"/>
+              <a:ext cx="456" cy="493"/>
+            </a:xfrm>
+            <a:prstGeom prst="ellipse">
+              <a:avLst/>
+            </a:prstGeom>
+            <a:noFill/>
+            <a:ln w="38100">
+              <a:solidFill>
+                <a:srgbClr val="00B050"/>
+              </a:solidFill>
+            </a:ln>
+          </p:spPr>
+          <p:style>
+            <a:lnRef idx="2">
+              <a:schemeClr val="accent1">
+                <a:shade val="50000"/>
+              </a:schemeClr>
+            </a:lnRef>
+            <a:fillRef idx="1">
+              <a:schemeClr val="accent1"/>
+            </a:fillRef>
+            <a:effectRef idx="0">
+              <a:schemeClr val="accent1"/>
+            </a:effectRef>
+            <a:fontRef idx="minor">
+              <a:schemeClr val="lt1"/>
+            </a:fontRef>
+          </p:style>
+          <p:txBody>
+            <a:bodyPr rtlCol="0" anchor="ctr"/>
+            <a:p>
+              <a:pPr algn="ctr"/>
+              <a:endParaRPr lang="zh-CN" altLang="en-US"/>
+            </a:p>
+          </p:txBody>
+        </p:sp>
+        <p:cxnSp>
+          <p:nvCxnSpPr>
+            <p:cNvPr id="29" name="直接连接符 28"/>
+            <p:cNvCxnSpPr/>
+            <p:nvPr>
+              <p:custDataLst>
+                <p:tags r:id="rId22"/>
+              </p:custDataLst>
+            </p:nvPr>
+          </p:nvCxnSpPr>
+          <p:spPr>
+            <a:xfrm flipH="1">
+              <a:off x="14833" y="3422"/>
+              <a:ext cx="217" cy="693"/>
+            </a:xfrm>
+            <a:prstGeom prst="line">
+              <a:avLst/>
+            </a:prstGeom>
+            <a:ln w="38100">
+              <a:solidFill>
+                <a:srgbClr val="FF0000"/>
+              </a:solidFill>
+            </a:ln>
+          </p:spPr>
+          <p:style>
+            <a:lnRef idx="1">
+              <a:schemeClr val="accent1"/>
+            </a:lnRef>
+            <a:fillRef idx="0">
+              <a:schemeClr val="accent1"/>
+            </a:fillRef>
+            <a:effectRef idx="0">
+              <a:schemeClr val="accent1"/>
+            </a:effectRef>
+            <a:fontRef idx="minor">
+              <a:schemeClr val="tx1"/>
+            </a:fontRef>
+          </p:style>
+        </p:cxnSp>
+        <p:sp>
+          <p:nvSpPr>
+            <p:cNvPr id="30" name="椭圆 29"/>
+            <p:cNvSpPr/>
+            <p:nvPr>
+              <p:custDataLst>
+                <p:tags r:id="rId23"/>
+              </p:custDataLst>
+            </p:nvPr>
+          </p:nvSpPr>
+          <p:spPr>
+            <a:xfrm>
+              <a:off x="10193" y="4115"/>
+              <a:ext cx="456" cy="493"/>
+            </a:xfrm>
+            <a:prstGeom prst="ellipse">
+              <a:avLst/>
+            </a:prstGeom>
+            <a:noFill/>
+            <a:ln w="38100">
+              <a:solidFill>
+                <a:srgbClr val="00B050"/>
+              </a:solidFill>
+            </a:ln>
+          </p:spPr>
+          <p:style>
+            <a:lnRef idx="2">
+              <a:schemeClr val="accent1">
+                <a:shade val="50000"/>
+              </a:schemeClr>
+            </a:lnRef>
+            <a:fillRef idx="1">
+              <a:schemeClr val="accent1"/>
+            </a:fillRef>
+            <a:effectRef idx="0">
+              <a:schemeClr val="accent1"/>
+            </a:effectRef>
+            <a:fontRef idx="minor">
+              <a:schemeClr val="lt1"/>
+            </a:fontRef>
+          </p:style>
+          <p:txBody>
+            <a:bodyPr rtlCol="0" anchor="ctr"/>
+            <a:p>
+              <a:pPr algn="ctr"/>
+              <a:endParaRPr lang="zh-CN" altLang="en-US"/>
+            </a:p>
+          </p:txBody>
+        </p:sp>
+        <p:cxnSp>
+          <p:nvCxnSpPr>
+            <p:cNvPr id="31" name="直接连接符 30"/>
+            <p:cNvCxnSpPr>
+              <a:stCxn id="26" idx="2"/>
+              <a:endCxn id="30" idx="7"/>
+            </p:cNvCxnSpPr>
+            <p:nvPr>
+              <p:custDataLst>
+                <p:tags r:id="rId24"/>
+              </p:custDataLst>
+            </p:nvPr>
+          </p:nvCxnSpPr>
+          <p:spPr>
+            <a:xfrm flipH="1">
+              <a:off x="10582" y="3176"/>
+              <a:ext cx="1345" cy="1011"/>
+            </a:xfrm>
+            <a:prstGeom prst="line">
+              <a:avLst/>
+            </a:prstGeom>
+            <a:ln w="38100">
+              <a:solidFill>
+                <a:srgbClr val="00B0F0"/>
+              </a:solidFill>
+            </a:ln>
+          </p:spPr>
+          <p:style>
+            <a:lnRef idx="1">
+              <a:schemeClr val="accent1"/>
+            </a:lnRef>
+            <a:fillRef idx="0">
+              <a:schemeClr val="accent1"/>
+            </a:fillRef>
+            <a:effectRef idx="0">
+              <a:schemeClr val="accent1"/>
+            </a:effectRef>
+            <a:fontRef idx="minor">
+              <a:schemeClr val="tx1"/>
+            </a:fontRef>
+          </p:style>
+        </p:cxnSp>
+        <p:sp>
+          <p:nvSpPr>
+            <p:cNvPr id="32" name="椭圆 31"/>
+            <p:cNvSpPr/>
+            <p:nvPr>
+              <p:custDataLst>
+                <p:tags r:id="rId25"/>
+              </p:custDataLst>
+            </p:nvPr>
+          </p:nvSpPr>
+          <p:spPr>
+            <a:xfrm>
+              <a:off x="13214" y="4115"/>
+              <a:ext cx="456" cy="493"/>
+            </a:xfrm>
+            <a:prstGeom prst="ellipse">
+              <a:avLst/>
+            </a:prstGeom>
+            <a:noFill/>
+            <a:ln w="38100">
+              <a:solidFill>
+                <a:srgbClr val="00B050"/>
+              </a:solidFill>
+            </a:ln>
+          </p:spPr>
+          <p:style>
+            <a:lnRef idx="2">
+              <a:schemeClr val="accent1">
+                <a:shade val="50000"/>
+              </a:schemeClr>
+            </a:lnRef>
+            <a:fillRef idx="1">
+              <a:schemeClr val="accent1"/>
+            </a:fillRef>
+            <a:effectRef idx="0">
+              <a:schemeClr val="accent1"/>
+            </a:effectRef>
+            <a:fontRef idx="minor">
+              <a:schemeClr val="lt1"/>
+            </a:fontRef>
+          </p:style>
+          <p:txBody>
+            <a:bodyPr rtlCol="0" anchor="ctr"/>
+            <a:p>
+              <a:pPr algn="ctr"/>
+              <a:endParaRPr lang="zh-CN" altLang="en-US"/>
+            </a:p>
+          </p:txBody>
+        </p:sp>
+        <p:cxnSp>
+          <p:nvCxnSpPr>
+            <p:cNvPr id="33" name="直接连接符 32"/>
+            <p:cNvCxnSpPr>
+              <a:endCxn id="32" idx="7"/>
+            </p:cNvCxnSpPr>
+            <p:nvPr>
+              <p:custDataLst>
+                <p:tags r:id="rId26"/>
+              </p:custDataLst>
+            </p:nvPr>
+          </p:nvCxnSpPr>
+          <p:spPr>
+            <a:xfrm flipH="1">
+              <a:off x="13603" y="3176"/>
+              <a:ext cx="1345" cy="1011"/>
+            </a:xfrm>
+            <a:prstGeom prst="line">
+              <a:avLst/>
+            </a:prstGeom>
+            <a:ln w="38100">
+              <a:solidFill>
+                <a:srgbClr val="00B0F0"/>
+              </a:solidFill>
+            </a:ln>
+          </p:spPr>
+          <p:style>
+            <a:lnRef idx="1">
+              <a:schemeClr val="accent1"/>
+            </a:lnRef>
+            <a:fillRef idx="0">
+              <a:schemeClr val="accent1"/>
+            </a:fillRef>
+            <a:effectRef idx="0">
+              <a:schemeClr val="accent1"/>
+            </a:effectRef>
+            <a:fontRef idx="minor">
+              <a:schemeClr val="tx1"/>
+            </a:fontRef>
+          </p:style>
+        </p:cxnSp>
+        <p:sp>
+          <p:nvSpPr>
+            <p:cNvPr id="34" name="椭圆 33"/>
+            <p:cNvSpPr/>
+            <p:nvPr>
+              <p:custDataLst>
+                <p:tags r:id="rId27"/>
+              </p:custDataLst>
+            </p:nvPr>
+          </p:nvSpPr>
+          <p:spPr>
+            <a:xfrm>
+              <a:off x="12797" y="2924"/>
+              <a:ext cx="456" cy="493"/>
+            </a:xfrm>
+            <a:prstGeom prst="ellipse">
+              <a:avLst/>
+            </a:prstGeom>
+            <a:noFill/>
+            <a:ln w="38100">
+              <a:solidFill>
+                <a:srgbClr val="00B050"/>
+              </a:solidFill>
+            </a:ln>
+          </p:spPr>
+          <p:style>
+            <a:lnRef idx="2">
+              <a:schemeClr val="accent1">
+                <a:shade val="50000"/>
+              </a:schemeClr>
+            </a:lnRef>
+            <a:fillRef idx="1">
+              <a:schemeClr val="accent1"/>
+            </a:fillRef>
+            <a:effectRef idx="0">
+              <a:schemeClr val="accent1"/>
+            </a:effectRef>
+            <a:fontRef idx="minor">
+              <a:schemeClr val="lt1"/>
+            </a:fontRef>
+          </p:style>
+          <p:txBody>
+            <a:bodyPr rtlCol="0" anchor="ctr"/>
+            <a:p>
+              <a:pPr algn="ctr"/>
+              <a:endParaRPr lang="zh-CN" altLang="en-US"/>
+            </a:p>
+          </p:txBody>
+        </p:sp>
+        <p:cxnSp>
+          <p:nvCxnSpPr>
+            <p:cNvPr id="35" name="直接连接符 34"/>
+            <p:cNvCxnSpPr/>
+            <p:nvPr>
+              <p:custDataLst>
+                <p:tags r:id="rId28"/>
+              </p:custDataLst>
+            </p:nvPr>
+          </p:nvCxnSpPr>
+          <p:spPr>
+            <a:xfrm>
+              <a:off x="13111" y="3417"/>
+              <a:ext cx="243" cy="725"/>
+            </a:xfrm>
+            <a:prstGeom prst="line">
+              <a:avLst/>
+            </a:prstGeom>
+            <a:ln w="38100">
+              <a:solidFill>
+                <a:srgbClr val="FF0000"/>
+              </a:solidFill>
+            </a:ln>
+          </p:spPr>
+          <p:style>
+            <a:lnRef idx="1">
+              <a:schemeClr val="accent1"/>
+            </a:lnRef>
+            <a:fillRef idx="0">
+              <a:schemeClr val="accent1"/>
+            </a:fillRef>
+            <a:effectRef idx="0">
+              <a:schemeClr val="accent1"/>
+            </a:effectRef>
+            <a:fontRef idx="minor">
+              <a:schemeClr val="tx1"/>
+            </a:fontRef>
+          </p:style>
+        </p:cxnSp>
+      </p:grpSp>
+    </p:spTree>
+    <p:custDataLst>
+      <p:tags r:id="rId29"/>
     </p:custDataLst>
   </p:cSld>
   <p:clrMapOvr>
@@ -33718,7 +37658,77 @@
 
 <file path=ppt/tags/tag210.xml><?xml version="1.0" encoding="utf-8"?>
 <p:tagLst xmlns:p="http://schemas.openxmlformats.org/presentationml/2006/main">
-  <p:tag name="COMMONDATA" val="eyJoZGlkIjoiMGNiYmI5YWVjOTk5ZjZhOWZjNGUxNjlhNTAzYmI0NWQifQ=="/>
+  <p:tag name="KSO_WM_UNIT_TABLE_BEAUTIFY" val="smartTable{60307dd3-eb32-4c05-a845-abce73366c29}"/>
+  <p:tag name="TABLE_SKINIDX" val="3"/>
+  <p:tag name="TABLE_COLORIDX" val="10"/>
+  <p:tag name="TABLE_COLOR_RGB" val="0x000000*0xFFFFFF*0x212121*0xFFFFFF*0xe74c3c*0xf89406*0xf7b619*0xc0ca33*0x7cb342*0x009688"/>
+  <p:tag name="TABLE_EMPHASIZE_COLOR" val="15158332"/>
+  <p:tag name="TABLE_ENDDRAG_ORIGIN_RECT" val="872*109"/>
+  <p:tag name="TABLE_ENDDRAG_RECT" val="52*223*872*109"/>
+  <p:tag name="KSO_WM_BEAUTIFY_FLAG" val=""/>
+</p:tagLst>
+</file>
+
+<file path=ppt/tags/tag211.xml><?xml version="1.0" encoding="utf-8"?>
+<p:tagLst xmlns:p="http://schemas.openxmlformats.org/presentationml/2006/main">
+  <p:tag name="KSO_WM_UNIT_TABLE_BEAUTIFY" val="smartTable{51937603-e5a5-4bab-bf1c-5778d793e235}"/>
+  <p:tag name="TABLE_SKINIDX" val="3"/>
+  <p:tag name="TABLE_COLORIDX" val="2"/>
+  <p:tag name="TABLE_COLOR_RGB" val="0x000000*0xFFFFFF*0x212121*0xFFFFFF*0x03A9F5*0x00BCD5*0x009788*0x4CB050*0x8CC34B*0xCDDC39"/>
+  <p:tag name="TABLE_ENDDRAG_ORIGIN_RECT" val="788*96"/>
+  <p:tag name="TABLE_ENDDRAG_RECT" val="27*173*788*96"/>
+  <p:tag name="TABLE_EMPHASIZE_COLOR" val="240117"/>
+  <p:tag name="KSO_WM_BEAUTIFY_FLAG" val=""/>
+</p:tagLst>
+</file>
+
+<file path=ppt/tags/tag212.xml><?xml version="1.0" encoding="utf-8"?>
+<p:tagLst xmlns:p="http://schemas.openxmlformats.org/presentationml/2006/main">
+  <p:tag name="KSO_WM_BEAUTIFY_FLAG" val="#wm#"/>
+  <p:tag name="KSO_WM_TEMPLATE_CATEGORY" val="custom"/>
+  <p:tag name="KSO_WM_TEMPLATE_INDEX" val="20205081"/>
+</p:tagLst>
+</file>
+
+<file path=ppt/tags/tag213.xml><?xml version="1.0" encoding="utf-8"?>
+<p:tagLst xmlns:p="http://schemas.openxmlformats.org/presentationml/2006/main">
+  <p:tag name="KSO_WM_BEAUTIFY_FLAG" val=""/>
+</p:tagLst>
+</file>
+
+<file path=ppt/tags/tag214.xml><?xml version="1.0" encoding="utf-8"?>
+<p:tagLst xmlns:p="http://schemas.openxmlformats.org/presentationml/2006/main">
+  <p:tag name="KSO_WM_BEAUTIFY_FLAG" val=""/>
+</p:tagLst>
+</file>
+
+<file path=ppt/tags/tag215.xml><?xml version="1.0" encoding="utf-8"?>
+<p:tagLst xmlns:p="http://schemas.openxmlformats.org/presentationml/2006/main">
+  <p:tag name="KSO_WM_BEAUTIFY_FLAG" val=""/>
+</p:tagLst>
+</file>
+
+<file path=ppt/tags/tag216.xml><?xml version="1.0" encoding="utf-8"?>
+<p:tagLst xmlns:p="http://schemas.openxmlformats.org/presentationml/2006/main">
+  <p:tag name="KSO_WM_BEAUTIFY_FLAG" val=""/>
+</p:tagLst>
+</file>
+
+<file path=ppt/tags/tag217.xml><?xml version="1.0" encoding="utf-8"?>
+<p:tagLst xmlns:p="http://schemas.openxmlformats.org/presentationml/2006/main">
+  <p:tag name="KSO_WM_BEAUTIFY_FLAG" val=""/>
+</p:tagLst>
+</file>
+
+<file path=ppt/tags/tag218.xml><?xml version="1.0" encoding="utf-8"?>
+<p:tagLst xmlns:p="http://schemas.openxmlformats.org/presentationml/2006/main">
+  <p:tag name="KSO_WM_BEAUTIFY_FLAG" val=""/>
+</p:tagLst>
+</file>
+
+<file path=ppt/tags/tag219.xml><?xml version="1.0" encoding="utf-8"?>
+<p:tagLst xmlns:p="http://schemas.openxmlformats.org/presentationml/2006/main">
+  <p:tag name="KSO_WM_BEAUTIFY_FLAG" val=""/>
 </p:tagLst>
 </file>
 
@@ -33735,6 +37745,66 @@
 </p:tagLst>
 </file>
 
+<file path=ppt/tags/tag220.xml><?xml version="1.0" encoding="utf-8"?>
+<p:tagLst xmlns:p="http://schemas.openxmlformats.org/presentationml/2006/main">
+  <p:tag name="KSO_WM_BEAUTIFY_FLAG" val=""/>
+</p:tagLst>
+</file>
+
+<file path=ppt/tags/tag221.xml><?xml version="1.0" encoding="utf-8"?>
+<p:tagLst xmlns:p="http://schemas.openxmlformats.org/presentationml/2006/main">
+  <p:tag name="KSO_WM_BEAUTIFY_FLAG" val=""/>
+</p:tagLst>
+</file>
+
+<file path=ppt/tags/tag222.xml><?xml version="1.0" encoding="utf-8"?>
+<p:tagLst xmlns:p="http://schemas.openxmlformats.org/presentationml/2006/main">
+  <p:tag name="KSO_WM_BEAUTIFY_FLAG" val=""/>
+</p:tagLst>
+</file>
+
+<file path=ppt/tags/tag223.xml><?xml version="1.0" encoding="utf-8"?>
+<p:tagLst xmlns:p="http://schemas.openxmlformats.org/presentationml/2006/main">
+  <p:tag name="KSO_WM_BEAUTIFY_FLAG" val=""/>
+</p:tagLst>
+</file>
+
+<file path=ppt/tags/tag224.xml><?xml version="1.0" encoding="utf-8"?>
+<p:tagLst xmlns:p="http://schemas.openxmlformats.org/presentationml/2006/main">
+  <p:tag name="KSO_WM_BEAUTIFY_FLAG" val=""/>
+</p:tagLst>
+</file>
+
+<file path=ppt/tags/tag225.xml><?xml version="1.0" encoding="utf-8"?>
+<p:tagLst xmlns:p="http://schemas.openxmlformats.org/presentationml/2006/main">
+  <p:tag name="KSO_WM_BEAUTIFY_FLAG" val=""/>
+</p:tagLst>
+</file>
+
+<file path=ppt/tags/tag226.xml><?xml version="1.0" encoding="utf-8"?>
+<p:tagLst xmlns:p="http://schemas.openxmlformats.org/presentationml/2006/main">
+  <p:tag name="KSO_WM_BEAUTIFY_FLAG" val=""/>
+</p:tagLst>
+</file>
+
+<file path=ppt/tags/tag227.xml><?xml version="1.0" encoding="utf-8"?>
+<p:tagLst xmlns:p="http://schemas.openxmlformats.org/presentationml/2006/main">
+  <p:tag name="KSO_WM_BEAUTIFY_FLAG" val=""/>
+</p:tagLst>
+</file>
+
+<file path=ppt/tags/tag228.xml><?xml version="1.0" encoding="utf-8"?>
+<p:tagLst xmlns:p="http://schemas.openxmlformats.org/presentationml/2006/main">
+  <p:tag name="KSO_WM_BEAUTIFY_FLAG" val=""/>
+</p:tagLst>
+</file>
+
+<file path=ppt/tags/tag229.xml><?xml version="1.0" encoding="utf-8"?>
+<p:tagLst xmlns:p="http://schemas.openxmlformats.org/presentationml/2006/main">
+  <p:tag name="KSO_WM_BEAUTIFY_FLAG" val=""/>
+</p:tagLst>
+</file>
+
 <file path=ppt/tags/tag23.xml><?xml version="1.0" encoding="utf-8"?>
 <p:tagLst xmlns:p="http://schemas.openxmlformats.org/presentationml/2006/main">
   <p:tag name="KSO_WM_UNIT_HIGHLIGHT" val="0"/>
@@ -33748,6 +37818,66 @@
 </p:tagLst>
 </file>
 
+<file path=ppt/tags/tag230.xml><?xml version="1.0" encoding="utf-8"?>
+<p:tagLst xmlns:p="http://schemas.openxmlformats.org/presentationml/2006/main">
+  <p:tag name="KSO_WM_BEAUTIFY_FLAG" val=""/>
+</p:tagLst>
+</file>
+
+<file path=ppt/tags/tag231.xml><?xml version="1.0" encoding="utf-8"?>
+<p:tagLst xmlns:p="http://schemas.openxmlformats.org/presentationml/2006/main">
+  <p:tag name="KSO_WM_BEAUTIFY_FLAG" val=""/>
+</p:tagLst>
+</file>
+
+<file path=ppt/tags/tag232.xml><?xml version="1.0" encoding="utf-8"?>
+<p:tagLst xmlns:p="http://schemas.openxmlformats.org/presentationml/2006/main">
+  <p:tag name="KSO_WM_BEAUTIFY_FLAG" val=""/>
+</p:tagLst>
+</file>
+
+<file path=ppt/tags/tag233.xml><?xml version="1.0" encoding="utf-8"?>
+<p:tagLst xmlns:p="http://schemas.openxmlformats.org/presentationml/2006/main">
+  <p:tag name="KSO_WM_BEAUTIFY_FLAG" val=""/>
+</p:tagLst>
+</file>
+
+<file path=ppt/tags/tag234.xml><?xml version="1.0" encoding="utf-8"?>
+<p:tagLst xmlns:p="http://schemas.openxmlformats.org/presentationml/2006/main">
+  <p:tag name="KSO_WM_BEAUTIFY_FLAG" val=""/>
+</p:tagLst>
+</file>
+
+<file path=ppt/tags/tag235.xml><?xml version="1.0" encoding="utf-8"?>
+<p:tagLst xmlns:p="http://schemas.openxmlformats.org/presentationml/2006/main">
+  <p:tag name="KSO_WM_BEAUTIFY_FLAG" val=""/>
+</p:tagLst>
+</file>
+
+<file path=ppt/tags/tag236.xml><?xml version="1.0" encoding="utf-8"?>
+<p:tagLst xmlns:p="http://schemas.openxmlformats.org/presentationml/2006/main">
+  <p:tag name="KSO_WM_BEAUTIFY_FLAG" val=""/>
+</p:tagLst>
+</file>
+
+<file path=ppt/tags/tag237.xml><?xml version="1.0" encoding="utf-8"?>
+<p:tagLst xmlns:p="http://schemas.openxmlformats.org/presentationml/2006/main">
+  <p:tag name="KSO_WM_BEAUTIFY_FLAG" val=""/>
+</p:tagLst>
+</file>
+
+<file path=ppt/tags/tag238.xml><?xml version="1.0" encoding="utf-8"?>
+<p:tagLst xmlns:p="http://schemas.openxmlformats.org/presentationml/2006/main">
+  <p:tag name="KSO_WM_BEAUTIFY_FLAG" val=""/>
+</p:tagLst>
+</file>
+
+<file path=ppt/tags/tag239.xml><?xml version="1.0" encoding="utf-8"?>
+<p:tagLst xmlns:p="http://schemas.openxmlformats.org/presentationml/2006/main">
+  <p:tag name="KSO_WM_BEAUTIFY_FLAG" val=""/>
+</p:tagLst>
+</file>
+
 <file path=ppt/tags/tag24.xml><?xml version="1.0" encoding="utf-8"?>
 <p:tagLst xmlns:p="http://schemas.openxmlformats.org/presentationml/2006/main">
   <p:tag name="KSO_WM_UNIT_HIGHLIGHT" val="0"/>
@@ -33758,6 +37888,20 @@
   <p:tag name="KSO_WM_UNIT_LAYERLEVEL" val="1"/>
   <p:tag name="KSO_WM_TAG_VERSION" val="1.0"/>
   <p:tag name="KSO_WM_BEAUTIFY_FLAG" val="#wm#"/>
+</p:tagLst>
+</file>
+
+<file path=ppt/tags/tag240.xml><?xml version="1.0" encoding="utf-8"?>
+<p:tagLst xmlns:p="http://schemas.openxmlformats.org/presentationml/2006/main">
+  <p:tag name="KSO_WM_BEAUTIFY_FLAG" val="#wm#"/>
+  <p:tag name="KSO_WM_TEMPLATE_CATEGORY" val="custom"/>
+  <p:tag name="KSO_WM_TEMPLATE_INDEX" val="20205081"/>
+</p:tagLst>
+</file>
+
+<file path=ppt/tags/tag241.xml><?xml version="1.0" encoding="utf-8"?>
+<p:tagLst xmlns:p="http://schemas.openxmlformats.org/presentationml/2006/main">
+  <p:tag name="COMMONDATA" val="eyJoZGlkIjoiMGNiYmI5YWVjOTk5ZjZhOWZjNGUxNjlhNTAzYmI0NWQifQ=="/>
 </p:tagLst>
 </file>
 
@@ -34852,4 +38996,263 @@
     </a:ext>
   </a:extLst>
 </a:theme>
+</file>
+
+<file path=ppt/theme/theme2.xml><?xml version="1.0" encoding="utf-8"?>
+<a:theme xmlns:a="http://schemas.openxmlformats.org/drawingml/2006/main" name="Office 主题">
+  <a:themeElements>
+    <a:clrScheme name="Office">
+      <a:dk1>
+        <a:sysClr val="windowText" lastClr="000000"/>
+      </a:dk1>
+      <a:lt1>
+        <a:sysClr val="window" lastClr="FFFFFF"/>
+      </a:lt1>
+      <a:dk2>
+        <a:srgbClr val="44546A"/>
+      </a:dk2>
+      <a:lt2>
+        <a:srgbClr val="E7E6E6"/>
+      </a:lt2>
+      <a:accent1>
+        <a:srgbClr val="5B9BD5"/>
+      </a:accent1>
+      <a:accent2>
+        <a:srgbClr val="ED7D31"/>
+      </a:accent2>
+      <a:accent3>
+        <a:srgbClr val="A5A5A5"/>
+      </a:accent3>
+      <a:accent4>
+        <a:srgbClr val="FFC000"/>
+      </a:accent4>
+      <a:accent5>
+        <a:srgbClr val="4472C4"/>
+      </a:accent5>
+      <a:accent6>
+        <a:srgbClr val="70AD47"/>
+      </a:accent6>
+      <a:hlink>
+        <a:srgbClr val="0563C1"/>
+      </a:hlink>
+      <a:folHlink>
+        <a:srgbClr val="954F72"/>
+      </a:folHlink>
+    </a:clrScheme>
+    <a:fontScheme name="Office">
+      <a:majorFont>
+        <a:latin typeface="Calibri Light"/>
+        <a:ea typeface=""/>
+        <a:cs typeface=""/>
+        <a:font script="Jpan" typeface="ＭＳ Ｐゴシック"/>
+        <a:font script="Hang" typeface="맑은 고딕"/>
+        <a:font script="Hans" typeface="宋体"/>
+        <a:font script="Hant" typeface="新細明體"/>
+        <a:font script="Arab" typeface="Times New Roman"/>
+        <a:font script="Hebr" typeface="Times New Roman"/>
+        <a:font script="Thai" typeface="Angsana New"/>
+        <a:font script="Ethi" typeface="Nyala"/>
+        <a:font script="Beng" typeface="Vrinda"/>
+        <a:font script="Gujr" typeface="Shruti"/>
+        <a:font script="Khmr" typeface="MoolBoran"/>
+        <a:font script="Knda" typeface="Tunga"/>
+        <a:font script="Guru" typeface="Raavi"/>
+        <a:font script="Cans" typeface="Euphemia"/>
+        <a:font script="Cher" typeface="Plantagenet Cherokee"/>
+        <a:font script="Yiii" typeface="Microsoft Yi Baiti"/>
+        <a:font script="Tibt" typeface="Microsoft Himalaya"/>
+        <a:font script="Thaa" typeface="MV Boli"/>
+        <a:font script="Deva" typeface="Mangal"/>
+        <a:font script="Telu" typeface="Gautami"/>
+        <a:font script="Taml" typeface="Latha"/>
+        <a:font script="Syrc" typeface="Estrangelo Edessa"/>
+        <a:font script="Orya" typeface="Kalinga"/>
+        <a:font script="Mlym" typeface="Kartika"/>
+        <a:font script="Laoo" typeface="DokChampa"/>
+        <a:font script="Sinh" typeface="Iskoola Pota"/>
+        <a:font script="Mong" typeface="Mongolian Baiti"/>
+        <a:font script="Viet" typeface="Times New Roman"/>
+        <a:font script="Uigh" typeface="Microsoft Uighur"/>
+        <a:font script="Geor" typeface="Sylfaen"/>
+      </a:majorFont>
+      <a:minorFont>
+        <a:latin typeface="Calibri"/>
+        <a:ea typeface=""/>
+        <a:cs typeface=""/>
+        <a:font script="Jpan" typeface="ＭＳ Ｐゴシック"/>
+        <a:font script="Hang" typeface="맑은 고딕"/>
+        <a:font script="Hans" typeface="宋体"/>
+        <a:font script="Hant" typeface="新細明體"/>
+        <a:font script="Arab" typeface="Arial"/>
+        <a:font script="Hebr" typeface="Arial"/>
+        <a:font script="Thai" typeface="Cordia New"/>
+        <a:font script="Ethi" typeface="Nyala"/>
+        <a:font script="Beng" typeface="Vrinda"/>
+        <a:font script="Gujr" typeface="Shruti"/>
+        <a:font script="Khmr" typeface="DaunPenh"/>
+        <a:font script="Knda" typeface="Tunga"/>
+        <a:font script="Guru" typeface="Raavi"/>
+        <a:font script="Cans" typeface="Euphemia"/>
+        <a:font script="Cher" typeface="Plantagenet Cherokee"/>
+        <a:font script="Yiii" typeface="Microsoft Yi Baiti"/>
+        <a:font script="Tibt" typeface="Microsoft Himalaya"/>
+        <a:font script="Thaa" typeface="MV Boli"/>
+        <a:font script="Deva" typeface="Mangal"/>
+        <a:font script="Telu" typeface="Gautami"/>
+        <a:font script="Taml" typeface="Latha"/>
+        <a:font script="Syrc" typeface="Estrangelo Edessa"/>
+        <a:font script="Orya" typeface="Kalinga"/>
+        <a:font script="Mlym" typeface="Kartika"/>
+        <a:font script="Laoo" typeface="DokChampa"/>
+        <a:font script="Sinh" typeface="Iskoola Pota"/>
+        <a:font script="Mong" typeface="Mongolian Baiti"/>
+        <a:font script="Viet" typeface="Arial"/>
+        <a:font script="Uigh" typeface="Microsoft Uighur"/>
+        <a:font script="Geor" typeface="Sylfaen"/>
+      </a:minorFont>
+    </a:fontScheme>
+    <a:fmtScheme name="Office">
+      <a:fillStyleLst>
+        <a:solidFill>
+          <a:schemeClr val="phClr"/>
+        </a:solidFill>
+        <a:gradFill rotWithShape="1">
+          <a:gsLst>
+            <a:gs pos="0">
+              <a:schemeClr val="phClr">
+                <a:lumMod val="110000"/>
+                <a:satMod val="105000"/>
+                <a:tint val="67000"/>
+              </a:schemeClr>
+            </a:gs>
+            <a:gs pos="50000">
+              <a:schemeClr val="phClr">
+                <a:lumMod val="105000"/>
+                <a:satMod val="103000"/>
+                <a:tint val="73000"/>
+              </a:schemeClr>
+            </a:gs>
+            <a:gs pos="100000">
+              <a:schemeClr val="phClr">
+                <a:lumMod val="105000"/>
+                <a:satMod val="109000"/>
+                <a:tint val="81000"/>
+              </a:schemeClr>
+            </a:gs>
+          </a:gsLst>
+          <a:lin ang="5400000" scaled="0"/>
+        </a:gradFill>
+        <a:gradFill rotWithShape="1">
+          <a:gsLst>
+            <a:gs pos="0">
+              <a:schemeClr val="phClr">
+                <a:satMod val="103000"/>
+                <a:lumMod val="102000"/>
+                <a:tint val="94000"/>
+              </a:schemeClr>
+            </a:gs>
+            <a:gs pos="50000">
+              <a:schemeClr val="phClr">
+                <a:satMod val="110000"/>
+                <a:lumMod val="100000"/>
+                <a:shade val="100000"/>
+              </a:schemeClr>
+            </a:gs>
+            <a:gs pos="100000">
+              <a:schemeClr val="phClr">
+                <a:lumMod val="99000"/>
+                <a:satMod val="120000"/>
+                <a:shade val="78000"/>
+              </a:schemeClr>
+            </a:gs>
+          </a:gsLst>
+          <a:lin ang="5400000" scaled="0"/>
+        </a:gradFill>
+      </a:fillStyleLst>
+      <a:lnStyleLst>
+        <a:ln w="6350" cap="flat" cmpd="sng" algn="ctr">
+          <a:solidFill>
+            <a:schemeClr val="phClr"/>
+          </a:solidFill>
+          <a:prstDash val="solid"/>
+          <a:miter lim="800000"/>
+        </a:ln>
+        <a:ln w="12700" cap="flat" cmpd="sng" algn="ctr">
+          <a:solidFill>
+            <a:schemeClr val="phClr"/>
+          </a:solidFill>
+          <a:prstDash val="solid"/>
+          <a:miter lim="800000"/>
+        </a:ln>
+        <a:ln w="19050" cap="flat" cmpd="sng" algn="ctr">
+          <a:solidFill>
+            <a:schemeClr val="phClr"/>
+          </a:solidFill>
+          <a:prstDash val="solid"/>
+          <a:miter lim="800000"/>
+        </a:ln>
+      </a:lnStyleLst>
+      <a:effectStyleLst>
+        <a:effectStyle>
+          <a:effectLst/>
+        </a:effectStyle>
+        <a:effectStyle>
+          <a:effectLst/>
+        </a:effectStyle>
+        <a:effectStyle>
+          <a:effectLst>
+            <a:outerShdw blurRad="57150" dist="19050" dir="5400000" algn="ctr" rotWithShape="0">
+              <a:srgbClr val="000000">
+                <a:alpha val="63000"/>
+              </a:srgbClr>
+            </a:outerShdw>
+          </a:effectLst>
+        </a:effectStyle>
+      </a:effectStyleLst>
+      <a:bgFillStyleLst>
+        <a:solidFill>
+          <a:schemeClr val="phClr"/>
+        </a:solidFill>
+        <a:solidFill>
+          <a:schemeClr val="phClr">
+            <a:tint val="95000"/>
+            <a:satMod val="170000"/>
+          </a:schemeClr>
+        </a:solidFill>
+        <a:gradFill rotWithShape="1">
+          <a:gsLst>
+            <a:gs pos="0">
+              <a:schemeClr val="phClr">
+                <a:tint val="93000"/>
+                <a:satMod val="150000"/>
+                <a:shade val="98000"/>
+                <a:lumMod val="102000"/>
+              </a:schemeClr>
+            </a:gs>
+            <a:gs pos="50000">
+              <a:schemeClr val="phClr">
+                <a:tint val="98000"/>
+                <a:satMod val="130000"/>
+                <a:shade val="90000"/>
+                <a:lumMod val="103000"/>
+              </a:schemeClr>
+            </a:gs>
+            <a:gs pos="100000">
+              <a:schemeClr val="phClr">
+                <a:shade val="63000"/>
+                <a:satMod val="120000"/>
+              </a:schemeClr>
+            </a:gs>
+          </a:gsLst>
+          <a:lin ang="5400000" scaled="0"/>
+        </a:gradFill>
+      </a:bgFillStyleLst>
+    </a:fmtScheme>
+  </a:themeElements>
+  <a:extLst>
+    <a:ext uri="{05A4C25C-085E-4340-85A3-A5531E510DB2}">
+      <thm15:themeFamily xmlns:thm15="http://schemas.microsoft.com/office/thememl/2012/main" name="Office Theme" id="{62F939B6-93AF-4DB8-9C6B-D6C7DFDC589F}" vid="{4A3C46E8-61CC-4603-A589-7422A47A8E4A}"/>
+    </a:ext>
+  </a:extLst>
+</a:theme>
 </file>